--- a/Stock_Analysis_Tool_Presentation.pptx
+++ b/Stock_Analysis_Tool_Presentation.pptx
@@ -8,13 +8,8 @@
     <p:sldId id="256" r:id="rId2"/>
     <p:sldId id="257" r:id="rId3"/>
     <p:sldId id="258" r:id="rId4"/>
-    <p:sldId id="259" r:id="rId5"/>
-    <p:sldId id="260" r:id="rId6"/>
-    <p:sldId id="261" r:id="rId7"/>
-    <p:sldId id="262" r:id="rId8"/>
-    <p:sldId id="263" r:id="rId9"/>
-    <p:sldId id="264" r:id="rId10"/>
-    <p:sldId id="265" r:id="rId11"/>
+    <p:sldId id="263" r:id="rId5"/>
+    <p:sldId id="265" r:id="rId6"/>
   </p:sldIdLst>
   <p:sldSz cx="9144000" cy="6858000" type="screen4x3"/>
   <p:notesSz cx="6858000" cy="9144000"/>
@@ -133,788 +128,6 @@
 </file>
 
 <file path=ppt/diagrams/colors1.xml><?xml version="1.0" encoding="utf-8"?>
-<dgm:colorsDef xmlns:dgm="http://schemas.openxmlformats.org/drawingml/2006/diagram" xmlns:a="http://schemas.openxmlformats.org/drawingml/2006/main" uniqueId="urn:microsoft.com/office/officeart/2005/8/colors/colorful5">
-  <dgm:title val=""/>
-  <dgm:desc val=""/>
-  <dgm:catLst>
-    <dgm:cat type="colorful" pri="10500"/>
-  </dgm:catLst>
-  <dgm:styleLbl name="node0">
-    <dgm:fillClrLst meth="repeat">
-      <a:schemeClr val="accent4"/>
-    </dgm:fillClrLst>
-    <dgm:linClrLst meth="repeat">
-      <a:schemeClr val="lt1"/>
-    </dgm:linClrLst>
-    <dgm:effectClrLst/>
-    <dgm:txLinClrLst/>
-    <dgm:txFillClrLst/>
-    <dgm:txEffectClrLst/>
-  </dgm:styleLbl>
-  <dgm:styleLbl name="node1">
-    <dgm:fillClrLst>
-      <a:schemeClr val="accent5"/>
-      <a:schemeClr val="accent6"/>
-    </dgm:fillClrLst>
-    <dgm:linClrLst meth="repeat">
-      <a:schemeClr val="lt1"/>
-    </dgm:linClrLst>
-    <dgm:effectClrLst/>
-    <dgm:txLinClrLst/>
-    <dgm:txFillClrLst/>
-    <dgm:txEffectClrLst/>
-  </dgm:styleLbl>
-  <dgm:styleLbl name="alignNode1">
-    <dgm:fillClrLst>
-      <a:schemeClr val="accent5"/>
-      <a:schemeClr val="accent6"/>
-    </dgm:fillClrLst>
-    <dgm:linClrLst>
-      <a:schemeClr val="accent5"/>
-      <a:schemeClr val="accent6"/>
-    </dgm:linClrLst>
-    <dgm:effectClrLst/>
-    <dgm:txLinClrLst/>
-    <dgm:txFillClrLst/>
-    <dgm:txEffectClrLst/>
-  </dgm:styleLbl>
-  <dgm:styleLbl name="lnNode1">
-    <dgm:fillClrLst>
-      <a:schemeClr val="accent5"/>
-      <a:schemeClr val="accent6"/>
-    </dgm:fillClrLst>
-    <dgm:linClrLst meth="repeat">
-      <a:schemeClr val="lt1"/>
-    </dgm:linClrLst>
-    <dgm:effectClrLst/>
-    <dgm:txLinClrLst/>
-    <dgm:txFillClrLst/>
-    <dgm:txEffectClrLst/>
-  </dgm:styleLbl>
-  <dgm:styleLbl name="vennNode1">
-    <dgm:fillClrLst>
-      <a:schemeClr val="accent5">
-        <a:alpha val="50000"/>
-      </a:schemeClr>
-      <a:schemeClr val="accent6">
-        <a:alpha val="50000"/>
-      </a:schemeClr>
-    </dgm:fillClrLst>
-    <dgm:linClrLst meth="repeat">
-      <a:schemeClr val="lt1"/>
-    </dgm:linClrLst>
-    <dgm:effectClrLst/>
-    <dgm:txLinClrLst/>
-    <dgm:txFillClrLst/>
-    <dgm:txEffectClrLst/>
-  </dgm:styleLbl>
-  <dgm:styleLbl name="node2">
-    <dgm:fillClrLst>
-      <a:schemeClr val="accent6"/>
-    </dgm:fillClrLst>
-    <dgm:linClrLst meth="repeat">
-      <a:schemeClr val="lt1"/>
-    </dgm:linClrLst>
-    <dgm:effectClrLst/>
-    <dgm:txLinClrLst/>
-    <dgm:txFillClrLst/>
-    <dgm:txEffectClrLst/>
-  </dgm:styleLbl>
-  <dgm:styleLbl name="node3">
-    <dgm:fillClrLst>
-      <a:schemeClr val="accent1"/>
-    </dgm:fillClrLst>
-    <dgm:linClrLst meth="repeat">
-      <a:schemeClr val="lt1"/>
-    </dgm:linClrLst>
-    <dgm:effectClrLst/>
-    <dgm:txLinClrLst/>
-    <dgm:txFillClrLst/>
-    <dgm:txEffectClrLst/>
-  </dgm:styleLbl>
-  <dgm:styleLbl name="node4">
-    <dgm:fillClrLst>
-      <a:schemeClr val="accent2"/>
-    </dgm:fillClrLst>
-    <dgm:linClrLst meth="repeat">
-      <a:schemeClr val="lt1"/>
-    </dgm:linClrLst>
-    <dgm:effectClrLst/>
-    <dgm:txLinClrLst/>
-    <dgm:txFillClrLst/>
-    <dgm:txEffectClrLst/>
-  </dgm:styleLbl>
-  <dgm:styleLbl name="fgImgPlace1">
-    <dgm:fillClrLst>
-      <a:schemeClr val="accent5">
-        <a:tint val="50000"/>
-      </a:schemeClr>
-      <a:schemeClr val="accent6">
-        <a:tint val="50000"/>
-      </a:schemeClr>
-    </dgm:fillClrLst>
-    <dgm:linClrLst meth="repeat">
-      <a:schemeClr val="lt1"/>
-    </dgm:linClrLst>
-    <dgm:effectClrLst/>
-    <dgm:txLinClrLst/>
-    <dgm:txFillClrLst meth="repeat">
-      <a:schemeClr val="lt1"/>
-    </dgm:txFillClrLst>
-    <dgm:txEffectClrLst/>
-  </dgm:styleLbl>
-  <dgm:styleLbl name="alignImgPlace1">
-    <dgm:fillClrLst>
-      <a:schemeClr val="accent5">
-        <a:tint val="50000"/>
-      </a:schemeClr>
-      <a:schemeClr val="accent6">
-        <a:tint val="20000"/>
-      </a:schemeClr>
-    </dgm:fillClrLst>
-    <dgm:linClrLst meth="repeat">
-      <a:schemeClr val="lt1"/>
-    </dgm:linClrLst>
-    <dgm:effectClrLst/>
-    <dgm:txLinClrLst/>
-    <dgm:txFillClrLst meth="repeat">
-      <a:schemeClr val="lt1"/>
-    </dgm:txFillClrLst>
-    <dgm:txEffectClrLst/>
-  </dgm:styleLbl>
-  <dgm:styleLbl name="bgImgPlace1">
-    <dgm:fillClrLst>
-      <a:schemeClr val="accent5">
-        <a:tint val="50000"/>
-      </a:schemeClr>
-      <a:schemeClr val="accent6">
-        <a:tint val="20000"/>
-      </a:schemeClr>
-    </dgm:fillClrLst>
-    <dgm:linClrLst meth="repeat">
-      <a:schemeClr val="lt1"/>
-    </dgm:linClrLst>
-    <dgm:effectClrLst/>
-    <dgm:txLinClrLst/>
-    <dgm:txFillClrLst meth="repeat">
-      <a:schemeClr val="lt1"/>
-    </dgm:txFillClrLst>
-    <dgm:txEffectClrLst/>
-  </dgm:styleLbl>
-  <dgm:styleLbl name="sibTrans2D1">
-    <dgm:fillClrLst>
-      <a:schemeClr val="accent5"/>
-      <a:schemeClr val="accent6"/>
-    </dgm:fillClrLst>
-    <dgm:linClrLst meth="repeat">
-      <a:schemeClr val="lt1"/>
-    </dgm:linClrLst>
-    <dgm:effectClrLst/>
-    <dgm:txLinClrLst/>
-    <dgm:txFillClrLst/>
-    <dgm:txEffectClrLst/>
-  </dgm:styleLbl>
-  <dgm:styleLbl name="fgSibTrans2D1">
-    <dgm:fillClrLst>
-      <a:schemeClr val="accent5"/>
-      <a:schemeClr val="accent6"/>
-    </dgm:fillClrLst>
-    <dgm:linClrLst meth="repeat">
-      <a:schemeClr val="lt1"/>
-    </dgm:linClrLst>
-    <dgm:effectClrLst/>
-    <dgm:txLinClrLst/>
-    <dgm:txFillClrLst meth="repeat">
-      <a:schemeClr val="lt1"/>
-    </dgm:txFillClrLst>
-    <dgm:txEffectClrLst/>
-  </dgm:styleLbl>
-  <dgm:styleLbl name="bgSibTrans2D1">
-    <dgm:fillClrLst>
-      <a:schemeClr val="accent5"/>
-      <a:schemeClr val="accent6"/>
-    </dgm:fillClrLst>
-    <dgm:linClrLst meth="repeat">
-      <a:schemeClr val="lt1"/>
-    </dgm:linClrLst>
-    <dgm:effectClrLst/>
-    <dgm:txLinClrLst/>
-    <dgm:txFillClrLst meth="repeat">
-      <a:schemeClr val="lt1"/>
-    </dgm:txFillClrLst>
-    <dgm:txEffectClrLst/>
-  </dgm:styleLbl>
-  <dgm:styleLbl name="sibTrans1D1">
-    <dgm:fillClrLst/>
-    <dgm:linClrLst>
-      <a:schemeClr val="accent5"/>
-      <a:schemeClr val="accent6"/>
-    </dgm:linClrLst>
-    <dgm:effectClrLst/>
-    <dgm:txLinClrLst/>
-    <dgm:txFillClrLst meth="repeat">
-      <a:schemeClr val="tx1"/>
-    </dgm:txFillClrLst>
-    <dgm:txEffectClrLst/>
-  </dgm:styleLbl>
-  <dgm:styleLbl name="callout">
-    <dgm:fillClrLst meth="repeat">
-      <a:schemeClr val="accent5"/>
-    </dgm:fillClrLst>
-    <dgm:linClrLst meth="repeat">
-      <a:schemeClr val="accent5">
-        <a:tint val="50000"/>
-      </a:schemeClr>
-    </dgm:linClrLst>
-    <dgm:effectClrLst/>
-    <dgm:txLinClrLst/>
-    <dgm:txFillClrLst meth="repeat">
-      <a:schemeClr val="tx1"/>
-    </dgm:txFillClrLst>
-    <dgm:txEffectClrLst/>
-  </dgm:styleLbl>
-  <dgm:styleLbl name="asst0">
-    <dgm:fillClrLst meth="repeat">
-      <a:schemeClr val="accent5"/>
-    </dgm:fillClrLst>
-    <dgm:linClrLst meth="repeat">
-      <a:schemeClr val="lt1">
-        <a:shade val="80000"/>
-      </a:schemeClr>
-    </dgm:linClrLst>
-    <dgm:effectClrLst/>
-    <dgm:txLinClrLst/>
-    <dgm:txFillClrLst/>
-    <dgm:txEffectClrLst/>
-  </dgm:styleLbl>
-  <dgm:styleLbl name="asst1">
-    <dgm:fillClrLst meth="repeat">
-      <a:schemeClr val="accent6"/>
-    </dgm:fillClrLst>
-    <dgm:linClrLst meth="repeat">
-      <a:schemeClr val="lt1">
-        <a:shade val="80000"/>
-      </a:schemeClr>
-    </dgm:linClrLst>
-    <dgm:effectClrLst/>
-    <dgm:txLinClrLst/>
-    <dgm:txFillClrLst/>
-    <dgm:txEffectClrLst/>
-  </dgm:styleLbl>
-  <dgm:styleLbl name="asst2">
-    <dgm:fillClrLst>
-      <a:schemeClr val="accent1"/>
-    </dgm:fillClrLst>
-    <dgm:linClrLst meth="repeat">
-      <a:schemeClr val="lt1"/>
-    </dgm:linClrLst>
-    <dgm:effectClrLst/>
-    <dgm:txLinClrLst/>
-    <dgm:txFillClrLst/>
-    <dgm:txEffectClrLst/>
-  </dgm:styleLbl>
-  <dgm:styleLbl name="asst3">
-    <dgm:fillClrLst>
-      <a:schemeClr val="accent2"/>
-    </dgm:fillClrLst>
-    <dgm:linClrLst meth="repeat">
-      <a:schemeClr val="lt1"/>
-    </dgm:linClrLst>
-    <dgm:effectClrLst/>
-    <dgm:txLinClrLst/>
-    <dgm:txFillClrLst/>
-    <dgm:txEffectClrLst/>
-  </dgm:styleLbl>
-  <dgm:styleLbl name="asst4">
-    <dgm:fillClrLst>
-      <a:schemeClr val="accent3"/>
-    </dgm:fillClrLst>
-    <dgm:linClrLst meth="repeat">
-      <a:schemeClr val="lt1"/>
-    </dgm:linClrLst>
-    <dgm:effectClrLst/>
-    <dgm:txLinClrLst/>
-    <dgm:txFillClrLst/>
-    <dgm:txEffectClrLst/>
-  </dgm:styleLbl>
-  <dgm:styleLbl name="parChTrans2D1">
-    <dgm:fillClrLst meth="repeat">
-      <a:schemeClr val="accent5"/>
-    </dgm:fillClrLst>
-    <dgm:linClrLst meth="repeat">
-      <a:schemeClr val="lt1"/>
-    </dgm:linClrLst>
-    <dgm:effectClrLst/>
-    <dgm:txLinClrLst/>
-    <dgm:txFillClrLst meth="repeat">
-      <a:schemeClr val="lt1"/>
-    </dgm:txFillClrLst>
-    <dgm:txEffectClrLst/>
-  </dgm:styleLbl>
-  <dgm:styleLbl name="parChTrans2D2">
-    <dgm:fillClrLst meth="repeat">
-      <a:schemeClr val="accent6"/>
-    </dgm:fillClrLst>
-    <dgm:linClrLst meth="repeat">
-      <a:schemeClr val="lt1"/>
-    </dgm:linClrLst>
-    <dgm:effectClrLst/>
-    <dgm:txLinClrLst/>
-    <dgm:txFillClrLst/>
-    <dgm:txEffectClrLst/>
-  </dgm:styleLbl>
-  <dgm:styleLbl name="parChTrans2D3">
-    <dgm:fillClrLst meth="repeat">
-      <a:schemeClr val="accent6"/>
-    </dgm:fillClrLst>
-    <dgm:linClrLst meth="repeat">
-      <a:schemeClr val="lt1"/>
-    </dgm:linClrLst>
-    <dgm:effectClrLst/>
-    <dgm:txLinClrLst/>
-    <dgm:txFillClrLst/>
-    <dgm:txEffectClrLst/>
-  </dgm:styleLbl>
-  <dgm:styleLbl name="parChTrans2D4">
-    <dgm:fillClrLst meth="repeat">
-      <a:schemeClr val="accent1"/>
-    </dgm:fillClrLst>
-    <dgm:linClrLst meth="repeat">
-      <a:schemeClr val="lt1"/>
-    </dgm:linClrLst>
-    <dgm:effectClrLst/>
-    <dgm:txLinClrLst/>
-    <dgm:txFillClrLst meth="repeat">
-      <a:schemeClr val="lt1"/>
-    </dgm:txFillClrLst>
-    <dgm:txEffectClrLst/>
-  </dgm:styleLbl>
-  <dgm:styleLbl name="parChTrans1D1">
-    <dgm:fillClrLst meth="repeat">
-      <a:schemeClr val="accent5"/>
-    </dgm:fillClrLst>
-    <dgm:linClrLst meth="repeat">
-      <a:schemeClr val="accent5"/>
-    </dgm:linClrLst>
-    <dgm:effectClrLst/>
-    <dgm:txLinClrLst/>
-    <dgm:txFillClrLst meth="repeat">
-      <a:schemeClr val="tx1"/>
-    </dgm:txFillClrLst>
-    <dgm:txEffectClrLst/>
-  </dgm:styleLbl>
-  <dgm:styleLbl name="parChTrans1D2">
-    <dgm:fillClrLst meth="repeat">
-      <a:schemeClr val="accent6">
-        <a:tint val="90000"/>
-      </a:schemeClr>
-    </dgm:fillClrLst>
-    <dgm:linClrLst meth="repeat">
-      <a:schemeClr val="accent6"/>
-    </dgm:linClrLst>
-    <dgm:effectClrLst/>
-    <dgm:txLinClrLst/>
-    <dgm:txFillClrLst meth="repeat">
-      <a:schemeClr val="tx1"/>
-    </dgm:txFillClrLst>
-    <dgm:txEffectClrLst/>
-  </dgm:styleLbl>
-  <dgm:styleLbl name="parChTrans1D3">
-    <dgm:fillClrLst meth="repeat">
-      <a:schemeClr val="accent6">
-        <a:tint val="70000"/>
-      </a:schemeClr>
-    </dgm:fillClrLst>
-    <dgm:linClrLst meth="repeat">
-      <a:schemeClr val="accent1"/>
-    </dgm:linClrLst>
-    <dgm:effectClrLst/>
-    <dgm:txLinClrLst/>
-    <dgm:txFillClrLst meth="repeat">
-      <a:schemeClr val="tx1"/>
-    </dgm:txFillClrLst>
-    <dgm:txEffectClrLst/>
-  </dgm:styleLbl>
-  <dgm:styleLbl name="parChTrans1D4">
-    <dgm:fillClrLst meth="repeat">
-      <a:schemeClr val="accent6">
-        <a:tint val="50000"/>
-      </a:schemeClr>
-    </dgm:fillClrLst>
-    <dgm:linClrLst meth="repeat">
-      <a:schemeClr val="accent2"/>
-    </dgm:linClrLst>
-    <dgm:effectClrLst/>
-    <dgm:txLinClrLst/>
-    <dgm:txFillClrLst meth="repeat">
-      <a:schemeClr val="tx1"/>
-    </dgm:txFillClrLst>
-    <dgm:txEffectClrLst/>
-  </dgm:styleLbl>
-  <dgm:styleLbl name="fgAcc1">
-    <dgm:fillClrLst meth="repeat">
-      <a:schemeClr val="lt1">
-        <a:alpha val="90000"/>
-      </a:schemeClr>
-    </dgm:fillClrLst>
-    <dgm:linClrLst>
-      <a:schemeClr val="accent5"/>
-      <a:schemeClr val="accent6"/>
-    </dgm:linClrLst>
-    <dgm:effectClrLst/>
-    <dgm:txLinClrLst/>
-    <dgm:txFillClrLst meth="repeat">
-      <a:schemeClr val="dk1"/>
-    </dgm:txFillClrLst>
-    <dgm:txEffectClrLst/>
-  </dgm:styleLbl>
-  <dgm:styleLbl name="conFgAcc1">
-    <dgm:fillClrLst meth="repeat">
-      <a:schemeClr val="lt1">
-        <a:alpha val="90000"/>
-      </a:schemeClr>
-    </dgm:fillClrLst>
-    <dgm:linClrLst>
-      <a:schemeClr val="accent5"/>
-      <a:schemeClr val="accent6"/>
-    </dgm:linClrLst>
-    <dgm:effectClrLst/>
-    <dgm:txLinClrLst/>
-    <dgm:txFillClrLst meth="repeat">
-      <a:schemeClr val="dk1"/>
-    </dgm:txFillClrLst>
-    <dgm:txEffectClrLst/>
-  </dgm:styleLbl>
-  <dgm:styleLbl name="alignAcc1">
-    <dgm:fillClrLst meth="repeat">
-      <a:schemeClr val="lt1">
-        <a:alpha val="90000"/>
-      </a:schemeClr>
-    </dgm:fillClrLst>
-    <dgm:linClrLst>
-      <a:schemeClr val="accent5"/>
-      <a:schemeClr val="accent6"/>
-    </dgm:linClrLst>
-    <dgm:effectClrLst/>
-    <dgm:txLinClrLst/>
-    <dgm:txFillClrLst meth="repeat">
-      <a:schemeClr val="dk1"/>
-    </dgm:txFillClrLst>
-    <dgm:txEffectClrLst/>
-  </dgm:styleLbl>
-  <dgm:styleLbl name="trAlignAcc1">
-    <dgm:fillClrLst meth="repeat">
-      <a:schemeClr val="lt1">
-        <a:alpha val="40000"/>
-      </a:schemeClr>
-    </dgm:fillClrLst>
-    <dgm:linClrLst meth="repeat">
-      <a:schemeClr val="accent5"/>
-    </dgm:linClrLst>
-    <dgm:effectClrLst/>
-    <dgm:txLinClrLst/>
-    <dgm:txFillClrLst meth="repeat">
-      <a:schemeClr val="dk1"/>
-    </dgm:txFillClrLst>
-    <dgm:txEffectClrLst/>
-  </dgm:styleLbl>
-  <dgm:styleLbl name="bgAcc1">
-    <dgm:fillClrLst meth="repeat">
-      <a:schemeClr val="lt1">
-        <a:alpha val="90000"/>
-      </a:schemeClr>
-    </dgm:fillClrLst>
-    <dgm:linClrLst>
-      <a:schemeClr val="accent5"/>
-      <a:schemeClr val="accent6"/>
-    </dgm:linClrLst>
-    <dgm:effectClrLst/>
-    <dgm:txLinClrLst/>
-    <dgm:txFillClrLst meth="repeat">
-      <a:schemeClr val="dk1"/>
-    </dgm:txFillClrLst>
-    <dgm:txEffectClrLst/>
-  </dgm:styleLbl>
-  <dgm:styleLbl name="solidFgAcc1">
-    <dgm:fillClrLst meth="repeat">
-      <a:schemeClr val="lt1"/>
-    </dgm:fillClrLst>
-    <dgm:linClrLst>
-      <a:schemeClr val="accent5"/>
-      <a:schemeClr val="accent6"/>
-    </dgm:linClrLst>
-    <dgm:effectClrLst/>
-    <dgm:txLinClrLst/>
-    <dgm:txFillClrLst meth="repeat">
-      <a:schemeClr val="dk1"/>
-    </dgm:txFillClrLst>
-    <dgm:txEffectClrLst/>
-  </dgm:styleLbl>
-  <dgm:styleLbl name="solidAlignAcc1">
-    <dgm:fillClrLst meth="repeat">
-      <a:schemeClr val="lt1"/>
-    </dgm:fillClrLst>
-    <dgm:linClrLst>
-      <a:schemeClr val="accent5"/>
-      <a:schemeClr val="accent6"/>
-    </dgm:linClrLst>
-    <dgm:effectClrLst/>
-    <dgm:txLinClrLst/>
-    <dgm:txFillClrLst meth="repeat">
-      <a:schemeClr val="dk1"/>
-    </dgm:txFillClrLst>
-    <dgm:txEffectClrLst/>
-  </dgm:styleLbl>
-  <dgm:styleLbl name="solidBgAcc1">
-    <dgm:fillClrLst meth="repeat">
-      <a:schemeClr val="lt1"/>
-    </dgm:fillClrLst>
-    <dgm:linClrLst>
-      <a:schemeClr val="accent5"/>
-      <a:schemeClr val="accent6"/>
-    </dgm:linClrLst>
-    <dgm:effectClrLst/>
-    <dgm:txLinClrLst/>
-    <dgm:txFillClrLst meth="repeat">
-      <a:schemeClr val="dk1"/>
-    </dgm:txFillClrLst>
-    <dgm:txEffectClrLst/>
-  </dgm:styleLbl>
-  <dgm:styleLbl name="fgAccFollowNode1">
-    <dgm:fillClrLst>
-      <a:schemeClr val="accent5">
-        <a:tint val="40000"/>
-        <a:alpha val="90000"/>
-      </a:schemeClr>
-      <a:schemeClr val="accent6">
-        <a:tint val="40000"/>
-        <a:alpha val="90000"/>
-      </a:schemeClr>
-    </dgm:fillClrLst>
-    <dgm:linClrLst>
-      <a:schemeClr val="accent5">
-        <a:tint val="40000"/>
-        <a:alpha val="90000"/>
-      </a:schemeClr>
-      <a:schemeClr val="accent5">
-        <a:tint val="40000"/>
-        <a:alpha val="90000"/>
-      </a:schemeClr>
-    </dgm:linClrLst>
-    <dgm:effectClrLst/>
-    <dgm:txLinClrLst/>
-    <dgm:txFillClrLst meth="repeat">
-      <a:schemeClr val="dk1"/>
-    </dgm:txFillClrLst>
-    <dgm:txEffectClrLst/>
-  </dgm:styleLbl>
-  <dgm:styleLbl name="alignAccFollowNode1">
-    <dgm:fillClrLst>
-      <a:schemeClr val="accent5">
-        <a:tint val="40000"/>
-        <a:alpha val="90000"/>
-      </a:schemeClr>
-      <a:schemeClr val="accent6">
-        <a:tint val="40000"/>
-        <a:alpha val="90000"/>
-      </a:schemeClr>
-    </dgm:fillClrLst>
-    <dgm:linClrLst>
-      <a:schemeClr val="accent5">
-        <a:tint val="40000"/>
-        <a:alpha val="90000"/>
-      </a:schemeClr>
-      <a:schemeClr val="accent6">
-        <a:tint val="40000"/>
-        <a:alpha val="90000"/>
-      </a:schemeClr>
-    </dgm:linClrLst>
-    <dgm:effectClrLst/>
-    <dgm:txLinClrLst/>
-    <dgm:txFillClrLst meth="repeat">
-      <a:schemeClr val="dk1"/>
-    </dgm:txFillClrLst>
-    <dgm:txEffectClrLst/>
-  </dgm:styleLbl>
-  <dgm:styleLbl name="bgAccFollowNode1">
-    <dgm:fillClrLst>
-      <a:schemeClr val="accent5">
-        <a:tint val="40000"/>
-        <a:alpha val="90000"/>
-      </a:schemeClr>
-      <a:schemeClr val="accent6">
-        <a:tint val="40000"/>
-        <a:alpha val="90000"/>
-      </a:schemeClr>
-    </dgm:fillClrLst>
-    <dgm:linClrLst>
-      <a:schemeClr val="accent5">
-        <a:tint val="40000"/>
-        <a:alpha val="90000"/>
-      </a:schemeClr>
-      <a:schemeClr val="accent6">
-        <a:tint val="40000"/>
-        <a:alpha val="90000"/>
-      </a:schemeClr>
-    </dgm:linClrLst>
-    <dgm:effectClrLst/>
-    <dgm:txLinClrLst/>
-    <dgm:txFillClrLst meth="repeat">
-      <a:schemeClr val="dk1"/>
-    </dgm:txFillClrLst>
-    <dgm:txEffectClrLst/>
-  </dgm:styleLbl>
-  <dgm:styleLbl name="fgAcc0">
-    <dgm:fillClrLst meth="repeat">
-      <a:schemeClr val="lt1">
-        <a:alpha val="90000"/>
-      </a:schemeClr>
-    </dgm:fillClrLst>
-    <dgm:linClrLst>
-      <a:schemeClr val="accent4"/>
-    </dgm:linClrLst>
-    <dgm:effectClrLst/>
-    <dgm:txLinClrLst/>
-    <dgm:txFillClrLst meth="repeat">
-      <a:schemeClr val="dk1"/>
-    </dgm:txFillClrLst>
-    <dgm:txEffectClrLst/>
-  </dgm:styleLbl>
-  <dgm:styleLbl name="fgAcc2">
-    <dgm:fillClrLst meth="repeat">
-      <a:schemeClr val="lt1">
-        <a:alpha val="90000"/>
-      </a:schemeClr>
-    </dgm:fillClrLst>
-    <dgm:linClrLst>
-      <a:schemeClr val="accent6"/>
-    </dgm:linClrLst>
-    <dgm:effectClrLst/>
-    <dgm:txLinClrLst/>
-    <dgm:txFillClrLst meth="repeat">
-      <a:schemeClr val="dk1"/>
-    </dgm:txFillClrLst>
-    <dgm:txEffectClrLst/>
-  </dgm:styleLbl>
-  <dgm:styleLbl name="fgAcc3">
-    <dgm:fillClrLst meth="repeat">
-      <a:schemeClr val="lt1">
-        <a:alpha val="90000"/>
-      </a:schemeClr>
-    </dgm:fillClrLst>
-    <dgm:linClrLst>
-      <a:schemeClr val="accent1"/>
-    </dgm:linClrLst>
-    <dgm:effectClrLst/>
-    <dgm:txLinClrLst/>
-    <dgm:txFillClrLst meth="repeat">
-      <a:schemeClr val="dk1"/>
-    </dgm:txFillClrLst>
-    <dgm:txEffectClrLst/>
-  </dgm:styleLbl>
-  <dgm:styleLbl name="fgAcc4">
-    <dgm:fillClrLst meth="repeat">
-      <a:schemeClr val="lt1">
-        <a:alpha val="90000"/>
-      </a:schemeClr>
-    </dgm:fillClrLst>
-    <dgm:linClrLst>
-      <a:schemeClr val="accent2"/>
-    </dgm:linClrLst>
-    <dgm:effectClrLst/>
-    <dgm:txLinClrLst/>
-    <dgm:txFillClrLst meth="repeat">
-      <a:schemeClr val="dk1"/>
-    </dgm:txFillClrLst>
-    <dgm:txEffectClrLst/>
-  </dgm:styleLbl>
-  <dgm:styleLbl name="bgShp">
-    <dgm:fillClrLst meth="repeat">
-      <a:schemeClr val="accent5">
-        <a:tint val="40000"/>
-      </a:schemeClr>
-    </dgm:fillClrLst>
-    <dgm:linClrLst meth="repeat">
-      <a:schemeClr val="dk1"/>
-    </dgm:linClrLst>
-    <dgm:effectClrLst/>
-    <dgm:txLinClrLst/>
-    <dgm:txFillClrLst meth="repeat">
-      <a:schemeClr val="dk1"/>
-    </dgm:txFillClrLst>
-    <dgm:txEffectClrLst/>
-  </dgm:styleLbl>
-  <dgm:styleLbl name="dkBgShp">
-    <dgm:fillClrLst meth="repeat">
-      <a:schemeClr val="accent5">
-        <a:shade val="90000"/>
-      </a:schemeClr>
-    </dgm:fillClrLst>
-    <dgm:linClrLst meth="repeat">
-      <a:schemeClr val="dk1"/>
-    </dgm:linClrLst>
-    <dgm:effectClrLst/>
-    <dgm:txLinClrLst/>
-    <dgm:txFillClrLst meth="repeat">
-      <a:schemeClr val="lt1"/>
-    </dgm:txFillClrLst>
-    <dgm:txEffectClrLst/>
-  </dgm:styleLbl>
-  <dgm:styleLbl name="trBgShp">
-    <dgm:fillClrLst meth="repeat">
-      <a:schemeClr val="accent5">
-        <a:tint val="50000"/>
-        <a:alpha val="40000"/>
-      </a:schemeClr>
-    </dgm:fillClrLst>
-    <dgm:linClrLst meth="repeat">
-      <a:schemeClr val="accent5"/>
-    </dgm:linClrLst>
-    <dgm:effectClrLst/>
-    <dgm:txLinClrLst/>
-    <dgm:txFillClrLst meth="repeat">
-      <a:schemeClr val="lt1"/>
-    </dgm:txFillClrLst>
-    <dgm:txEffectClrLst/>
-  </dgm:styleLbl>
-  <dgm:styleLbl name="fgShp">
-    <dgm:fillClrLst meth="repeat">
-      <a:schemeClr val="accent5">
-        <a:tint val="40000"/>
-      </a:schemeClr>
-    </dgm:fillClrLst>
-    <dgm:linClrLst meth="repeat">
-      <a:schemeClr val="lt1"/>
-    </dgm:linClrLst>
-    <dgm:effectClrLst/>
-    <dgm:txLinClrLst/>
-    <dgm:txFillClrLst meth="repeat">
-      <a:schemeClr val="dk1"/>
-    </dgm:txFillClrLst>
-    <dgm:txEffectClrLst/>
-  </dgm:styleLbl>
-  <dgm:styleLbl name="revTx">
-    <dgm:fillClrLst meth="repeat">
-      <a:schemeClr val="lt1">
-        <a:alpha val="0"/>
-      </a:schemeClr>
-    </dgm:fillClrLst>
-    <dgm:linClrLst meth="repeat">
-      <a:schemeClr val="dk1">
-        <a:alpha val="0"/>
-      </a:schemeClr>
-    </dgm:linClrLst>
-    <dgm:effectClrLst/>
-    <dgm:txLinClrLst/>
-    <dgm:txFillClrLst meth="repeat">
-      <a:schemeClr val="tx1"/>
-    </dgm:txFillClrLst>
-    <dgm:txEffectClrLst/>
-  </dgm:styleLbl>
-</dgm:colorsDef>
-</file>
-
-<file path=ppt/diagrams/colors2.xml><?xml version="1.0" encoding="utf-8"?>
 <dgm:colorsDef xmlns:dgm="http://schemas.openxmlformats.org/drawingml/2006/diagram" xmlns:a="http://schemas.openxmlformats.org/drawingml/2006/main" uniqueId="urn:microsoft.com/office/officeart/2005/8/colors/accent1_2">
   <dgm:title val=""/>
   <dgm:desc val=""/>
@@ -1661,754 +874,7 @@
 </dgm:colorsDef>
 </file>
 
-<file path=ppt/diagrams/colors3.xml><?xml version="1.0" encoding="utf-8"?>
-<dgm:colorsDef xmlns:dgm="http://schemas.openxmlformats.org/drawingml/2006/diagram" xmlns:a="http://schemas.openxmlformats.org/drawingml/2006/main" uniqueId="urn:microsoft.com/office/officeart/2005/8/colors/accent1_2">
-  <dgm:title val=""/>
-  <dgm:desc val=""/>
-  <dgm:catLst>
-    <dgm:cat type="accent1" pri="11200"/>
-  </dgm:catLst>
-  <dgm:styleLbl name="node0">
-    <dgm:fillClrLst meth="repeat">
-      <a:schemeClr val="accent1"/>
-    </dgm:fillClrLst>
-    <dgm:linClrLst meth="repeat">
-      <a:schemeClr val="lt1"/>
-    </dgm:linClrLst>
-    <dgm:effectClrLst/>
-    <dgm:txLinClrLst/>
-    <dgm:txFillClrLst/>
-    <dgm:txEffectClrLst/>
-  </dgm:styleLbl>
-  <dgm:styleLbl name="alignNode1">
-    <dgm:fillClrLst meth="repeat">
-      <a:schemeClr val="accent1"/>
-    </dgm:fillClrLst>
-    <dgm:linClrLst meth="repeat">
-      <a:schemeClr val="accent1"/>
-    </dgm:linClrLst>
-    <dgm:effectClrLst/>
-    <dgm:txLinClrLst/>
-    <dgm:txFillClrLst/>
-    <dgm:txEffectClrLst/>
-  </dgm:styleLbl>
-  <dgm:styleLbl name="node1">
-    <dgm:fillClrLst meth="repeat">
-      <a:schemeClr val="accent1"/>
-    </dgm:fillClrLst>
-    <dgm:linClrLst meth="repeat">
-      <a:schemeClr val="lt1"/>
-    </dgm:linClrLst>
-    <dgm:effectClrLst/>
-    <dgm:txLinClrLst/>
-    <dgm:txFillClrLst/>
-    <dgm:txEffectClrLst/>
-  </dgm:styleLbl>
-  <dgm:styleLbl name="lnNode1">
-    <dgm:fillClrLst meth="repeat">
-      <a:schemeClr val="accent1"/>
-    </dgm:fillClrLst>
-    <dgm:linClrLst meth="repeat">
-      <a:schemeClr val="lt1"/>
-    </dgm:linClrLst>
-    <dgm:effectClrLst/>
-    <dgm:txLinClrLst/>
-    <dgm:txFillClrLst/>
-    <dgm:txEffectClrLst/>
-  </dgm:styleLbl>
-  <dgm:styleLbl name="vennNode1">
-    <dgm:fillClrLst meth="repeat">
-      <a:schemeClr val="accent1">
-        <a:alpha val="50000"/>
-      </a:schemeClr>
-    </dgm:fillClrLst>
-    <dgm:linClrLst meth="repeat">
-      <a:schemeClr val="lt1"/>
-    </dgm:linClrLst>
-    <dgm:effectClrLst/>
-    <dgm:txLinClrLst/>
-    <dgm:txFillClrLst/>
-    <dgm:txEffectClrLst/>
-  </dgm:styleLbl>
-  <dgm:styleLbl name="node2">
-    <dgm:fillClrLst meth="repeat">
-      <a:schemeClr val="accent1"/>
-    </dgm:fillClrLst>
-    <dgm:linClrLst meth="repeat">
-      <a:schemeClr val="lt1"/>
-    </dgm:linClrLst>
-    <dgm:effectClrLst/>
-    <dgm:txLinClrLst/>
-    <dgm:txFillClrLst/>
-    <dgm:txEffectClrLst/>
-  </dgm:styleLbl>
-  <dgm:styleLbl name="node3">
-    <dgm:fillClrLst meth="repeat">
-      <a:schemeClr val="accent1"/>
-    </dgm:fillClrLst>
-    <dgm:linClrLst meth="repeat">
-      <a:schemeClr val="lt1"/>
-    </dgm:linClrLst>
-    <dgm:effectClrLst/>
-    <dgm:txLinClrLst/>
-    <dgm:txFillClrLst/>
-    <dgm:txEffectClrLst/>
-  </dgm:styleLbl>
-  <dgm:styleLbl name="node4">
-    <dgm:fillClrLst meth="repeat">
-      <a:schemeClr val="accent1"/>
-    </dgm:fillClrLst>
-    <dgm:linClrLst meth="repeat">
-      <a:schemeClr val="lt1"/>
-    </dgm:linClrLst>
-    <dgm:effectClrLst/>
-    <dgm:txLinClrLst/>
-    <dgm:txFillClrLst/>
-    <dgm:txEffectClrLst/>
-  </dgm:styleLbl>
-  <dgm:styleLbl name="fgImgPlace1">
-    <dgm:fillClrLst meth="repeat">
-      <a:schemeClr val="accent1">
-        <a:tint val="50000"/>
-      </a:schemeClr>
-    </dgm:fillClrLst>
-    <dgm:linClrLst meth="repeat">
-      <a:schemeClr val="lt1"/>
-    </dgm:linClrLst>
-    <dgm:effectClrLst/>
-    <dgm:txLinClrLst/>
-    <dgm:txFillClrLst meth="repeat">
-      <a:schemeClr val="lt1"/>
-    </dgm:txFillClrLst>
-    <dgm:txEffectClrLst/>
-  </dgm:styleLbl>
-  <dgm:styleLbl name="alignImgPlace1">
-    <dgm:fillClrLst meth="repeat">
-      <a:schemeClr val="accent1">
-        <a:tint val="50000"/>
-      </a:schemeClr>
-    </dgm:fillClrLst>
-    <dgm:linClrLst meth="repeat">
-      <a:schemeClr val="lt1"/>
-    </dgm:linClrLst>
-    <dgm:effectClrLst/>
-    <dgm:txLinClrLst/>
-    <dgm:txFillClrLst meth="repeat">
-      <a:schemeClr val="lt1"/>
-    </dgm:txFillClrLst>
-    <dgm:txEffectClrLst/>
-  </dgm:styleLbl>
-  <dgm:styleLbl name="bgImgPlace1">
-    <dgm:fillClrLst meth="repeat">
-      <a:schemeClr val="accent1">
-        <a:tint val="50000"/>
-      </a:schemeClr>
-    </dgm:fillClrLst>
-    <dgm:linClrLst meth="repeat">
-      <a:schemeClr val="lt1"/>
-    </dgm:linClrLst>
-    <dgm:effectClrLst/>
-    <dgm:txLinClrLst/>
-    <dgm:txFillClrLst meth="repeat">
-      <a:schemeClr val="lt1"/>
-    </dgm:txFillClrLst>
-    <dgm:txEffectClrLst/>
-  </dgm:styleLbl>
-  <dgm:styleLbl name="sibTrans2D1">
-    <dgm:fillClrLst meth="repeat">
-      <a:schemeClr val="accent1">
-        <a:tint val="60000"/>
-      </a:schemeClr>
-    </dgm:fillClrLst>
-    <dgm:linClrLst meth="repeat">
-      <a:schemeClr val="accent1">
-        <a:tint val="60000"/>
-      </a:schemeClr>
-    </dgm:linClrLst>
-    <dgm:effectClrLst/>
-    <dgm:txLinClrLst/>
-    <dgm:txFillClrLst/>
-    <dgm:txEffectClrLst/>
-  </dgm:styleLbl>
-  <dgm:styleLbl name="fgSibTrans2D1">
-    <dgm:fillClrLst meth="repeat">
-      <a:schemeClr val="accent1">
-        <a:tint val="60000"/>
-      </a:schemeClr>
-    </dgm:fillClrLst>
-    <dgm:linClrLst meth="repeat">
-      <a:schemeClr val="accent1">
-        <a:tint val="60000"/>
-      </a:schemeClr>
-    </dgm:linClrLst>
-    <dgm:effectClrLst/>
-    <dgm:txLinClrLst/>
-    <dgm:txFillClrLst/>
-    <dgm:txEffectClrLst/>
-  </dgm:styleLbl>
-  <dgm:styleLbl name="bgSibTrans2D1">
-    <dgm:fillClrLst meth="repeat">
-      <a:schemeClr val="accent1">
-        <a:tint val="60000"/>
-      </a:schemeClr>
-    </dgm:fillClrLst>
-    <dgm:linClrLst meth="repeat">
-      <a:schemeClr val="accent1">
-        <a:tint val="60000"/>
-      </a:schemeClr>
-    </dgm:linClrLst>
-    <dgm:effectClrLst/>
-    <dgm:txLinClrLst/>
-    <dgm:txFillClrLst/>
-    <dgm:txEffectClrLst/>
-  </dgm:styleLbl>
-  <dgm:styleLbl name="sibTrans1D1">
-    <dgm:fillClrLst meth="repeat">
-      <a:schemeClr val="accent1"/>
-    </dgm:fillClrLst>
-    <dgm:linClrLst meth="repeat">
-      <a:schemeClr val="accent1"/>
-    </dgm:linClrLst>
-    <dgm:effectClrLst/>
-    <dgm:txLinClrLst/>
-    <dgm:txFillClrLst meth="repeat">
-      <a:schemeClr val="tx1"/>
-    </dgm:txFillClrLst>
-    <dgm:txEffectClrLst/>
-  </dgm:styleLbl>
-  <dgm:styleLbl name="callout">
-    <dgm:fillClrLst meth="repeat">
-      <a:schemeClr val="accent1"/>
-    </dgm:fillClrLst>
-    <dgm:linClrLst meth="repeat">
-      <a:schemeClr val="accent1">
-        <a:tint val="50000"/>
-      </a:schemeClr>
-    </dgm:linClrLst>
-    <dgm:effectClrLst/>
-    <dgm:txLinClrLst/>
-    <dgm:txFillClrLst meth="repeat">
-      <a:schemeClr val="tx1"/>
-    </dgm:txFillClrLst>
-    <dgm:txEffectClrLst/>
-  </dgm:styleLbl>
-  <dgm:styleLbl name="asst0">
-    <dgm:fillClrLst meth="repeat">
-      <a:schemeClr val="accent1"/>
-    </dgm:fillClrLst>
-    <dgm:linClrLst meth="repeat">
-      <a:schemeClr val="lt1"/>
-    </dgm:linClrLst>
-    <dgm:effectClrLst/>
-    <dgm:txLinClrLst/>
-    <dgm:txFillClrLst/>
-    <dgm:txEffectClrLst/>
-  </dgm:styleLbl>
-  <dgm:styleLbl name="asst1">
-    <dgm:fillClrLst meth="repeat">
-      <a:schemeClr val="accent1"/>
-    </dgm:fillClrLst>
-    <dgm:linClrLst meth="repeat">
-      <a:schemeClr val="lt1"/>
-    </dgm:linClrLst>
-    <dgm:effectClrLst/>
-    <dgm:txLinClrLst/>
-    <dgm:txFillClrLst/>
-    <dgm:txEffectClrLst/>
-  </dgm:styleLbl>
-  <dgm:styleLbl name="asst2">
-    <dgm:fillClrLst meth="repeat">
-      <a:schemeClr val="accent1"/>
-    </dgm:fillClrLst>
-    <dgm:linClrLst meth="repeat">
-      <a:schemeClr val="lt1"/>
-    </dgm:linClrLst>
-    <dgm:effectClrLst/>
-    <dgm:txLinClrLst/>
-    <dgm:txFillClrLst/>
-    <dgm:txEffectClrLst/>
-  </dgm:styleLbl>
-  <dgm:styleLbl name="asst3">
-    <dgm:fillClrLst meth="repeat">
-      <a:schemeClr val="accent1"/>
-    </dgm:fillClrLst>
-    <dgm:linClrLst meth="repeat">
-      <a:schemeClr val="lt1"/>
-    </dgm:linClrLst>
-    <dgm:effectClrLst/>
-    <dgm:txLinClrLst/>
-    <dgm:txFillClrLst/>
-    <dgm:txEffectClrLst/>
-  </dgm:styleLbl>
-  <dgm:styleLbl name="asst4">
-    <dgm:fillClrLst meth="repeat">
-      <a:schemeClr val="accent1"/>
-    </dgm:fillClrLst>
-    <dgm:linClrLst meth="repeat">
-      <a:schemeClr val="lt1"/>
-    </dgm:linClrLst>
-    <dgm:effectClrLst/>
-    <dgm:txLinClrLst/>
-    <dgm:txFillClrLst/>
-    <dgm:txEffectClrLst/>
-  </dgm:styleLbl>
-  <dgm:styleLbl name="parChTrans2D1">
-    <dgm:fillClrLst meth="repeat">
-      <a:schemeClr val="accent1">
-        <a:tint val="60000"/>
-      </a:schemeClr>
-    </dgm:fillClrLst>
-    <dgm:linClrLst meth="repeat">
-      <a:schemeClr val="accent1">
-        <a:tint val="60000"/>
-      </a:schemeClr>
-    </dgm:linClrLst>
-    <dgm:effectClrLst/>
-    <dgm:txLinClrLst/>
-    <dgm:txFillClrLst meth="repeat">
-      <a:schemeClr val="lt1"/>
-    </dgm:txFillClrLst>
-    <dgm:txEffectClrLst/>
-  </dgm:styleLbl>
-  <dgm:styleLbl name="parChTrans2D2">
-    <dgm:fillClrLst meth="repeat">
-      <a:schemeClr val="accent1"/>
-    </dgm:fillClrLst>
-    <dgm:linClrLst meth="repeat">
-      <a:schemeClr val="accent1"/>
-    </dgm:linClrLst>
-    <dgm:effectClrLst/>
-    <dgm:txLinClrLst/>
-    <dgm:txFillClrLst meth="repeat">
-      <a:schemeClr val="lt1"/>
-    </dgm:txFillClrLst>
-    <dgm:txEffectClrLst/>
-  </dgm:styleLbl>
-  <dgm:styleLbl name="parChTrans2D3">
-    <dgm:fillClrLst meth="repeat">
-      <a:schemeClr val="accent1"/>
-    </dgm:fillClrLst>
-    <dgm:linClrLst meth="repeat">
-      <a:schemeClr val="accent1"/>
-    </dgm:linClrLst>
-    <dgm:effectClrLst/>
-    <dgm:txLinClrLst/>
-    <dgm:txFillClrLst meth="repeat">
-      <a:schemeClr val="lt1"/>
-    </dgm:txFillClrLst>
-    <dgm:txEffectClrLst/>
-  </dgm:styleLbl>
-  <dgm:styleLbl name="parChTrans2D4">
-    <dgm:fillClrLst meth="repeat">
-      <a:schemeClr val="accent1"/>
-    </dgm:fillClrLst>
-    <dgm:linClrLst meth="repeat">
-      <a:schemeClr val="accent1"/>
-    </dgm:linClrLst>
-    <dgm:effectClrLst/>
-    <dgm:txLinClrLst/>
-    <dgm:txFillClrLst meth="repeat">
-      <a:schemeClr val="lt1"/>
-    </dgm:txFillClrLst>
-    <dgm:txEffectClrLst/>
-  </dgm:styleLbl>
-  <dgm:styleLbl name="parChTrans1D1">
-    <dgm:fillClrLst meth="repeat">
-      <a:schemeClr val="accent1"/>
-    </dgm:fillClrLst>
-    <dgm:linClrLst meth="repeat">
-      <a:schemeClr val="accent1">
-        <a:shade val="60000"/>
-      </a:schemeClr>
-    </dgm:linClrLst>
-    <dgm:effectClrLst/>
-    <dgm:txLinClrLst/>
-    <dgm:txFillClrLst meth="repeat">
-      <a:schemeClr val="tx1"/>
-    </dgm:txFillClrLst>
-    <dgm:txEffectClrLst/>
-  </dgm:styleLbl>
-  <dgm:styleLbl name="parChTrans1D2">
-    <dgm:fillClrLst meth="repeat">
-      <a:schemeClr val="accent1"/>
-    </dgm:fillClrLst>
-    <dgm:linClrLst meth="repeat">
-      <a:schemeClr val="accent1">
-        <a:shade val="60000"/>
-      </a:schemeClr>
-    </dgm:linClrLst>
-    <dgm:effectClrLst/>
-    <dgm:txLinClrLst/>
-    <dgm:txFillClrLst meth="repeat">
-      <a:schemeClr val="tx1"/>
-    </dgm:txFillClrLst>
-    <dgm:txEffectClrLst/>
-  </dgm:styleLbl>
-  <dgm:styleLbl name="parChTrans1D3">
-    <dgm:fillClrLst meth="repeat">
-      <a:schemeClr val="accent1"/>
-    </dgm:fillClrLst>
-    <dgm:linClrLst meth="repeat">
-      <a:schemeClr val="accent1">
-        <a:shade val="80000"/>
-      </a:schemeClr>
-    </dgm:linClrLst>
-    <dgm:effectClrLst/>
-    <dgm:txLinClrLst/>
-    <dgm:txFillClrLst meth="repeat">
-      <a:schemeClr val="tx1"/>
-    </dgm:txFillClrLst>
-    <dgm:txEffectClrLst/>
-  </dgm:styleLbl>
-  <dgm:styleLbl name="parChTrans1D4">
-    <dgm:fillClrLst meth="repeat">
-      <a:schemeClr val="accent1"/>
-    </dgm:fillClrLst>
-    <dgm:linClrLst meth="repeat">
-      <a:schemeClr val="accent1">
-        <a:shade val="80000"/>
-      </a:schemeClr>
-    </dgm:linClrLst>
-    <dgm:effectClrLst/>
-    <dgm:txLinClrLst/>
-    <dgm:txFillClrLst meth="repeat">
-      <a:schemeClr val="tx1"/>
-    </dgm:txFillClrLst>
-    <dgm:txEffectClrLst/>
-  </dgm:styleLbl>
-  <dgm:styleLbl name="fgAcc1">
-    <dgm:fillClrLst meth="repeat">
-      <a:schemeClr val="lt1">
-        <a:alpha val="90000"/>
-      </a:schemeClr>
-    </dgm:fillClrLst>
-    <dgm:linClrLst meth="repeat">
-      <a:schemeClr val="accent1"/>
-    </dgm:linClrLst>
-    <dgm:effectClrLst/>
-    <dgm:txLinClrLst/>
-    <dgm:txFillClrLst meth="repeat">
-      <a:schemeClr val="dk1"/>
-    </dgm:txFillClrLst>
-    <dgm:txEffectClrLst/>
-  </dgm:styleLbl>
-  <dgm:styleLbl name="conFgAcc1">
-    <dgm:fillClrLst meth="repeat">
-      <a:schemeClr val="lt1">
-        <a:alpha val="90000"/>
-      </a:schemeClr>
-    </dgm:fillClrLst>
-    <dgm:linClrLst meth="repeat">
-      <a:schemeClr val="accent1"/>
-    </dgm:linClrLst>
-    <dgm:effectClrLst/>
-    <dgm:txLinClrLst/>
-    <dgm:txFillClrLst meth="repeat">
-      <a:schemeClr val="dk1"/>
-    </dgm:txFillClrLst>
-    <dgm:txEffectClrLst/>
-  </dgm:styleLbl>
-  <dgm:styleLbl name="alignAcc1">
-    <dgm:fillClrLst meth="repeat">
-      <a:schemeClr val="lt1">
-        <a:alpha val="90000"/>
-      </a:schemeClr>
-    </dgm:fillClrLst>
-    <dgm:linClrLst meth="repeat">
-      <a:schemeClr val="accent1"/>
-    </dgm:linClrLst>
-    <dgm:effectClrLst/>
-    <dgm:txLinClrLst/>
-    <dgm:txFillClrLst meth="repeat">
-      <a:schemeClr val="dk1"/>
-    </dgm:txFillClrLst>
-    <dgm:txEffectClrLst/>
-  </dgm:styleLbl>
-  <dgm:styleLbl name="trAlignAcc1">
-    <dgm:fillClrLst meth="repeat">
-      <a:schemeClr val="lt1">
-        <a:alpha val="40000"/>
-      </a:schemeClr>
-    </dgm:fillClrLst>
-    <dgm:linClrLst meth="repeat">
-      <a:schemeClr val="accent1"/>
-    </dgm:linClrLst>
-    <dgm:effectClrLst/>
-    <dgm:txLinClrLst/>
-    <dgm:txFillClrLst meth="repeat">
-      <a:schemeClr val="dk1"/>
-    </dgm:txFillClrLst>
-    <dgm:txEffectClrLst/>
-  </dgm:styleLbl>
-  <dgm:styleLbl name="bgAcc1">
-    <dgm:fillClrLst meth="repeat">
-      <a:schemeClr val="lt1">
-        <a:alpha val="90000"/>
-      </a:schemeClr>
-    </dgm:fillClrLst>
-    <dgm:linClrLst meth="repeat">
-      <a:schemeClr val="accent1"/>
-    </dgm:linClrLst>
-    <dgm:effectClrLst/>
-    <dgm:txLinClrLst/>
-    <dgm:txFillClrLst meth="repeat">
-      <a:schemeClr val="dk1"/>
-    </dgm:txFillClrLst>
-    <dgm:txEffectClrLst/>
-  </dgm:styleLbl>
-  <dgm:styleLbl name="solidFgAcc1">
-    <dgm:fillClrLst meth="repeat">
-      <a:schemeClr val="lt1"/>
-    </dgm:fillClrLst>
-    <dgm:linClrLst meth="repeat">
-      <a:schemeClr val="accent1"/>
-    </dgm:linClrLst>
-    <dgm:effectClrLst/>
-    <dgm:txLinClrLst/>
-    <dgm:txFillClrLst meth="repeat">
-      <a:schemeClr val="dk1"/>
-    </dgm:txFillClrLst>
-    <dgm:txEffectClrLst/>
-  </dgm:styleLbl>
-  <dgm:styleLbl name="solidAlignAcc1">
-    <dgm:fillClrLst meth="repeat">
-      <a:schemeClr val="lt1"/>
-    </dgm:fillClrLst>
-    <dgm:linClrLst meth="repeat">
-      <a:schemeClr val="accent1"/>
-    </dgm:linClrLst>
-    <dgm:effectClrLst/>
-    <dgm:txLinClrLst/>
-    <dgm:txFillClrLst meth="repeat">
-      <a:schemeClr val="dk1"/>
-    </dgm:txFillClrLst>
-    <dgm:txEffectClrLst/>
-  </dgm:styleLbl>
-  <dgm:styleLbl name="solidBgAcc1">
-    <dgm:fillClrLst meth="repeat">
-      <a:schemeClr val="lt1"/>
-    </dgm:fillClrLst>
-    <dgm:linClrLst meth="repeat">
-      <a:schemeClr val="accent1"/>
-    </dgm:linClrLst>
-    <dgm:effectClrLst/>
-    <dgm:txLinClrLst/>
-    <dgm:txFillClrLst meth="repeat">
-      <a:schemeClr val="dk1"/>
-    </dgm:txFillClrLst>
-    <dgm:txEffectClrLst/>
-  </dgm:styleLbl>
-  <dgm:styleLbl name="fgAccFollowNode1">
-    <dgm:fillClrLst meth="repeat">
-      <a:schemeClr val="accent1">
-        <a:alpha val="90000"/>
-        <a:tint val="40000"/>
-      </a:schemeClr>
-    </dgm:fillClrLst>
-    <dgm:linClrLst meth="repeat">
-      <a:schemeClr val="accent1">
-        <a:alpha val="90000"/>
-        <a:tint val="40000"/>
-      </a:schemeClr>
-    </dgm:linClrLst>
-    <dgm:effectClrLst/>
-    <dgm:txLinClrLst/>
-    <dgm:txFillClrLst meth="repeat">
-      <a:schemeClr val="dk1"/>
-    </dgm:txFillClrLst>
-    <dgm:txEffectClrLst/>
-  </dgm:styleLbl>
-  <dgm:styleLbl name="alignAccFollowNode1">
-    <dgm:fillClrLst meth="repeat">
-      <a:schemeClr val="accent1">
-        <a:alpha val="90000"/>
-        <a:tint val="40000"/>
-      </a:schemeClr>
-    </dgm:fillClrLst>
-    <dgm:linClrLst meth="repeat">
-      <a:schemeClr val="accent1">
-        <a:alpha val="90000"/>
-        <a:tint val="40000"/>
-      </a:schemeClr>
-    </dgm:linClrLst>
-    <dgm:effectClrLst/>
-    <dgm:txLinClrLst/>
-    <dgm:txFillClrLst meth="repeat">
-      <a:schemeClr val="dk1"/>
-    </dgm:txFillClrLst>
-    <dgm:txEffectClrLst/>
-  </dgm:styleLbl>
-  <dgm:styleLbl name="bgAccFollowNode1">
-    <dgm:fillClrLst meth="repeat">
-      <a:schemeClr val="accent1">
-        <a:alpha val="90000"/>
-        <a:tint val="40000"/>
-      </a:schemeClr>
-    </dgm:fillClrLst>
-    <dgm:linClrLst meth="repeat">
-      <a:schemeClr val="accent1">
-        <a:alpha val="90000"/>
-        <a:tint val="40000"/>
-      </a:schemeClr>
-    </dgm:linClrLst>
-    <dgm:effectClrLst/>
-    <dgm:txLinClrLst/>
-    <dgm:txFillClrLst meth="repeat">
-      <a:schemeClr val="dk1"/>
-    </dgm:txFillClrLst>
-    <dgm:txEffectClrLst/>
-  </dgm:styleLbl>
-  <dgm:styleLbl name="fgAcc0">
-    <dgm:fillClrLst meth="repeat">
-      <a:schemeClr val="lt1">
-        <a:alpha val="90000"/>
-      </a:schemeClr>
-    </dgm:fillClrLst>
-    <dgm:linClrLst meth="repeat">
-      <a:schemeClr val="accent1"/>
-    </dgm:linClrLst>
-    <dgm:effectClrLst/>
-    <dgm:txLinClrLst/>
-    <dgm:txFillClrLst meth="repeat">
-      <a:schemeClr val="dk1"/>
-    </dgm:txFillClrLst>
-    <dgm:txEffectClrLst/>
-  </dgm:styleLbl>
-  <dgm:styleLbl name="fgAcc2">
-    <dgm:fillClrLst meth="repeat">
-      <a:schemeClr val="lt1">
-        <a:alpha val="90000"/>
-      </a:schemeClr>
-    </dgm:fillClrLst>
-    <dgm:linClrLst meth="repeat">
-      <a:schemeClr val="accent1"/>
-    </dgm:linClrLst>
-    <dgm:effectClrLst/>
-    <dgm:txLinClrLst/>
-    <dgm:txFillClrLst meth="repeat">
-      <a:schemeClr val="dk1"/>
-    </dgm:txFillClrLst>
-    <dgm:txEffectClrLst/>
-  </dgm:styleLbl>
-  <dgm:styleLbl name="fgAcc3">
-    <dgm:fillClrLst meth="repeat">
-      <a:schemeClr val="lt1">
-        <a:alpha val="90000"/>
-      </a:schemeClr>
-    </dgm:fillClrLst>
-    <dgm:linClrLst meth="repeat">
-      <a:schemeClr val="accent1"/>
-    </dgm:linClrLst>
-    <dgm:effectClrLst/>
-    <dgm:txLinClrLst/>
-    <dgm:txFillClrLst meth="repeat">
-      <a:schemeClr val="dk1"/>
-    </dgm:txFillClrLst>
-    <dgm:txEffectClrLst/>
-  </dgm:styleLbl>
-  <dgm:styleLbl name="fgAcc4">
-    <dgm:fillClrLst meth="repeat">
-      <a:schemeClr val="lt1">
-        <a:alpha val="90000"/>
-      </a:schemeClr>
-    </dgm:fillClrLst>
-    <dgm:linClrLst meth="repeat">
-      <a:schemeClr val="accent1"/>
-    </dgm:linClrLst>
-    <dgm:effectClrLst/>
-    <dgm:txLinClrLst/>
-    <dgm:txFillClrLst meth="repeat">
-      <a:schemeClr val="dk1"/>
-    </dgm:txFillClrLst>
-    <dgm:txEffectClrLst/>
-  </dgm:styleLbl>
-  <dgm:styleLbl name="bgShp">
-    <dgm:fillClrLst meth="repeat">
-      <a:schemeClr val="accent1">
-        <a:tint val="40000"/>
-      </a:schemeClr>
-    </dgm:fillClrLst>
-    <dgm:linClrLst meth="repeat">
-      <a:schemeClr val="accent1"/>
-    </dgm:linClrLst>
-    <dgm:effectClrLst/>
-    <dgm:txLinClrLst/>
-    <dgm:txFillClrLst meth="repeat">
-      <a:schemeClr val="dk1"/>
-    </dgm:txFillClrLst>
-    <dgm:txEffectClrLst/>
-  </dgm:styleLbl>
-  <dgm:styleLbl name="dkBgShp">
-    <dgm:fillClrLst meth="repeat">
-      <a:schemeClr val="accent1">
-        <a:shade val="80000"/>
-      </a:schemeClr>
-    </dgm:fillClrLst>
-    <dgm:linClrLst meth="repeat">
-      <a:schemeClr val="accent1"/>
-    </dgm:linClrLst>
-    <dgm:effectClrLst/>
-    <dgm:txLinClrLst/>
-    <dgm:txFillClrLst meth="repeat">
-      <a:schemeClr val="lt1"/>
-    </dgm:txFillClrLst>
-    <dgm:txEffectClrLst/>
-  </dgm:styleLbl>
-  <dgm:styleLbl name="trBgShp">
-    <dgm:fillClrLst meth="repeat">
-      <a:schemeClr val="accent1">
-        <a:tint val="50000"/>
-        <a:alpha val="40000"/>
-      </a:schemeClr>
-    </dgm:fillClrLst>
-    <dgm:linClrLst meth="repeat">
-      <a:schemeClr val="accent1"/>
-    </dgm:linClrLst>
-    <dgm:effectClrLst/>
-    <dgm:txLinClrLst/>
-    <dgm:txFillClrLst meth="repeat">
-      <a:schemeClr val="lt1"/>
-    </dgm:txFillClrLst>
-    <dgm:txEffectClrLst/>
-  </dgm:styleLbl>
-  <dgm:styleLbl name="fgShp">
-    <dgm:fillClrLst meth="repeat">
-      <a:schemeClr val="accent1">
-        <a:tint val="60000"/>
-      </a:schemeClr>
-    </dgm:fillClrLst>
-    <dgm:linClrLst meth="repeat">
-      <a:schemeClr val="lt1"/>
-    </dgm:linClrLst>
-    <dgm:effectClrLst/>
-    <dgm:txLinClrLst/>
-    <dgm:txFillClrLst meth="repeat">
-      <a:schemeClr val="dk1"/>
-    </dgm:txFillClrLst>
-    <dgm:txEffectClrLst/>
-  </dgm:styleLbl>
-  <dgm:styleLbl name="revTx">
-    <dgm:fillClrLst meth="repeat">
-      <a:schemeClr val="lt1">
-        <a:alpha val="0"/>
-      </a:schemeClr>
-    </dgm:fillClrLst>
-    <dgm:linClrLst meth="repeat">
-      <a:schemeClr val="dk1">
-        <a:alpha val="0"/>
-      </a:schemeClr>
-    </dgm:linClrLst>
-    <dgm:effectClrLst/>
-    <dgm:txLinClrLst/>
-    <dgm:txFillClrLst meth="repeat">
-      <a:schemeClr val="tx1"/>
-    </dgm:txFillClrLst>
-    <dgm:txEffectClrLst/>
-  </dgm:styleLbl>
-</dgm:colorsDef>
-</file>
-
-<file path=ppt/diagrams/colors4.xml><?xml version="1.0" encoding="utf-8"?>
+<file path=ppt/diagrams/colors2.xml><?xml version="1.0" encoding="utf-8"?>
 <dgm:colorsDef xmlns:dgm="http://schemas.openxmlformats.org/drawingml/2006/diagram" xmlns:a="http://schemas.openxmlformats.org/drawingml/2006/main" uniqueId="urn:microsoft.com/office/officeart/2005/8/colors/colorful2">
   <dgm:title val=""/>
   <dgm:desc val=""/>
@@ -3191,441 +1657,6 @@
 </file>
 
 <file path=ppt/diagrams/data1.xml><?xml version="1.0" encoding="utf-8"?>
-<dgm:dataModel xmlns:dgm="http://schemas.openxmlformats.org/drawingml/2006/diagram" xmlns:a="http://schemas.openxmlformats.org/drawingml/2006/main">
-  <dgm:ptLst>
-    <dgm:pt modelId="{613F83A9-2D38-4BBB-BC79-7978FADA2F4F}" type="doc">
-      <dgm:prSet loTypeId="urn:microsoft.com/office/officeart/2016/7/layout/VerticalDownArrowProcess" loCatId="process" qsTypeId="urn:microsoft.com/office/officeart/2005/8/quickstyle/simple1" qsCatId="simple" csTypeId="urn:microsoft.com/office/officeart/2005/8/colors/colorful5" csCatId="colorful"/>
-      <dgm:spPr/>
-      <dgm:t>
-        <a:bodyPr/>
-        <a:lstStyle/>
-        <a:p>
-          <a:endParaRPr lang="en-US"/>
-        </a:p>
-      </dgm:t>
-    </dgm:pt>
-    <dgm:pt modelId="{D89A4622-148F-481B-8911-D5596BCD4294}">
-      <dgm:prSet/>
-      <dgm:spPr/>
-      <dgm:t>
-        <a:bodyPr/>
-        <a:lstStyle/>
-        <a:p>
-          <a:r>
-            <a:rPr lang="en-US"/>
-            <a:t>Simulate</a:t>
-          </a:r>
-        </a:p>
-      </dgm:t>
-    </dgm:pt>
-    <dgm:pt modelId="{6DFA92B8-2351-47EC-A0A7-06AFD8B535B0}" type="parTrans" cxnId="{44DC498E-67E6-48E5-A410-82E02F1DE15F}">
-      <dgm:prSet/>
-      <dgm:spPr/>
-      <dgm:t>
-        <a:bodyPr/>
-        <a:lstStyle/>
-        <a:p>
-          <a:endParaRPr lang="en-US"/>
-        </a:p>
-      </dgm:t>
-    </dgm:pt>
-    <dgm:pt modelId="{40C90E06-C8ED-4F9F-971E-6D4652353007}" type="sibTrans" cxnId="{44DC498E-67E6-48E5-A410-82E02F1DE15F}">
-      <dgm:prSet/>
-      <dgm:spPr/>
-      <dgm:t>
-        <a:bodyPr/>
-        <a:lstStyle/>
-        <a:p>
-          <a:endParaRPr lang="en-US"/>
-        </a:p>
-      </dgm:t>
-    </dgm:pt>
-    <dgm:pt modelId="{9E9269DF-D203-49E6-9672-C45E90C2894F}">
-      <dgm:prSet/>
-      <dgm:spPr/>
-      <dgm:t>
-        <a:bodyPr/>
-        <a:lstStyle/>
-        <a:p>
-          <a:r>
-            <a:rPr lang="en-US"/>
-            <a:t>Simulate different investment strategies</a:t>
-          </a:r>
-        </a:p>
-      </dgm:t>
-    </dgm:pt>
-    <dgm:pt modelId="{CAFD1467-B384-469B-B506-CA6FC1F9AA99}" type="parTrans" cxnId="{5962A067-35C4-4449-9837-5FCA1C137971}">
-      <dgm:prSet/>
-      <dgm:spPr/>
-      <dgm:t>
-        <a:bodyPr/>
-        <a:lstStyle/>
-        <a:p>
-          <a:endParaRPr lang="en-US"/>
-        </a:p>
-      </dgm:t>
-    </dgm:pt>
-    <dgm:pt modelId="{9F3A37B5-DFFD-4704-9526-E1A9F731E555}" type="sibTrans" cxnId="{5962A067-35C4-4449-9837-5FCA1C137971}">
-      <dgm:prSet/>
-      <dgm:spPr/>
-      <dgm:t>
-        <a:bodyPr/>
-        <a:lstStyle/>
-        <a:p>
-          <a:endParaRPr lang="en-US"/>
-        </a:p>
-      </dgm:t>
-    </dgm:pt>
-    <dgm:pt modelId="{7813D3CF-D670-474B-9630-497556B72764}">
-      <dgm:prSet/>
-      <dgm:spPr/>
-      <dgm:t>
-        <a:bodyPr/>
-        <a:lstStyle/>
-        <a:p>
-          <a:r>
-            <a:rPr lang="en-US"/>
-            <a:t>Analyze</a:t>
-          </a:r>
-        </a:p>
-      </dgm:t>
-    </dgm:pt>
-    <dgm:pt modelId="{7AC5026F-7878-42A0-B745-0CBBA3019FB0}" type="parTrans" cxnId="{821C5373-A58C-4BBC-AF86-147211FD258B}">
-      <dgm:prSet/>
-      <dgm:spPr/>
-      <dgm:t>
-        <a:bodyPr/>
-        <a:lstStyle/>
-        <a:p>
-          <a:endParaRPr lang="en-US"/>
-        </a:p>
-      </dgm:t>
-    </dgm:pt>
-    <dgm:pt modelId="{4A1A2944-1F3E-40D8-9278-3E16615A688F}" type="sibTrans" cxnId="{821C5373-A58C-4BBC-AF86-147211FD258B}">
-      <dgm:prSet/>
-      <dgm:spPr/>
-      <dgm:t>
-        <a:bodyPr/>
-        <a:lstStyle/>
-        <a:p>
-          <a:endParaRPr lang="en-US"/>
-        </a:p>
-      </dgm:t>
-    </dgm:pt>
-    <dgm:pt modelId="{5ACA0A02-A1AC-4BB7-8148-AA61C1EB7246}">
-      <dgm:prSet/>
-      <dgm:spPr/>
-      <dgm:t>
-        <a:bodyPr/>
-        <a:lstStyle/>
-        <a:p>
-          <a:r>
-            <a:rPr lang="en-US"/>
-            <a:t>Analyze historical performance</a:t>
-          </a:r>
-        </a:p>
-      </dgm:t>
-    </dgm:pt>
-    <dgm:pt modelId="{C0918FC7-C9DE-4C24-B112-839C4F5C9E97}" type="parTrans" cxnId="{418D0534-7135-4EAD-9178-37D3BE0DA5BD}">
-      <dgm:prSet/>
-      <dgm:spPr/>
-      <dgm:t>
-        <a:bodyPr/>
-        <a:lstStyle/>
-        <a:p>
-          <a:endParaRPr lang="en-US"/>
-        </a:p>
-      </dgm:t>
-    </dgm:pt>
-    <dgm:pt modelId="{E8A86CEF-C9F5-4920-82AB-FEF899C311AE}" type="sibTrans" cxnId="{418D0534-7135-4EAD-9178-37D3BE0DA5BD}">
-      <dgm:prSet/>
-      <dgm:spPr/>
-      <dgm:t>
-        <a:bodyPr/>
-        <a:lstStyle/>
-        <a:p>
-          <a:endParaRPr lang="en-US"/>
-        </a:p>
-      </dgm:t>
-    </dgm:pt>
-    <dgm:pt modelId="{CA01CC70-5F77-4B0F-9825-40318DCDA7E2}">
-      <dgm:prSet/>
-      <dgm:spPr/>
-      <dgm:t>
-        <a:bodyPr/>
-        <a:lstStyle/>
-        <a:p>
-          <a:r>
-            <a:rPr lang="en-US"/>
-            <a:t>Compare</a:t>
-          </a:r>
-        </a:p>
-      </dgm:t>
-    </dgm:pt>
-    <dgm:pt modelId="{0DADDE7B-3937-40F3-B776-FA68B968AFCC}" type="parTrans" cxnId="{FAE6165D-A33D-46FA-86CC-EFC2EC4D76ED}">
-      <dgm:prSet/>
-      <dgm:spPr/>
-      <dgm:t>
-        <a:bodyPr/>
-        <a:lstStyle/>
-        <a:p>
-          <a:endParaRPr lang="en-US"/>
-        </a:p>
-      </dgm:t>
-    </dgm:pt>
-    <dgm:pt modelId="{0624FC59-6EA5-42F4-8140-C5CBD8C51829}" type="sibTrans" cxnId="{FAE6165D-A33D-46FA-86CC-EFC2EC4D76ED}">
-      <dgm:prSet/>
-      <dgm:spPr/>
-      <dgm:t>
-        <a:bodyPr/>
-        <a:lstStyle/>
-        <a:p>
-          <a:endParaRPr lang="en-US"/>
-        </a:p>
-      </dgm:t>
-    </dgm:pt>
-    <dgm:pt modelId="{208CC587-88AD-486E-94C2-9F7BCA2CF092}">
-      <dgm:prSet/>
-      <dgm:spPr/>
-      <dgm:t>
-        <a:bodyPr/>
-        <a:lstStyle/>
-        <a:p>
-          <a:r>
-            <a:rPr lang="en-US"/>
-            <a:t>Compare strategies with adjustable inputs</a:t>
-          </a:r>
-        </a:p>
-      </dgm:t>
-    </dgm:pt>
-    <dgm:pt modelId="{007152D6-D83D-42CD-A5CA-E431EFF1723C}" type="parTrans" cxnId="{A7DD8E53-A087-4CD2-947D-04215A549589}">
-      <dgm:prSet/>
-      <dgm:spPr/>
-      <dgm:t>
-        <a:bodyPr/>
-        <a:lstStyle/>
-        <a:p>
-          <a:endParaRPr lang="en-US"/>
-        </a:p>
-      </dgm:t>
-    </dgm:pt>
-    <dgm:pt modelId="{7B2E7F36-4B47-4079-9372-C87024264476}" type="sibTrans" cxnId="{A7DD8E53-A087-4CD2-947D-04215A549589}">
-      <dgm:prSet/>
-      <dgm:spPr/>
-      <dgm:t>
-        <a:bodyPr/>
-        <a:lstStyle/>
-        <a:p>
-          <a:endParaRPr lang="en-US"/>
-        </a:p>
-      </dgm:t>
-    </dgm:pt>
-    <dgm:pt modelId="{8DED1B7D-1C4B-4744-802E-8196C7480600}">
-      <dgm:prSet/>
-      <dgm:spPr/>
-      <dgm:t>
-        <a:bodyPr/>
-        <a:lstStyle/>
-        <a:p>
-          <a:r>
-            <a:rPr lang="en-US"/>
-            <a:t>Learn</a:t>
-          </a:r>
-        </a:p>
-      </dgm:t>
-    </dgm:pt>
-    <dgm:pt modelId="{16A3AA25-412B-472A-81A5-491E997749F2}" type="parTrans" cxnId="{11B27AC4-8C1E-4E5D-B4C6-35133597C655}">
-      <dgm:prSet/>
-      <dgm:spPr/>
-      <dgm:t>
-        <a:bodyPr/>
-        <a:lstStyle/>
-        <a:p>
-          <a:endParaRPr lang="en-US"/>
-        </a:p>
-      </dgm:t>
-    </dgm:pt>
-    <dgm:pt modelId="{F768F53B-BF6C-49B6-BDF1-8E513670BD90}" type="sibTrans" cxnId="{11B27AC4-8C1E-4E5D-B4C6-35133597C655}">
-      <dgm:prSet/>
-      <dgm:spPr/>
-      <dgm:t>
-        <a:bodyPr/>
-        <a:lstStyle/>
-        <a:p>
-          <a:endParaRPr lang="en-US"/>
-        </a:p>
-      </dgm:t>
-    </dgm:pt>
-    <dgm:pt modelId="{A155E6D3-0559-4895-8FC3-202D210EDFB9}">
-      <dgm:prSet/>
-      <dgm:spPr/>
-      <dgm:t>
-        <a:bodyPr/>
-        <a:lstStyle/>
-        <a:p>
-          <a:r>
-            <a:rPr lang="en-US"/>
-            <a:t>Learn how technical signals affect returns</a:t>
-          </a:r>
-        </a:p>
-      </dgm:t>
-    </dgm:pt>
-    <dgm:pt modelId="{220A4D10-6708-4D28-9106-299EA9294CF2}" type="parTrans" cxnId="{94B3284F-818B-4D2A-951C-E5B7111C9D7D}">
-      <dgm:prSet/>
-      <dgm:spPr/>
-      <dgm:t>
-        <a:bodyPr/>
-        <a:lstStyle/>
-        <a:p>
-          <a:endParaRPr lang="en-US"/>
-        </a:p>
-      </dgm:t>
-    </dgm:pt>
-    <dgm:pt modelId="{5F8B1F64-CF1A-4176-95C7-4F88F116EDF2}" type="sibTrans" cxnId="{94B3284F-818B-4D2A-951C-E5B7111C9D7D}">
-      <dgm:prSet/>
-      <dgm:spPr/>
-      <dgm:t>
-        <a:bodyPr/>
-        <a:lstStyle/>
-        <a:p>
-          <a:endParaRPr lang="en-US"/>
-        </a:p>
-      </dgm:t>
-    </dgm:pt>
-    <dgm:pt modelId="{89004BF6-9901-4FA0-B13D-B3004F72D72B}" type="pres">
-      <dgm:prSet presAssocID="{613F83A9-2D38-4BBB-BC79-7978FADA2F4F}" presName="Name0" presStyleCnt="0">
-        <dgm:presLayoutVars>
-          <dgm:dir/>
-          <dgm:animLvl val="lvl"/>
-          <dgm:resizeHandles val="exact"/>
-        </dgm:presLayoutVars>
-      </dgm:prSet>
-      <dgm:spPr/>
-    </dgm:pt>
-    <dgm:pt modelId="{0B9E116F-124F-4596-865F-B2270C1A92E7}" type="pres">
-      <dgm:prSet presAssocID="{8DED1B7D-1C4B-4744-802E-8196C7480600}" presName="boxAndChildren" presStyleCnt="0"/>
-      <dgm:spPr/>
-    </dgm:pt>
-    <dgm:pt modelId="{5142EB99-DECA-4F6D-9DC5-5569EFB7F165}" type="pres">
-      <dgm:prSet presAssocID="{8DED1B7D-1C4B-4744-802E-8196C7480600}" presName="parentTextBox" presStyleLbl="alignNode1" presStyleIdx="0" presStyleCnt="4"/>
-      <dgm:spPr/>
-    </dgm:pt>
-    <dgm:pt modelId="{77237B76-F136-4BB8-BCA1-5F95978D9D6C}" type="pres">
-      <dgm:prSet presAssocID="{8DED1B7D-1C4B-4744-802E-8196C7480600}" presName="descendantBox" presStyleLbl="bgAccFollowNode1" presStyleIdx="0" presStyleCnt="4"/>
-      <dgm:spPr/>
-    </dgm:pt>
-    <dgm:pt modelId="{23685D0D-0789-4812-A05C-6A1B1731061D}" type="pres">
-      <dgm:prSet presAssocID="{0624FC59-6EA5-42F4-8140-C5CBD8C51829}" presName="sp" presStyleCnt="0"/>
-      <dgm:spPr/>
-    </dgm:pt>
-    <dgm:pt modelId="{C6D931CA-B32D-43BD-AE50-4F217244F440}" type="pres">
-      <dgm:prSet presAssocID="{CA01CC70-5F77-4B0F-9825-40318DCDA7E2}" presName="arrowAndChildren" presStyleCnt="0"/>
-      <dgm:spPr/>
-    </dgm:pt>
-    <dgm:pt modelId="{5DE04D7D-3C17-4A16-8C15-0E3B36879CAA}" type="pres">
-      <dgm:prSet presAssocID="{CA01CC70-5F77-4B0F-9825-40318DCDA7E2}" presName="parentTextArrow" presStyleLbl="node1" presStyleIdx="0" presStyleCnt="0"/>
-      <dgm:spPr/>
-    </dgm:pt>
-    <dgm:pt modelId="{AC2D8237-AA56-4C79-A569-03B0E6D4CECA}" type="pres">
-      <dgm:prSet presAssocID="{CA01CC70-5F77-4B0F-9825-40318DCDA7E2}" presName="arrow" presStyleLbl="alignNode1" presStyleIdx="1" presStyleCnt="4"/>
-      <dgm:spPr/>
-    </dgm:pt>
-    <dgm:pt modelId="{2C675C0C-8B2B-4522-BCFE-9E152DB6BF11}" type="pres">
-      <dgm:prSet presAssocID="{CA01CC70-5F77-4B0F-9825-40318DCDA7E2}" presName="descendantArrow" presStyleLbl="bgAccFollowNode1" presStyleIdx="1" presStyleCnt="4"/>
-      <dgm:spPr/>
-    </dgm:pt>
-    <dgm:pt modelId="{ABDA6925-4B5E-4789-BC27-8C0DFA60000F}" type="pres">
-      <dgm:prSet presAssocID="{4A1A2944-1F3E-40D8-9278-3E16615A688F}" presName="sp" presStyleCnt="0"/>
-      <dgm:spPr/>
-    </dgm:pt>
-    <dgm:pt modelId="{8D8C0167-8289-4BCD-890B-7E9197B06816}" type="pres">
-      <dgm:prSet presAssocID="{7813D3CF-D670-474B-9630-497556B72764}" presName="arrowAndChildren" presStyleCnt="0"/>
-      <dgm:spPr/>
-    </dgm:pt>
-    <dgm:pt modelId="{D579A200-6C79-4F59-8488-C70DEB0CFE66}" type="pres">
-      <dgm:prSet presAssocID="{7813D3CF-D670-474B-9630-497556B72764}" presName="parentTextArrow" presStyleLbl="node1" presStyleIdx="0" presStyleCnt="0"/>
-      <dgm:spPr/>
-    </dgm:pt>
-    <dgm:pt modelId="{80061D71-DC92-4EED-8921-5C5935FC0DFC}" type="pres">
-      <dgm:prSet presAssocID="{7813D3CF-D670-474B-9630-497556B72764}" presName="arrow" presStyleLbl="alignNode1" presStyleIdx="2" presStyleCnt="4"/>
-      <dgm:spPr/>
-    </dgm:pt>
-    <dgm:pt modelId="{E068A13E-F745-47B7-A055-639E9CB667F8}" type="pres">
-      <dgm:prSet presAssocID="{7813D3CF-D670-474B-9630-497556B72764}" presName="descendantArrow" presStyleLbl="bgAccFollowNode1" presStyleIdx="2" presStyleCnt="4"/>
-      <dgm:spPr/>
-    </dgm:pt>
-    <dgm:pt modelId="{9180DB84-5ADA-420B-A715-A706503FCB28}" type="pres">
-      <dgm:prSet presAssocID="{40C90E06-C8ED-4F9F-971E-6D4652353007}" presName="sp" presStyleCnt="0"/>
-      <dgm:spPr/>
-    </dgm:pt>
-    <dgm:pt modelId="{276994D0-69A1-460F-B100-BBF4CBF47861}" type="pres">
-      <dgm:prSet presAssocID="{D89A4622-148F-481B-8911-D5596BCD4294}" presName="arrowAndChildren" presStyleCnt="0"/>
-      <dgm:spPr/>
-    </dgm:pt>
-    <dgm:pt modelId="{4856E56B-3074-4F07-AC87-D63298EE6591}" type="pres">
-      <dgm:prSet presAssocID="{D89A4622-148F-481B-8911-D5596BCD4294}" presName="parentTextArrow" presStyleLbl="node1" presStyleIdx="0" presStyleCnt="0"/>
-      <dgm:spPr/>
-    </dgm:pt>
-    <dgm:pt modelId="{55488E02-3FC7-46B9-BA5D-AB3168DA059C}" type="pres">
-      <dgm:prSet presAssocID="{D89A4622-148F-481B-8911-D5596BCD4294}" presName="arrow" presStyleLbl="alignNode1" presStyleIdx="3" presStyleCnt="4"/>
-      <dgm:spPr/>
-    </dgm:pt>
-    <dgm:pt modelId="{D907F3B0-C657-4F5C-BFFE-70FBD196592D}" type="pres">
-      <dgm:prSet presAssocID="{D89A4622-148F-481B-8911-D5596BCD4294}" presName="descendantArrow" presStyleLbl="bgAccFollowNode1" presStyleIdx="3" presStyleCnt="4"/>
-      <dgm:spPr/>
-    </dgm:pt>
-  </dgm:ptLst>
-  <dgm:cxnLst>
-    <dgm:cxn modelId="{C585071C-DD4E-41FD-A1EB-3672991BBD88}" type="presOf" srcId="{CA01CC70-5F77-4B0F-9825-40318DCDA7E2}" destId="{5DE04D7D-3C17-4A16-8C15-0E3B36879CAA}" srcOrd="0" destOrd="0" presId="urn:microsoft.com/office/officeart/2016/7/layout/VerticalDownArrowProcess"/>
-    <dgm:cxn modelId="{418D0534-7135-4EAD-9178-37D3BE0DA5BD}" srcId="{7813D3CF-D670-474B-9630-497556B72764}" destId="{5ACA0A02-A1AC-4BB7-8148-AA61C1EB7246}" srcOrd="0" destOrd="0" parTransId="{C0918FC7-C9DE-4C24-B112-839C4F5C9E97}" sibTransId="{E8A86CEF-C9F5-4920-82AB-FEF899C311AE}"/>
-    <dgm:cxn modelId="{FAE6165D-A33D-46FA-86CC-EFC2EC4D76ED}" srcId="{613F83A9-2D38-4BBB-BC79-7978FADA2F4F}" destId="{CA01CC70-5F77-4B0F-9825-40318DCDA7E2}" srcOrd="2" destOrd="0" parTransId="{0DADDE7B-3937-40F3-B776-FA68B968AFCC}" sibTransId="{0624FC59-6EA5-42F4-8140-C5CBD8C51829}"/>
-    <dgm:cxn modelId="{5962A067-35C4-4449-9837-5FCA1C137971}" srcId="{D89A4622-148F-481B-8911-D5596BCD4294}" destId="{9E9269DF-D203-49E6-9672-C45E90C2894F}" srcOrd="0" destOrd="0" parTransId="{CAFD1467-B384-469B-B506-CA6FC1F9AA99}" sibTransId="{9F3A37B5-DFFD-4704-9526-E1A9F731E555}"/>
-    <dgm:cxn modelId="{94B3284F-818B-4D2A-951C-E5B7111C9D7D}" srcId="{8DED1B7D-1C4B-4744-802E-8196C7480600}" destId="{A155E6D3-0559-4895-8FC3-202D210EDFB9}" srcOrd="0" destOrd="0" parTransId="{220A4D10-6708-4D28-9106-299EA9294CF2}" sibTransId="{5F8B1F64-CF1A-4176-95C7-4F88F116EDF2}"/>
-    <dgm:cxn modelId="{821C5373-A58C-4BBC-AF86-147211FD258B}" srcId="{613F83A9-2D38-4BBB-BC79-7978FADA2F4F}" destId="{7813D3CF-D670-474B-9630-497556B72764}" srcOrd="1" destOrd="0" parTransId="{7AC5026F-7878-42A0-B745-0CBBA3019FB0}" sibTransId="{4A1A2944-1F3E-40D8-9278-3E16615A688F}"/>
-    <dgm:cxn modelId="{A7DD8E53-A087-4CD2-947D-04215A549589}" srcId="{CA01CC70-5F77-4B0F-9825-40318DCDA7E2}" destId="{208CC587-88AD-486E-94C2-9F7BCA2CF092}" srcOrd="0" destOrd="0" parTransId="{007152D6-D83D-42CD-A5CA-E431EFF1723C}" sibTransId="{7B2E7F36-4B47-4079-9372-C87024264476}"/>
-    <dgm:cxn modelId="{3301567F-DF39-46E7-B16F-B469B7379EA9}" type="presOf" srcId="{613F83A9-2D38-4BBB-BC79-7978FADA2F4F}" destId="{89004BF6-9901-4FA0-B13D-B3004F72D72B}" srcOrd="0" destOrd="0" presId="urn:microsoft.com/office/officeart/2016/7/layout/VerticalDownArrowProcess"/>
-    <dgm:cxn modelId="{44DC498E-67E6-48E5-A410-82E02F1DE15F}" srcId="{613F83A9-2D38-4BBB-BC79-7978FADA2F4F}" destId="{D89A4622-148F-481B-8911-D5596BCD4294}" srcOrd="0" destOrd="0" parTransId="{6DFA92B8-2351-47EC-A0A7-06AFD8B535B0}" sibTransId="{40C90E06-C8ED-4F9F-971E-6D4652353007}"/>
-    <dgm:cxn modelId="{922E5794-F56B-4B5B-869B-7C62C5C39731}" type="presOf" srcId="{D89A4622-148F-481B-8911-D5596BCD4294}" destId="{55488E02-3FC7-46B9-BA5D-AB3168DA059C}" srcOrd="1" destOrd="0" presId="urn:microsoft.com/office/officeart/2016/7/layout/VerticalDownArrowProcess"/>
-    <dgm:cxn modelId="{9ACFFDA8-AE82-478C-AECC-D938AD102DDD}" type="presOf" srcId="{5ACA0A02-A1AC-4BB7-8148-AA61C1EB7246}" destId="{E068A13E-F745-47B7-A055-639E9CB667F8}" srcOrd="0" destOrd="0" presId="urn:microsoft.com/office/officeart/2016/7/layout/VerticalDownArrowProcess"/>
-    <dgm:cxn modelId="{958AB2B4-85D8-4976-8673-87CA934F4170}" type="presOf" srcId="{A155E6D3-0559-4895-8FC3-202D210EDFB9}" destId="{77237B76-F136-4BB8-BCA1-5F95978D9D6C}" srcOrd="0" destOrd="0" presId="urn:microsoft.com/office/officeart/2016/7/layout/VerticalDownArrowProcess"/>
-    <dgm:cxn modelId="{B4EA27B7-CAFF-44AB-8C76-A062C26877AA}" type="presOf" srcId="{7813D3CF-D670-474B-9630-497556B72764}" destId="{D579A200-6C79-4F59-8488-C70DEB0CFE66}" srcOrd="0" destOrd="0" presId="urn:microsoft.com/office/officeart/2016/7/layout/VerticalDownArrowProcess"/>
-    <dgm:cxn modelId="{011DC4C1-4198-4F0D-8C78-0A2C1B76C644}" type="presOf" srcId="{8DED1B7D-1C4B-4744-802E-8196C7480600}" destId="{5142EB99-DECA-4F6D-9DC5-5569EFB7F165}" srcOrd="0" destOrd="0" presId="urn:microsoft.com/office/officeart/2016/7/layout/VerticalDownArrowProcess"/>
-    <dgm:cxn modelId="{11B27AC4-8C1E-4E5D-B4C6-35133597C655}" srcId="{613F83A9-2D38-4BBB-BC79-7978FADA2F4F}" destId="{8DED1B7D-1C4B-4744-802E-8196C7480600}" srcOrd="3" destOrd="0" parTransId="{16A3AA25-412B-472A-81A5-491E997749F2}" sibTransId="{F768F53B-BF6C-49B6-BDF1-8E513670BD90}"/>
-    <dgm:cxn modelId="{621D6FC5-ABF6-46B4-9B62-1271F99DAC00}" type="presOf" srcId="{CA01CC70-5F77-4B0F-9825-40318DCDA7E2}" destId="{AC2D8237-AA56-4C79-A569-03B0E6D4CECA}" srcOrd="1" destOrd="0" presId="urn:microsoft.com/office/officeart/2016/7/layout/VerticalDownArrowProcess"/>
-    <dgm:cxn modelId="{161823CC-6C99-4E8D-A0DE-D2AA96C9B678}" type="presOf" srcId="{7813D3CF-D670-474B-9630-497556B72764}" destId="{80061D71-DC92-4EED-8921-5C5935FC0DFC}" srcOrd="1" destOrd="0" presId="urn:microsoft.com/office/officeart/2016/7/layout/VerticalDownArrowProcess"/>
-    <dgm:cxn modelId="{1A84ACCE-5D1A-4352-AF50-F6F02D957D3A}" type="presOf" srcId="{D89A4622-148F-481B-8911-D5596BCD4294}" destId="{4856E56B-3074-4F07-AC87-D63298EE6591}" srcOrd="0" destOrd="0" presId="urn:microsoft.com/office/officeart/2016/7/layout/VerticalDownArrowProcess"/>
-    <dgm:cxn modelId="{68492FD6-BA1B-43AF-B378-15BD973235D0}" type="presOf" srcId="{208CC587-88AD-486E-94C2-9F7BCA2CF092}" destId="{2C675C0C-8B2B-4522-BCFE-9E152DB6BF11}" srcOrd="0" destOrd="0" presId="urn:microsoft.com/office/officeart/2016/7/layout/VerticalDownArrowProcess"/>
-    <dgm:cxn modelId="{F47FB0E5-7061-4D43-82F2-6CADE979ADD1}" type="presOf" srcId="{9E9269DF-D203-49E6-9672-C45E90C2894F}" destId="{D907F3B0-C657-4F5C-BFFE-70FBD196592D}" srcOrd="0" destOrd="0" presId="urn:microsoft.com/office/officeart/2016/7/layout/VerticalDownArrowProcess"/>
-    <dgm:cxn modelId="{16F3C036-8E96-46B5-9A0E-1FFBB23A01BE}" type="presParOf" srcId="{89004BF6-9901-4FA0-B13D-B3004F72D72B}" destId="{0B9E116F-124F-4596-865F-B2270C1A92E7}" srcOrd="0" destOrd="0" presId="urn:microsoft.com/office/officeart/2016/7/layout/VerticalDownArrowProcess"/>
-    <dgm:cxn modelId="{8400FEF7-D771-45F4-925A-31F750429612}" type="presParOf" srcId="{0B9E116F-124F-4596-865F-B2270C1A92E7}" destId="{5142EB99-DECA-4F6D-9DC5-5569EFB7F165}" srcOrd="0" destOrd="0" presId="urn:microsoft.com/office/officeart/2016/7/layout/VerticalDownArrowProcess"/>
-    <dgm:cxn modelId="{4FF0C494-1D4A-48A6-86A6-A8D942471018}" type="presParOf" srcId="{0B9E116F-124F-4596-865F-B2270C1A92E7}" destId="{77237B76-F136-4BB8-BCA1-5F95978D9D6C}" srcOrd="1" destOrd="0" presId="urn:microsoft.com/office/officeart/2016/7/layout/VerticalDownArrowProcess"/>
-    <dgm:cxn modelId="{8705280A-50E2-4C48-A4E1-7E5E2D74D20F}" type="presParOf" srcId="{89004BF6-9901-4FA0-B13D-B3004F72D72B}" destId="{23685D0D-0789-4812-A05C-6A1B1731061D}" srcOrd="1" destOrd="0" presId="urn:microsoft.com/office/officeart/2016/7/layout/VerticalDownArrowProcess"/>
-    <dgm:cxn modelId="{DBCE5DC2-9DC9-47D6-B32D-826551E5826E}" type="presParOf" srcId="{89004BF6-9901-4FA0-B13D-B3004F72D72B}" destId="{C6D931CA-B32D-43BD-AE50-4F217244F440}" srcOrd="2" destOrd="0" presId="urn:microsoft.com/office/officeart/2016/7/layout/VerticalDownArrowProcess"/>
-    <dgm:cxn modelId="{5CDFFD87-8297-4E8B-A1B0-734DB001376B}" type="presParOf" srcId="{C6D931CA-B32D-43BD-AE50-4F217244F440}" destId="{5DE04D7D-3C17-4A16-8C15-0E3B36879CAA}" srcOrd="0" destOrd="0" presId="urn:microsoft.com/office/officeart/2016/7/layout/VerticalDownArrowProcess"/>
-    <dgm:cxn modelId="{93BCC93C-36A7-4D91-9F37-44C28182BCB8}" type="presParOf" srcId="{C6D931CA-B32D-43BD-AE50-4F217244F440}" destId="{AC2D8237-AA56-4C79-A569-03B0E6D4CECA}" srcOrd="1" destOrd="0" presId="urn:microsoft.com/office/officeart/2016/7/layout/VerticalDownArrowProcess"/>
-    <dgm:cxn modelId="{B8B88601-8CB6-40EF-A05B-6EA1182580E8}" type="presParOf" srcId="{C6D931CA-B32D-43BD-AE50-4F217244F440}" destId="{2C675C0C-8B2B-4522-BCFE-9E152DB6BF11}" srcOrd="2" destOrd="0" presId="urn:microsoft.com/office/officeart/2016/7/layout/VerticalDownArrowProcess"/>
-    <dgm:cxn modelId="{AA166A41-D93B-4A76-B11A-119FADF9C8FC}" type="presParOf" srcId="{89004BF6-9901-4FA0-B13D-B3004F72D72B}" destId="{ABDA6925-4B5E-4789-BC27-8C0DFA60000F}" srcOrd="3" destOrd="0" presId="urn:microsoft.com/office/officeart/2016/7/layout/VerticalDownArrowProcess"/>
-    <dgm:cxn modelId="{42D973CF-DB55-42B9-B27F-0A7AAD6608E7}" type="presParOf" srcId="{89004BF6-9901-4FA0-B13D-B3004F72D72B}" destId="{8D8C0167-8289-4BCD-890B-7E9197B06816}" srcOrd="4" destOrd="0" presId="urn:microsoft.com/office/officeart/2016/7/layout/VerticalDownArrowProcess"/>
-    <dgm:cxn modelId="{13376C5C-57EC-441F-89C3-6945F998E4CB}" type="presParOf" srcId="{8D8C0167-8289-4BCD-890B-7E9197B06816}" destId="{D579A200-6C79-4F59-8488-C70DEB0CFE66}" srcOrd="0" destOrd="0" presId="urn:microsoft.com/office/officeart/2016/7/layout/VerticalDownArrowProcess"/>
-    <dgm:cxn modelId="{C3029E24-F50D-4D8B-9ED2-A8CC0C9B4ADF}" type="presParOf" srcId="{8D8C0167-8289-4BCD-890B-7E9197B06816}" destId="{80061D71-DC92-4EED-8921-5C5935FC0DFC}" srcOrd="1" destOrd="0" presId="urn:microsoft.com/office/officeart/2016/7/layout/VerticalDownArrowProcess"/>
-    <dgm:cxn modelId="{DD1DD2BA-DE77-4D9E-80A1-35EF109C7259}" type="presParOf" srcId="{8D8C0167-8289-4BCD-890B-7E9197B06816}" destId="{E068A13E-F745-47B7-A055-639E9CB667F8}" srcOrd="2" destOrd="0" presId="urn:microsoft.com/office/officeart/2016/7/layout/VerticalDownArrowProcess"/>
-    <dgm:cxn modelId="{E54B7047-5798-43A7-AADB-15089AAE4053}" type="presParOf" srcId="{89004BF6-9901-4FA0-B13D-B3004F72D72B}" destId="{9180DB84-5ADA-420B-A715-A706503FCB28}" srcOrd="5" destOrd="0" presId="urn:microsoft.com/office/officeart/2016/7/layout/VerticalDownArrowProcess"/>
-    <dgm:cxn modelId="{672D8EAD-1A36-45F7-BFB1-E5328A256BA2}" type="presParOf" srcId="{89004BF6-9901-4FA0-B13D-B3004F72D72B}" destId="{276994D0-69A1-460F-B100-BBF4CBF47861}" srcOrd="6" destOrd="0" presId="urn:microsoft.com/office/officeart/2016/7/layout/VerticalDownArrowProcess"/>
-    <dgm:cxn modelId="{82772196-37E3-4A07-AC2E-0D33E0E86E3A}" type="presParOf" srcId="{276994D0-69A1-460F-B100-BBF4CBF47861}" destId="{4856E56B-3074-4F07-AC87-D63298EE6591}" srcOrd="0" destOrd="0" presId="urn:microsoft.com/office/officeart/2016/7/layout/VerticalDownArrowProcess"/>
-    <dgm:cxn modelId="{2D2752F6-2242-4D32-9879-E0A0FC2DBA6E}" type="presParOf" srcId="{276994D0-69A1-460F-B100-BBF4CBF47861}" destId="{55488E02-3FC7-46B9-BA5D-AB3168DA059C}" srcOrd="1" destOrd="0" presId="urn:microsoft.com/office/officeart/2016/7/layout/VerticalDownArrowProcess"/>
-    <dgm:cxn modelId="{914A32C2-40AB-4FF6-B063-85BE4B39C03D}" type="presParOf" srcId="{276994D0-69A1-460F-B100-BBF4CBF47861}" destId="{D907F3B0-C657-4F5C-BFFE-70FBD196592D}" srcOrd="2" destOrd="0" presId="urn:microsoft.com/office/officeart/2016/7/layout/VerticalDownArrowProcess"/>
-  </dgm:cxnLst>
-  <dgm:bg/>
-  <dgm:whole/>
-  <dgm:extLst>
-    <a:ext uri="http://schemas.microsoft.com/office/drawing/2008/diagram">
-      <dsp:dataModelExt xmlns:dsp="http://schemas.microsoft.com/office/drawing/2008/diagram" relId="rId7" minVer="http://schemas.openxmlformats.org/drawingml/2006/diagram"/>
-    </a:ext>
-  </dgm:extLst>
-</dgm:dataModel>
-</file>
-
-<file path=ppt/diagrams/data2.xml><?xml version="1.0" encoding="utf-8"?>
 <dgm:dataModel xmlns:dgm="http://schemas.openxmlformats.org/drawingml/2006/diagram" xmlns:a="http://schemas.openxmlformats.org/drawingml/2006/main">
   <dgm:ptLst>
     <dgm:pt modelId="{7045D5FA-08DB-4F4A-BEE9-588231BD281E}" type="doc">
@@ -3923,393 +1954,7 @@
 </dgm:dataModel>
 </file>
 
-<file path=ppt/diagrams/data3.xml><?xml version="1.0" encoding="utf-8"?>
-<dgm:dataModel xmlns:dgm="http://schemas.openxmlformats.org/drawingml/2006/diagram" xmlns:a="http://schemas.openxmlformats.org/drawingml/2006/main">
-  <dgm:ptLst>
-    <dgm:pt modelId="{E092A4F5-AE12-4B06-81CC-453179883919}" type="doc">
-      <dgm:prSet loTypeId="urn:microsoft.com/office/officeart/2008/layout/LinedList" loCatId="list" qsTypeId="urn:microsoft.com/office/officeart/2005/8/quickstyle/simple1" qsCatId="simple" csTypeId="urn:microsoft.com/office/officeart/2005/8/colors/accent1_2" csCatId="accent1"/>
-      <dgm:spPr/>
-      <dgm:t>
-        <a:bodyPr/>
-        <a:lstStyle/>
-        <a:p>
-          <a:endParaRPr lang="en-US"/>
-        </a:p>
-      </dgm:t>
-    </dgm:pt>
-    <dgm:pt modelId="{24CFD684-FABA-4E49-A411-D37A1E46693A}">
-      <dgm:prSet/>
-      <dgm:spPr/>
-      <dgm:t>
-        <a:bodyPr/>
-        <a:lstStyle/>
-        <a:p>
-          <a:r>
-            <a:rPr lang="en-US"/>
-            <a:t>Python 3.8+</a:t>
-          </a:r>
-        </a:p>
-      </dgm:t>
-    </dgm:pt>
-    <dgm:pt modelId="{549AFA50-8602-432D-BFF4-45E4CF146B19}" type="parTrans" cxnId="{D82CEDF8-73FE-49ED-91B0-9BDE3D5594C0}">
-      <dgm:prSet/>
-      <dgm:spPr/>
-      <dgm:t>
-        <a:bodyPr/>
-        <a:lstStyle/>
-        <a:p>
-          <a:endParaRPr lang="en-US"/>
-        </a:p>
-      </dgm:t>
-    </dgm:pt>
-    <dgm:pt modelId="{530A1757-82F3-4907-9158-40F91304C3E1}" type="sibTrans" cxnId="{D82CEDF8-73FE-49ED-91B0-9BDE3D5594C0}">
-      <dgm:prSet/>
-      <dgm:spPr/>
-      <dgm:t>
-        <a:bodyPr/>
-        <a:lstStyle/>
-        <a:p>
-          <a:endParaRPr lang="en-US"/>
-        </a:p>
-      </dgm:t>
-    </dgm:pt>
-    <dgm:pt modelId="{73669E38-BA98-475E-AAF0-EBE29CD5F839}">
-      <dgm:prSet/>
-      <dgm:spPr/>
-      <dgm:t>
-        <a:bodyPr/>
-        <a:lstStyle/>
-        <a:p>
-          <a:r>
-            <a:rPr lang="en-US"/>
-            <a:t>PyQt5 (GUI)</a:t>
-          </a:r>
-        </a:p>
-      </dgm:t>
-    </dgm:pt>
-    <dgm:pt modelId="{8DCB2D74-17BC-4D5B-915C-32512BA9A4B9}" type="parTrans" cxnId="{D2C6CA79-C673-4EF8-A7D9-F96E18EA09B9}">
-      <dgm:prSet/>
-      <dgm:spPr/>
-      <dgm:t>
-        <a:bodyPr/>
-        <a:lstStyle/>
-        <a:p>
-          <a:endParaRPr lang="en-US"/>
-        </a:p>
-      </dgm:t>
-    </dgm:pt>
-    <dgm:pt modelId="{74B8DCB1-42E9-4B88-AD84-02A758444884}" type="sibTrans" cxnId="{D2C6CA79-C673-4EF8-A7D9-F96E18EA09B9}">
-      <dgm:prSet/>
-      <dgm:spPr/>
-      <dgm:t>
-        <a:bodyPr/>
-        <a:lstStyle/>
-        <a:p>
-          <a:endParaRPr lang="en-US"/>
-        </a:p>
-      </dgm:t>
-    </dgm:pt>
-    <dgm:pt modelId="{2E3CB5AF-2900-4C2B-BA08-74CA943B71FC}">
-      <dgm:prSet/>
-      <dgm:spPr/>
-      <dgm:t>
-        <a:bodyPr/>
-        <a:lstStyle/>
-        <a:p>
-          <a:r>
-            <a:rPr lang="en-US"/>
-            <a:t>Matplotlib &amp; mplfinance (charts)</a:t>
-          </a:r>
-        </a:p>
-      </dgm:t>
-    </dgm:pt>
-    <dgm:pt modelId="{3A625F61-DBCB-483B-B812-7D87E6327216}" type="parTrans" cxnId="{D5793E86-9676-489B-A116-06B7D5AF5256}">
-      <dgm:prSet/>
-      <dgm:spPr/>
-      <dgm:t>
-        <a:bodyPr/>
-        <a:lstStyle/>
-        <a:p>
-          <a:endParaRPr lang="en-US"/>
-        </a:p>
-      </dgm:t>
-    </dgm:pt>
-    <dgm:pt modelId="{17F8F319-9D06-47C6-AA51-1DEE3AFDB8FD}" type="sibTrans" cxnId="{D5793E86-9676-489B-A116-06B7D5AF5256}">
-      <dgm:prSet/>
-      <dgm:spPr/>
-      <dgm:t>
-        <a:bodyPr/>
-        <a:lstStyle/>
-        <a:p>
-          <a:endParaRPr lang="en-US"/>
-        </a:p>
-      </dgm:t>
-    </dgm:pt>
-    <dgm:pt modelId="{C6782C9A-C0A5-4EF8-AD27-E4551BCF97A5}">
-      <dgm:prSet/>
-      <dgm:spPr/>
-      <dgm:t>
-        <a:bodyPr/>
-        <a:lstStyle/>
-        <a:p>
-          <a:r>
-            <a:rPr lang="en-US"/>
-            <a:t>yfinance (data fetching)</a:t>
-          </a:r>
-        </a:p>
-      </dgm:t>
-    </dgm:pt>
-    <dgm:pt modelId="{E69302D2-B1A0-494C-9EE2-32A8D0395D9C}" type="parTrans" cxnId="{8AC681AF-A94D-41BF-845E-C9AD82C677AD}">
-      <dgm:prSet/>
-      <dgm:spPr/>
-      <dgm:t>
-        <a:bodyPr/>
-        <a:lstStyle/>
-        <a:p>
-          <a:endParaRPr lang="en-US"/>
-        </a:p>
-      </dgm:t>
-    </dgm:pt>
-    <dgm:pt modelId="{8AE029C9-01A1-485A-B256-87969775CE8C}" type="sibTrans" cxnId="{8AC681AF-A94D-41BF-845E-C9AD82C677AD}">
-      <dgm:prSet/>
-      <dgm:spPr/>
-      <dgm:t>
-        <a:bodyPr/>
-        <a:lstStyle/>
-        <a:p>
-          <a:endParaRPr lang="en-US"/>
-        </a:p>
-      </dgm:t>
-    </dgm:pt>
-    <dgm:pt modelId="{6890B2B9-3C3B-446C-A72D-1B1AB04640F4}">
-      <dgm:prSet/>
-      <dgm:spPr/>
-      <dgm:t>
-        <a:bodyPr/>
-        <a:lstStyle/>
-        <a:p>
-          <a:r>
-            <a:rPr lang="en-US"/>
-            <a:t>Pandas, NumPy</a:t>
-          </a:r>
-        </a:p>
-      </dgm:t>
-    </dgm:pt>
-    <dgm:pt modelId="{C65AD3FA-768A-44A0-B237-F91EB8BB2CB9}" type="parTrans" cxnId="{41E2359A-DEBA-438D-8980-7972677DB4C3}">
-      <dgm:prSet/>
-      <dgm:spPr/>
-      <dgm:t>
-        <a:bodyPr/>
-        <a:lstStyle/>
-        <a:p>
-          <a:endParaRPr lang="en-US"/>
-        </a:p>
-      </dgm:t>
-    </dgm:pt>
-    <dgm:pt modelId="{96B7C5BE-6443-48E2-8AE1-10560EE806F9}" type="sibTrans" cxnId="{41E2359A-DEBA-438D-8980-7972677DB4C3}">
-      <dgm:prSet/>
-      <dgm:spPr/>
-      <dgm:t>
-        <a:bodyPr/>
-        <a:lstStyle/>
-        <a:p>
-          <a:endParaRPr lang="en-US"/>
-        </a:p>
-      </dgm:t>
-    </dgm:pt>
-    <dgm:pt modelId="{73FA3985-F260-4890-8585-9AC1D17D9D88}">
-      <dgm:prSet/>
-      <dgm:spPr/>
-      <dgm:t>
-        <a:bodyPr/>
-        <a:lstStyle/>
-        <a:p>
-          <a:r>
-            <a:rPr lang="en-US"/>
-            <a:t>TA-Lib (ta) – technical analysis indicators</a:t>
-          </a:r>
-        </a:p>
-      </dgm:t>
-    </dgm:pt>
-    <dgm:pt modelId="{007B4802-8044-40E5-941D-798B913DA4F0}" type="parTrans" cxnId="{59EC6127-31B5-4E64-BD93-3DA03C5329DC}">
-      <dgm:prSet/>
-      <dgm:spPr/>
-      <dgm:t>
-        <a:bodyPr/>
-        <a:lstStyle/>
-        <a:p>
-          <a:endParaRPr lang="en-US"/>
-        </a:p>
-      </dgm:t>
-    </dgm:pt>
-    <dgm:pt modelId="{235E3151-4803-4A5B-B105-4F52C5837720}" type="sibTrans" cxnId="{59EC6127-31B5-4E64-BD93-3DA03C5329DC}">
-      <dgm:prSet/>
-      <dgm:spPr/>
-      <dgm:t>
-        <a:bodyPr/>
-        <a:lstStyle/>
-        <a:p>
-          <a:endParaRPr lang="en-US"/>
-        </a:p>
-      </dgm:t>
-    </dgm:pt>
-    <dgm:pt modelId="{A8B6AAEE-5E97-4BDF-BE59-77CDC22DC15C}" type="pres">
-      <dgm:prSet presAssocID="{E092A4F5-AE12-4B06-81CC-453179883919}" presName="vert0" presStyleCnt="0">
-        <dgm:presLayoutVars>
-          <dgm:dir/>
-          <dgm:animOne val="branch"/>
-          <dgm:animLvl val="lvl"/>
-        </dgm:presLayoutVars>
-      </dgm:prSet>
-      <dgm:spPr/>
-    </dgm:pt>
-    <dgm:pt modelId="{52F62D71-AA77-4A6B-8579-C1632BF2675E}" type="pres">
-      <dgm:prSet presAssocID="{24CFD684-FABA-4E49-A411-D37A1E46693A}" presName="thickLine" presStyleLbl="alignNode1" presStyleIdx="0" presStyleCnt="6"/>
-      <dgm:spPr/>
-    </dgm:pt>
-    <dgm:pt modelId="{640D1FFF-EDAD-4068-B53B-213AD3FB797C}" type="pres">
-      <dgm:prSet presAssocID="{24CFD684-FABA-4E49-A411-D37A1E46693A}" presName="horz1" presStyleCnt="0"/>
-      <dgm:spPr/>
-    </dgm:pt>
-    <dgm:pt modelId="{5C0C319B-EB3B-43F8-B074-BE5FEB85CA5A}" type="pres">
-      <dgm:prSet presAssocID="{24CFD684-FABA-4E49-A411-D37A1E46693A}" presName="tx1" presStyleLbl="revTx" presStyleIdx="0" presStyleCnt="6"/>
-      <dgm:spPr/>
-    </dgm:pt>
-    <dgm:pt modelId="{2EC5F9C9-5AD2-4728-BCF7-FE1AAAAD2164}" type="pres">
-      <dgm:prSet presAssocID="{24CFD684-FABA-4E49-A411-D37A1E46693A}" presName="vert1" presStyleCnt="0"/>
-      <dgm:spPr/>
-    </dgm:pt>
-    <dgm:pt modelId="{EE9A1180-E024-4EDA-AA0C-AD5A1367780B}" type="pres">
-      <dgm:prSet presAssocID="{73669E38-BA98-475E-AAF0-EBE29CD5F839}" presName="thickLine" presStyleLbl="alignNode1" presStyleIdx="1" presStyleCnt="6"/>
-      <dgm:spPr/>
-    </dgm:pt>
-    <dgm:pt modelId="{0206173F-9E70-4D5D-9EC4-C04B9AAEE2A9}" type="pres">
-      <dgm:prSet presAssocID="{73669E38-BA98-475E-AAF0-EBE29CD5F839}" presName="horz1" presStyleCnt="0"/>
-      <dgm:spPr/>
-    </dgm:pt>
-    <dgm:pt modelId="{8710D17B-6EA3-45BE-905D-64A646F22441}" type="pres">
-      <dgm:prSet presAssocID="{73669E38-BA98-475E-AAF0-EBE29CD5F839}" presName="tx1" presStyleLbl="revTx" presStyleIdx="1" presStyleCnt="6"/>
-      <dgm:spPr/>
-    </dgm:pt>
-    <dgm:pt modelId="{6EC373F4-CAEB-4FF4-B984-734D86162F59}" type="pres">
-      <dgm:prSet presAssocID="{73669E38-BA98-475E-AAF0-EBE29CD5F839}" presName="vert1" presStyleCnt="0"/>
-      <dgm:spPr/>
-    </dgm:pt>
-    <dgm:pt modelId="{30EE2EB4-2C2E-4A01-B443-DDCC30EB1364}" type="pres">
-      <dgm:prSet presAssocID="{2E3CB5AF-2900-4C2B-BA08-74CA943B71FC}" presName="thickLine" presStyleLbl="alignNode1" presStyleIdx="2" presStyleCnt="6"/>
-      <dgm:spPr/>
-    </dgm:pt>
-    <dgm:pt modelId="{D629EED9-3BFC-4C0C-8A6A-C9C93A7BEE46}" type="pres">
-      <dgm:prSet presAssocID="{2E3CB5AF-2900-4C2B-BA08-74CA943B71FC}" presName="horz1" presStyleCnt="0"/>
-      <dgm:spPr/>
-    </dgm:pt>
-    <dgm:pt modelId="{A6508F9F-80A4-4A31-B880-75117CCDC119}" type="pres">
-      <dgm:prSet presAssocID="{2E3CB5AF-2900-4C2B-BA08-74CA943B71FC}" presName="tx1" presStyleLbl="revTx" presStyleIdx="2" presStyleCnt="6"/>
-      <dgm:spPr/>
-    </dgm:pt>
-    <dgm:pt modelId="{6DBE7483-1817-4E7E-BA20-F7833DDB9064}" type="pres">
-      <dgm:prSet presAssocID="{2E3CB5AF-2900-4C2B-BA08-74CA943B71FC}" presName="vert1" presStyleCnt="0"/>
-      <dgm:spPr/>
-    </dgm:pt>
-    <dgm:pt modelId="{76C96D8E-E386-4CDB-AF0D-9AF4BBBC022F}" type="pres">
-      <dgm:prSet presAssocID="{C6782C9A-C0A5-4EF8-AD27-E4551BCF97A5}" presName="thickLine" presStyleLbl="alignNode1" presStyleIdx="3" presStyleCnt="6"/>
-      <dgm:spPr/>
-    </dgm:pt>
-    <dgm:pt modelId="{44317CD9-86DF-4EF0-BB18-9D6880C911A2}" type="pres">
-      <dgm:prSet presAssocID="{C6782C9A-C0A5-4EF8-AD27-E4551BCF97A5}" presName="horz1" presStyleCnt="0"/>
-      <dgm:spPr/>
-    </dgm:pt>
-    <dgm:pt modelId="{EF14905F-09C3-4F13-9961-DDE66952AFE1}" type="pres">
-      <dgm:prSet presAssocID="{C6782C9A-C0A5-4EF8-AD27-E4551BCF97A5}" presName="tx1" presStyleLbl="revTx" presStyleIdx="3" presStyleCnt="6"/>
-      <dgm:spPr/>
-    </dgm:pt>
-    <dgm:pt modelId="{A7C4F621-3820-47C5-868E-9912316AC853}" type="pres">
-      <dgm:prSet presAssocID="{C6782C9A-C0A5-4EF8-AD27-E4551BCF97A5}" presName="vert1" presStyleCnt="0"/>
-      <dgm:spPr/>
-    </dgm:pt>
-    <dgm:pt modelId="{08081CE8-9185-4056-B119-1864F68C7EFB}" type="pres">
-      <dgm:prSet presAssocID="{6890B2B9-3C3B-446C-A72D-1B1AB04640F4}" presName="thickLine" presStyleLbl="alignNode1" presStyleIdx="4" presStyleCnt="6"/>
-      <dgm:spPr/>
-    </dgm:pt>
-    <dgm:pt modelId="{BB312516-DEAB-428C-AD8B-CB5A81DDA5C7}" type="pres">
-      <dgm:prSet presAssocID="{6890B2B9-3C3B-446C-A72D-1B1AB04640F4}" presName="horz1" presStyleCnt="0"/>
-      <dgm:spPr/>
-    </dgm:pt>
-    <dgm:pt modelId="{D196DA05-8D98-45D5-BF59-1475482F0921}" type="pres">
-      <dgm:prSet presAssocID="{6890B2B9-3C3B-446C-A72D-1B1AB04640F4}" presName="tx1" presStyleLbl="revTx" presStyleIdx="4" presStyleCnt="6"/>
-      <dgm:spPr/>
-    </dgm:pt>
-    <dgm:pt modelId="{75BB97AC-F6C7-40BF-99A5-8939928D98D4}" type="pres">
-      <dgm:prSet presAssocID="{6890B2B9-3C3B-446C-A72D-1B1AB04640F4}" presName="vert1" presStyleCnt="0"/>
-      <dgm:spPr/>
-    </dgm:pt>
-    <dgm:pt modelId="{E32DA160-94C5-4EDF-9E7F-F9BFC9093B1D}" type="pres">
-      <dgm:prSet presAssocID="{73FA3985-F260-4890-8585-9AC1D17D9D88}" presName="thickLine" presStyleLbl="alignNode1" presStyleIdx="5" presStyleCnt="6"/>
-      <dgm:spPr/>
-    </dgm:pt>
-    <dgm:pt modelId="{316F9043-A12B-496B-BA75-4AFFE5000EAF}" type="pres">
-      <dgm:prSet presAssocID="{73FA3985-F260-4890-8585-9AC1D17D9D88}" presName="horz1" presStyleCnt="0"/>
-      <dgm:spPr/>
-    </dgm:pt>
-    <dgm:pt modelId="{5AE8D6B0-60EC-44BC-B123-8A2A2FD0389D}" type="pres">
-      <dgm:prSet presAssocID="{73FA3985-F260-4890-8585-9AC1D17D9D88}" presName="tx1" presStyleLbl="revTx" presStyleIdx="5" presStyleCnt="6"/>
-      <dgm:spPr/>
-    </dgm:pt>
-    <dgm:pt modelId="{8083D882-1D0B-4142-A85D-4CA0F199D95D}" type="pres">
-      <dgm:prSet presAssocID="{73FA3985-F260-4890-8585-9AC1D17D9D88}" presName="vert1" presStyleCnt="0"/>
-      <dgm:spPr/>
-    </dgm:pt>
-  </dgm:ptLst>
-  <dgm:cxnLst>
-    <dgm:cxn modelId="{82E61C09-B0A7-4964-A44E-9454F531AD6F}" type="presOf" srcId="{73669E38-BA98-475E-AAF0-EBE29CD5F839}" destId="{8710D17B-6EA3-45BE-905D-64A646F22441}" srcOrd="0" destOrd="0" presId="urn:microsoft.com/office/officeart/2008/layout/LinedList"/>
-    <dgm:cxn modelId="{ED664509-61A2-410A-9C51-CCE9123EFE8D}" type="presOf" srcId="{2E3CB5AF-2900-4C2B-BA08-74CA943B71FC}" destId="{A6508F9F-80A4-4A31-B880-75117CCDC119}" srcOrd="0" destOrd="0" presId="urn:microsoft.com/office/officeart/2008/layout/LinedList"/>
-    <dgm:cxn modelId="{59EC6127-31B5-4E64-BD93-3DA03C5329DC}" srcId="{E092A4F5-AE12-4B06-81CC-453179883919}" destId="{73FA3985-F260-4890-8585-9AC1D17D9D88}" srcOrd="5" destOrd="0" parTransId="{007B4802-8044-40E5-941D-798B913DA4F0}" sibTransId="{235E3151-4803-4A5B-B105-4F52C5837720}"/>
-    <dgm:cxn modelId="{D9724F40-F84E-4C61-9746-F18D90DC15F2}" type="presOf" srcId="{C6782C9A-C0A5-4EF8-AD27-E4551BCF97A5}" destId="{EF14905F-09C3-4F13-9961-DDE66952AFE1}" srcOrd="0" destOrd="0" presId="urn:microsoft.com/office/officeart/2008/layout/LinedList"/>
-    <dgm:cxn modelId="{0A296747-0AF8-4330-81DB-DC109775F63A}" type="presOf" srcId="{E092A4F5-AE12-4B06-81CC-453179883919}" destId="{A8B6AAEE-5E97-4BDF-BE59-77CDC22DC15C}" srcOrd="0" destOrd="0" presId="urn:microsoft.com/office/officeart/2008/layout/LinedList"/>
-    <dgm:cxn modelId="{D2C6CA79-C673-4EF8-A7D9-F96E18EA09B9}" srcId="{E092A4F5-AE12-4B06-81CC-453179883919}" destId="{73669E38-BA98-475E-AAF0-EBE29CD5F839}" srcOrd="1" destOrd="0" parTransId="{8DCB2D74-17BC-4D5B-915C-32512BA9A4B9}" sibTransId="{74B8DCB1-42E9-4B88-AD84-02A758444884}"/>
-    <dgm:cxn modelId="{8751FA81-D069-4EBD-9713-361472774EF2}" type="presOf" srcId="{6890B2B9-3C3B-446C-A72D-1B1AB04640F4}" destId="{D196DA05-8D98-45D5-BF59-1475482F0921}" srcOrd="0" destOrd="0" presId="urn:microsoft.com/office/officeart/2008/layout/LinedList"/>
-    <dgm:cxn modelId="{D5793E86-9676-489B-A116-06B7D5AF5256}" srcId="{E092A4F5-AE12-4B06-81CC-453179883919}" destId="{2E3CB5AF-2900-4C2B-BA08-74CA943B71FC}" srcOrd="2" destOrd="0" parTransId="{3A625F61-DBCB-483B-B812-7D87E6327216}" sibTransId="{17F8F319-9D06-47C6-AA51-1DEE3AFDB8FD}"/>
-    <dgm:cxn modelId="{E7EFFA91-BF0E-4DBA-A30F-EBA4877C06D9}" type="presOf" srcId="{24CFD684-FABA-4E49-A411-D37A1E46693A}" destId="{5C0C319B-EB3B-43F8-B074-BE5FEB85CA5A}" srcOrd="0" destOrd="0" presId="urn:microsoft.com/office/officeart/2008/layout/LinedList"/>
-    <dgm:cxn modelId="{41E2359A-DEBA-438D-8980-7972677DB4C3}" srcId="{E092A4F5-AE12-4B06-81CC-453179883919}" destId="{6890B2B9-3C3B-446C-A72D-1B1AB04640F4}" srcOrd="4" destOrd="0" parTransId="{C65AD3FA-768A-44A0-B237-F91EB8BB2CB9}" sibTransId="{96B7C5BE-6443-48E2-8AE1-10560EE806F9}"/>
-    <dgm:cxn modelId="{8AC681AF-A94D-41BF-845E-C9AD82C677AD}" srcId="{E092A4F5-AE12-4B06-81CC-453179883919}" destId="{C6782C9A-C0A5-4EF8-AD27-E4551BCF97A5}" srcOrd="3" destOrd="0" parTransId="{E69302D2-B1A0-494C-9EE2-32A8D0395D9C}" sibTransId="{8AE029C9-01A1-485A-B256-87969775CE8C}"/>
-    <dgm:cxn modelId="{BF5133F3-E8EA-4442-8AB4-A8F972B4FB2F}" type="presOf" srcId="{73FA3985-F260-4890-8585-9AC1D17D9D88}" destId="{5AE8D6B0-60EC-44BC-B123-8A2A2FD0389D}" srcOrd="0" destOrd="0" presId="urn:microsoft.com/office/officeart/2008/layout/LinedList"/>
-    <dgm:cxn modelId="{D82CEDF8-73FE-49ED-91B0-9BDE3D5594C0}" srcId="{E092A4F5-AE12-4B06-81CC-453179883919}" destId="{24CFD684-FABA-4E49-A411-D37A1E46693A}" srcOrd="0" destOrd="0" parTransId="{549AFA50-8602-432D-BFF4-45E4CF146B19}" sibTransId="{530A1757-82F3-4907-9158-40F91304C3E1}"/>
-    <dgm:cxn modelId="{96EB64F9-63A6-45A0-B696-F1A61AE5BFEE}" type="presParOf" srcId="{A8B6AAEE-5E97-4BDF-BE59-77CDC22DC15C}" destId="{52F62D71-AA77-4A6B-8579-C1632BF2675E}" srcOrd="0" destOrd="0" presId="urn:microsoft.com/office/officeart/2008/layout/LinedList"/>
-    <dgm:cxn modelId="{FC4BC7D7-7252-4425-BAF8-80E19BBE8129}" type="presParOf" srcId="{A8B6AAEE-5E97-4BDF-BE59-77CDC22DC15C}" destId="{640D1FFF-EDAD-4068-B53B-213AD3FB797C}" srcOrd="1" destOrd="0" presId="urn:microsoft.com/office/officeart/2008/layout/LinedList"/>
-    <dgm:cxn modelId="{D5A6FB75-06A0-46F2-AD74-137984FC5F7C}" type="presParOf" srcId="{640D1FFF-EDAD-4068-B53B-213AD3FB797C}" destId="{5C0C319B-EB3B-43F8-B074-BE5FEB85CA5A}" srcOrd="0" destOrd="0" presId="urn:microsoft.com/office/officeart/2008/layout/LinedList"/>
-    <dgm:cxn modelId="{F3D18FB4-92B2-4462-AB50-F9FD9479A64F}" type="presParOf" srcId="{640D1FFF-EDAD-4068-B53B-213AD3FB797C}" destId="{2EC5F9C9-5AD2-4728-BCF7-FE1AAAAD2164}" srcOrd="1" destOrd="0" presId="urn:microsoft.com/office/officeart/2008/layout/LinedList"/>
-    <dgm:cxn modelId="{6FBB9C0D-DC61-4B88-8324-71B542B8952D}" type="presParOf" srcId="{A8B6AAEE-5E97-4BDF-BE59-77CDC22DC15C}" destId="{EE9A1180-E024-4EDA-AA0C-AD5A1367780B}" srcOrd="2" destOrd="0" presId="urn:microsoft.com/office/officeart/2008/layout/LinedList"/>
-    <dgm:cxn modelId="{4A7F5E2F-17AE-4BDC-A74C-995A8A8128C7}" type="presParOf" srcId="{A8B6AAEE-5E97-4BDF-BE59-77CDC22DC15C}" destId="{0206173F-9E70-4D5D-9EC4-C04B9AAEE2A9}" srcOrd="3" destOrd="0" presId="urn:microsoft.com/office/officeart/2008/layout/LinedList"/>
-    <dgm:cxn modelId="{FF61510E-B657-4CD9-90FA-5E22E55FFDCD}" type="presParOf" srcId="{0206173F-9E70-4D5D-9EC4-C04B9AAEE2A9}" destId="{8710D17B-6EA3-45BE-905D-64A646F22441}" srcOrd="0" destOrd="0" presId="urn:microsoft.com/office/officeart/2008/layout/LinedList"/>
-    <dgm:cxn modelId="{04B0A62E-BD3D-4580-8295-035C1C9C93B2}" type="presParOf" srcId="{0206173F-9E70-4D5D-9EC4-C04B9AAEE2A9}" destId="{6EC373F4-CAEB-4FF4-B984-734D86162F59}" srcOrd="1" destOrd="0" presId="urn:microsoft.com/office/officeart/2008/layout/LinedList"/>
-    <dgm:cxn modelId="{C521E970-BDE5-454E-BC82-2EBFC799FDAE}" type="presParOf" srcId="{A8B6AAEE-5E97-4BDF-BE59-77CDC22DC15C}" destId="{30EE2EB4-2C2E-4A01-B443-DDCC30EB1364}" srcOrd="4" destOrd="0" presId="urn:microsoft.com/office/officeart/2008/layout/LinedList"/>
-    <dgm:cxn modelId="{2E42F947-C98E-4A76-86DD-6FCCC2353B89}" type="presParOf" srcId="{A8B6AAEE-5E97-4BDF-BE59-77CDC22DC15C}" destId="{D629EED9-3BFC-4C0C-8A6A-C9C93A7BEE46}" srcOrd="5" destOrd="0" presId="urn:microsoft.com/office/officeart/2008/layout/LinedList"/>
-    <dgm:cxn modelId="{051D2AB0-1046-4D42-872F-CA9A2272DD8E}" type="presParOf" srcId="{D629EED9-3BFC-4C0C-8A6A-C9C93A7BEE46}" destId="{A6508F9F-80A4-4A31-B880-75117CCDC119}" srcOrd="0" destOrd="0" presId="urn:microsoft.com/office/officeart/2008/layout/LinedList"/>
-    <dgm:cxn modelId="{37CBB5E1-B1C6-44A1-A8DD-0873C7DF38DD}" type="presParOf" srcId="{D629EED9-3BFC-4C0C-8A6A-C9C93A7BEE46}" destId="{6DBE7483-1817-4E7E-BA20-F7833DDB9064}" srcOrd="1" destOrd="0" presId="urn:microsoft.com/office/officeart/2008/layout/LinedList"/>
-    <dgm:cxn modelId="{4ECA4B1C-C512-4C3C-BDD1-6FC13CEC74E6}" type="presParOf" srcId="{A8B6AAEE-5E97-4BDF-BE59-77CDC22DC15C}" destId="{76C96D8E-E386-4CDB-AF0D-9AF4BBBC022F}" srcOrd="6" destOrd="0" presId="urn:microsoft.com/office/officeart/2008/layout/LinedList"/>
-    <dgm:cxn modelId="{17E03F00-86A5-40FF-8A4B-7C4FECC102B3}" type="presParOf" srcId="{A8B6AAEE-5E97-4BDF-BE59-77CDC22DC15C}" destId="{44317CD9-86DF-4EF0-BB18-9D6880C911A2}" srcOrd="7" destOrd="0" presId="urn:microsoft.com/office/officeart/2008/layout/LinedList"/>
-    <dgm:cxn modelId="{C900C239-942C-46C2-A4CC-8A23E12CDB2D}" type="presParOf" srcId="{44317CD9-86DF-4EF0-BB18-9D6880C911A2}" destId="{EF14905F-09C3-4F13-9961-DDE66952AFE1}" srcOrd="0" destOrd="0" presId="urn:microsoft.com/office/officeart/2008/layout/LinedList"/>
-    <dgm:cxn modelId="{A03C6351-3AA2-41AA-A949-0405A4348BE7}" type="presParOf" srcId="{44317CD9-86DF-4EF0-BB18-9D6880C911A2}" destId="{A7C4F621-3820-47C5-868E-9912316AC853}" srcOrd="1" destOrd="0" presId="urn:microsoft.com/office/officeart/2008/layout/LinedList"/>
-    <dgm:cxn modelId="{F8A8AFCB-BC3E-40E2-BEF1-CBF00E299AC0}" type="presParOf" srcId="{A8B6AAEE-5E97-4BDF-BE59-77CDC22DC15C}" destId="{08081CE8-9185-4056-B119-1864F68C7EFB}" srcOrd="8" destOrd="0" presId="urn:microsoft.com/office/officeart/2008/layout/LinedList"/>
-    <dgm:cxn modelId="{08155086-F7A3-478D-8646-CDAF9609E1EE}" type="presParOf" srcId="{A8B6AAEE-5E97-4BDF-BE59-77CDC22DC15C}" destId="{BB312516-DEAB-428C-AD8B-CB5A81DDA5C7}" srcOrd="9" destOrd="0" presId="urn:microsoft.com/office/officeart/2008/layout/LinedList"/>
-    <dgm:cxn modelId="{C41DEC4A-AD02-4900-9043-F1C8A8C1FDED}" type="presParOf" srcId="{BB312516-DEAB-428C-AD8B-CB5A81DDA5C7}" destId="{D196DA05-8D98-45D5-BF59-1475482F0921}" srcOrd="0" destOrd="0" presId="urn:microsoft.com/office/officeart/2008/layout/LinedList"/>
-    <dgm:cxn modelId="{C5E9BCDA-B4ED-4D75-B9A2-773A7061245F}" type="presParOf" srcId="{BB312516-DEAB-428C-AD8B-CB5A81DDA5C7}" destId="{75BB97AC-F6C7-40BF-99A5-8939928D98D4}" srcOrd="1" destOrd="0" presId="urn:microsoft.com/office/officeart/2008/layout/LinedList"/>
-    <dgm:cxn modelId="{EDEF1335-6351-4E63-93E1-89D031F3ADA3}" type="presParOf" srcId="{A8B6AAEE-5E97-4BDF-BE59-77CDC22DC15C}" destId="{E32DA160-94C5-4EDF-9E7F-F9BFC9093B1D}" srcOrd="10" destOrd="0" presId="urn:microsoft.com/office/officeart/2008/layout/LinedList"/>
-    <dgm:cxn modelId="{D6D1C82A-6A5A-4EB9-87AF-CC2E0D7D55AA}" type="presParOf" srcId="{A8B6AAEE-5E97-4BDF-BE59-77CDC22DC15C}" destId="{316F9043-A12B-496B-BA75-4AFFE5000EAF}" srcOrd="11" destOrd="0" presId="urn:microsoft.com/office/officeart/2008/layout/LinedList"/>
-    <dgm:cxn modelId="{D364B0CA-848C-4637-804C-1CC1FA25A5E2}" type="presParOf" srcId="{316F9043-A12B-496B-BA75-4AFFE5000EAF}" destId="{5AE8D6B0-60EC-44BC-B123-8A2A2FD0389D}" srcOrd="0" destOrd="0" presId="urn:microsoft.com/office/officeart/2008/layout/LinedList"/>
-    <dgm:cxn modelId="{6142A773-3425-489B-B9A6-1A07971F6F95}" type="presParOf" srcId="{316F9043-A12B-496B-BA75-4AFFE5000EAF}" destId="{8083D882-1D0B-4142-A85D-4CA0F199D95D}" srcOrd="1" destOrd="0" presId="urn:microsoft.com/office/officeart/2008/layout/LinedList"/>
-  </dgm:cxnLst>
-  <dgm:bg/>
-  <dgm:whole/>
-  <dgm:extLst>
-    <a:ext uri="http://schemas.microsoft.com/office/drawing/2008/diagram">
-      <dsp:dataModelExt xmlns:dsp="http://schemas.microsoft.com/office/drawing/2008/diagram" relId="rId6" minVer="http://schemas.openxmlformats.org/drawingml/2006/diagram"/>
-    </a:ext>
-  </dgm:extLst>
-</dgm:dataModel>
-</file>
-
-<file path=ppt/diagrams/data4.xml><?xml version="1.0" encoding="utf-8"?>
+<file path=ppt/diagrams/data2.xml><?xml version="1.0" encoding="utf-8"?>
 <dgm:dataModel xmlns:dgm="http://schemas.openxmlformats.org/drawingml/2006/diagram" xmlns:a="http://schemas.openxmlformats.org/drawingml/2006/main">
   <dgm:ptLst>
     <dgm:pt modelId="{1A74BA76-7CF0-46C4-957F-08691191C7C1}" type="doc">
@@ -4619,657 +2264,6 @@
 </file>
 
 <file path=ppt/diagrams/drawing1.xml><?xml version="1.0" encoding="utf-8"?>
-<dsp:drawing xmlns:dgm="http://schemas.openxmlformats.org/drawingml/2006/diagram" xmlns:dsp="http://schemas.microsoft.com/office/drawing/2008/diagram" xmlns:a="http://schemas.openxmlformats.org/drawingml/2006/main">
-  <dsp:spTree>
-    <dsp:nvGrpSpPr>
-      <dsp:cNvPr id="0" name=""/>
-      <dsp:cNvGrpSpPr/>
-    </dsp:nvGrpSpPr>
-    <dsp:grpSpPr/>
-    <dsp:sp modelId="{5142EB99-DECA-4F6D-9DC5-5569EFB7F165}">
-      <dsp:nvSpPr>
-        <dsp:cNvPr id="0" name=""/>
-        <dsp:cNvSpPr/>
-      </dsp:nvSpPr>
-      <dsp:spPr>
-        <a:xfrm>
-          <a:off x="0" y="3078149"/>
-          <a:ext cx="992186" cy="673423"/>
-        </a:xfrm>
-        <a:prstGeom prst="rect">
-          <a:avLst/>
-        </a:prstGeom>
-        <a:solidFill>
-          <a:schemeClr val="accent5">
-            <a:hueOff val="0"/>
-            <a:satOff val="0"/>
-            <a:lumOff val="0"/>
-            <a:alphaOff val="0"/>
-          </a:schemeClr>
-        </a:solidFill>
-        <a:ln w="25400" cap="flat" cmpd="sng" algn="ctr">
-          <a:solidFill>
-            <a:schemeClr val="accent5">
-              <a:hueOff val="0"/>
-              <a:satOff val="0"/>
-              <a:lumOff val="0"/>
-              <a:alphaOff val="0"/>
-            </a:schemeClr>
-          </a:solidFill>
-          <a:prstDash val="solid"/>
-        </a:ln>
-        <a:effectLst/>
-      </dsp:spPr>
-      <dsp:style>
-        <a:lnRef idx="2">
-          <a:scrgbClr r="0" g="0" b="0"/>
-        </a:lnRef>
-        <a:fillRef idx="1">
-          <a:scrgbClr r="0" g="0" b="0"/>
-        </a:fillRef>
-        <a:effectRef idx="0">
-          <a:scrgbClr r="0" g="0" b="0"/>
-        </a:effectRef>
-        <a:fontRef idx="minor">
-          <a:schemeClr val="lt1"/>
-        </a:fontRef>
-      </dsp:style>
-      <dsp:txBody>
-        <a:bodyPr spcFirstLastPara="0" vert="horz" wrap="square" lIns="70564" tIns="128016" rIns="70564" bIns="128016" numCol="1" spcCol="1270" anchor="ctr" anchorCtr="0">
-          <a:noAutofit/>
-        </a:bodyPr>
-        <a:lstStyle/>
-        <a:p>
-          <a:pPr marL="0" lvl="0" indent="0" algn="ctr" defTabSz="800100">
-            <a:lnSpc>
-              <a:spcPct val="90000"/>
-            </a:lnSpc>
-            <a:spcBef>
-              <a:spcPct val="0"/>
-            </a:spcBef>
-            <a:spcAft>
-              <a:spcPct val="35000"/>
-            </a:spcAft>
-            <a:buNone/>
-          </a:pPr>
-          <a:r>
-            <a:rPr lang="en-US" sz="1800" kern="1200"/>
-            <a:t>Learn</a:t>
-          </a:r>
-        </a:p>
-      </dsp:txBody>
-      <dsp:txXfrm>
-        <a:off x="0" y="3078149"/>
-        <a:ext cx="992186" cy="673423"/>
-      </dsp:txXfrm>
-    </dsp:sp>
-    <dsp:sp modelId="{77237B76-F136-4BB8-BCA1-5F95978D9D6C}">
-      <dsp:nvSpPr>
-        <dsp:cNvPr id="0" name=""/>
-        <dsp:cNvSpPr/>
-      </dsp:nvSpPr>
-      <dsp:spPr>
-        <a:xfrm>
-          <a:off x="992186" y="3078149"/>
-          <a:ext cx="2976560" cy="673423"/>
-        </a:xfrm>
-        <a:prstGeom prst="rect">
-          <a:avLst/>
-        </a:prstGeom>
-        <a:solidFill>
-          <a:schemeClr val="accent5">
-            <a:tint val="40000"/>
-            <a:alpha val="90000"/>
-            <a:hueOff val="0"/>
-            <a:satOff val="0"/>
-            <a:lumOff val="0"/>
-            <a:alphaOff val="0"/>
-          </a:schemeClr>
-        </a:solidFill>
-        <a:ln w="25400" cap="flat" cmpd="sng" algn="ctr">
-          <a:solidFill>
-            <a:schemeClr val="accent5">
-              <a:tint val="40000"/>
-              <a:alpha val="90000"/>
-              <a:hueOff val="0"/>
-              <a:satOff val="0"/>
-              <a:lumOff val="0"/>
-              <a:alphaOff val="0"/>
-            </a:schemeClr>
-          </a:solidFill>
-          <a:prstDash val="solid"/>
-        </a:ln>
-        <a:effectLst/>
-      </dsp:spPr>
-      <dsp:style>
-        <a:lnRef idx="2">
-          <a:scrgbClr r="0" g="0" b="0"/>
-        </a:lnRef>
-        <a:fillRef idx="1">
-          <a:scrgbClr r="0" g="0" b="0"/>
-        </a:fillRef>
-        <a:effectRef idx="0">
-          <a:scrgbClr r="0" g="0" b="0"/>
-        </a:effectRef>
-        <a:fontRef idx="minor"/>
-      </dsp:style>
-      <dsp:txBody>
-        <a:bodyPr spcFirstLastPara="0" vert="horz" wrap="square" lIns="60379" tIns="165100" rIns="60379" bIns="165100" numCol="1" spcCol="1270" anchor="ctr" anchorCtr="0">
-          <a:noAutofit/>
-        </a:bodyPr>
-        <a:lstStyle/>
-        <a:p>
-          <a:pPr marL="0" lvl="0" indent="0" algn="l" defTabSz="577850">
-            <a:lnSpc>
-              <a:spcPct val="90000"/>
-            </a:lnSpc>
-            <a:spcBef>
-              <a:spcPct val="0"/>
-            </a:spcBef>
-            <a:spcAft>
-              <a:spcPct val="35000"/>
-            </a:spcAft>
-            <a:buNone/>
-          </a:pPr>
-          <a:r>
-            <a:rPr lang="en-US" sz="1300" kern="1200"/>
-            <a:t>Learn how technical signals affect returns</a:t>
-          </a:r>
-        </a:p>
-      </dsp:txBody>
-      <dsp:txXfrm>
-        <a:off x="992186" y="3078149"/>
-        <a:ext cx="2976560" cy="673423"/>
-      </dsp:txXfrm>
-    </dsp:sp>
-    <dsp:sp modelId="{AC2D8237-AA56-4C79-A569-03B0E6D4CECA}">
-      <dsp:nvSpPr>
-        <dsp:cNvPr id="0" name=""/>
-        <dsp:cNvSpPr/>
-      </dsp:nvSpPr>
-      <dsp:spPr>
-        <a:xfrm rot="10800000">
-          <a:off x="0" y="2052524"/>
-          <a:ext cx="992186" cy="1035725"/>
-        </a:xfrm>
-        <a:prstGeom prst="upArrowCallout">
-          <a:avLst>
-            <a:gd name="adj1" fmla="val 5000"/>
-            <a:gd name="adj2" fmla="val 10000"/>
-            <a:gd name="adj3" fmla="val 15000"/>
-            <a:gd name="adj4" fmla="val 64977"/>
-          </a:avLst>
-        </a:prstGeom>
-        <a:solidFill>
-          <a:schemeClr val="accent5">
-            <a:hueOff val="-3311292"/>
-            <a:satOff val="13270"/>
-            <a:lumOff val="2876"/>
-            <a:alphaOff val="0"/>
-          </a:schemeClr>
-        </a:solidFill>
-        <a:ln w="25400" cap="flat" cmpd="sng" algn="ctr">
-          <a:solidFill>
-            <a:schemeClr val="accent5">
-              <a:hueOff val="-3311292"/>
-              <a:satOff val="13270"/>
-              <a:lumOff val="2876"/>
-              <a:alphaOff val="0"/>
-            </a:schemeClr>
-          </a:solidFill>
-          <a:prstDash val="solid"/>
-        </a:ln>
-        <a:effectLst/>
-      </dsp:spPr>
-      <dsp:style>
-        <a:lnRef idx="2">
-          <a:scrgbClr r="0" g="0" b="0"/>
-        </a:lnRef>
-        <a:fillRef idx="1">
-          <a:scrgbClr r="0" g="0" b="0"/>
-        </a:fillRef>
-        <a:effectRef idx="0">
-          <a:scrgbClr r="0" g="0" b="0"/>
-        </a:effectRef>
-        <a:fontRef idx="minor">
-          <a:schemeClr val="lt1"/>
-        </a:fontRef>
-      </dsp:style>
-      <dsp:txBody>
-        <a:bodyPr spcFirstLastPara="0" vert="horz" wrap="square" lIns="70564" tIns="128016" rIns="70564" bIns="128016" numCol="1" spcCol="1270" anchor="ctr" anchorCtr="0">
-          <a:noAutofit/>
-        </a:bodyPr>
-        <a:lstStyle/>
-        <a:p>
-          <a:pPr marL="0" lvl="0" indent="0" algn="ctr" defTabSz="800100">
-            <a:lnSpc>
-              <a:spcPct val="90000"/>
-            </a:lnSpc>
-            <a:spcBef>
-              <a:spcPct val="0"/>
-            </a:spcBef>
-            <a:spcAft>
-              <a:spcPct val="35000"/>
-            </a:spcAft>
-            <a:buNone/>
-          </a:pPr>
-          <a:r>
-            <a:rPr lang="en-US" sz="1800" kern="1200"/>
-            <a:t>Compare</a:t>
-          </a:r>
-        </a:p>
-      </dsp:txBody>
-      <dsp:txXfrm rot="-10800000">
-        <a:off x="0" y="2052524"/>
-        <a:ext cx="992186" cy="673221"/>
-      </dsp:txXfrm>
-    </dsp:sp>
-    <dsp:sp modelId="{2C675C0C-8B2B-4522-BCFE-9E152DB6BF11}">
-      <dsp:nvSpPr>
-        <dsp:cNvPr id="0" name=""/>
-        <dsp:cNvSpPr/>
-      </dsp:nvSpPr>
-      <dsp:spPr>
-        <a:xfrm>
-          <a:off x="992186" y="2052524"/>
-          <a:ext cx="2976560" cy="673221"/>
-        </a:xfrm>
-        <a:prstGeom prst="rect">
-          <a:avLst/>
-        </a:prstGeom>
-        <a:solidFill>
-          <a:schemeClr val="accent5">
-            <a:tint val="40000"/>
-            <a:alpha val="90000"/>
-            <a:hueOff val="-3580161"/>
-            <a:satOff val="16084"/>
-            <a:lumOff val="1106"/>
-            <a:alphaOff val="0"/>
-          </a:schemeClr>
-        </a:solidFill>
-        <a:ln w="25400" cap="flat" cmpd="sng" algn="ctr">
-          <a:solidFill>
-            <a:schemeClr val="accent5">
-              <a:tint val="40000"/>
-              <a:alpha val="90000"/>
-              <a:hueOff val="-3580161"/>
-              <a:satOff val="16084"/>
-              <a:lumOff val="1106"/>
-              <a:alphaOff val="0"/>
-            </a:schemeClr>
-          </a:solidFill>
-          <a:prstDash val="solid"/>
-        </a:ln>
-        <a:effectLst/>
-      </dsp:spPr>
-      <dsp:style>
-        <a:lnRef idx="2">
-          <a:scrgbClr r="0" g="0" b="0"/>
-        </a:lnRef>
-        <a:fillRef idx="1">
-          <a:scrgbClr r="0" g="0" b="0"/>
-        </a:fillRef>
-        <a:effectRef idx="0">
-          <a:scrgbClr r="0" g="0" b="0"/>
-        </a:effectRef>
-        <a:fontRef idx="minor"/>
-      </dsp:style>
-      <dsp:txBody>
-        <a:bodyPr spcFirstLastPara="0" vert="horz" wrap="square" lIns="60379" tIns="165100" rIns="60379" bIns="165100" numCol="1" spcCol="1270" anchor="ctr" anchorCtr="0">
-          <a:noAutofit/>
-        </a:bodyPr>
-        <a:lstStyle/>
-        <a:p>
-          <a:pPr marL="0" lvl="0" indent="0" algn="l" defTabSz="577850">
-            <a:lnSpc>
-              <a:spcPct val="90000"/>
-            </a:lnSpc>
-            <a:spcBef>
-              <a:spcPct val="0"/>
-            </a:spcBef>
-            <a:spcAft>
-              <a:spcPct val="35000"/>
-            </a:spcAft>
-            <a:buNone/>
-          </a:pPr>
-          <a:r>
-            <a:rPr lang="en-US" sz="1300" kern="1200"/>
-            <a:t>Compare strategies with adjustable inputs</a:t>
-          </a:r>
-        </a:p>
-      </dsp:txBody>
-      <dsp:txXfrm>
-        <a:off x="992186" y="2052524"/>
-        <a:ext cx="2976560" cy="673221"/>
-      </dsp:txXfrm>
-    </dsp:sp>
-    <dsp:sp modelId="{80061D71-DC92-4EED-8921-5C5935FC0DFC}">
-      <dsp:nvSpPr>
-        <dsp:cNvPr id="0" name=""/>
-        <dsp:cNvSpPr/>
-      </dsp:nvSpPr>
-      <dsp:spPr>
-        <a:xfrm rot="10800000">
-          <a:off x="0" y="1026900"/>
-          <a:ext cx="992186" cy="1035725"/>
-        </a:xfrm>
-        <a:prstGeom prst="upArrowCallout">
-          <a:avLst>
-            <a:gd name="adj1" fmla="val 5000"/>
-            <a:gd name="adj2" fmla="val 10000"/>
-            <a:gd name="adj3" fmla="val 15000"/>
-            <a:gd name="adj4" fmla="val 64977"/>
-          </a:avLst>
-        </a:prstGeom>
-        <a:solidFill>
-          <a:schemeClr val="accent5">
-            <a:hueOff val="-6622584"/>
-            <a:satOff val="26541"/>
-            <a:lumOff val="5752"/>
-            <a:alphaOff val="0"/>
-          </a:schemeClr>
-        </a:solidFill>
-        <a:ln w="25400" cap="flat" cmpd="sng" algn="ctr">
-          <a:solidFill>
-            <a:schemeClr val="accent5">
-              <a:hueOff val="-6622584"/>
-              <a:satOff val="26541"/>
-              <a:lumOff val="5752"/>
-              <a:alphaOff val="0"/>
-            </a:schemeClr>
-          </a:solidFill>
-          <a:prstDash val="solid"/>
-        </a:ln>
-        <a:effectLst/>
-      </dsp:spPr>
-      <dsp:style>
-        <a:lnRef idx="2">
-          <a:scrgbClr r="0" g="0" b="0"/>
-        </a:lnRef>
-        <a:fillRef idx="1">
-          <a:scrgbClr r="0" g="0" b="0"/>
-        </a:fillRef>
-        <a:effectRef idx="0">
-          <a:scrgbClr r="0" g="0" b="0"/>
-        </a:effectRef>
-        <a:fontRef idx="minor">
-          <a:schemeClr val="lt1"/>
-        </a:fontRef>
-      </dsp:style>
-      <dsp:txBody>
-        <a:bodyPr spcFirstLastPara="0" vert="horz" wrap="square" lIns="70564" tIns="128016" rIns="70564" bIns="128016" numCol="1" spcCol="1270" anchor="ctr" anchorCtr="0">
-          <a:noAutofit/>
-        </a:bodyPr>
-        <a:lstStyle/>
-        <a:p>
-          <a:pPr marL="0" lvl="0" indent="0" algn="ctr" defTabSz="800100">
-            <a:lnSpc>
-              <a:spcPct val="90000"/>
-            </a:lnSpc>
-            <a:spcBef>
-              <a:spcPct val="0"/>
-            </a:spcBef>
-            <a:spcAft>
-              <a:spcPct val="35000"/>
-            </a:spcAft>
-            <a:buNone/>
-          </a:pPr>
-          <a:r>
-            <a:rPr lang="en-US" sz="1800" kern="1200"/>
-            <a:t>Analyze</a:t>
-          </a:r>
-        </a:p>
-      </dsp:txBody>
-      <dsp:txXfrm rot="-10800000">
-        <a:off x="0" y="1026900"/>
-        <a:ext cx="992186" cy="673221"/>
-      </dsp:txXfrm>
-    </dsp:sp>
-    <dsp:sp modelId="{E068A13E-F745-47B7-A055-639E9CB667F8}">
-      <dsp:nvSpPr>
-        <dsp:cNvPr id="0" name=""/>
-        <dsp:cNvSpPr/>
-      </dsp:nvSpPr>
-      <dsp:spPr>
-        <a:xfrm>
-          <a:off x="992186" y="1026900"/>
-          <a:ext cx="2976560" cy="673221"/>
-        </a:xfrm>
-        <a:prstGeom prst="rect">
-          <a:avLst/>
-        </a:prstGeom>
-        <a:solidFill>
-          <a:schemeClr val="accent5">
-            <a:tint val="40000"/>
-            <a:alpha val="90000"/>
-            <a:hueOff val="-7160321"/>
-            <a:satOff val="32169"/>
-            <a:lumOff val="2211"/>
-            <a:alphaOff val="0"/>
-          </a:schemeClr>
-        </a:solidFill>
-        <a:ln w="25400" cap="flat" cmpd="sng" algn="ctr">
-          <a:solidFill>
-            <a:schemeClr val="accent5">
-              <a:tint val="40000"/>
-              <a:alpha val="90000"/>
-              <a:hueOff val="-7160321"/>
-              <a:satOff val="32169"/>
-              <a:lumOff val="2211"/>
-              <a:alphaOff val="0"/>
-            </a:schemeClr>
-          </a:solidFill>
-          <a:prstDash val="solid"/>
-        </a:ln>
-        <a:effectLst/>
-      </dsp:spPr>
-      <dsp:style>
-        <a:lnRef idx="2">
-          <a:scrgbClr r="0" g="0" b="0"/>
-        </a:lnRef>
-        <a:fillRef idx="1">
-          <a:scrgbClr r="0" g="0" b="0"/>
-        </a:fillRef>
-        <a:effectRef idx="0">
-          <a:scrgbClr r="0" g="0" b="0"/>
-        </a:effectRef>
-        <a:fontRef idx="minor"/>
-      </dsp:style>
-      <dsp:txBody>
-        <a:bodyPr spcFirstLastPara="0" vert="horz" wrap="square" lIns="60379" tIns="165100" rIns="60379" bIns="165100" numCol="1" spcCol="1270" anchor="ctr" anchorCtr="0">
-          <a:noAutofit/>
-        </a:bodyPr>
-        <a:lstStyle/>
-        <a:p>
-          <a:pPr marL="0" lvl="0" indent="0" algn="l" defTabSz="577850">
-            <a:lnSpc>
-              <a:spcPct val="90000"/>
-            </a:lnSpc>
-            <a:spcBef>
-              <a:spcPct val="0"/>
-            </a:spcBef>
-            <a:spcAft>
-              <a:spcPct val="35000"/>
-            </a:spcAft>
-            <a:buNone/>
-          </a:pPr>
-          <a:r>
-            <a:rPr lang="en-US" sz="1300" kern="1200"/>
-            <a:t>Analyze historical performance</a:t>
-          </a:r>
-        </a:p>
-      </dsp:txBody>
-      <dsp:txXfrm>
-        <a:off x="992186" y="1026900"/>
-        <a:ext cx="2976560" cy="673221"/>
-      </dsp:txXfrm>
-    </dsp:sp>
-    <dsp:sp modelId="{55488E02-3FC7-46B9-BA5D-AB3168DA059C}">
-      <dsp:nvSpPr>
-        <dsp:cNvPr id="0" name=""/>
-        <dsp:cNvSpPr/>
-      </dsp:nvSpPr>
-      <dsp:spPr>
-        <a:xfrm rot="10800000">
-          <a:off x="0" y="1275"/>
-          <a:ext cx="992186" cy="1035725"/>
-        </a:xfrm>
-        <a:prstGeom prst="upArrowCallout">
-          <a:avLst>
-            <a:gd name="adj1" fmla="val 5000"/>
-            <a:gd name="adj2" fmla="val 10000"/>
-            <a:gd name="adj3" fmla="val 15000"/>
-            <a:gd name="adj4" fmla="val 64977"/>
-          </a:avLst>
-        </a:prstGeom>
-        <a:solidFill>
-          <a:schemeClr val="accent5">
-            <a:hueOff val="-9933876"/>
-            <a:satOff val="39811"/>
-            <a:lumOff val="8628"/>
-            <a:alphaOff val="0"/>
-          </a:schemeClr>
-        </a:solidFill>
-        <a:ln w="25400" cap="flat" cmpd="sng" algn="ctr">
-          <a:solidFill>
-            <a:schemeClr val="accent5">
-              <a:hueOff val="-9933876"/>
-              <a:satOff val="39811"/>
-              <a:lumOff val="8628"/>
-              <a:alphaOff val="0"/>
-            </a:schemeClr>
-          </a:solidFill>
-          <a:prstDash val="solid"/>
-        </a:ln>
-        <a:effectLst/>
-      </dsp:spPr>
-      <dsp:style>
-        <a:lnRef idx="2">
-          <a:scrgbClr r="0" g="0" b="0"/>
-        </a:lnRef>
-        <a:fillRef idx="1">
-          <a:scrgbClr r="0" g="0" b="0"/>
-        </a:fillRef>
-        <a:effectRef idx="0">
-          <a:scrgbClr r="0" g="0" b="0"/>
-        </a:effectRef>
-        <a:fontRef idx="minor">
-          <a:schemeClr val="lt1"/>
-        </a:fontRef>
-      </dsp:style>
-      <dsp:txBody>
-        <a:bodyPr spcFirstLastPara="0" vert="horz" wrap="square" lIns="70564" tIns="128016" rIns="70564" bIns="128016" numCol="1" spcCol="1270" anchor="ctr" anchorCtr="0">
-          <a:noAutofit/>
-        </a:bodyPr>
-        <a:lstStyle/>
-        <a:p>
-          <a:pPr marL="0" lvl="0" indent="0" algn="ctr" defTabSz="800100">
-            <a:lnSpc>
-              <a:spcPct val="90000"/>
-            </a:lnSpc>
-            <a:spcBef>
-              <a:spcPct val="0"/>
-            </a:spcBef>
-            <a:spcAft>
-              <a:spcPct val="35000"/>
-            </a:spcAft>
-            <a:buNone/>
-          </a:pPr>
-          <a:r>
-            <a:rPr lang="en-US" sz="1800" kern="1200"/>
-            <a:t>Simulate</a:t>
-          </a:r>
-        </a:p>
-      </dsp:txBody>
-      <dsp:txXfrm rot="-10800000">
-        <a:off x="0" y="1275"/>
-        <a:ext cx="992186" cy="673221"/>
-      </dsp:txXfrm>
-    </dsp:sp>
-    <dsp:sp modelId="{D907F3B0-C657-4F5C-BFFE-70FBD196592D}">
-      <dsp:nvSpPr>
-        <dsp:cNvPr id="0" name=""/>
-        <dsp:cNvSpPr/>
-      </dsp:nvSpPr>
-      <dsp:spPr>
-        <a:xfrm>
-          <a:off x="992186" y="1275"/>
-          <a:ext cx="2976560" cy="673221"/>
-        </a:xfrm>
-        <a:prstGeom prst="rect">
-          <a:avLst/>
-        </a:prstGeom>
-        <a:solidFill>
-          <a:schemeClr val="accent5">
-            <a:tint val="40000"/>
-            <a:alpha val="90000"/>
-            <a:hueOff val="-10740482"/>
-            <a:satOff val="48253"/>
-            <a:lumOff val="3317"/>
-            <a:alphaOff val="0"/>
-          </a:schemeClr>
-        </a:solidFill>
-        <a:ln w="25400" cap="flat" cmpd="sng" algn="ctr">
-          <a:solidFill>
-            <a:schemeClr val="accent5">
-              <a:tint val="40000"/>
-              <a:alpha val="90000"/>
-              <a:hueOff val="-10740482"/>
-              <a:satOff val="48253"/>
-              <a:lumOff val="3317"/>
-              <a:alphaOff val="0"/>
-            </a:schemeClr>
-          </a:solidFill>
-          <a:prstDash val="solid"/>
-        </a:ln>
-        <a:effectLst/>
-      </dsp:spPr>
-      <dsp:style>
-        <a:lnRef idx="2">
-          <a:scrgbClr r="0" g="0" b="0"/>
-        </a:lnRef>
-        <a:fillRef idx="1">
-          <a:scrgbClr r="0" g="0" b="0"/>
-        </a:fillRef>
-        <a:effectRef idx="0">
-          <a:scrgbClr r="0" g="0" b="0"/>
-        </a:effectRef>
-        <a:fontRef idx="minor"/>
-      </dsp:style>
-      <dsp:txBody>
-        <a:bodyPr spcFirstLastPara="0" vert="horz" wrap="square" lIns="60379" tIns="165100" rIns="60379" bIns="165100" numCol="1" spcCol="1270" anchor="ctr" anchorCtr="0">
-          <a:noAutofit/>
-        </a:bodyPr>
-        <a:lstStyle/>
-        <a:p>
-          <a:pPr marL="0" lvl="0" indent="0" algn="l" defTabSz="577850">
-            <a:lnSpc>
-              <a:spcPct val="90000"/>
-            </a:lnSpc>
-            <a:spcBef>
-              <a:spcPct val="0"/>
-            </a:spcBef>
-            <a:spcAft>
-              <a:spcPct val="35000"/>
-            </a:spcAft>
-            <a:buNone/>
-          </a:pPr>
-          <a:r>
-            <a:rPr lang="en-US" sz="1300" kern="1200"/>
-            <a:t>Simulate different investment strategies</a:t>
-          </a:r>
-        </a:p>
-      </dsp:txBody>
-      <dsp:txXfrm>
-        <a:off x="992186" y="1275"/>
-        <a:ext cx="2976560" cy="673221"/>
-      </dsp:txXfrm>
-    </dsp:sp>
-  </dsp:spTree>
-</dsp:drawing>
-</file>
-
-<file path=ppt/diagrams/drawing2.xml><?xml version="1.0" encoding="utf-8"?>
 <dsp:drawing xmlns:dgm="http://schemas.openxmlformats.org/drawingml/2006/diagram" xmlns:dsp="http://schemas.microsoft.com/office/drawing/2008/diagram" xmlns:a="http://schemas.openxmlformats.org/drawingml/2006/main">
   <dsp:spTree>
     <dsp:nvGrpSpPr>
@@ -5666,673 +2660,7 @@
 </dsp:drawing>
 </file>
 
-<file path=ppt/diagrams/drawing3.xml><?xml version="1.0" encoding="utf-8"?>
-<dsp:drawing xmlns:dgm="http://schemas.openxmlformats.org/drawingml/2006/diagram" xmlns:dsp="http://schemas.microsoft.com/office/drawing/2008/diagram" xmlns:a="http://schemas.openxmlformats.org/drawingml/2006/main">
-  <dsp:spTree>
-    <dsp:nvGrpSpPr>
-      <dsp:cNvPr id="0" name=""/>
-      <dsp:cNvGrpSpPr/>
-    </dsp:nvGrpSpPr>
-    <dsp:grpSpPr/>
-    <dsp:sp modelId="{52F62D71-AA77-4A6B-8579-C1632BF2675E}">
-      <dsp:nvSpPr>
-        <dsp:cNvPr id="0" name=""/>
-        <dsp:cNvSpPr/>
-      </dsp:nvSpPr>
-      <dsp:spPr>
-        <a:xfrm>
-          <a:off x="0" y="2772"/>
-          <a:ext cx="4358346" cy="0"/>
-        </a:xfrm>
-        <a:prstGeom prst="line">
-          <a:avLst/>
-        </a:prstGeom>
-        <a:solidFill>
-          <a:schemeClr val="accent1">
-            <a:hueOff val="0"/>
-            <a:satOff val="0"/>
-            <a:lumOff val="0"/>
-            <a:alphaOff val="0"/>
-          </a:schemeClr>
-        </a:solidFill>
-        <a:ln w="25400" cap="flat" cmpd="sng" algn="ctr">
-          <a:solidFill>
-            <a:schemeClr val="accent1">
-              <a:hueOff val="0"/>
-              <a:satOff val="0"/>
-              <a:lumOff val="0"/>
-              <a:alphaOff val="0"/>
-            </a:schemeClr>
-          </a:solidFill>
-          <a:prstDash val="solid"/>
-        </a:ln>
-        <a:effectLst/>
-      </dsp:spPr>
-      <dsp:style>
-        <a:lnRef idx="2">
-          <a:scrgbClr r="0" g="0" b="0"/>
-        </a:lnRef>
-        <a:fillRef idx="1">
-          <a:scrgbClr r="0" g="0" b="0"/>
-        </a:fillRef>
-        <a:effectRef idx="0">
-          <a:scrgbClr r="0" g="0" b="0"/>
-        </a:effectRef>
-        <a:fontRef idx="minor">
-          <a:schemeClr val="lt1"/>
-        </a:fontRef>
-      </dsp:style>
-    </dsp:sp>
-    <dsp:sp modelId="{5C0C319B-EB3B-43F8-B074-BE5FEB85CA5A}">
-      <dsp:nvSpPr>
-        <dsp:cNvPr id="0" name=""/>
-        <dsp:cNvSpPr/>
-      </dsp:nvSpPr>
-      <dsp:spPr>
-        <a:xfrm>
-          <a:off x="0" y="2772"/>
-          <a:ext cx="4358346" cy="945445"/>
-        </a:xfrm>
-        <a:prstGeom prst="rect">
-          <a:avLst/>
-        </a:prstGeom>
-        <a:noFill/>
-        <a:ln>
-          <a:noFill/>
-        </a:ln>
-        <a:effectLst/>
-      </dsp:spPr>
-      <dsp:style>
-        <a:lnRef idx="0">
-          <a:scrgbClr r="0" g="0" b="0"/>
-        </a:lnRef>
-        <a:fillRef idx="0">
-          <a:scrgbClr r="0" g="0" b="0"/>
-        </a:fillRef>
-        <a:effectRef idx="0">
-          <a:scrgbClr r="0" g="0" b="0"/>
-        </a:effectRef>
-        <a:fontRef idx="minor"/>
-      </dsp:style>
-      <dsp:txBody>
-        <a:bodyPr spcFirstLastPara="0" vert="horz" wrap="square" lIns="99060" tIns="99060" rIns="99060" bIns="99060" numCol="1" spcCol="1270" anchor="t" anchorCtr="0">
-          <a:noAutofit/>
-        </a:bodyPr>
-        <a:lstStyle/>
-        <a:p>
-          <a:pPr marL="0" lvl="0" indent="0" algn="l" defTabSz="1155700">
-            <a:lnSpc>
-              <a:spcPct val="90000"/>
-            </a:lnSpc>
-            <a:spcBef>
-              <a:spcPct val="0"/>
-            </a:spcBef>
-            <a:spcAft>
-              <a:spcPct val="35000"/>
-            </a:spcAft>
-            <a:buNone/>
-          </a:pPr>
-          <a:r>
-            <a:rPr lang="en-US" sz="2600" kern="1200"/>
-            <a:t>Python 3.8+</a:t>
-          </a:r>
-        </a:p>
-      </dsp:txBody>
-      <dsp:txXfrm>
-        <a:off x="0" y="2772"/>
-        <a:ext cx="4358346" cy="945445"/>
-      </dsp:txXfrm>
-    </dsp:sp>
-    <dsp:sp modelId="{EE9A1180-E024-4EDA-AA0C-AD5A1367780B}">
-      <dsp:nvSpPr>
-        <dsp:cNvPr id="0" name=""/>
-        <dsp:cNvSpPr/>
-      </dsp:nvSpPr>
-      <dsp:spPr>
-        <a:xfrm>
-          <a:off x="0" y="948218"/>
-          <a:ext cx="4358346" cy="0"/>
-        </a:xfrm>
-        <a:prstGeom prst="line">
-          <a:avLst/>
-        </a:prstGeom>
-        <a:solidFill>
-          <a:schemeClr val="accent1">
-            <a:hueOff val="0"/>
-            <a:satOff val="0"/>
-            <a:lumOff val="0"/>
-            <a:alphaOff val="0"/>
-          </a:schemeClr>
-        </a:solidFill>
-        <a:ln w="25400" cap="flat" cmpd="sng" algn="ctr">
-          <a:solidFill>
-            <a:schemeClr val="accent1">
-              <a:hueOff val="0"/>
-              <a:satOff val="0"/>
-              <a:lumOff val="0"/>
-              <a:alphaOff val="0"/>
-            </a:schemeClr>
-          </a:solidFill>
-          <a:prstDash val="solid"/>
-        </a:ln>
-        <a:effectLst/>
-      </dsp:spPr>
-      <dsp:style>
-        <a:lnRef idx="2">
-          <a:scrgbClr r="0" g="0" b="0"/>
-        </a:lnRef>
-        <a:fillRef idx="1">
-          <a:scrgbClr r="0" g="0" b="0"/>
-        </a:fillRef>
-        <a:effectRef idx="0">
-          <a:scrgbClr r="0" g="0" b="0"/>
-        </a:effectRef>
-        <a:fontRef idx="minor">
-          <a:schemeClr val="lt1"/>
-        </a:fontRef>
-      </dsp:style>
-    </dsp:sp>
-    <dsp:sp modelId="{8710D17B-6EA3-45BE-905D-64A646F22441}">
-      <dsp:nvSpPr>
-        <dsp:cNvPr id="0" name=""/>
-        <dsp:cNvSpPr/>
-      </dsp:nvSpPr>
-      <dsp:spPr>
-        <a:xfrm>
-          <a:off x="0" y="948218"/>
-          <a:ext cx="4358346" cy="945445"/>
-        </a:xfrm>
-        <a:prstGeom prst="rect">
-          <a:avLst/>
-        </a:prstGeom>
-        <a:noFill/>
-        <a:ln>
-          <a:noFill/>
-        </a:ln>
-        <a:effectLst/>
-      </dsp:spPr>
-      <dsp:style>
-        <a:lnRef idx="0">
-          <a:scrgbClr r="0" g="0" b="0"/>
-        </a:lnRef>
-        <a:fillRef idx="0">
-          <a:scrgbClr r="0" g="0" b="0"/>
-        </a:fillRef>
-        <a:effectRef idx="0">
-          <a:scrgbClr r="0" g="0" b="0"/>
-        </a:effectRef>
-        <a:fontRef idx="minor"/>
-      </dsp:style>
-      <dsp:txBody>
-        <a:bodyPr spcFirstLastPara="0" vert="horz" wrap="square" lIns="99060" tIns="99060" rIns="99060" bIns="99060" numCol="1" spcCol="1270" anchor="t" anchorCtr="0">
-          <a:noAutofit/>
-        </a:bodyPr>
-        <a:lstStyle/>
-        <a:p>
-          <a:pPr marL="0" lvl="0" indent="0" algn="l" defTabSz="1155700">
-            <a:lnSpc>
-              <a:spcPct val="90000"/>
-            </a:lnSpc>
-            <a:spcBef>
-              <a:spcPct val="0"/>
-            </a:spcBef>
-            <a:spcAft>
-              <a:spcPct val="35000"/>
-            </a:spcAft>
-            <a:buNone/>
-          </a:pPr>
-          <a:r>
-            <a:rPr lang="en-US" sz="2600" kern="1200"/>
-            <a:t>PyQt5 (GUI)</a:t>
-          </a:r>
-        </a:p>
-      </dsp:txBody>
-      <dsp:txXfrm>
-        <a:off x="0" y="948218"/>
-        <a:ext cx="4358346" cy="945445"/>
-      </dsp:txXfrm>
-    </dsp:sp>
-    <dsp:sp modelId="{30EE2EB4-2C2E-4A01-B443-DDCC30EB1364}">
-      <dsp:nvSpPr>
-        <dsp:cNvPr id="0" name=""/>
-        <dsp:cNvSpPr/>
-      </dsp:nvSpPr>
-      <dsp:spPr>
-        <a:xfrm>
-          <a:off x="0" y="1893663"/>
-          <a:ext cx="4358346" cy="0"/>
-        </a:xfrm>
-        <a:prstGeom prst="line">
-          <a:avLst/>
-        </a:prstGeom>
-        <a:solidFill>
-          <a:schemeClr val="accent1">
-            <a:hueOff val="0"/>
-            <a:satOff val="0"/>
-            <a:lumOff val="0"/>
-            <a:alphaOff val="0"/>
-          </a:schemeClr>
-        </a:solidFill>
-        <a:ln w="25400" cap="flat" cmpd="sng" algn="ctr">
-          <a:solidFill>
-            <a:schemeClr val="accent1">
-              <a:hueOff val="0"/>
-              <a:satOff val="0"/>
-              <a:lumOff val="0"/>
-              <a:alphaOff val="0"/>
-            </a:schemeClr>
-          </a:solidFill>
-          <a:prstDash val="solid"/>
-        </a:ln>
-        <a:effectLst/>
-      </dsp:spPr>
-      <dsp:style>
-        <a:lnRef idx="2">
-          <a:scrgbClr r="0" g="0" b="0"/>
-        </a:lnRef>
-        <a:fillRef idx="1">
-          <a:scrgbClr r="0" g="0" b="0"/>
-        </a:fillRef>
-        <a:effectRef idx="0">
-          <a:scrgbClr r="0" g="0" b="0"/>
-        </a:effectRef>
-        <a:fontRef idx="minor">
-          <a:schemeClr val="lt1"/>
-        </a:fontRef>
-      </dsp:style>
-    </dsp:sp>
-    <dsp:sp modelId="{A6508F9F-80A4-4A31-B880-75117CCDC119}">
-      <dsp:nvSpPr>
-        <dsp:cNvPr id="0" name=""/>
-        <dsp:cNvSpPr/>
-      </dsp:nvSpPr>
-      <dsp:spPr>
-        <a:xfrm>
-          <a:off x="0" y="1893663"/>
-          <a:ext cx="4358346" cy="945445"/>
-        </a:xfrm>
-        <a:prstGeom prst="rect">
-          <a:avLst/>
-        </a:prstGeom>
-        <a:noFill/>
-        <a:ln>
-          <a:noFill/>
-        </a:ln>
-        <a:effectLst/>
-      </dsp:spPr>
-      <dsp:style>
-        <a:lnRef idx="0">
-          <a:scrgbClr r="0" g="0" b="0"/>
-        </a:lnRef>
-        <a:fillRef idx="0">
-          <a:scrgbClr r="0" g="0" b="0"/>
-        </a:fillRef>
-        <a:effectRef idx="0">
-          <a:scrgbClr r="0" g="0" b="0"/>
-        </a:effectRef>
-        <a:fontRef idx="minor"/>
-      </dsp:style>
-      <dsp:txBody>
-        <a:bodyPr spcFirstLastPara="0" vert="horz" wrap="square" lIns="99060" tIns="99060" rIns="99060" bIns="99060" numCol="1" spcCol="1270" anchor="t" anchorCtr="0">
-          <a:noAutofit/>
-        </a:bodyPr>
-        <a:lstStyle/>
-        <a:p>
-          <a:pPr marL="0" lvl="0" indent="0" algn="l" defTabSz="1155700">
-            <a:lnSpc>
-              <a:spcPct val="90000"/>
-            </a:lnSpc>
-            <a:spcBef>
-              <a:spcPct val="0"/>
-            </a:spcBef>
-            <a:spcAft>
-              <a:spcPct val="35000"/>
-            </a:spcAft>
-            <a:buNone/>
-          </a:pPr>
-          <a:r>
-            <a:rPr lang="en-US" sz="2600" kern="1200"/>
-            <a:t>Matplotlib &amp; mplfinance (charts)</a:t>
-          </a:r>
-        </a:p>
-      </dsp:txBody>
-      <dsp:txXfrm>
-        <a:off x="0" y="1893663"/>
-        <a:ext cx="4358346" cy="945445"/>
-      </dsp:txXfrm>
-    </dsp:sp>
-    <dsp:sp modelId="{76C96D8E-E386-4CDB-AF0D-9AF4BBBC022F}">
-      <dsp:nvSpPr>
-        <dsp:cNvPr id="0" name=""/>
-        <dsp:cNvSpPr/>
-      </dsp:nvSpPr>
-      <dsp:spPr>
-        <a:xfrm>
-          <a:off x="0" y="2839109"/>
-          <a:ext cx="4358346" cy="0"/>
-        </a:xfrm>
-        <a:prstGeom prst="line">
-          <a:avLst/>
-        </a:prstGeom>
-        <a:solidFill>
-          <a:schemeClr val="accent1">
-            <a:hueOff val="0"/>
-            <a:satOff val="0"/>
-            <a:lumOff val="0"/>
-            <a:alphaOff val="0"/>
-          </a:schemeClr>
-        </a:solidFill>
-        <a:ln w="25400" cap="flat" cmpd="sng" algn="ctr">
-          <a:solidFill>
-            <a:schemeClr val="accent1">
-              <a:hueOff val="0"/>
-              <a:satOff val="0"/>
-              <a:lumOff val="0"/>
-              <a:alphaOff val="0"/>
-            </a:schemeClr>
-          </a:solidFill>
-          <a:prstDash val="solid"/>
-        </a:ln>
-        <a:effectLst/>
-      </dsp:spPr>
-      <dsp:style>
-        <a:lnRef idx="2">
-          <a:scrgbClr r="0" g="0" b="0"/>
-        </a:lnRef>
-        <a:fillRef idx="1">
-          <a:scrgbClr r="0" g="0" b="0"/>
-        </a:fillRef>
-        <a:effectRef idx="0">
-          <a:scrgbClr r="0" g="0" b="0"/>
-        </a:effectRef>
-        <a:fontRef idx="minor">
-          <a:schemeClr val="lt1"/>
-        </a:fontRef>
-      </dsp:style>
-    </dsp:sp>
-    <dsp:sp modelId="{EF14905F-09C3-4F13-9961-DDE66952AFE1}">
-      <dsp:nvSpPr>
-        <dsp:cNvPr id="0" name=""/>
-        <dsp:cNvSpPr/>
-      </dsp:nvSpPr>
-      <dsp:spPr>
-        <a:xfrm>
-          <a:off x="0" y="2839109"/>
-          <a:ext cx="4358346" cy="945445"/>
-        </a:xfrm>
-        <a:prstGeom prst="rect">
-          <a:avLst/>
-        </a:prstGeom>
-        <a:noFill/>
-        <a:ln>
-          <a:noFill/>
-        </a:ln>
-        <a:effectLst/>
-      </dsp:spPr>
-      <dsp:style>
-        <a:lnRef idx="0">
-          <a:scrgbClr r="0" g="0" b="0"/>
-        </a:lnRef>
-        <a:fillRef idx="0">
-          <a:scrgbClr r="0" g="0" b="0"/>
-        </a:fillRef>
-        <a:effectRef idx="0">
-          <a:scrgbClr r="0" g="0" b="0"/>
-        </a:effectRef>
-        <a:fontRef idx="minor"/>
-      </dsp:style>
-      <dsp:txBody>
-        <a:bodyPr spcFirstLastPara="0" vert="horz" wrap="square" lIns="99060" tIns="99060" rIns="99060" bIns="99060" numCol="1" spcCol="1270" anchor="t" anchorCtr="0">
-          <a:noAutofit/>
-        </a:bodyPr>
-        <a:lstStyle/>
-        <a:p>
-          <a:pPr marL="0" lvl="0" indent="0" algn="l" defTabSz="1155700">
-            <a:lnSpc>
-              <a:spcPct val="90000"/>
-            </a:lnSpc>
-            <a:spcBef>
-              <a:spcPct val="0"/>
-            </a:spcBef>
-            <a:spcAft>
-              <a:spcPct val="35000"/>
-            </a:spcAft>
-            <a:buNone/>
-          </a:pPr>
-          <a:r>
-            <a:rPr lang="en-US" sz="2600" kern="1200"/>
-            <a:t>yfinance (data fetching)</a:t>
-          </a:r>
-        </a:p>
-      </dsp:txBody>
-      <dsp:txXfrm>
-        <a:off x="0" y="2839109"/>
-        <a:ext cx="4358346" cy="945445"/>
-      </dsp:txXfrm>
-    </dsp:sp>
-    <dsp:sp modelId="{08081CE8-9185-4056-B119-1864F68C7EFB}">
-      <dsp:nvSpPr>
-        <dsp:cNvPr id="0" name=""/>
-        <dsp:cNvSpPr/>
-      </dsp:nvSpPr>
-      <dsp:spPr>
-        <a:xfrm>
-          <a:off x="0" y="3784555"/>
-          <a:ext cx="4358346" cy="0"/>
-        </a:xfrm>
-        <a:prstGeom prst="line">
-          <a:avLst/>
-        </a:prstGeom>
-        <a:solidFill>
-          <a:schemeClr val="accent1">
-            <a:hueOff val="0"/>
-            <a:satOff val="0"/>
-            <a:lumOff val="0"/>
-            <a:alphaOff val="0"/>
-          </a:schemeClr>
-        </a:solidFill>
-        <a:ln w="25400" cap="flat" cmpd="sng" algn="ctr">
-          <a:solidFill>
-            <a:schemeClr val="accent1">
-              <a:hueOff val="0"/>
-              <a:satOff val="0"/>
-              <a:lumOff val="0"/>
-              <a:alphaOff val="0"/>
-            </a:schemeClr>
-          </a:solidFill>
-          <a:prstDash val="solid"/>
-        </a:ln>
-        <a:effectLst/>
-      </dsp:spPr>
-      <dsp:style>
-        <a:lnRef idx="2">
-          <a:scrgbClr r="0" g="0" b="0"/>
-        </a:lnRef>
-        <a:fillRef idx="1">
-          <a:scrgbClr r="0" g="0" b="0"/>
-        </a:fillRef>
-        <a:effectRef idx="0">
-          <a:scrgbClr r="0" g="0" b="0"/>
-        </a:effectRef>
-        <a:fontRef idx="minor">
-          <a:schemeClr val="lt1"/>
-        </a:fontRef>
-      </dsp:style>
-    </dsp:sp>
-    <dsp:sp modelId="{D196DA05-8D98-45D5-BF59-1475482F0921}">
-      <dsp:nvSpPr>
-        <dsp:cNvPr id="0" name=""/>
-        <dsp:cNvSpPr/>
-      </dsp:nvSpPr>
-      <dsp:spPr>
-        <a:xfrm>
-          <a:off x="0" y="3784555"/>
-          <a:ext cx="4358346" cy="945445"/>
-        </a:xfrm>
-        <a:prstGeom prst="rect">
-          <a:avLst/>
-        </a:prstGeom>
-        <a:noFill/>
-        <a:ln>
-          <a:noFill/>
-        </a:ln>
-        <a:effectLst/>
-      </dsp:spPr>
-      <dsp:style>
-        <a:lnRef idx="0">
-          <a:scrgbClr r="0" g="0" b="0"/>
-        </a:lnRef>
-        <a:fillRef idx="0">
-          <a:scrgbClr r="0" g="0" b="0"/>
-        </a:fillRef>
-        <a:effectRef idx="0">
-          <a:scrgbClr r="0" g="0" b="0"/>
-        </a:effectRef>
-        <a:fontRef idx="minor"/>
-      </dsp:style>
-      <dsp:txBody>
-        <a:bodyPr spcFirstLastPara="0" vert="horz" wrap="square" lIns="99060" tIns="99060" rIns="99060" bIns="99060" numCol="1" spcCol="1270" anchor="t" anchorCtr="0">
-          <a:noAutofit/>
-        </a:bodyPr>
-        <a:lstStyle/>
-        <a:p>
-          <a:pPr marL="0" lvl="0" indent="0" algn="l" defTabSz="1155700">
-            <a:lnSpc>
-              <a:spcPct val="90000"/>
-            </a:lnSpc>
-            <a:spcBef>
-              <a:spcPct val="0"/>
-            </a:spcBef>
-            <a:spcAft>
-              <a:spcPct val="35000"/>
-            </a:spcAft>
-            <a:buNone/>
-          </a:pPr>
-          <a:r>
-            <a:rPr lang="en-US" sz="2600" kern="1200"/>
-            <a:t>Pandas, NumPy</a:t>
-          </a:r>
-        </a:p>
-      </dsp:txBody>
-      <dsp:txXfrm>
-        <a:off x="0" y="3784555"/>
-        <a:ext cx="4358346" cy="945445"/>
-      </dsp:txXfrm>
-    </dsp:sp>
-    <dsp:sp modelId="{E32DA160-94C5-4EDF-9E7F-F9BFC9093B1D}">
-      <dsp:nvSpPr>
-        <dsp:cNvPr id="0" name=""/>
-        <dsp:cNvSpPr/>
-      </dsp:nvSpPr>
-      <dsp:spPr>
-        <a:xfrm>
-          <a:off x="0" y="4730000"/>
-          <a:ext cx="4358346" cy="0"/>
-        </a:xfrm>
-        <a:prstGeom prst="line">
-          <a:avLst/>
-        </a:prstGeom>
-        <a:solidFill>
-          <a:schemeClr val="accent1">
-            <a:hueOff val="0"/>
-            <a:satOff val="0"/>
-            <a:lumOff val="0"/>
-            <a:alphaOff val="0"/>
-          </a:schemeClr>
-        </a:solidFill>
-        <a:ln w="25400" cap="flat" cmpd="sng" algn="ctr">
-          <a:solidFill>
-            <a:schemeClr val="accent1">
-              <a:hueOff val="0"/>
-              <a:satOff val="0"/>
-              <a:lumOff val="0"/>
-              <a:alphaOff val="0"/>
-            </a:schemeClr>
-          </a:solidFill>
-          <a:prstDash val="solid"/>
-        </a:ln>
-        <a:effectLst/>
-      </dsp:spPr>
-      <dsp:style>
-        <a:lnRef idx="2">
-          <a:scrgbClr r="0" g="0" b="0"/>
-        </a:lnRef>
-        <a:fillRef idx="1">
-          <a:scrgbClr r="0" g="0" b="0"/>
-        </a:fillRef>
-        <a:effectRef idx="0">
-          <a:scrgbClr r="0" g="0" b="0"/>
-        </a:effectRef>
-        <a:fontRef idx="minor">
-          <a:schemeClr val="lt1"/>
-        </a:fontRef>
-      </dsp:style>
-    </dsp:sp>
-    <dsp:sp modelId="{5AE8D6B0-60EC-44BC-B123-8A2A2FD0389D}">
-      <dsp:nvSpPr>
-        <dsp:cNvPr id="0" name=""/>
-        <dsp:cNvSpPr/>
-      </dsp:nvSpPr>
-      <dsp:spPr>
-        <a:xfrm>
-          <a:off x="0" y="4730000"/>
-          <a:ext cx="4358346" cy="945445"/>
-        </a:xfrm>
-        <a:prstGeom prst="rect">
-          <a:avLst/>
-        </a:prstGeom>
-        <a:noFill/>
-        <a:ln>
-          <a:noFill/>
-        </a:ln>
-        <a:effectLst/>
-      </dsp:spPr>
-      <dsp:style>
-        <a:lnRef idx="0">
-          <a:scrgbClr r="0" g="0" b="0"/>
-        </a:lnRef>
-        <a:fillRef idx="0">
-          <a:scrgbClr r="0" g="0" b="0"/>
-        </a:fillRef>
-        <a:effectRef idx="0">
-          <a:scrgbClr r="0" g="0" b="0"/>
-        </a:effectRef>
-        <a:fontRef idx="minor"/>
-      </dsp:style>
-      <dsp:txBody>
-        <a:bodyPr spcFirstLastPara="0" vert="horz" wrap="square" lIns="99060" tIns="99060" rIns="99060" bIns="99060" numCol="1" spcCol="1270" anchor="t" anchorCtr="0">
-          <a:noAutofit/>
-        </a:bodyPr>
-        <a:lstStyle/>
-        <a:p>
-          <a:pPr marL="0" lvl="0" indent="0" algn="l" defTabSz="1155700">
-            <a:lnSpc>
-              <a:spcPct val="90000"/>
-            </a:lnSpc>
-            <a:spcBef>
-              <a:spcPct val="0"/>
-            </a:spcBef>
-            <a:spcAft>
-              <a:spcPct val="35000"/>
-            </a:spcAft>
-            <a:buNone/>
-          </a:pPr>
-          <a:r>
-            <a:rPr lang="en-US" sz="2600" kern="1200"/>
-            <a:t>TA-Lib (ta) – technical analysis indicators</a:t>
-          </a:r>
-        </a:p>
-      </dsp:txBody>
-      <dsp:txXfrm>
-        <a:off x="0" y="4730000"/>
-        <a:ext cx="4358346" cy="945445"/>
-      </dsp:txXfrm>
-    </dsp:sp>
-  </dsp:spTree>
-</dsp:drawing>
-</file>
-
-<file path=ppt/diagrams/drawing4.xml><?xml version="1.0" encoding="utf-8"?>
+<file path=ppt/diagrams/drawing2.xml><?xml version="1.0" encoding="utf-8"?>
 <dsp:drawing xmlns:dgm="http://schemas.openxmlformats.org/drawingml/2006/diagram" xmlns:dsp="http://schemas.microsoft.com/office/drawing/2008/diagram" xmlns:a="http://schemas.openxmlformats.org/drawingml/2006/main">
   <dsp:spTree>
     <dsp:nvGrpSpPr>
@@ -6672,273 +3000,6 @@
 </file>
 
 <file path=ppt/diagrams/layout1.xml><?xml version="1.0" encoding="utf-8"?>
-<dgm:layoutDef xmlns:dgm="http://schemas.openxmlformats.org/drawingml/2006/diagram" xmlns:a="http://schemas.openxmlformats.org/drawingml/2006/main" uniqueId="urn:microsoft.com/office/officeart/2016/7/layout/VerticalDownArrowProcess">
-  <dgm:title val="Vertical Down Arrow Process"/>
-  <dgm:desc val="Use to show a progression; a timeline; sequential steps in a task, process, or workflow; or to emphasize movement or direction. Level 1 text appears inside an arrow shape while Level 2 text appears below the arrow shapes."/>
-  <dgm:catLst>
-    <dgm:cat type="process" pri="500"/>
-  </dgm:catLst>
-  <dgm:sampData>
-    <dgm:dataModel>
-      <dgm:ptLst>
-        <dgm:pt modelId="0" type="doc"/>
-        <dgm:pt modelId="1">
-          <dgm:prSet phldr="1"/>
-        </dgm:pt>
-        <dgm:pt modelId="11">
-          <dgm:prSet phldr="1"/>
-        </dgm:pt>
-        <dgm:pt modelId="2">
-          <dgm:prSet phldr="1"/>
-        </dgm:pt>
-        <dgm:pt modelId="21">
-          <dgm:prSet phldr="1"/>
-        </dgm:pt>
-        <dgm:pt modelId="3">
-          <dgm:prSet phldr="1"/>
-        </dgm:pt>
-        <dgm:pt modelId="31">
-          <dgm:prSet phldr="1"/>
-        </dgm:pt>
-      </dgm:ptLst>
-      <dgm:cxnLst>
-        <dgm:cxn modelId="4" srcId="0" destId="1" srcOrd="0" destOrd="0"/>
-        <dgm:cxn modelId="5" srcId="0" destId="2" srcOrd="1" destOrd="0"/>
-        <dgm:cxn modelId="6" srcId="0" destId="3" srcOrd="2" destOrd="0"/>
-        <dgm:cxn modelId="13" srcId="1" destId="11" srcOrd="0" destOrd="0"/>
-        <dgm:cxn modelId="23" srcId="2" destId="21" srcOrd="0" destOrd="0"/>
-        <dgm:cxn modelId="33" srcId="3" destId="31" srcOrd="0" destOrd="0"/>
-      </dgm:cxnLst>
-      <dgm:bg/>
-      <dgm:whole/>
-    </dgm:dataModel>
-  </dgm:sampData>
-  <dgm:styleData>
-    <dgm:dataModel>
-      <dgm:ptLst>
-        <dgm:pt modelId="0" type="doc"/>
-        <dgm:pt modelId="1"/>
-        <dgm:pt modelId="11"/>
-        <dgm:pt modelId="2"/>
-        <dgm:pt modelId="21"/>
-      </dgm:ptLst>
-      <dgm:cxnLst>
-        <dgm:cxn modelId="4" srcId="0" destId="1" srcOrd="0" destOrd="0"/>
-        <dgm:cxn modelId="5" srcId="0" destId="2" srcOrd="1" destOrd="0"/>
-        <dgm:cxn modelId="13" srcId="1" destId="11" srcOrd="0" destOrd="0"/>
-        <dgm:cxn modelId="23" srcId="2" destId="21" srcOrd="0" destOrd="0"/>
-      </dgm:cxnLst>
-      <dgm:bg/>
-      <dgm:whole/>
-    </dgm:dataModel>
-  </dgm:styleData>
-  <dgm:clrData>
-    <dgm:dataModel>
-      <dgm:ptLst>
-        <dgm:pt modelId="0" type="doc"/>
-        <dgm:pt modelId="1"/>
-        <dgm:pt modelId="11"/>
-        <dgm:pt modelId="2"/>
-        <dgm:pt modelId="21"/>
-        <dgm:pt modelId="3"/>
-        <dgm:pt modelId="31"/>
-        <dgm:pt modelId="4"/>
-        <dgm:pt modelId="41"/>
-      </dgm:ptLst>
-      <dgm:cxnLst>
-        <dgm:cxn modelId="5" srcId="0" destId="1" srcOrd="0" destOrd="0"/>
-        <dgm:cxn modelId="6" srcId="0" destId="2" srcOrd="1" destOrd="0"/>
-        <dgm:cxn modelId="7" srcId="0" destId="3" srcOrd="2" destOrd="0"/>
-        <dgm:cxn modelId="8" srcId="0" destId="4" srcOrd="3" destOrd="0"/>
-        <dgm:cxn modelId="13" srcId="1" destId="11" srcOrd="0" destOrd="0"/>
-        <dgm:cxn modelId="23" srcId="2" destId="21" srcOrd="0" destOrd="0"/>
-        <dgm:cxn modelId="33" srcId="3" destId="31" srcOrd="0" destOrd="0"/>
-        <dgm:cxn modelId="43" srcId="4" destId="41" srcOrd="0" destOrd="0"/>
-      </dgm:cxnLst>
-      <dgm:bg/>
-      <dgm:whole/>
-    </dgm:dataModel>
-  </dgm:clrData>
-  <dgm:layoutNode name="Name0">
-    <dgm:varLst>
-      <dgm:dir/>
-      <dgm:animLvl val="lvl"/>
-      <dgm:resizeHandles val="exact"/>
-    </dgm:varLst>
-    <dgm:alg type="lin">
-      <dgm:param type="linDir" val="fromB"/>
-    </dgm:alg>
-    <dgm:shape xmlns:r="http://schemas.openxmlformats.org/officeDocument/2006/relationships" r:blip="">
-      <dgm:adjLst/>
-    </dgm:shape>
-    <dgm:presOf/>
-    <dgm:constrLst>
-      <dgm:constr type="h" for="ch" forName="boxAndChildren" refType="h"/>
-      <dgm:constr type="h" for="ch" forName="arrowAndChildren" refType="h" refFor="ch" refForName="boxAndChildren" op="equ" fact="1.538"/>
-      <dgm:constr type="w" for="ch" forName="arrowAndChildren" refType="w"/>
-      <dgm:constr type="w" for="ch" forName="boxAndChildren" refType="w"/>
-      <dgm:constr type="h" for="ch" forName="sp" refType="h" fact="-0.015"/>
-      <dgm:constr type="primFontSz" for="des" forName="parentTextBox" val="36"/>
-      <dgm:constr type="primFontSz" for="des" forName="parentTextArrow" refType="primFontSz" refFor="des" refForName="parentTextBox" op="equ"/>
-      <dgm:constr type="primFontSz" for="des" forName="descendantArrow" val="24"/>
-      <dgm:constr type="primFontSz" for="des" forName="descendantArrow" refType="primFontSz" refFor="des" refForName="parentTextArrow" op="lte"/>
-      <dgm:constr type="primFontSz" for="des" forName="descendantBox" refType="primFontSz" refFor="des" refForName="parentTextArrow" op="lte"/>
-      <dgm:constr type="primFontSz" for="des" forName="descendantBox" refType="primFontSz" refFor="des" refForName="parentTextBox" op="lte"/>
-      <dgm:constr type="primFontSz" for="des" forName="descendantArrow" refType="primFontSz" refFor="des" refForName="parentTextBox" op="lte"/>
-      <dgm:constr type="primFontSz" for="des" forName="descendantBox" refType="primFontSz" refFor="des" refForName="descendantArrow" op="equ"/>
-    </dgm:constrLst>
-    <dgm:ruleLst/>
-    <dgm:forEach name="Name1" axis="ch" ptType="node" st="-1" step="-1">
-      <dgm:choose name="Name2">
-        <dgm:if name="Name3" axis="self" ptType="node" func="revPos" op="equ" val="1">
-          <dgm:layoutNode name="boxAndChildren">
-            <dgm:alg type="composite"/>
-            <dgm:shape xmlns:r="http://schemas.openxmlformats.org/officeDocument/2006/relationships" r:blip="">
-              <dgm:adjLst/>
-            </dgm:shape>
-            <dgm:presOf/>
-            <dgm:constrLst>
-              <dgm:constr type="w" for="ch" forName="parentTextBox" refType="w" fact="0.25"/>
-              <dgm:constr type="h" for="ch" forName="parentTextBox" refType="h"/>
-              <dgm:constr type="t" for="ch" forName="parentTextBox"/>
-              <dgm:constr type="w" for="ch" forName="descendantBox" refType="w" fact="0.75"/>
-              <dgm:constr type="l" for="ch" forName="descendantBox" refType="w" fact="0.25"/>
-              <dgm:constr type="b" for="ch" forName="descendantBox" refType="h"/>
-              <dgm:constr type="h" for="ch" forName="descendantBox" refType="h"/>
-            </dgm:constrLst>
-            <dgm:ruleLst/>
-            <dgm:layoutNode name="parentTextBox" styleLbl="alignNode1">
-              <dgm:alg type="tx"/>
-              <dgm:shape xmlns:r="http://schemas.openxmlformats.org/officeDocument/2006/relationships" type="rect" r:blip="">
-                <dgm:adjLst/>
-              </dgm:shape>
-              <dgm:presOf axis="self"/>
-              <dgm:constrLst>
-                <dgm:constr type="primFontSz" refType="h" op="lte" fact="0.5"/>
-                <dgm:constr type="lMarg" refType="w" fact="0.2016"/>
-                <dgm:constr type="rMarg" refType="w" fact="0.2016"/>
-              </dgm:constrLst>
-              <dgm:ruleLst>
-                <dgm:rule type="primFontSz" val="13" fact="NaN" max="NaN"/>
-              </dgm:ruleLst>
-            </dgm:layoutNode>
-            <dgm:layoutNode name="descendantBox" styleLbl="bgAccFollowNode1">
-              <dgm:alg type="tx">
-                <dgm:param type="stBulletLvl" val="0"/>
-                <dgm:param type="parTxLTRAlign" val="l"/>
-              </dgm:alg>
-              <dgm:shape xmlns:r="http://schemas.openxmlformats.org/officeDocument/2006/relationships" type="rect" r:blip="">
-                <dgm:adjLst/>
-              </dgm:shape>
-              <dgm:presOf/>
-              <dgm:constrLst>
-                <dgm:constr type="tMarg" refType="primFontSz"/>
-                <dgm:constr type="bMarg" refType="primFontSz"/>
-                <dgm:constr type="lMarg" refType="w" fact="0.0575"/>
-                <dgm:constr type="rMarg" refType="w" fact="0.0575"/>
-              </dgm:constrLst>
-              <dgm:presOf axis="des" ptType="node"/>
-              <dgm:ruleLst>
-                <dgm:rule type="primFontSz" val="11" fact="NaN" max="NaN"/>
-              </dgm:ruleLst>
-            </dgm:layoutNode>
-          </dgm:layoutNode>
-        </dgm:if>
-        <dgm:else name="Name17">
-          <dgm:layoutNode name="arrowAndChildren">
-            <dgm:alg type="composite"/>
-            <dgm:shape xmlns:r="http://schemas.openxmlformats.org/officeDocument/2006/relationships" r:blip="">
-              <dgm:adjLst/>
-            </dgm:shape>
-            <dgm:presOf/>
-            <dgm:constrLst>
-              <dgm:constr type="w" for="ch" forName="parentTextArrow" refType="w" fact="0.25"/>
-              <dgm:constr type="t" for="ch" forName="parentTextArrow"/>
-              <dgm:constr type="h" for="ch" forName="parentTextArrow" refType="h" fact="0.65"/>
-              <dgm:constr type="w" for="ch" forName="arrow" refType="w" fact="0.25"/>
-              <dgm:constr type="h" for="ch" forName="arrow" refType="h"/>
-              <dgm:constr type="l" for="ch" forName="descendantArrow" refType="w" fact="0.25"/>
-              <dgm:constr type="w" for="ch" forName="descendantArrow" refType="w" fact="0.75"/>
-              <dgm:constr type="b" for="ch" forName="descendantArrow" refType="h" fact="0.65"/>
-              <dgm:constr type="h" for="ch" forName="descendantArrow" refType="h" fact="0.65"/>
-            </dgm:constrLst>
-            <dgm:ruleLst/>
-            <dgm:layoutNode name="parentTextArrow">
-              <dgm:alg type="tx"/>
-              <dgm:choose name="Name21">
-                <dgm:if name="Name22" axis="ch" ptType="node" func="cnt" op="gte" val="1">
-                  <dgm:shape xmlns:r="http://schemas.openxmlformats.org/officeDocument/2006/relationships" type="rect" r:blip="" zOrderOff="1" hideGeom="1">
-                    <dgm:adjLst/>
-                  </dgm:shape>
-                </dgm:if>
-                <dgm:else name="Name23">
-                  <dgm:shape xmlns:r="http://schemas.openxmlformats.org/officeDocument/2006/relationships" rot="180" type="upArrowCallout" r:blip="">
-                    <dgm:adjLst/>
-                  </dgm:shape>
-                </dgm:else>
-              </dgm:choose>
-              <dgm:presOf axis="self"/>
-              <dgm:constrLst>
-                <dgm:constr type="primFontSz" refType="h" op="lte" fact="0.5"/>
-                <dgm:constr type="lMarg" refType="w" fact="0.2016"/>
-                <dgm:constr type="rMarg" refType="w" fact="0.2016"/>
-              </dgm:constrLst>
-              <dgm:ruleLst>
-                <dgm:rule type="primFontSz" val="13" fact="NaN" max="NaN"/>
-              </dgm:ruleLst>
-            </dgm:layoutNode>
-            <dgm:layoutNode name="arrow" styleLbl="alignNode1">
-              <dgm:alg type="sp"/>
-              <dgm:shape xmlns:r="http://schemas.openxmlformats.org/officeDocument/2006/relationships" rot="180" type="upArrowCallout" r:blip="">
-                <dgm:adjLst>
-                  <dgm:adj idx="1" val="0.05"/>
-                  <dgm:adj idx="2" val="0.1"/>
-                  <dgm:adj idx="3" val="0.15"/>
-                </dgm:adjLst>
-              </dgm:shape>
-              <dgm:presOf axis="self"/>
-              <dgm:constrLst/>
-              <dgm:ruleLst/>
-            </dgm:layoutNode>
-            <dgm:layoutNode name="descendantArrow" styleLbl="bgAccFollowNode1">
-              <dgm:alg type="tx">
-                <dgm:param type="stBulletLvl" val="0"/>
-                <dgm:param type="parTxLTRAlign" val="l"/>
-              </dgm:alg>
-              <dgm:shape xmlns:r="http://schemas.openxmlformats.org/officeDocument/2006/relationships" type="rect" r:blip="">
-                <dgm:adjLst/>
-              </dgm:shape>
-              <dgm:presOf axis="des" ptType="node"/>
-              <dgm:constrLst>
-                <dgm:constr type="tMarg" refType="primFontSz"/>
-                <dgm:constr type="bMarg" refType="primFontSz"/>
-                <dgm:constr type="lMarg" refType="w" fact="0.0575"/>
-                <dgm:constr type="rMarg" refType="w" fact="0.0575"/>
-              </dgm:constrLst>
-              <dgm:ruleLst>
-                <dgm:rule type="primFontSz" val="11" fact="NaN" max="NaN"/>
-              </dgm:ruleLst>
-            </dgm:layoutNode>
-          </dgm:layoutNode>
-        </dgm:else>
-      </dgm:choose>
-      <dgm:forEach name="Name31" axis="precedSib" ptType="sibTrans" st="-1" cnt="1">
-        <dgm:layoutNode name="sp">
-          <dgm:alg type="sp"/>
-          <dgm:shape xmlns:r="http://schemas.openxmlformats.org/officeDocument/2006/relationships" r:blip="">
-            <dgm:adjLst/>
-          </dgm:shape>
-          <dgm:presOf axis="self"/>
-          <dgm:constrLst/>
-          <dgm:ruleLst/>
-        </dgm:layoutNode>
-      </dgm:forEach>
-    </dgm:forEach>
-  </dgm:layoutNode>
-</dgm:layoutDef>
-</file>
-
-<file path=ppt/diagrams/layout2.xml><?xml version="1.0" encoding="utf-8"?>
 <dgm:layoutDef xmlns:dgm="http://schemas.openxmlformats.org/drawingml/2006/diagram" xmlns:a="http://schemas.openxmlformats.org/drawingml/2006/main" uniqueId="urn:microsoft.com/office/officeart/2005/8/layout/process4">
   <dgm:title val=""/>
   <dgm:desc val=""/>
@@ -7291,473 +3352,7 @@
 </dgm:layoutDef>
 </file>
 
-<file path=ppt/diagrams/layout3.xml><?xml version="1.0" encoding="utf-8"?>
-<dgm:layoutDef xmlns:dgm="http://schemas.openxmlformats.org/drawingml/2006/diagram" xmlns:a="http://schemas.openxmlformats.org/drawingml/2006/main" uniqueId="urn:microsoft.com/office/officeart/2008/layout/LinedList">
-  <dgm:title val=""/>
-  <dgm:desc val=""/>
-  <dgm:catLst>
-    <dgm:cat type="hierarchy" pri="8000"/>
-    <dgm:cat type="list" pri="2500"/>
-  </dgm:catLst>
-  <dgm:sampData>
-    <dgm:dataModel>
-      <dgm:ptLst>
-        <dgm:pt modelId="0" type="doc"/>
-        <dgm:pt modelId="1">
-          <dgm:prSet phldr="1"/>
-        </dgm:pt>
-        <dgm:pt modelId="11">
-          <dgm:prSet phldr="1"/>
-        </dgm:pt>
-        <dgm:pt modelId="12">
-          <dgm:prSet phldr="1"/>
-        </dgm:pt>
-        <dgm:pt modelId="13">
-          <dgm:prSet phldr="1"/>
-        </dgm:pt>
-      </dgm:ptLst>
-      <dgm:cxnLst>
-        <dgm:cxn modelId="2" srcId="0" destId="1" srcOrd="0" destOrd="0"/>
-        <dgm:cxn modelId="3" srcId="1" destId="11" srcOrd="0" destOrd="0"/>
-        <dgm:cxn modelId="4" srcId="1" destId="12" srcOrd="1" destOrd="0"/>
-        <dgm:cxn modelId="5" srcId="1" destId="13" srcOrd="2" destOrd="0"/>
-      </dgm:cxnLst>
-      <dgm:bg/>
-      <dgm:whole/>
-    </dgm:dataModel>
-  </dgm:sampData>
-  <dgm:styleData>
-    <dgm:dataModel>
-      <dgm:ptLst>
-        <dgm:pt modelId="0" type="doc"/>
-        <dgm:pt modelId="1">
-          <dgm:prSet phldr="1"/>
-        </dgm:pt>
-        <dgm:pt modelId="11">
-          <dgm:prSet phldr="1"/>
-        </dgm:pt>
-        <dgm:pt modelId="12">
-          <dgm:prSet phldr="1"/>
-        </dgm:pt>
-      </dgm:ptLst>
-      <dgm:cxnLst>
-        <dgm:cxn modelId="2" srcId="0" destId="1" srcOrd="0" destOrd="0"/>
-        <dgm:cxn modelId="3" srcId="1" destId="11" srcOrd="0" destOrd="0"/>
-        <dgm:cxn modelId="4" srcId="1" destId="12" srcOrd="1" destOrd="0"/>
-      </dgm:cxnLst>
-      <dgm:bg/>
-      <dgm:whole/>
-    </dgm:dataModel>
-  </dgm:styleData>
-  <dgm:clrData>
-    <dgm:dataModel>
-      <dgm:ptLst>
-        <dgm:pt modelId="0" type="doc"/>
-        <dgm:pt modelId="1">
-          <dgm:prSet phldr="1"/>
-        </dgm:pt>
-        <dgm:pt modelId="11">
-          <dgm:prSet phldr="1"/>
-        </dgm:pt>
-        <dgm:pt modelId="12">
-          <dgm:prSet phldr="1"/>
-        </dgm:pt>
-      </dgm:ptLst>
-      <dgm:cxnLst>
-        <dgm:cxn modelId="2" srcId="0" destId="1" srcOrd="0" destOrd="0"/>
-        <dgm:cxn modelId="3" srcId="1" destId="11" srcOrd="0" destOrd="0"/>
-        <dgm:cxn modelId="4" srcId="1" destId="12" srcOrd="1" destOrd="0"/>
-      </dgm:cxnLst>
-      <dgm:bg/>
-      <dgm:whole/>
-    </dgm:dataModel>
-  </dgm:clrData>
-  <dgm:layoutNode name="vert0">
-    <dgm:varLst>
-      <dgm:dir/>
-      <dgm:animOne val="branch"/>
-      <dgm:animLvl val="lvl"/>
-    </dgm:varLst>
-    <dgm:choose name="Name0">
-      <dgm:if name="Name1" func="var" arg="dir" op="equ" val="norm">
-        <dgm:alg type="lin">
-          <dgm:param type="linDir" val="fromT"/>
-          <dgm:param type="nodeHorzAlign" val="l"/>
-        </dgm:alg>
-      </dgm:if>
-      <dgm:else name="Name2">
-        <dgm:alg type="lin">
-          <dgm:param type="linDir" val="fromT"/>
-          <dgm:param type="nodeHorzAlign" val="r"/>
-        </dgm:alg>
-      </dgm:else>
-    </dgm:choose>
-    <dgm:shape xmlns:r="http://schemas.openxmlformats.org/officeDocument/2006/relationships" r:blip="">
-      <dgm:adjLst/>
-    </dgm:shape>
-    <dgm:presOf/>
-    <dgm:constrLst>
-      <dgm:constr type="w" for="ch" forName="horz1" refType="w"/>
-      <dgm:constr type="h" for="ch" forName="horz1" refType="h"/>
-      <dgm:constr type="h" for="des" forName="vert1" refType="h"/>
-      <dgm:constr type="h" for="des" forName="tx1" refType="h"/>
-      <dgm:constr type="h" for="des" forName="horz2" refType="h"/>
-      <dgm:constr type="h" for="des" forName="vert2" refType="h"/>
-      <dgm:constr type="h" for="des" forName="horz3" refType="h"/>
-      <dgm:constr type="h" for="des" forName="vert3" refType="h"/>
-      <dgm:constr type="h" for="des" forName="horz4" refType="h"/>
-      <dgm:constr type="h" for="des" ptType="node" refType="h"/>
-      <dgm:constr type="primFontSz" for="des" forName="tx1" op="equ" val="65"/>
-      <dgm:constr type="primFontSz" for="des" forName="tx2" op="equ" val="65"/>
-      <dgm:constr type="primFontSz" for="des" forName="tx3" op="equ" val="65"/>
-      <dgm:constr type="primFontSz" for="des" forName="tx4" op="equ" val="65"/>
-      <dgm:constr type="w" for="des" forName="thickLine" refType="w"/>
-      <dgm:constr type="h" for="des" forName="thickLine"/>
-      <dgm:constr type="h" for="des" forName="thinLine1"/>
-      <dgm:constr type="h" for="des" forName="thinLine2b"/>
-      <dgm:constr type="h" for="des" forName="thinLine3"/>
-      <dgm:constr type="h" for="des" forName="vertSpace2a" refType="h" fact="0.05"/>
-      <dgm:constr type="h" for="des" forName="vertSpace2b" refType="h" refFor="des" refForName="vertSpace2a"/>
-    </dgm:constrLst>
-    <dgm:forEach name="Name3" axis="ch" ptType="node">
-      <dgm:layoutNode name="thickLine" styleLbl="alignNode1">
-        <dgm:alg type="sp"/>
-        <dgm:shape xmlns:r="http://schemas.openxmlformats.org/officeDocument/2006/relationships" type="line" r:blip="">
-          <dgm:adjLst/>
-        </dgm:shape>
-        <dgm:presOf/>
-      </dgm:layoutNode>
-      <dgm:layoutNode name="horz1">
-        <dgm:choose name="Name4">
-          <dgm:if name="Name5" func="var" arg="dir" op="equ" val="norm">
-            <dgm:alg type="lin">
-              <dgm:param type="linDir" val="fromL"/>
-              <dgm:param type="nodeVertAlign" val="t"/>
-            </dgm:alg>
-          </dgm:if>
-          <dgm:else name="Name6">
-            <dgm:alg type="lin">
-              <dgm:param type="linDir" val="fromR"/>
-              <dgm:param type="nodeVertAlign" val="t"/>
-            </dgm:alg>
-          </dgm:else>
-        </dgm:choose>
-        <dgm:shape xmlns:r="http://schemas.openxmlformats.org/officeDocument/2006/relationships" r:blip="">
-          <dgm:adjLst/>
-        </dgm:shape>
-        <dgm:presOf/>
-        <dgm:choose name="Name7">
-          <dgm:if name="Name8" axis="root des" func="maxDepth" op="equ" val="1">
-            <dgm:constrLst>
-              <dgm:constr type="w" for="ch" forName="tx1" refType="w"/>
-            </dgm:constrLst>
-          </dgm:if>
-          <dgm:if name="Name9" axis="root des" func="maxDepth" op="equ" val="2">
-            <dgm:constrLst>
-              <dgm:constr type="w" for="ch" forName="tx1" refType="w" fact="0.2"/>
-              <dgm:constr type="w" for="des" forName="tx2" refType="w" fact="0.785"/>
-              <dgm:constr type="w" for="des" forName="horzSpace2" refType="w" fact="0.015"/>
-              <dgm:constr type="w" for="des" forName="thinLine2b" refType="w" fact="0.8"/>
-            </dgm:constrLst>
-          </dgm:if>
-          <dgm:if name="Name10" axis="root des" func="maxDepth" op="equ" val="3">
-            <dgm:constrLst>
-              <dgm:constr type="w" for="ch" forName="tx1" refType="w" fact="0.2"/>
-              <dgm:constr type="w" for="des" forName="tx2" refType="w" fact="0.385"/>
-              <dgm:constr type="w" for="des" forName="tx3" refType="w" fact="0.385"/>
-              <dgm:constr type="w" for="des" forName="horzSpace2" refType="w" fact="0.015"/>
-              <dgm:constr type="w" for="des" forName="horzSpace3" refType="w" fact="0.015"/>
-              <dgm:constr type="w" for="des" forName="thinLine2b" refType="w" fact="0.8"/>
-              <dgm:constr type="w" for="des" forName="thinLine3" refType="w" fact="0.385"/>
-            </dgm:constrLst>
-          </dgm:if>
-          <dgm:if name="Name11" axis="root des" func="maxDepth" op="gte" val="4">
-            <dgm:constrLst>
-              <dgm:constr type="w" for="ch" forName="tx1" refType="w" fact="0.2"/>
-              <dgm:constr type="w" for="des" forName="tx2" refType="w" fact="0.2516"/>
-              <dgm:constr type="w" for="des" forName="tx3" refType="w" fact="0.2516"/>
-              <dgm:constr type="w" for="des" forName="tx4" refType="w" fact="0.2516"/>
-              <dgm:constr type="w" for="des" forName="horzSpace2" refType="w" fact="0.015"/>
-              <dgm:constr type="w" for="des" forName="horzSpace3" refType="w" fact="0.015"/>
-              <dgm:constr type="w" for="des" forName="horzSpace4" refType="w" fact="0.015"/>
-              <dgm:constr type="w" for="des" forName="thinLine2b" refType="w" fact="0.8"/>
-              <dgm:constr type="w" for="des" forName="thinLine3" refType="w" fact="0.5332"/>
-            </dgm:constrLst>
-          </dgm:if>
-          <dgm:else name="Name12"/>
-        </dgm:choose>
-        <dgm:layoutNode name="tx1" styleLbl="revTx">
-          <dgm:alg type="tx">
-            <dgm:param type="parTxLTRAlign" val="l"/>
-            <dgm:param type="parTxRTLAlign" val="r"/>
-            <dgm:param type="txAnchorVert" val="t"/>
-          </dgm:alg>
-          <dgm:shape xmlns:r="http://schemas.openxmlformats.org/officeDocument/2006/relationships" type="rect" r:blip="">
-            <dgm:adjLst/>
-          </dgm:shape>
-          <dgm:presOf axis="self"/>
-          <dgm:constrLst>
-            <dgm:constr type="tMarg" refType="primFontSz" fact="0.3"/>
-            <dgm:constr type="bMarg" refType="primFontSz" fact="0.3"/>
-            <dgm:constr type="lMarg" refType="primFontSz" fact="0.3"/>
-            <dgm:constr type="rMarg" refType="primFontSz" fact="0.3"/>
-          </dgm:constrLst>
-          <dgm:ruleLst>
-            <dgm:rule type="primFontSz" val="5" fact="NaN" max="NaN"/>
-          </dgm:ruleLst>
-        </dgm:layoutNode>
-        <dgm:layoutNode name="vert1">
-          <dgm:choose name="Name13">
-            <dgm:if name="Name14" func="var" arg="dir" op="equ" val="norm">
-              <dgm:alg type="lin">
-                <dgm:param type="linDir" val="fromT"/>
-                <dgm:param type="nodeHorzAlign" val="l"/>
-              </dgm:alg>
-            </dgm:if>
-            <dgm:else name="Name15">
-              <dgm:alg type="lin">
-                <dgm:param type="linDir" val="fromT"/>
-                <dgm:param type="nodeHorzAlign" val="r"/>
-              </dgm:alg>
-            </dgm:else>
-          </dgm:choose>
-          <dgm:shape xmlns:r="http://schemas.openxmlformats.org/officeDocument/2006/relationships" r:blip="">
-            <dgm:adjLst/>
-          </dgm:shape>
-          <dgm:presOf/>
-          <dgm:forEach name="Name16" axis="ch" ptType="node">
-            <dgm:choose name="Name17">
-              <dgm:if name="Name18" axis="self" ptType="node" func="pos" op="equ" val="1">
-                <dgm:layoutNode name="vertSpace2a">
-                  <dgm:alg type="sp"/>
-                  <dgm:shape xmlns:r="http://schemas.openxmlformats.org/officeDocument/2006/relationships" r:blip="">
-                    <dgm:adjLst/>
-                  </dgm:shape>
-                  <dgm:presOf/>
-                </dgm:layoutNode>
-              </dgm:if>
-              <dgm:else name="Name19"/>
-            </dgm:choose>
-            <dgm:layoutNode name="horz2">
-              <dgm:choose name="Name20">
-                <dgm:if name="Name21" func="var" arg="dir" op="equ" val="norm">
-                  <dgm:alg type="lin">
-                    <dgm:param type="linDir" val="fromL"/>
-                    <dgm:param type="nodeVertAlign" val="t"/>
-                  </dgm:alg>
-                </dgm:if>
-                <dgm:else name="Name22">
-                  <dgm:alg type="lin">
-                    <dgm:param type="linDir" val="fromR"/>
-                    <dgm:param type="nodeVertAlign" val="t"/>
-                  </dgm:alg>
-                </dgm:else>
-              </dgm:choose>
-              <dgm:shape xmlns:r="http://schemas.openxmlformats.org/officeDocument/2006/relationships" r:blip="">
-                <dgm:adjLst/>
-              </dgm:shape>
-              <dgm:presOf/>
-              <dgm:layoutNode name="horzSpace2">
-                <dgm:alg type="sp"/>
-                <dgm:shape xmlns:r="http://schemas.openxmlformats.org/officeDocument/2006/relationships" r:blip="">
-                  <dgm:adjLst/>
-                </dgm:shape>
-                <dgm:presOf/>
-              </dgm:layoutNode>
-              <dgm:layoutNode name="tx2" styleLbl="revTx">
-                <dgm:alg type="tx">
-                  <dgm:param type="parTxLTRAlign" val="l"/>
-                  <dgm:param type="parTxRTLAlign" val="r"/>
-                  <dgm:param type="txAnchorVert" val="t"/>
-                </dgm:alg>
-                <dgm:shape xmlns:r="http://schemas.openxmlformats.org/officeDocument/2006/relationships" type="rect" r:blip="">
-                  <dgm:adjLst/>
-                </dgm:shape>
-                <dgm:presOf axis="self"/>
-                <dgm:constrLst>
-                  <dgm:constr type="tMarg" refType="primFontSz" fact="0.3"/>
-                  <dgm:constr type="bMarg" refType="primFontSz" fact="0.3"/>
-                  <dgm:constr type="lMarg" refType="primFontSz" fact="0.3"/>
-                  <dgm:constr type="rMarg" refType="primFontSz" fact="0.3"/>
-                </dgm:constrLst>
-                <dgm:ruleLst>
-                  <dgm:rule type="primFontSz" val="5" fact="NaN" max="NaN"/>
-                </dgm:ruleLst>
-              </dgm:layoutNode>
-              <dgm:layoutNode name="vert2">
-                <dgm:choose name="Name23">
-                  <dgm:if name="Name24" func="var" arg="dir" op="equ" val="norm">
-                    <dgm:alg type="lin">
-                      <dgm:param type="linDir" val="fromT"/>
-                      <dgm:param type="nodeHorzAlign" val="l"/>
-                    </dgm:alg>
-                  </dgm:if>
-                  <dgm:else name="Name25">
-                    <dgm:alg type="lin">
-                      <dgm:param type="linDir" val="fromT"/>
-                      <dgm:param type="nodeHorzAlign" val="r"/>
-                    </dgm:alg>
-                  </dgm:else>
-                </dgm:choose>
-                <dgm:shape xmlns:r="http://schemas.openxmlformats.org/officeDocument/2006/relationships" r:blip="">
-                  <dgm:adjLst/>
-                </dgm:shape>
-                <dgm:presOf/>
-                <dgm:forEach name="Name26" axis="ch" ptType="node">
-                  <dgm:layoutNode name="horz3">
-                    <dgm:choose name="Name27">
-                      <dgm:if name="Name28" func="var" arg="dir" op="equ" val="norm">
-                        <dgm:alg type="lin">
-                          <dgm:param type="linDir" val="fromL"/>
-                          <dgm:param type="nodeVertAlign" val="t"/>
-                        </dgm:alg>
-                      </dgm:if>
-                      <dgm:else name="Name29">
-                        <dgm:alg type="lin">
-                          <dgm:param type="linDir" val="fromR"/>
-                          <dgm:param type="nodeVertAlign" val="t"/>
-                        </dgm:alg>
-                      </dgm:else>
-                    </dgm:choose>
-                    <dgm:shape xmlns:r="http://schemas.openxmlformats.org/officeDocument/2006/relationships" r:blip="">
-                      <dgm:adjLst/>
-                    </dgm:shape>
-                    <dgm:presOf/>
-                    <dgm:layoutNode name="horzSpace3">
-                      <dgm:alg type="sp"/>
-                      <dgm:shape xmlns:r="http://schemas.openxmlformats.org/officeDocument/2006/relationships" r:blip="">
-                        <dgm:adjLst/>
-                      </dgm:shape>
-                      <dgm:presOf/>
-                    </dgm:layoutNode>
-                    <dgm:layoutNode name="tx3" styleLbl="revTx">
-                      <dgm:alg type="tx">
-                        <dgm:param type="parTxLTRAlign" val="l"/>
-                        <dgm:param type="parTxRTLAlign" val="r"/>
-                        <dgm:param type="txAnchorVert" val="t"/>
-                      </dgm:alg>
-                      <dgm:shape xmlns:r="http://schemas.openxmlformats.org/officeDocument/2006/relationships" type="rect" r:blip="">
-                        <dgm:adjLst/>
-                      </dgm:shape>
-                      <dgm:presOf axis="self"/>
-                      <dgm:constrLst>
-                        <dgm:constr type="tMarg" refType="primFontSz" fact="0.3"/>
-                        <dgm:constr type="bMarg" refType="primFontSz" fact="0.3"/>
-                        <dgm:constr type="lMarg" refType="primFontSz" fact="0.3"/>
-                        <dgm:constr type="rMarg" refType="primFontSz" fact="0.3"/>
-                      </dgm:constrLst>
-                      <dgm:ruleLst>
-                        <dgm:rule type="primFontSz" val="5" fact="NaN" max="NaN"/>
-                      </dgm:ruleLst>
-                    </dgm:layoutNode>
-                    <dgm:layoutNode name="vert3">
-                      <dgm:choose name="Name30">
-                        <dgm:if name="Name31" func="var" arg="dir" op="equ" val="norm">
-                          <dgm:alg type="lin">
-                            <dgm:param type="linDir" val="fromT"/>
-                            <dgm:param type="nodeHorzAlign" val="l"/>
-                          </dgm:alg>
-                        </dgm:if>
-                        <dgm:else name="Name32">
-                          <dgm:alg type="lin">
-                            <dgm:param type="linDir" val="fromT"/>
-                            <dgm:param type="nodeHorzAlign" val="r"/>
-                          </dgm:alg>
-                        </dgm:else>
-                      </dgm:choose>
-                      <dgm:shape xmlns:r="http://schemas.openxmlformats.org/officeDocument/2006/relationships" r:blip="">
-                        <dgm:adjLst/>
-                      </dgm:shape>
-                      <dgm:presOf/>
-                      <dgm:forEach name="Name33" axis="ch" ptType="node">
-                        <dgm:layoutNode name="horz4">
-                          <dgm:choose name="Name34">
-                            <dgm:if name="Name35" func="var" arg="dir" op="equ" val="norm">
-                              <dgm:alg type="lin">
-                                <dgm:param type="linDir" val="fromL"/>
-                                <dgm:param type="nodeVertAlign" val="t"/>
-                              </dgm:alg>
-                            </dgm:if>
-                            <dgm:else name="Name36">
-                              <dgm:alg type="lin">
-                                <dgm:param type="linDir" val="fromR"/>
-                                <dgm:param type="nodeVertAlign" val="t"/>
-                              </dgm:alg>
-                            </dgm:else>
-                          </dgm:choose>
-                          <dgm:shape xmlns:r="http://schemas.openxmlformats.org/officeDocument/2006/relationships" r:blip="">
-                            <dgm:adjLst/>
-                          </dgm:shape>
-                          <dgm:presOf/>
-                          <dgm:layoutNode name="horzSpace4">
-                            <dgm:alg type="sp"/>
-                            <dgm:shape xmlns:r="http://schemas.openxmlformats.org/officeDocument/2006/relationships" r:blip="">
-                              <dgm:adjLst/>
-                            </dgm:shape>
-                            <dgm:presOf/>
-                          </dgm:layoutNode>
-                          <dgm:layoutNode name="tx4" styleLbl="revTx">
-                            <dgm:varLst>
-                              <dgm:bulletEnabled val="1"/>
-                            </dgm:varLst>
-                            <dgm:alg type="tx">
-                              <dgm:param type="parTxLTRAlign" val="l"/>
-                              <dgm:param type="parTxRTLAlign" val="r"/>
-                              <dgm:param type="txAnchorVert" val="t"/>
-                            </dgm:alg>
-                            <dgm:shape xmlns:r="http://schemas.openxmlformats.org/officeDocument/2006/relationships" type="rect" r:blip="">
-                              <dgm:adjLst/>
-                            </dgm:shape>
-                            <dgm:presOf axis="desOrSelf" ptType="node"/>
-                            <dgm:constrLst>
-                              <dgm:constr type="tMarg" refType="primFontSz" fact="0.3"/>
-                              <dgm:constr type="bMarg" refType="primFontSz" fact="0.3"/>
-                              <dgm:constr type="lMarg" refType="primFontSz" fact="0.3"/>
-                              <dgm:constr type="rMarg" refType="primFontSz" fact="0.3"/>
-                            </dgm:constrLst>
-                            <dgm:ruleLst>
-                              <dgm:rule type="primFontSz" val="5" fact="NaN" max="NaN"/>
-                            </dgm:ruleLst>
-                          </dgm:layoutNode>
-                        </dgm:layoutNode>
-                      </dgm:forEach>
-                    </dgm:layoutNode>
-                  </dgm:layoutNode>
-                  <dgm:forEach name="Name37" axis="followSib" ptType="sibTrans" cnt="1">
-                    <dgm:layoutNode name="thinLine3" styleLbl="callout">
-                      <dgm:alg type="sp"/>
-                      <dgm:shape xmlns:r="http://schemas.openxmlformats.org/officeDocument/2006/relationships" type="line" r:blip="">
-                        <dgm:adjLst/>
-                      </dgm:shape>
-                      <dgm:presOf/>
-                    </dgm:layoutNode>
-                  </dgm:forEach>
-                </dgm:forEach>
-              </dgm:layoutNode>
-            </dgm:layoutNode>
-            <dgm:layoutNode name="thinLine2b" styleLbl="callout">
-              <dgm:alg type="sp"/>
-              <dgm:shape xmlns:r="http://schemas.openxmlformats.org/officeDocument/2006/relationships" type="line" r:blip="">
-                <dgm:adjLst/>
-              </dgm:shape>
-              <dgm:presOf/>
-            </dgm:layoutNode>
-            <dgm:layoutNode name="vertSpace2b">
-              <dgm:alg type="sp"/>
-              <dgm:shape xmlns:r="http://schemas.openxmlformats.org/officeDocument/2006/relationships" r:blip="">
-                <dgm:adjLst/>
-              </dgm:shape>
-              <dgm:presOf/>
-            </dgm:layoutNode>
-          </dgm:forEach>
-        </dgm:layoutNode>
-      </dgm:layoutNode>
-    </dgm:forEach>
-  </dgm:layoutNode>
-</dgm:layoutDef>
-</file>
-
-<file path=ppt/diagrams/layout4.xml><?xml version="1.0" encoding="utf-8"?>
+<file path=ppt/diagrams/layout2.xml><?xml version="1.0" encoding="utf-8"?>
 <dgm:layoutDef xmlns:dgm="http://schemas.openxmlformats.org/drawingml/2006/diagram" xmlns:a="http://schemas.openxmlformats.org/drawingml/2006/main" uniqueId="urn:microsoft.com/office/officeart/2005/8/layout/vList2">
   <dgm:title val=""/>
   <dgm:desc val=""/>
@@ -9992,2074 +5587,6 @@
 </dgm:styleDef>
 </file>
 
-<file path=ppt/diagrams/quickStyle3.xml><?xml version="1.0" encoding="utf-8"?>
-<dgm:styleDef xmlns:dgm="http://schemas.openxmlformats.org/drawingml/2006/diagram" xmlns:a="http://schemas.openxmlformats.org/drawingml/2006/main" uniqueId="urn:microsoft.com/office/officeart/2005/8/quickstyle/simple1">
-  <dgm:title val=""/>
-  <dgm:desc val=""/>
-  <dgm:catLst>
-    <dgm:cat type="simple" pri="10100"/>
-  </dgm:catLst>
-  <dgm:scene3d>
-    <a:camera prst="orthographicFront"/>
-    <a:lightRig rig="threePt" dir="t"/>
-  </dgm:scene3d>
-  <dgm:styleLbl name="node0">
-    <dgm:scene3d>
-      <a:camera prst="orthographicFront"/>
-      <a:lightRig rig="threePt" dir="t"/>
-    </dgm:scene3d>
-    <dgm:sp3d/>
-    <dgm:txPr/>
-    <dgm:style>
-      <a:lnRef idx="2">
-        <a:scrgbClr r="0" g="0" b="0"/>
-      </a:lnRef>
-      <a:fillRef idx="1">
-        <a:scrgbClr r="0" g="0" b="0"/>
-      </a:fillRef>
-      <a:effectRef idx="0">
-        <a:scrgbClr r="0" g="0" b="0"/>
-      </a:effectRef>
-      <a:fontRef idx="minor">
-        <a:schemeClr val="lt1"/>
-      </a:fontRef>
-    </dgm:style>
-  </dgm:styleLbl>
-  <dgm:styleLbl name="lnNode1">
-    <dgm:scene3d>
-      <a:camera prst="orthographicFront"/>
-      <a:lightRig rig="threePt" dir="t"/>
-    </dgm:scene3d>
-    <dgm:sp3d/>
-    <dgm:txPr/>
-    <dgm:style>
-      <a:lnRef idx="2">
-        <a:scrgbClr r="0" g="0" b="0"/>
-      </a:lnRef>
-      <a:fillRef idx="1">
-        <a:scrgbClr r="0" g="0" b="0"/>
-      </a:fillRef>
-      <a:effectRef idx="0">
-        <a:scrgbClr r="0" g="0" b="0"/>
-      </a:effectRef>
-      <a:fontRef idx="minor">
-        <a:schemeClr val="lt1"/>
-      </a:fontRef>
-    </dgm:style>
-  </dgm:styleLbl>
-  <dgm:styleLbl name="vennNode1">
-    <dgm:scene3d>
-      <a:camera prst="orthographicFront"/>
-      <a:lightRig rig="threePt" dir="t"/>
-    </dgm:scene3d>
-    <dgm:sp3d/>
-    <dgm:txPr/>
-    <dgm:style>
-      <a:lnRef idx="2">
-        <a:scrgbClr r="0" g="0" b="0"/>
-      </a:lnRef>
-      <a:fillRef idx="1">
-        <a:scrgbClr r="0" g="0" b="0"/>
-      </a:fillRef>
-      <a:effectRef idx="0">
-        <a:scrgbClr r="0" g="0" b="0"/>
-      </a:effectRef>
-      <a:fontRef idx="minor">
-        <a:schemeClr val="tx1"/>
-      </a:fontRef>
-    </dgm:style>
-  </dgm:styleLbl>
-  <dgm:styleLbl name="alignNode1">
-    <dgm:scene3d>
-      <a:camera prst="orthographicFront"/>
-      <a:lightRig rig="threePt" dir="t"/>
-    </dgm:scene3d>
-    <dgm:sp3d/>
-    <dgm:txPr/>
-    <dgm:style>
-      <a:lnRef idx="2">
-        <a:scrgbClr r="0" g="0" b="0"/>
-      </a:lnRef>
-      <a:fillRef idx="1">
-        <a:scrgbClr r="0" g="0" b="0"/>
-      </a:fillRef>
-      <a:effectRef idx="0">
-        <a:scrgbClr r="0" g="0" b="0"/>
-      </a:effectRef>
-      <a:fontRef idx="minor">
-        <a:schemeClr val="lt1"/>
-      </a:fontRef>
-    </dgm:style>
-  </dgm:styleLbl>
-  <dgm:styleLbl name="node1">
-    <dgm:scene3d>
-      <a:camera prst="orthographicFront"/>
-      <a:lightRig rig="threePt" dir="t"/>
-    </dgm:scene3d>
-    <dgm:sp3d/>
-    <dgm:txPr/>
-    <dgm:style>
-      <a:lnRef idx="2">
-        <a:scrgbClr r="0" g="0" b="0"/>
-      </a:lnRef>
-      <a:fillRef idx="1">
-        <a:scrgbClr r="0" g="0" b="0"/>
-      </a:fillRef>
-      <a:effectRef idx="0">
-        <a:scrgbClr r="0" g="0" b="0"/>
-      </a:effectRef>
-      <a:fontRef idx="minor">
-        <a:schemeClr val="lt1"/>
-      </a:fontRef>
-    </dgm:style>
-  </dgm:styleLbl>
-  <dgm:styleLbl name="node2">
-    <dgm:scene3d>
-      <a:camera prst="orthographicFront"/>
-      <a:lightRig rig="threePt" dir="t"/>
-    </dgm:scene3d>
-    <dgm:sp3d/>
-    <dgm:txPr/>
-    <dgm:style>
-      <a:lnRef idx="2">
-        <a:scrgbClr r="0" g="0" b="0"/>
-      </a:lnRef>
-      <a:fillRef idx="1">
-        <a:scrgbClr r="0" g="0" b="0"/>
-      </a:fillRef>
-      <a:effectRef idx="0">
-        <a:scrgbClr r="0" g="0" b="0"/>
-      </a:effectRef>
-      <a:fontRef idx="minor">
-        <a:schemeClr val="lt1"/>
-      </a:fontRef>
-    </dgm:style>
-  </dgm:styleLbl>
-  <dgm:styleLbl name="node3">
-    <dgm:scene3d>
-      <a:camera prst="orthographicFront"/>
-      <a:lightRig rig="threePt" dir="t"/>
-    </dgm:scene3d>
-    <dgm:sp3d/>
-    <dgm:txPr/>
-    <dgm:style>
-      <a:lnRef idx="2">
-        <a:scrgbClr r="0" g="0" b="0"/>
-      </a:lnRef>
-      <a:fillRef idx="1">
-        <a:scrgbClr r="0" g="0" b="0"/>
-      </a:fillRef>
-      <a:effectRef idx="0">
-        <a:scrgbClr r="0" g="0" b="0"/>
-      </a:effectRef>
-      <a:fontRef idx="minor">
-        <a:schemeClr val="lt1"/>
-      </a:fontRef>
-    </dgm:style>
-  </dgm:styleLbl>
-  <dgm:styleLbl name="node4">
-    <dgm:scene3d>
-      <a:camera prst="orthographicFront"/>
-      <a:lightRig rig="threePt" dir="t"/>
-    </dgm:scene3d>
-    <dgm:sp3d/>
-    <dgm:txPr/>
-    <dgm:style>
-      <a:lnRef idx="2">
-        <a:scrgbClr r="0" g="0" b="0"/>
-      </a:lnRef>
-      <a:fillRef idx="1">
-        <a:scrgbClr r="0" g="0" b="0"/>
-      </a:fillRef>
-      <a:effectRef idx="0">
-        <a:scrgbClr r="0" g="0" b="0"/>
-      </a:effectRef>
-      <a:fontRef idx="minor">
-        <a:schemeClr val="lt1"/>
-      </a:fontRef>
-    </dgm:style>
-  </dgm:styleLbl>
-  <dgm:styleLbl name="fgImgPlace1">
-    <dgm:scene3d>
-      <a:camera prst="orthographicFront"/>
-      <a:lightRig rig="threePt" dir="t"/>
-    </dgm:scene3d>
-    <dgm:sp3d/>
-    <dgm:txPr/>
-    <dgm:style>
-      <a:lnRef idx="2">
-        <a:scrgbClr r="0" g="0" b="0"/>
-      </a:lnRef>
-      <a:fillRef idx="1">
-        <a:scrgbClr r="0" g="0" b="0"/>
-      </a:fillRef>
-      <a:effectRef idx="0">
-        <a:scrgbClr r="0" g="0" b="0"/>
-      </a:effectRef>
-      <a:fontRef idx="minor"/>
-    </dgm:style>
-  </dgm:styleLbl>
-  <dgm:styleLbl name="alignImgPlace1">
-    <dgm:scene3d>
-      <a:camera prst="orthographicFront"/>
-      <a:lightRig rig="threePt" dir="t"/>
-    </dgm:scene3d>
-    <dgm:sp3d/>
-    <dgm:txPr/>
-    <dgm:style>
-      <a:lnRef idx="2">
-        <a:scrgbClr r="0" g="0" b="0"/>
-      </a:lnRef>
-      <a:fillRef idx="1">
-        <a:scrgbClr r="0" g="0" b="0"/>
-      </a:fillRef>
-      <a:effectRef idx="0">
-        <a:scrgbClr r="0" g="0" b="0"/>
-      </a:effectRef>
-      <a:fontRef idx="minor"/>
-    </dgm:style>
-  </dgm:styleLbl>
-  <dgm:styleLbl name="bgImgPlace1">
-    <dgm:scene3d>
-      <a:camera prst="orthographicFront"/>
-      <a:lightRig rig="threePt" dir="t"/>
-    </dgm:scene3d>
-    <dgm:sp3d/>
-    <dgm:txPr/>
-    <dgm:style>
-      <a:lnRef idx="2">
-        <a:scrgbClr r="0" g="0" b="0"/>
-      </a:lnRef>
-      <a:fillRef idx="1">
-        <a:scrgbClr r="0" g="0" b="0"/>
-      </a:fillRef>
-      <a:effectRef idx="0">
-        <a:scrgbClr r="0" g="0" b="0"/>
-      </a:effectRef>
-      <a:fontRef idx="minor"/>
-    </dgm:style>
-  </dgm:styleLbl>
-  <dgm:styleLbl name="sibTrans2D1">
-    <dgm:scene3d>
-      <a:camera prst="orthographicFront"/>
-      <a:lightRig rig="threePt" dir="t"/>
-    </dgm:scene3d>
-    <dgm:sp3d/>
-    <dgm:txPr/>
-    <dgm:style>
-      <a:lnRef idx="0">
-        <a:scrgbClr r="0" g="0" b="0"/>
-      </a:lnRef>
-      <a:fillRef idx="1">
-        <a:scrgbClr r="0" g="0" b="0"/>
-      </a:fillRef>
-      <a:effectRef idx="0">
-        <a:scrgbClr r="0" g="0" b="0"/>
-      </a:effectRef>
-      <a:fontRef idx="minor">
-        <a:schemeClr val="lt1"/>
-      </a:fontRef>
-    </dgm:style>
-  </dgm:styleLbl>
-  <dgm:styleLbl name="fgSibTrans2D1">
-    <dgm:scene3d>
-      <a:camera prst="orthographicFront"/>
-      <a:lightRig rig="threePt" dir="t"/>
-    </dgm:scene3d>
-    <dgm:sp3d/>
-    <dgm:txPr/>
-    <dgm:style>
-      <a:lnRef idx="0">
-        <a:scrgbClr r="0" g="0" b="0"/>
-      </a:lnRef>
-      <a:fillRef idx="1">
-        <a:scrgbClr r="0" g="0" b="0"/>
-      </a:fillRef>
-      <a:effectRef idx="0">
-        <a:scrgbClr r="0" g="0" b="0"/>
-      </a:effectRef>
-      <a:fontRef idx="minor">
-        <a:schemeClr val="lt1"/>
-      </a:fontRef>
-    </dgm:style>
-  </dgm:styleLbl>
-  <dgm:styleLbl name="bgSibTrans2D1">
-    <dgm:scene3d>
-      <a:camera prst="orthographicFront"/>
-      <a:lightRig rig="threePt" dir="t"/>
-    </dgm:scene3d>
-    <dgm:sp3d/>
-    <dgm:txPr/>
-    <dgm:style>
-      <a:lnRef idx="0">
-        <a:scrgbClr r="0" g="0" b="0"/>
-      </a:lnRef>
-      <a:fillRef idx="1">
-        <a:scrgbClr r="0" g="0" b="0"/>
-      </a:fillRef>
-      <a:effectRef idx="0">
-        <a:scrgbClr r="0" g="0" b="0"/>
-      </a:effectRef>
-      <a:fontRef idx="minor">
-        <a:schemeClr val="lt1"/>
-      </a:fontRef>
-    </dgm:style>
-  </dgm:styleLbl>
-  <dgm:styleLbl name="sibTrans1D1">
-    <dgm:scene3d>
-      <a:camera prst="orthographicFront"/>
-      <a:lightRig rig="threePt" dir="t"/>
-    </dgm:scene3d>
-    <dgm:sp3d/>
-    <dgm:txPr/>
-    <dgm:style>
-      <a:lnRef idx="1">
-        <a:scrgbClr r="0" g="0" b="0"/>
-      </a:lnRef>
-      <a:fillRef idx="0">
-        <a:scrgbClr r="0" g="0" b="0"/>
-      </a:fillRef>
-      <a:effectRef idx="0">
-        <a:scrgbClr r="0" g="0" b="0"/>
-      </a:effectRef>
-      <a:fontRef idx="minor"/>
-    </dgm:style>
-  </dgm:styleLbl>
-  <dgm:styleLbl name="callout">
-    <dgm:scene3d>
-      <a:camera prst="orthographicFront"/>
-      <a:lightRig rig="threePt" dir="t"/>
-    </dgm:scene3d>
-    <dgm:sp3d/>
-    <dgm:txPr/>
-    <dgm:style>
-      <a:lnRef idx="2">
-        <a:scrgbClr r="0" g="0" b="0"/>
-      </a:lnRef>
-      <a:fillRef idx="1">
-        <a:scrgbClr r="0" g="0" b="0"/>
-      </a:fillRef>
-      <a:effectRef idx="0">
-        <a:scrgbClr r="0" g="0" b="0"/>
-      </a:effectRef>
-      <a:fontRef idx="minor"/>
-    </dgm:style>
-  </dgm:styleLbl>
-  <dgm:styleLbl name="asst0">
-    <dgm:scene3d>
-      <a:camera prst="orthographicFront"/>
-      <a:lightRig rig="threePt" dir="t"/>
-    </dgm:scene3d>
-    <dgm:sp3d/>
-    <dgm:txPr/>
-    <dgm:style>
-      <a:lnRef idx="2">
-        <a:scrgbClr r="0" g="0" b="0"/>
-      </a:lnRef>
-      <a:fillRef idx="1">
-        <a:scrgbClr r="0" g="0" b="0"/>
-      </a:fillRef>
-      <a:effectRef idx="0">
-        <a:scrgbClr r="0" g="0" b="0"/>
-      </a:effectRef>
-      <a:fontRef idx="minor">
-        <a:schemeClr val="lt1"/>
-      </a:fontRef>
-    </dgm:style>
-  </dgm:styleLbl>
-  <dgm:styleLbl name="asst1">
-    <dgm:scene3d>
-      <a:camera prst="orthographicFront"/>
-      <a:lightRig rig="threePt" dir="t"/>
-    </dgm:scene3d>
-    <dgm:sp3d/>
-    <dgm:txPr/>
-    <dgm:style>
-      <a:lnRef idx="2">
-        <a:scrgbClr r="0" g="0" b="0"/>
-      </a:lnRef>
-      <a:fillRef idx="1">
-        <a:scrgbClr r="0" g="0" b="0"/>
-      </a:fillRef>
-      <a:effectRef idx="0">
-        <a:scrgbClr r="0" g="0" b="0"/>
-      </a:effectRef>
-      <a:fontRef idx="minor">
-        <a:schemeClr val="lt1"/>
-      </a:fontRef>
-    </dgm:style>
-  </dgm:styleLbl>
-  <dgm:styleLbl name="asst2">
-    <dgm:scene3d>
-      <a:camera prst="orthographicFront"/>
-      <a:lightRig rig="threePt" dir="t"/>
-    </dgm:scene3d>
-    <dgm:sp3d/>
-    <dgm:txPr/>
-    <dgm:style>
-      <a:lnRef idx="2">
-        <a:scrgbClr r="0" g="0" b="0"/>
-      </a:lnRef>
-      <a:fillRef idx="1">
-        <a:scrgbClr r="0" g="0" b="0"/>
-      </a:fillRef>
-      <a:effectRef idx="0">
-        <a:scrgbClr r="0" g="0" b="0"/>
-      </a:effectRef>
-      <a:fontRef idx="minor">
-        <a:schemeClr val="lt1"/>
-      </a:fontRef>
-    </dgm:style>
-  </dgm:styleLbl>
-  <dgm:styleLbl name="asst3">
-    <dgm:scene3d>
-      <a:camera prst="orthographicFront"/>
-      <a:lightRig rig="threePt" dir="t"/>
-    </dgm:scene3d>
-    <dgm:sp3d/>
-    <dgm:txPr/>
-    <dgm:style>
-      <a:lnRef idx="2">
-        <a:scrgbClr r="0" g="0" b="0"/>
-      </a:lnRef>
-      <a:fillRef idx="1">
-        <a:scrgbClr r="0" g="0" b="0"/>
-      </a:fillRef>
-      <a:effectRef idx="0">
-        <a:scrgbClr r="0" g="0" b="0"/>
-      </a:effectRef>
-      <a:fontRef idx="minor">
-        <a:schemeClr val="lt1"/>
-      </a:fontRef>
-    </dgm:style>
-  </dgm:styleLbl>
-  <dgm:styleLbl name="asst4">
-    <dgm:scene3d>
-      <a:camera prst="orthographicFront"/>
-      <a:lightRig rig="threePt" dir="t"/>
-    </dgm:scene3d>
-    <dgm:sp3d/>
-    <dgm:txPr/>
-    <dgm:style>
-      <a:lnRef idx="2">
-        <a:scrgbClr r="0" g="0" b="0"/>
-      </a:lnRef>
-      <a:fillRef idx="1">
-        <a:scrgbClr r="0" g="0" b="0"/>
-      </a:fillRef>
-      <a:effectRef idx="0">
-        <a:scrgbClr r="0" g="0" b="0"/>
-      </a:effectRef>
-      <a:fontRef idx="minor">
-        <a:schemeClr val="lt1"/>
-      </a:fontRef>
-    </dgm:style>
-  </dgm:styleLbl>
-  <dgm:styleLbl name="parChTrans2D1">
-    <dgm:scene3d>
-      <a:camera prst="orthographicFront"/>
-      <a:lightRig rig="threePt" dir="t"/>
-    </dgm:scene3d>
-    <dgm:sp3d/>
-    <dgm:txPr/>
-    <dgm:style>
-      <a:lnRef idx="2">
-        <a:scrgbClr r="0" g="0" b="0"/>
-      </a:lnRef>
-      <a:fillRef idx="1">
-        <a:scrgbClr r="0" g="0" b="0"/>
-      </a:fillRef>
-      <a:effectRef idx="0">
-        <a:scrgbClr r="0" g="0" b="0"/>
-      </a:effectRef>
-      <a:fontRef idx="minor">
-        <a:schemeClr val="lt1"/>
-      </a:fontRef>
-    </dgm:style>
-  </dgm:styleLbl>
-  <dgm:styleLbl name="parChTrans2D2">
-    <dgm:scene3d>
-      <a:camera prst="orthographicFront"/>
-      <a:lightRig rig="threePt" dir="t"/>
-    </dgm:scene3d>
-    <dgm:sp3d/>
-    <dgm:txPr/>
-    <dgm:style>
-      <a:lnRef idx="2">
-        <a:scrgbClr r="0" g="0" b="0"/>
-      </a:lnRef>
-      <a:fillRef idx="1">
-        <a:scrgbClr r="0" g="0" b="0"/>
-      </a:fillRef>
-      <a:effectRef idx="0">
-        <a:scrgbClr r="0" g="0" b="0"/>
-      </a:effectRef>
-      <a:fontRef idx="minor">
-        <a:schemeClr val="lt1"/>
-      </a:fontRef>
-    </dgm:style>
-  </dgm:styleLbl>
-  <dgm:styleLbl name="parChTrans2D3">
-    <dgm:scene3d>
-      <a:camera prst="orthographicFront"/>
-      <a:lightRig rig="threePt" dir="t"/>
-    </dgm:scene3d>
-    <dgm:sp3d/>
-    <dgm:txPr/>
-    <dgm:style>
-      <a:lnRef idx="2">
-        <a:scrgbClr r="0" g="0" b="0"/>
-      </a:lnRef>
-      <a:fillRef idx="1">
-        <a:scrgbClr r="0" g="0" b="0"/>
-      </a:fillRef>
-      <a:effectRef idx="0">
-        <a:scrgbClr r="0" g="0" b="0"/>
-      </a:effectRef>
-      <a:fontRef idx="minor">
-        <a:schemeClr val="lt1"/>
-      </a:fontRef>
-    </dgm:style>
-  </dgm:styleLbl>
-  <dgm:styleLbl name="parChTrans2D4">
-    <dgm:scene3d>
-      <a:camera prst="orthographicFront"/>
-      <a:lightRig rig="threePt" dir="t"/>
-    </dgm:scene3d>
-    <dgm:sp3d/>
-    <dgm:txPr/>
-    <dgm:style>
-      <a:lnRef idx="2">
-        <a:scrgbClr r="0" g="0" b="0"/>
-      </a:lnRef>
-      <a:fillRef idx="1">
-        <a:scrgbClr r="0" g="0" b="0"/>
-      </a:fillRef>
-      <a:effectRef idx="0">
-        <a:scrgbClr r="0" g="0" b="0"/>
-      </a:effectRef>
-      <a:fontRef idx="minor">
-        <a:schemeClr val="lt1"/>
-      </a:fontRef>
-    </dgm:style>
-  </dgm:styleLbl>
-  <dgm:styleLbl name="parChTrans1D1">
-    <dgm:scene3d>
-      <a:camera prst="orthographicFront"/>
-      <a:lightRig rig="threePt" dir="t"/>
-    </dgm:scene3d>
-    <dgm:sp3d/>
-    <dgm:txPr/>
-    <dgm:style>
-      <a:lnRef idx="2">
-        <a:scrgbClr r="0" g="0" b="0"/>
-      </a:lnRef>
-      <a:fillRef idx="0">
-        <a:scrgbClr r="0" g="0" b="0"/>
-      </a:fillRef>
-      <a:effectRef idx="0">
-        <a:scrgbClr r="0" g="0" b="0"/>
-      </a:effectRef>
-      <a:fontRef idx="minor"/>
-    </dgm:style>
-  </dgm:styleLbl>
-  <dgm:styleLbl name="parChTrans1D2">
-    <dgm:scene3d>
-      <a:camera prst="orthographicFront"/>
-      <a:lightRig rig="threePt" dir="t"/>
-    </dgm:scene3d>
-    <dgm:sp3d/>
-    <dgm:txPr/>
-    <dgm:style>
-      <a:lnRef idx="2">
-        <a:scrgbClr r="0" g="0" b="0"/>
-      </a:lnRef>
-      <a:fillRef idx="0">
-        <a:scrgbClr r="0" g="0" b="0"/>
-      </a:fillRef>
-      <a:effectRef idx="0">
-        <a:scrgbClr r="0" g="0" b="0"/>
-      </a:effectRef>
-      <a:fontRef idx="minor"/>
-    </dgm:style>
-  </dgm:styleLbl>
-  <dgm:styleLbl name="parChTrans1D3">
-    <dgm:scene3d>
-      <a:camera prst="orthographicFront"/>
-      <a:lightRig rig="threePt" dir="t"/>
-    </dgm:scene3d>
-    <dgm:sp3d/>
-    <dgm:txPr/>
-    <dgm:style>
-      <a:lnRef idx="2">
-        <a:scrgbClr r="0" g="0" b="0"/>
-      </a:lnRef>
-      <a:fillRef idx="0">
-        <a:scrgbClr r="0" g="0" b="0"/>
-      </a:fillRef>
-      <a:effectRef idx="0">
-        <a:scrgbClr r="0" g="0" b="0"/>
-      </a:effectRef>
-      <a:fontRef idx="minor"/>
-    </dgm:style>
-  </dgm:styleLbl>
-  <dgm:styleLbl name="parChTrans1D4">
-    <dgm:scene3d>
-      <a:camera prst="orthographicFront"/>
-      <a:lightRig rig="threePt" dir="t"/>
-    </dgm:scene3d>
-    <dgm:sp3d/>
-    <dgm:txPr/>
-    <dgm:style>
-      <a:lnRef idx="2">
-        <a:scrgbClr r="0" g="0" b="0"/>
-      </a:lnRef>
-      <a:fillRef idx="0">
-        <a:scrgbClr r="0" g="0" b="0"/>
-      </a:fillRef>
-      <a:effectRef idx="0">
-        <a:scrgbClr r="0" g="0" b="0"/>
-      </a:effectRef>
-      <a:fontRef idx="minor"/>
-    </dgm:style>
-  </dgm:styleLbl>
-  <dgm:styleLbl name="fgAcc1">
-    <dgm:scene3d>
-      <a:camera prst="orthographicFront"/>
-      <a:lightRig rig="threePt" dir="t"/>
-    </dgm:scene3d>
-    <dgm:sp3d/>
-    <dgm:txPr/>
-    <dgm:style>
-      <a:lnRef idx="2">
-        <a:scrgbClr r="0" g="0" b="0"/>
-      </a:lnRef>
-      <a:fillRef idx="1">
-        <a:scrgbClr r="0" g="0" b="0"/>
-      </a:fillRef>
-      <a:effectRef idx="0">
-        <a:scrgbClr r="0" g="0" b="0"/>
-      </a:effectRef>
-      <a:fontRef idx="minor"/>
-    </dgm:style>
-  </dgm:styleLbl>
-  <dgm:styleLbl name="conFgAcc1">
-    <dgm:scene3d>
-      <a:camera prst="orthographicFront"/>
-      <a:lightRig rig="threePt" dir="t"/>
-    </dgm:scene3d>
-    <dgm:sp3d/>
-    <dgm:txPr/>
-    <dgm:style>
-      <a:lnRef idx="2">
-        <a:scrgbClr r="0" g="0" b="0"/>
-      </a:lnRef>
-      <a:fillRef idx="1">
-        <a:scrgbClr r="0" g="0" b="0"/>
-      </a:fillRef>
-      <a:effectRef idx="0">
-        <a:scrgbClr r="0" g="0" b="0"/>
-      </a:effectRef>
-      <a:fontRef idx="minor"/>
-    </dgm:style>
-  </dgm:styleLbl>
-  <dgm:styleLbl name="alignAcc1">
-    <dgm:scene3d>
-      <a:camera prst="orthographicFront"/>
-      <a:lightRig rig="threePt" dir="t"/>
-    </dgm:scene3d>
-    <dgm:sp3d/>
-    <dgm:txPr/>
-    <dgm:style>
-      <a:lnRef idx="2">
-        <a:scrgbClr r="0" g="0" b="0"/>
-      </a:lnRef>
-      <a:fillRef idx="1">
-        <a:scrgbClr r="0" g="0" b="0"/>
-      </a:fillRef>
-      <a:effectRef idx="0">
-        <a:scrgbClr r="0" g="0" b="0"/>
-      </a:effectRef>
-      <a:fontRef idx="minor"/>
-    </dgm:style>
-  </dgm:styleLbl>
-  <dgm:styleLbl name="trAlignAcc1">
-    <dgm:scene3d>
-      <a:camera prst="orthographicFront"/>
-      <a:lightRig rig="threePt" dir="t"/>
-    </dgm:scene3d>
-    <dgm:sp3d/>
-    <dgm:txPr/>
-    <dgm:style>
-      <a:lnRef idx="1">
-        <a:scrgbClr r="0" g="0" b="0"/>
-      </a:lnRef>
-      <a:fillRef idx="1">
-        <a:scrgbClr r="0" g="0" b="0"/>
-      </a:fillRef>
-      <a:effectRef idx="0">
-        <a:scrgbClr r="0" g="0" b="0"/>
-      </a:effectRef>
-      <a:fontRef idx="minor"/>
-    </dgm:style>
-  </dgm:styleLbl>
-  <dgm:styleLbl name="bgAcc1">
-    <dgm:scene3d>
-      <a:camera prst="orthographicFront"/>
-      <a:lightRig rig="threePt" dir="t"/>
-    </dgm:scene3d>
-    <dgm:sp3d/>
-    <dgm:txPr/>
-    <dgm:style>
-      <a:lnRef idx="2">
-        <a:scrgbClr r="0" g="0" b="0"/>
-      </a:lnRef>
-      <a:fillRef idx="1">
-        <a:scrgbClr r="0" g="0" b="0"/>
-      </a:fillRef>
-      <a:effectRef idx="0">
-        <a:scrgbClr r="0" g="0" b="0"/>
-      </a:effectRef>
-      <a:fontRef idx="minor"/>
-    </dgm:style>
-  </dgm:styleLbl>
-  <dgm:styleLbl name="solidFgAcc1">
-    <dgm:scene3d>
-      <a:camera prst="orthographicFront"/>
-      <a:lightRig rig="threePt" dir="t"/>
-    </dgm:scene3d>
-    <dgm:sp3d/>
-    <dgm:txPr/>
-    <dgm:style>
-      <a:lnRef idx="2">
-        <a:scrgbClr r="0" g="0" b="0"/>
-      </a:lnRef>
-      <a:fillRef idx="1">
-        <a:scrgbClr r="0" g="0" b="0"/>
-      </a:fillRef>
-      <a:effectRef idx="0">
-        <a:scrgbClr r="0" g="0" b="0"/>
-      </a:effectRef>
-      <a:fontRef idx="minor"/>
-    </dgm:style>
-  </dgm:styleLbl>
-  <dgm:styleLbl name="solidAlignAcc1">
-    <dgm:scene3d>
-      <a:camera prst="orthographicFront"/>
-      <a:lightRig rig="threePt" dir="t"/>
-    </dgm:scene3d>
-    <dgm:sp3d/>
-    <dgm:txPr/>
-    <dgm:style>
-      <a:lnRef idx="2">
-        <a:scrgbClr r="0" g="0" b="0"/>
-      </a:lnRef>
-      <a:fillRef idx="1">
-        <a:scrgbClr r="0" g="0" b="0"/>
-      </a:fillRef>
-      <a:effectRef idx="0">
-        <a:scrgbClr r="0" g="0" b="0"/>
-      </a:effectRef>
-      <a:fontRef idx="minor"/>
-    </dgm:style>
-  </dgm:styleLbl>
-  <dgm:styleLbl name="solidBgAcc1">
-    <dgm:scene3d>
-      <a:camera prst="orthographicFront"/>
-      <a:lightRig rig="threePt" dir="t"/>
-    </dgm:scene3d>
-    <dgm:sp3d/>
-    <dgm:txPr/>
-    <dgm:style>
-      <a:lnRef idx="2">
-        <a:scrgbClr r="0" g="0" b="0"/>
-      </a:lnRef>
-      <a:fillRef idx="1">
-        <a:scrgbClr r="0" g="0" b="0"/>
-      </a:fillRef>
-      <a:effectRef idx="0">
-        <a:scrgbClr r="0" g="0" b="0"/>
-      </a:effectRef>
-      <a:fontRef idx="minor"/>
-    </dgm:style>
-  </dgm:styleLbl>
-  <dgm:styleLbl name="fgAccFollowNode1">
-    <dgm:scene3d>
-      <a:camera prst="orthographicFront"/>
-      <a:lightRig rig="threePt" dir="t"/>
-    </dgm:scene3d>
-    <dgm:sp3d/>
-    <dgm:txPr/>
-    <dgm:style>
-      <a:lnRef idx="2">
-        <a:scrgbClr r="0" g="0" b="0"/>
-      </a:lnRef>
-      <a:fillRef idx="1">
-        <a:scrgbClr r="0" g="0" b="0"/>
-      </a:fillRef>
-      <a:effectRef idx="0">
-        <a:scrgbClr r="0" g="0" b="0"/>
-      </a:effectRef>
-      <a:fontRef idx="minor"/>
-    </dgm:style>
-  </dgm:styleLbl>
-  <dgm:styleLbl name="alignAccFollowNode1">
-    <dgm:scene3d>
-      <a:camera prst="orthographicFront"/>
-      <a:lightRig rig="threePt" dir="t"/>
-    </dgm:scene3d>
-    <dgm:sp3d/>
-    <dgm:txPr/>
-    <dgm:style>
-      <a:lnRef idx="2">
-        <a:scrgbClr r="0" g="0" b="0"/>
-      </a:lnRef>
-      <a:fillRef idx="1">
-        <a:scrgbClr r="0" g="0" b="0"/>
-      </a:fillRef>
-      <a:effectRef idx="0">
-        <a:scrgbClr r="0" g="0" b="0"/>
-      </a:effectRef>
-      <a:fontRef idx="minor"/>
-    </dgm:style>
-  </dgm:styleLbl>
-  <dgm:styleLbl name="bgAccFollowNode1">
-    <dgm:scene3d>
-      <a:camera prst="orthographicFront"/>
-      <a:lightRig rig="threePt" dir="t"/>
-    </dgm:scene3d>
-    <dgm:sp3d/>
-    <dgm:txPr/>
-    <dgm:style>
-      <a:lnRef idx="2">
-        <a:scrgbClr r="0" g="0" b="0"/>
-      </a:lnRef>
-      <a:fillRef idx="1">
-        <a:scrgbClr r="0" g="0" b="0"/>
-      </a:fillRef>
-      <a:effectRef idx="0">
-        <a:scrgbClr r="0" g="0" b="0"/>
-      </a:effectRef>
-      <a:fontRef idx="minor"/>
-    </dgm:style>
-  </dgm:styleLbl>
-  <dgm:styleLbl name="fgAcc0">
-    <dgm:scene3d>
-      <a:camera prst="orthographicFront"/>
-      <a:lightRig rig="threePt" dir="t"/>
-    </dgm:scene3d>
-    <dgm:sp3d/>
-    <dgm:txPr/>
-    <dgm:style>
-      <a:lnRef idx="2">
-        <a:scrgbClr r="0" g="0" b="0"/>
-      </a:lnRef>
-      <a:fillRef idx="1">
-        <a:scrgbClr r="0" g="0" b="0"/>
-      </a:fillRef>
-      <a:effectRef idx="0">
-        <a:scrgbClr r="0" g="0" b="0"/>
-      </a:effectRef>
-      <a:fontRef idx="minor"/>
-    </dgm:style>
-  </dgm:styleLbl>
-  <dgm:styleLbl name="fgAcc2">
-    <dgm:scene3d>
-      <a:camera prst="orthographicFront"/>
-      <a:lightRig rig="threePt" dir="t"/>
-    </dgm:scene3d>
-    <dgm:sp3d/>
-    <dgm:txPr/>
-    <dgm:style>
-      <a:lnRef idx="2">
-        <a:scrgbClr r="0" g="0" b="0"/>
-      </a:lnRef>
-      <a:fillRef idx="1">
-        <a:scrgbClr r="0" g="0" b="0"/>
-      </a:fillRef>
-      <a:effectRef idx="0">
-        <a:scrgbClr r="0" g="0" b="0"/>
-      </a:effectRef>
-      <a:fontRef idx="minor"/>
-    </dgm:style>
-  </dgm:styleLbl>
-  <dgm:styleLbl name="fgAcc3">
-    <dgm:scene3d>
-      <a:camera prst="orthographicFront"/>
-      <a:lightRig rig="threePt" dir="t"/>
-    </dgm:scene3d>
-    <dgm:sp3d/>
-    <dgm:txPr/>
-    <dgm:style>
-      <a:lnRef idx="2">
-        <a:scrgbClr r="0" g="0" b="0"/>
-      </a:lnRef>
-      <a:fillRef idx="1">
-        <a:scrgbClr r="0" g="0" b="0"/>
-      </a:fillRef>
-      <a:effectRef idx="0">
-        <a:scrgbClr r="0" g="0" b="0"/>
-      </a:effectRef>
-      <a:fontRef idx="minor"/>
-    </dgm:style>
-  </dgm:styleLbl>
-  <dgm:styleLbl name="fgAcc4">
-    <dgm:scene3d>
-      <a:camera prst="orthographicFront"/>
-      <a:lightRig rig="threePt" dir="t"/>
-    </dgm:scene3d>
-    <dgm:sp3d/>
-    <dgm:txPr/>
-    <dgm:style>
-      <a:lnRef idx="2">
-        <a:scrgbClr r="0" g="0" b="0"/>
-      </a:lnRef>
-      <a:fillRef idx="1">
-        <a:scrgbClr r="0" g="0" b="0"/>
-      </a:fillRef>
-      <a:effectRef idx="0">
-        <a:scrgbClr r="0" g="0" b="0"/>
-      </a:effectRef>
-      <a:fontRef idx="minor"/>
-    </dgm:style>
-  </dgm:styleLbl>
-  <dgm:styleLbl name="bgShp">
-    <dgm:scene3d>
-      <a:camera prst="orthographicFront"/>
-      <a:lightRig rig="threePt" dir="t"/>
-    </dgm:scene3d>
-    <dgm:sp3d/>
-    <dgm:txPr/>
-    <dgm:style>
-      <a:lnRef idx="0">
-        <a:scrgbClr r="0" g="0" b="0"/>
-      </a:lnRef>
-      <a:fillRef idx="1">
-        <a:scrgbClr r="0" g="0" b="0"/>
-      </a:fillRef>
-      <a:effectRef idx="0">
-        <a:scrgbClr r="0" g="0" b="0"/>
-      </a:effectRef>
-      <a:fontRef idx="minor"/>
-    </dgm:style>
-  </dgm:styleLbl>
-  <dgm:styleLbl name="dkBgShp">
-    <dgm:scene3d>
-      <a:camera prst="orthographicFront"/>
-      <a:lightRig rig="threePt" dir="t"/>
-    </dgm:scene3d>
-    <dgm:sp3d/>
-    <dgm:txPr/>
-    <dgm:style>
-      <a:lnRef idx="0">
-        <a:scrgbClr r="0" g="0" b="0"/>
-      </a:lnRef>
-      <a:fillRef idx="1">
-        <a:scrgbClr r="0" g="0" b="0"/>
-      </a:fillRef>
-      <a:effectRef idx="0">
-        <a:scrgbClr r="0" g="0" b="0"/>
-      </a:effectRef>
-      <a:fontRef idx="minor"/>
-    </dgm:style>
-  </dgm:styleLbl>
-  <dgm:styleLbl name="trBgShp">
-    <dgm:scene3d>
-      <a:camera prst="orthographicFront"/>
-      <a:lightRig rig="threePt" dir="t"/>
-    </dgm:scene3d>
-    <dgm:sp3d/>
-    <dgm:txPr/>
-    <dgm:style>
-      <a:lnRef idx="0">
-        <a:scrgbClr r="0" g="0" b="0"/>
-      </a:lnRef>
-      <a:fillRef idx="1">
-        <a:scrgbClr r="0" g="0" b="0"/>
-      </a:fillRef>
-      <a:effectRef idx="0">
-        <a:scrgbClr r="0" g="0" b="0"/>
-      </a:effectRef>
-      <a:fontRef idx="minor"/>
-    </dgm:style>
-  </dgm:styleLbl>
-  <dgm:styleLbl name="fgShp">
-    <dgm:scene3d>
-      <a:camera prst="orthographicFront"/>
-      <a:lightRig rig="threePt" dir="t"/>
-    </dgm:scene3d>
-    <dgm:sp3d/>
-    <dgm:txPr/>
-    <dgm:style>
-      <a:lnRef idx="2">
-        <a:scrgbClr r="0" g="0" b="0"/>
-      </a:lnRef>
-      <a:fillRef idx="1">
-        <a:scrgbClr r="0" g="0" b="0"/>
-      </a:fillRef>
-      <a:effectRef idx="0">
-        <a:scrgbClr r="0" g="0" b="0"/>
-      </a:effectRef>
-      <a:fontRef idx="minor"/>
-    </dgm:style>
-  </dgm:styleLbl>
-  <dgm:styleLbl name="revTx">
-    <dgm:scene3d>
-      <a:camera prst="orthographicFront"/>
-      <a:lightRig rig="threePt" dir="t"/>
-    </dgm:scene3d>
-    <dgm:sp3d/>
-    <dgm:txPr/>
-    <dgm:style>
-      <a:lnRef idx="0">
-        <a:scrgbClr r="0" g="0" b="0"/>
-      </a:lnRef>
-      <a:fillRef idx="0">
-        <a:scrgbClr r="0" g="0" b="0"/>
-      </a:fillRef>
-      <a:effectRef idx="0">
-        <a:scrgbClr r="0" g="0" b="0"/>
-      </a:effectRef>
-      <a:fontRef idx="minor"/>
-    </dgm:style>
-  </dgm:styleLbl>
-</dgm:styleDef>
-</file>
-
-<file path=ppt/diagrams/quickStyle4.xml><?xml version="1.0" encoding="utf-8"?>
-<dgm:styleDef xmlns:dgm="http://schemas.openxmlformats.org/drawingml/2006/diagram" xmlns:a="http://schemas.openxmlformats.org/drawingml/2006/main" uniqueId="urn:microsoft.com/office/officeart/2005/8/quickstyle/simple1">
-  <dgm:title val=""/>
-  <dgm:desc val=""/>
-  <dgm:catLst>
-    <dgm:cat type="simple" pri="10100"/>
-  </dgm:catLst>
-  <dgm:scene3d>
-    <a:camera prst="orthographicFront"/>
-    <a:lightRig rig="threePt" dir="t"/>
-  </dgm:scene3d>
-  <dgm:styleLbl name="node0">
-    <dgm:scene3d>
-      <a:camera prst="orthographicFront"/>
-      <a:lightRig rig="threePt" dir="t"/>
-    </dgm:scene3d>
-    <dgm:sp3d/>
-    <dgm:txPr/>
-    <dgm:style>
-      <a:lnRef idx="2">
-        <a:scrgbClr r="0" g="0" b="0"/>
-      </a:lnRef>
-      <a:fillRef idx="1">
-        <a:scrgbClr r="0" g="0" b="0"/>
-      </a:fillRef>
-      <a:effectRef idx="0">
-        <a:scrgbClr r="0" g="0" b="0"/>
-      </a:effectRef>
-      <a:fontRef idx="minor">
-        <a:schemeClr val="lt1"/>
-      </a:fontRef>
-    </dgm:style>
-  </dgm:styleLbl>
-  <dgm:styleLbl name="lnNode1">
-    <dgm:scene3d>
-      <a:camera prst="orthographicFront"/>
-      <a:lightRig rig="threePt" dir="t"/>
-    </dgm:scene3d>
-    <dgm:sp3d/>
-    <dgm:txPr/>
-    <dgm:style>
-      <a:lnRef idx="2">
-        <a:scrgbClr r="0" g="0" b="0"/>
-      </a:lnRef>
-      <a:fillRef idx="1">
-        <a:scrgbClr r="0" g="0" b="0"/>
-      </a:fillRef>
-      <a:effectRef idx="0">
-        <a:scrgbClr r="0" g="0" b="0"/>
-      </a:effectRef>
-      <a:fontRef idx="minor">
-        <a:schemeClr val="lt1"/>
-      </a:fontRef>
-    </dgm:style>
-  </dgm:styleLbl>
-  <dgm:styleLbl name="vennNode1">
-    <dgm:scene3d>
-      <a:camera prst="orthographicFront"/>
-      <a:lightRig rig="threePt" dir="t"/>
-    </dgm:scene3d>
-    <dgm:sp3d/>
-    <dgm:txPr/>
-    <dgm:style>
-      <a:lnRef idx="2">
-        <a:scrgbClr r="0" g="0" b="0"/>
-      </a:lnRef>
-      <a:fillRef idx="1">
-        <a:scrgbClr r="0" g="0" b="0"/>
-      </a:fillRef>
-      <a:effectRef idx="0">
-        <a:scrgbClr r="0" g="0" b="0"/>
-      </a:effectRef>
-      <a:fontRef idx="minor">
-        <a:schemeClr val="tx1"/>
-      </a:fontRef>
-    </dgm:style>
-  </dgm:styleLbl>
-  <dgm:styleLbl name="alignNode1">
-    <dgm:scene3d>
-      <a:camera prst="orthographicFront"/>
-      <a:lightRig rig="threePt" dir="t"/>
-    </dgm:scene3d>
-    <dgm:sp3d/>
-    <dgm:txPr/>
-    <dgm:style>
-      <a:lnRef idx="2">
-        <a:scrgbClr r="0" g="0" b="0"/>
-      </a:lnRef>
-      <a:fillRef idx="1">
-        <a:scrgbClr r="0" g="0" b="0"/>
-      </a:fillRef>
-      <a:effectRef idx="0">
-        <a:scrgbClr r="0" g="0" b="0"/>
-      </a:effectRef>
-      <a:fontRef idx="minor">
-        <a:schemeClr val="lt1"/>
-      </a:fontRef>
-    </dgm:style>
-  </dgm:styleLbl>
-  <dgm:styleLbl name="node1">
-    <dgm:scene3d>
-      <a:camera prst="orthographicFront"/>
-      <a:lightRig rig="threePt" dir="t"/>
-    </dgm:scene3d>
-    <dgm:sp3d/>
-    <dgm:txPr/>
-    <dgm:style>
-      <a:lnRef idx="2">
-        <a:scrgbClr r="0" g="0" b="0"/>
-      </a:lnRef>
-      <a:fillRef idx="1">
-        <a:scrgbClr r="0" g="0" b="0"/>
-      </a:fillRef>
-      <a:effectRef idx="0">
-        <a:scrgbClr r="0" g="0" b="0"/>
-      </a:effectRef>
-      <a:fontRef idx="minor">
-        <a:schemeClr val="lt1"/>
-      </a:fontRef>
-    </dgm:style>
-  </dgm:styleLbl>
-  <dgm:styleLbl name="node2">
-    <dgm:scene3d>
-      <a:camera prst="orthographicFront"/>
-      <a:lightRig rig="threePt" dir="t"/>
-    </dgm:scene3d>
-    <dgm:sp3d/>
-    <dgm:txPr/>
-    <dgm:style>
-      <a:lnRef idx="2">
-        <a:scrgbClr r="0" g="0" b="0"/>
-      </a:lnRef>
-      <a:fillRef idx="1">
-        <a:scrgbClr r="0" g="0" b="0"/>
-      </a:fillRef>
-      <a:effectRef idx="0">
-        <a:scrgbClr r="0" g="0" b="0"/>
-      </a:effectRef>
-      <a:fontRef idx="minor">
-        <a:schemeClr val="lt1"/>
-      </a:fontRef>
-    </dgm:style>
-  </dgm:styleLbl>
-  <dgm:styleLbl name="node3">
-    <dgm:scene3d>
-      <a:camera prst="orthographicFront"/>
-      <a:lightRig rig="threePt" dir="t"/>
-    </dgm:scene3d>
-    <dgm:sp3d/>
-    <dgm:txPr/>
-    <dgm:style>
-      <a:lnRef idx="2">
-        <a:scrgbClr r="0" g="0" b="0"/>
-      </a:lnRef>
-      <a:fillRef idx="1">
-        <a:scrgbClr r="0" g="0" b="0"/>
-      </a:fillRef>
-      <a:effectRef idx="0">
-        <a:scrgbClr r="0" g="0" b="0"/>
-      </a:effectRef>
-      <a:fontRef idx="minor">
-        <a:schemeClr val="lt1"/>
-      </a:fontRef>
-    </dgm:style>
-  </dgm:styleLbl>
-  <dgm:styleLbl name="node4">
-    <dgm:scene3d>
-      <a:camera prst="orthographicFront"/>
-      <a:lightRig rig="threePt" dir="t"/>
-    </dgm:scene3d>
-    <dgm:sp3d/>
-    <dgm:txPr/>
-    <dgm:style>
-      <a:lnRef idx="2">
-        <a:scrgbClr r="0" g="0" b="0"/>
-      </a:lnRef>
-      <a:fillRef idx="1">
-        <a:scrgbClr r="0" g="0" b="0"/>
-      </a:fillRef>
-      <a:effectRef idx="0">
-        <a:scrgbClr r="0" g="0" b="0"/>
-      </a:effectRef>
-      <a:fontRef idx="minor">
-        <a:schemeClr val="lt1"/>
-      </a:fontRef>
-    </dgm:style>
-  </dgm:styleLbl>
-  <dgm:styleLbl name="fgImgPlace1">
-    <dgm:scene3d>
-      <a:camera prst="orthographicFront"/>
-      <a:lightRig rig="threePt" dir="t"/>
-    </dgm:scene3d>
-    <dgm:sp3d/>
-    <dgm:txPr/>
-    <dgm:style>
-      <a:lnRef idx="2">
-        <a:scrgbClr r="0" g="0" b="0"/>
-      </a:lnRef>
-      <a:fillRef idx="1">
-        <a:scrgbClr r="0" g="0" b="0"/>
-      </a:fillRef>
-      <a:effectRef idx="0">
-        <a:scrgbClr r="0" g="0" b="0"/>
-      </a:effectRef>
-      <a:fontRef idx="minor"/>
-    </dgm:style>
-  </dgm:styleLbl>
-  <dgm:styleLbl name="alignImgPlace1">
-    <dgm:scene3d>
-      <a:camera prst="orthographicFront"/>
-      <a:lightRig rig="threePt" dir="t"/>
-    </dgm:scene3d>
-    <dgm:sp3d/>
-    <dgm:txPr/>
-    <dgm:style>
-      <a:lnRef idx="2">
-        <a:scrgbClr r="0" g="0" b="0"/>
-      </a:lnRef>
-      <a:fillRef idx="1">
-        <a:scrgbClr r="0" g="0" b="0"/>
-      </a:fillRef>
-      <a:effectRef idx="0">
-        <a:scrgbClr r="0" g="0" b="0"/>
-      </a:effectRef>
-      <a:fontRef idx="minor"/>
-    </dgm:style>
-  </dgm:styleLbl>
-  <dgm:styleLbl name="bgImgPlace1">
-    <dgm:scene3d>
-      <a:camera prst="orthographicFront"/>
-      <a:lightRig rig="threePt" dir="t"/>
-    </dgm:scene3d>
-    <dgm:sp3d/>
-    <dgm:txPr/>
-    <dgm:style>
-      <a:lnRef idx="2">
-        <a:scrgbClr r="0" g="0" b="0"/>
-      </a:lnRef>
-      <a:fillRef idx="1">
-        <a:scrgbClr r="0" g="0" b="0"/>
-      </a:fillRef>
-      <a:effectRef idx="0">
-        <a:scrgbClr r="0" g="0" b="0"/>
-      </a:effectRef>
-      <a:fontRef idx="minor"/>
-    </dgm:style>
-  </dgm:styleLbl>
-  <dgm:styleLbl name="sibTrans2D1">
-    <dgm:scene3d>
-      <a:camera prst="orthographicFront"/>
-      <a:lightRig rig="threePt" dir="t"/>
-    </dgm:scene3d>
-    <dgm:sp3d/>
-    <dgm:txPr/>
-    <dgm:style>
-      <a:lnRef idx="0">
-        <a:scrgbClr r="0" g="0" b="0"/>
-      </a:lnRef>
-      <a:fillRef idx="1">
-        <a:scrgbClr r="0" g="0" b="0"/>
-      </a:fillRef>
-      <a:effectRef idx="0">
-        <a:scrgbClr r="0" g="0" b="0"/>
-      </a:effectRef>
-      <a:fontRef idx="minor">
-        <a:schemeClr val="lt1"/>
-      </a:fontRef>
-    </dgm:style>
-  </dgm:styleLbl>
-  <dgm:styleLbl name="fgSibTrans2D1">
-    <dgm:scene3d>
-      <a:camera prst="orthographicFront"/>
-      <a:lightRig rig="threePt" dir="t"/>
-    </dgm:scene3d>
-    <dgm:sp3d/>
-    <dgm:txPr/>
-    <dgm:style>
-      <a:lnRef idx="0">
-        <a:scrgbClr r="0" g="0" b="0"/>
-      </a:lnRef>
-      <a:fillRef idx="1">
-        <a:scrgbClr r="0" g="0" b="0"/>
-      </a:fillRef>
-      <a:effectRef idx="0">
-        <a:scrgbClr r="0" g="0" b="0"/>
-      </a:effectRef>
-      <a:fontRef idx="minor">
-        <a:schemeClr val="lt1"/>
-      </a:fontRef>
-    </dgm:style>
-  </dgm:styleLbl>
-  <dgm:styleLbl name="bgSibTrans2D1">
-    <dgm:scene3d>
-      <a:camera prst="orthographicFront"/>
-      <a:lightRig rig="threePt" dir="t"/>
-    </dgm:scene3d>
-    <dgm:sp3d/>
-    <dgm:txPr/>
-    <dgm:style>
-      <a:lnRef idx="0">
-        <a:scrgbClr r="0" g="0" b="0"/>
-      </a:lnRef>
-      <a:fillRef idx="1">
-        <a:scrgbClr r="0" g="0" b="0"/>
-      </a:fillRef>
-      <a:effectRef idx="0">
-        <a:scrgbClr r="0" g="0" b="0"/>
-      </a:effectRef>
-      <a:fontRef idx="minor">
-        <a:schemeClr val="lt1"/>
-      </a:fontRef>
-    </dgm:style>
-  </dgm:styleLbl>
-  <dgm:styleLbl name="sibTrans1D1">
-    <dgm:scene3d>
-      <a:camera prst="orthographicFront"/>
-      <a:lightRig rig="threePt" dir="t"/>
-    </dgm:scene3d>
-    <dgm:sp3d/>
-    <dgm:txPr/>
-    <dgm:style>
-      <a:lnRef idx="1">
-        <a:scrgbClr r="0" g="0" b="0"/>
-      </a:lnRef>
-      <a:fillRef idx="0">
-        <a:scrgbClr r="0" g="0" b="0"/>
-      </a:fillRef>
-      <a:effectRef idx="0">
-        <a:scrgbClr r="0" g="0" b="0"/>
-      </a:effectRef>
-      <a:fontRef idx="minor"/>
-    </dgm:style>
-  </dgm:styleLbl>
-  <dgm:styleLbl name="callout">
-    <dgm:scene3d>
-      <a:camera prst="orthographicFront"/>
-      <a:lightRig rig="threePt" dir="t"/>
-    </dgm:scene3d>
-    <dgm:sp3d/>
-    <dgm:txPr/>
-    <dgm:style>
-      <a:lnRef idx="2">
-        <a:scrgbClr r="0" g="0" b="0"/>
-      </a:lnRef>
-      <a:fillRef idx="1">
-        <a:scrgbClr r="0" g="0" b="0"/>
-      </a:fillRef>
-      <a:effectRef idx="0">
-        <a:scrgbClr r="0" g="0" b="0"/>
-      </a:effectRef>
-      <a:fontRef idx="minor"/>
-    </dgm:style>
-  </dgm:styleLbl>
-  <dgm:styleLbl name="asst0">
-    <dgm:scene3d>
-      <a:camera prst="orthographicFront"/>
-      <a:lightRig rig="threePt" dir="t"/>
-    </dgm:scene3d>
-    <dgm:sp3d/>
-    <dgm:txPr/>
-    <dgm:style>
-      <a:lnRef idx="2">
-        <a:scrgbClr r="0" g="0" b="0"/>
-      </a:lnRef>
-      <a:fillRef idx="1">
-        <a:scrgbClr r="0" g="0" b="0"/>
-      </a:fillRef>
-      <a:effectRef idx="0">
-        <a:scrgbClr r="0" g="0" b="0"/>
-      </a:effectRef>
-      <a:fontRef idx="minor">
-        <a:schemeClr val="lt1"/>
-      </a:fontRef>
-    </dgm:style>
-  </dgm:styleLbl>
-  <dgm:styleLbl name="asst1">
-    <dgm:scene3d>
-      <a:camera prst="orthographicFront"/>
-      <a:lightRig rig="threePt" dir="t"/>
-    </dgm:scene3d>
-    <dgm:sp3d/>
-    <dgm:txPr/>
-    <dgm:style>
-      <a:lnRef idx="2">
-        <a:scrgbClr r="0" g="0" b="0"/>
-      </a:lnRef>
-      <a:fillRef idx="1">
-        <a:scrgbClr r="0" g="0" b="0"/>
-      </a:fillRef>
-      <a:effectRef idx="0">
-        <a:scrgbClr r="0" g="0" b="0"/>
-      </a:effectRef>
-      <a:fontRef idx="minor">
-        <a:schemeClr val="lt1"/>
-      </a:fontRef>
-    </dgm:style>
-  </dgm:styleLbl>
-  <dgm:styleLbl name="asst2">
-    <dgm:scene3d>
-      <a:camera prst="orthographicFront"/>
-      <a:lightRig rig="threePt" dir="t"/>
-    </dgm:scene3d>
-    <dgm:sp3d/>
-    <dgm:txPr/>
-    <dgm:style>
-      <a:lnRef idx="2">
-        <a:scrgbClr r="0" g="0" b="0"/>
-      </a:lnRef>
-      <a:fillRef idx="1">
-        <a:scrgbClr r="0" g="0" b="0"/>
-      </a:fillRef>
-      <a:effectRef idx="0">
-        <a:scrgbClr r="0" g="0" b="0"/>
-      </a:effectRef>
-      <a:fontRef idx="minor">
-        <a:schemeClr val="lt1"/>
-      </a:fontRef>
-    </dgm:style>
-  </dgm:styleLbl>
-  <dgm:styleLbl name="asst3">
-    <dgm:scene3d>
-      <a:camera prst="orthographicFront"/>
-      <a:lightRig rig="threePt" dir="t"/>
-    </dgm:scene3d>
-    <dgm:sp3d/>
-    <dgm:txPr/>
-    <dgm:style>
-      <a:lnRef idx="2">
-        <a:scrgbClr r="0" g="0" b="0"/>
-      </a:lnRef>
-      <a:fillRef idx="1">
-        <a:scrgbClr r="0" g="0" b="0"/>
-      </a:fillRef>
-      <a:effectRef idx="0">
-        <a:scrgbClr r="0" g="0" b="0"/>
-      </a:effectRef>
-      <a:fontRef idx="minor">
-        <a:schemeClr val="lt1"/>
-      </a:fontRef>
-    </dgm:style>
-  </dgm:styleLbl>
-  <dgm:styleLbl name="asst4">
-    <dgm:scene3d>
-      <a:camera prst="orthographicFront"/>
-      <a:lightRig rig="threePt" dir="t"/>
-    </dgm:scene3d>
-    <dgm:sp3d/>
-    <dgm:txPr/>
-    <dgm:style>
-      <a:lnRef idx="2">
-        <a:scrgbClr r="0" g="0" b="0"/>
-      </a:lnRef>
-      <a:fillRef idx="1">
-        <a:scrgbClr r="0" g="0" b="0"/>
-      </a:fillRef>
-      <a:effectRef idx="0">
-        <a:scrgbClr r="0" g="0" b="0"/>
-      </a:effectRef>
-      <a:fontRef idx="minor">
-        <a:schemeClr val="lt1"/>
-      </a:fontRef>
-    </dgm:style>
-  </dgm:styleLbl>
-  <dgm:styleLbl name="parChTrans2D1">
-    <dgm:scene3d>
-      <a:camera prst="orthographicFront"/>
-      <a:lightRig rig="threePt" dir="t"/>
-    </dgm:scene3d>
-    <dgm:sp3d/>
-    <dgm:txPr/>
-    <dgm:style>
-      <a:lnRef idx="2">
-        <a:scrgbClr r="0" g="0" b="0"/>
-      </a:lnRef>
-      <a:fillRef idx="1">
-        <a:scrgbClr r="0" g="0" b="0"/>
-      </a:fillRef>
-      <a:effectRef idx="0">
-        <a:scrgbClr r="0" g="0" b="0"/>
-      </a:effectRef>
-      <a:fontRef idx="minor">
-        <a:schemeClr val="lt1"/>
-      </a:fontRef>
-    </dgm:style>
-  </dgm:styleLbl>
-  <dgm:styleLbl name="parChTrans2D2">
-    <dgm:scene3d>
-      <a:camera prst="orthographicFront"/>
-      <a:lightRig rig="threePt" dir="t"/>
-    </dgm:scene3d>
-    <dgm:sp3d/>
-    <dgm:txPr/>
-    <dgm:style>
-      <a:lnRef idx="2">
-        <a:scrgbClr r="0" g="0" b="0"/>
-      </a:lnRef>
-      <a:fillRef idx="1">
-        <a:scrgbClr r="0" g="0" b="0"/>
-      </a:fillRef>
-      <a:effectRef idx="0">
-        <a:scrgbClr r="0" g="0" b="0"/>
-      </a:effectRef>
-      <a:fontRef idx="minor">
-        <a:schemeClr val="lt1"/>
-      </a:fontRef>
-    </dgm:style>
-  </dgm:styleLbl>
-  <dgm:styleLbl name="parChTrans2D3">
-    <dgm:scene3d>
-      <a:camera prst="orthographicFront"/>
-      <a:lightRig rig="threePt" dir="t"/>
-    </dgm:scene3d>
-    <dgm:sp3d/>
-    <dgm:txPr/>
-    <dgm:style>
-      <a:lnRef idx="2">
-        <a:scrgbClr r="0" g="0" b="0"/>
-      </a:lnRef>
-      <a:fillRef idx="1">
-        <a:scrgbClr r="0" g="0" b="0"/>
-      </a:fillRef>
-      <a:effectRef idx="0">
-        <a:scrgbClr r="0" g="0" b="0"/>
-      </a:effectRef>
-      <a:fontRef idx="minor">
-        <a:schemeClr val="lt1"/>
-      </a:fontRef>
-    </dgm:style>
-  </dgm:styleLbl>
-  <dgm:styleLbl name="parChTrans2D4">
-    <dgm:scene3d>
-      <a:camera prst="orthographicFront"/>
-      <a:lightRig rig="threePt" dir="t"/>
-    </dgm:scene3d>
-    <dgm:sp3d/>
-    <dgm:txPr/>
-    <dgm:style>
-      <a:lnRef idx="2">
-        <a:scrgbClr r="0" g="0" b="0"/>
-      </a:lnRef>
-      <a:fillRef idx="1">
-        <a:scrgbClr r="0" g="0" b="0"/>
-      </a:fillRef>
-      <a:effectRef idx="0">
-        <a:scrgbClr r="0" g="0" b="0"/>
-      </a:effectRef>
-      <a:fontRef idx="minor">
-        <a:schemeClr val="lt1"/>
-      </a:fontRef>
-    </dgm:style>
-  </dgm:styleLbl>
-  <dgm:styleLbl name="parChTrans1D1">
-    <dgm:scene3d>
-      <a:camera prst="orthographicFront"/>
-      <a:lightRig rig="threePt" dir="t"/>
-    </dgm:scene3d>
-    <dgm:sp3d/>
-    <dgm:txPr/>
-    <dgm:style>
-      <a:lnRef idx="2">
-        <a:scrgbClr r="0" g="0" b="0"/>
-      </a:lnRef>
-      <a:fillRef idx="0">
-        <a:scrgbClr r="0" g="0" b="0"/>
-      </a:fillRef>
-      <a:effectRef idx="0">
-        <a:scrgbClr r="0" g="0" b="0"/>
-      </a:effectRef>
-      <a:fontRef idx="minor"/>
-    </dgm:style>
-  </dgm:styleLbl>
-  <dgm:styleLbl name="parChTrans1D2">
-    <dgm:scene3d>
-      <a:camera prst="orthographicFront"/>
-      <a:lightRig rig="threePt" dir="t"/>
-    </dgm:scene3d>
-    <dgm:sp3d/>
-    <dgm:txPr/>
-    <dgm:style>
-      <a:lnRef idx="2">
-        <a:scrgbClr r="0" g="0" b="0"/>
-      </a:lnRef>
-      <a:fillRef idx="0">
-        <a:scrgbClr r="0" g="0" b="0"/>
-      </a:fillRef>
-      <a:effectRef idx="0">
-        <a:scrgbClr r="0" g="0" b="0"/>
-      </a:effectRef>
-      <a:fontRef idx="minor"/>
-    </dgm:style>
-  </dgm:styleLbl>
-  <dgm:styleLbl name="parChTrans1D3">
-    <dgm:scene3d>
-      <a:camera prst="orthographicFront"/>
-      <a:lightRig rig="threePt" dir="t"/>
-    </dgm:scene3d>
-    <dgm:sp3d/>
-    <dgm:txPr/>
-    <dgm:style>
-      <a:lnRef idx="2">
-        <a:scrgbClr r="0" g="0" b="0"/>
-      </a:lnRef>
-      <a:fillRef idx="0">
-        <a:scrgbClr r="0" g="0" b="0"/>
-      </a:fillRef>
-      <a:effectRef idx="0">
-        <a:scrgbClr r="0" g="0" b="0"/>
-      </a:effectRef>
-      <a:fontRef idx="minor"/>
-    </dgm:style>
-  </dgm:styleLbl>
-  <dgm:styleLbl name="parChTrans1D4">
-    <dgm:scene3d>
-      <a:camera prst="orthographicFront"/>
-      <a:lightRig rig="threePt" dir="t"/>
-    </dgm:scene3d>
-    <dgm:sp3d/>
-    <dgm:txPr/>
-    <dgm:style>
-      <a:lnRef idx="2">
-        <a:scrgbClr r="0" g="0" b="0"/>
-      </a:lnRef>
-      <a:fillRef idx="0">
-        <a:scrgbClr r="0" g="0" b="0"/>
-      </a:fillRef>
-      <a:effectRef idx="0">
-        <a:scrgbClr r="0" g="0" b="0"/>
-      </a:effectRef>
-      <a:fontRef idx="minor"/>
-    </dgm:style>
-  </dgm:styleLbl>
-  <dgm:styleLbl name="fgAcc1">
-    <dgm:scene3d>
-      <a:camera prst="orthographicFront"/>
-      <a:lightRig rig="threePt" dir="t"/>
-    </dgm:scene3d>
-    <dgm:sp3d/>
-    <dgm:txPr/>
-    <dgm:style>
-      <a:lnRef idx="2">
-        <a:scrgbClr r="0" g="0" b="0"/>
-      </a:lnRef>
-      <a:fillRef idx="1">
-        <a:scrgbClr r="0" g="0" b="0"/>
-      </a:fillRef>
-      <a:effectRef idx="0">
-        <a:scrgbClr r="0" g="0" b="0"/>
-      </a:effectRef>
-      <a:fontRef idx="minor"/>
-    </dgm:style>
-  </dgm:styleLbl>
-  <dgm:styleLbl name="conFgAcc1">
-    <dgm:scene3d>
-      <a:camera prst="orthographicFront"/>
-      <a:lightRig rig="threePt" dir="t"/>
-    </dgm:scene3d>
-    <dgm:sp3d/>
-    <dgm:txPr/>
-    <dgm:style>
-      <a:lnRef idx="2">
-        <a:scrgbClr r="0" g="0" b="0"/>
-      </a:lnRef>
-      <a:fillRef idx="1">
-        <a:scrgbClr r="0" g="0" b="0"/>
-      </a:fillRef>
-      <a:effectRef idx="0">
-        <a:scrgbClr r="0" g="0" b="0"/>
-      </a:effectRef>
-      <a:fontRef idx="minor"/>
-    </dgm:style>
-  </dgm:styleLbl>
-  <dgm:styleLbl name="alignAcc1">
-    <dgm:scene3d>
-      <a:camera prst="orthographicFront"/>
-      <a:lightRig rig="threePt" dir="t"/>
-    </dgm:scene3d>
-    <dgm:sp3d/>
-    <dgm:txPr/>
-    <dgm:style>
-      <a:lnRef idx="2">
-        <a:scrgbClr r="0" g="0" b="0"/>
-      </a:lnRef>
-      <a:fillRef idx="1">
-        <a:scrgbClr r="0" g="0" b="0"/>
-      </a:fillRef>
-      <a:effectRef idx="0">
-        <a:scrgbClr r="0" g="0" b="0"/>
-      </a:effectRef>
-      <a:fontRef idx="minor"/>
-    </dgm:style>
-  </dgm:styleLbl>
-  <dgm:styleLbl name="trAlignAcc1">
-    <dgm:scene3d>
-      <a:camera prst="orthographicFront"/>
-      <a:lightRig rig="threePt" dir="t"/>
-    </dgm:scene3d>
-    <dgm:sp3d/>
-    <dgm:txPr/>
-    <dgm:style>
-      <a:lnRef idx="1">
-        <a:scrgbClr r="0" g="0" b="0"/>
-      </a:lnRef>
-      <a:fillRef idx="1">
-        <a:scrgbClr r="0" g="0" b="0"/>
-      </a:fillRef>
-      <a:effectRef idx="0">
-        <a:scrgbClr r="0" g="0" b="0"/>
-      </a:effectRef>
-      <a:fontRef idx="minor"/>
-    </dgm:style>
-  </dgm:styleLbl>
-  <dgm:styleLbl name="bgAcc1">
-    <dgm:scene3d>
-      <a:camera prst="orthographicFront"/>
-      <a:lightRig rig="threePt" dir="t"/>
-    </dgm:scene3d>
-    <dgm:sp3d/>
-    <dgm:txPr/>
-    <dgm:style>
-      <a:lnRef idx="2">
-        <a:scrgbClr r="0" g="0" b="0"/>
-      </a:lnRef>
-      <a:fillRef idx="1">
-        <a:scrgbClr r="0" g="0" b="0"/>
-      </a:fillRef>
-      <a:effectRef idx="0">
-        <a:scrgbClr r="0" g="0" b="0"/>
-      </a:effectRef>
-      <a:fontRef idx="minor"/>
-    </dgm:style>
-  </dgm:styleLbl>
-  <dgm:styleLbl name="solidFgAcc1">
-    <dgm:scene3d>
-      <a:camera prst="orthographicFront"/>
-      <a:lightRig rig="threePt" dir="t"/>
-    </dgm:scene3d>
-    <dgm:sp3d/>
-    <dgm:txPr/>
-    <dgm:style>
-      <a:lnRef idx="2">
-        <a:scrgbClr r="0" g="0" b="0"/>
-      </a:lnRef>
-      <a:fillRef idx="1">
-        <a:scrgbClr r="0" g="0" b="0"/>
-      </a:fillRef>
-      <a:effectRef idx="0">
-        <a:scrgbClr r="0" g="0" b="0"/>
-      </a:effectRef>
-      <a:fontRef idx="minor"/>
-    </dgm:style>
-  </dgm:styleLbl>
-  <dgm:styleLbl name="solidAlignAcc1">
-    <dgm:scene3d>
-      <a:camera prst="orthographicFront"/>
-      <a:lightRig rig="threePt" dir="t"/>
-    </dgm:scene3d>
-    <dgm:sp3d/>
-    <dgm:txPr/>
-    <dgm:style>
-      <a:lnRef idx="2">
-        <a:scrgbClr r="0" g="0" b="0"/>
-      </a:lnRef>
-      <a:fillRef idx="1">
-        <a:scrgbClr r="0" g="0" b="0"/>
-      </a:fillRef>
-      <a:effectRef idx="0">
-        <a:scrgbClr r="0" g="0" b="0"/>
-      </a:effectRef>
-      <a:fontRef idx="minor"/>
-    </dgm:style>
-  </dgm:styleLbl>
-  <dgm:styleLbl name="solidBgAcc1">
-    <dgm:scene3d>
-      <a:camera prst="orthographicFront"/>
-      <a:lightRig rig="threePt" dir="t"/>
-    </dgm:scene3d>
-    <dgm:sp3d/>
-    <dgm:txPr/>
-    <dgm:style>
-      <a:lnRef idx="2">
-        <a:scrgbClr r="0" g="0" b="0"/>
-      </a:lnRef>
-      <a:fillRef idx="1">
-        <a:scrgbClr r="0" g="0" b="0"/>
-      </a:fillRef>
-      <a:effectRef idx="0">
-        <a:scrgbClr r="0" g="0" b="0"/>
-      </a:effectRef>
-      <a:fontRef idx="minor"/>
-    </dgm:style>
-  </dgm:styleLbl>
-  <dgm:styleLbl name="fgAccFollowNode1">
-    <dgm:scene3d>
-      <a:camera prst="orthographicFront"/>
-      <a:lightRig rig="threePt" dir="t"/>
-    </dgm:scene3d>
-    <dgm:sp3d/>
-    <dgm:txPr/>
-    <dgm:style>
-      <a:lnRef idx="2">
-        <a:scrgbClr r="0" g="0" b="0"/>
-      </a:lnRef>
-      <a:fillRef idx="1">
-        <a:scrgbClr r="0" g="0" b="0"/>
-      </a:fillRef>
-      <a:effectRef idx="0">
-        <a:scrgbClr r="0" g="0" b="0"/>
-      </a:effectRef>
-      <a:fontRef idx="minor"/>
-    </dgm:style>
-  </dgm:styleLbl>
-  <dgm:styleLbl name="alignAccFollowNode1">
-    <dgm:scene3d>
-      <a:camera prst="orthographicFront"/>
-      <a:lightRig rig="threePt" dir="t"/>
-    </dgm:scene3d>
-    <dgm:sp3d/>
-    <dgm:txPr/>
-    <dgm:style>
-      <a:lnRef idx="2">
-        <a:scrgbClr r="0" g="0" b="0"/>
-      </a:lnRef>
-      <a:fillRef idx="1">
-        <a:scrgbClr r="0" g="0" b="0"/>
-      </a:fillRef>
-      <a:effectRef idx="0">
-        <a:scrgbClr r="0" g="0" b="0"/>
-      </a:effectRef>
-      <a:fontRef idx="minor"/>
-    </dgm:style>
-  </dgm:styleLbl>
-  <dgm:styleLbl name="bgAccFollowNode1">
-    <dgm:scene3d>
-      <a:camera prst="orthographicFront"/>
-      <a:lightRig rig="threePt" dir="t"/>
-    </dgm:scene3d>
-    <dgm:sp3d/>
-    <dgm:txPr/>
-    <dgm:style>
-      <a:lnRef idx="2">
-        <a:scrgbClr r="0" g="0" b="0"/>
-      </a:lnRef>
-      <a:fillRef idx="1">
-        <a:scrgbClr r="0" g="0" b="0"/>
-      </a:fillRef>
-      <a:effectRef idx="0">
-        <a:scrgbClr r="0" g="0" b="0"/>
-      </a:effectRef>
-      <a:fontRef idx="minor"/>
-    </dgm:style>
-  </dgm:styleLbl>
-  <dgm:styleLbl name="fgAcc0">
-    <dgm:scene3d>
-      <a:camera prst="orthographicFront"/>
-      <a:lightRig rig="threePt" dir="t"/>
-    </dgm:scene3d>
-    <dgm:sp3d/>
-    <dgm:txPr/>
-    <dgm:style>
-      <a:lnRef idx="2">
-        <a:scrgbClr r="0" g="0" b="0"/>
-      </a:lnRef>
-      <a:fillRef idx="1">
-        <a:scrgbClr r="0" g="0" b="0"/>
-      </a:fillRef>
-      <a:effectRef idx="0">
-        <a:scrgbClr r="0" g="0" b="0"/>
-      </a:effectRef>
-      <a:fontRef idx="minor"/>
-    </dgm:style>
-  </dgm:styleLbl>
-  <dgm:styleLbl name="fgAcc2">
-    <dgm:scene3d>
-      <a:camera prst="orthographicFront"/>
-      <a:lightRig rig="threePt" dir="t"/>
-    </dgm:scene3d>
-    <dgm:sp3d/>
-    <dgm:txPr/>
-    <dgm:style>
-      <a:lnRef idx="2">
-        <a:scrgbClr r="0" g="0" b="0"/>
-      </a:lnRef>
-      <a:fillRef idx="1">
-        <a:scrgbClr r="0" g="0" b="0"/>
-      </a:fillRef>
-      <a:effectRef idx="0">
-        <a:scrgbClr r="0" g="0" b="0"/>
-      </a:effectRef>
-      <a:fontRef idx="minor"/>
-    </dgm:style>
-  </dgm:styleLbl>
-  <dgm:styleLbl name="fgAcc3">
-    <dgm:scene3d>
-      <a:camera prst="orthographicFront"/>
-      <a:lightRig rig="threePt" dir="t"/>
-    </dgm:scene3d>
-    <dgm:sp3d/>
-    <dgm:txPr/>
-    <dgm:style>
-      <a:lnRef idx="2">
-        <a:scrgbClr r="0" g="0" b="0"/>
-      </a:lnRef>
-      <a:fillRef idx="1">
-        <a:scrgbClr r="0" g="0" b="0"/>
-      </a:fillRef>
-      <a:effectRef idx="0">
-        <a:scrgbClr r="0" g="0" b="0"/>
-      </a:effectRef>
-      <a:fontRef idx="minor"/>
-    </dgm:style>
-  </dgm:styleLbl>
-  <dgm:styleLbl name="fgAcc4">
-    <dgm:scene3d>
-      <a:camera prst="orthographicFront"/>
-      <a:lightRig rig="threePt" dir="t"/>
-    </dgm:scene3d>
-    <dgm:sp3d/>
-    <dgm:txPr/>
-    <dgm:style>
-      <a:lnRef idx="2">
-        <a:scrgbClr r="0" g="0" b="0"/>
-      </a:lnRef>
-      <a:fillRef idx="1">
-        <a:scrgbClr r="0" g="0" b="0"/>
-      </a:fillRef>
-      <a:effectRef idx="0">
-        <a:scrgbClr r="0" g="0" b="0"/>
-      </a:effectRef>
-      <a:fontRef idx="minor"/>
-    </dgm:style>
-  </dgm:styleLbl>
-  <dgm:styleLbl name="bgShp">
-    <dgm:scene3d>
-      <a:camera prst="orthographicFront"/>
-      <a:lightRig rig="threePt" dir="t"/>
-    </dgm:scene3d>
-    <dgm:sp3d/>
-    <dgm:txPr/>
-    <dgm:style>
-      <a:lnRef idx="0">
-        <a:scrgbClr r="0" g="0" b="0"/>
-      </a:lnRef>
-      <a:fillRef idx="1">
-        <a:scrgbClr r="0" g="0" b="0"/>
-      </a:fillRef>
-      <a:effectRef idx="0">
-        <a:scrgbClr r="0" g="0" b="0"/>
-      </a:effectRef>
-      <a:fontRef idx="minor"/>
-    </dgm:style>
-  </dgm:styleLbl>
-  <dgm:styleLbl name="dkBgShp">
-    <dgm:scene3d>
-      <a:camera prst="orthographicFront"/>
-      <a:lightRig rig="threePt" dir="t"/>
-    </dgm:scene3d>
-    <dgm:sp3d/>
-    <dgm:txPr/>
-    <dgm:style>
-      <a:lnRef idx="0">
-        <a:scrgbClr r="0" g="0" b="0"/>
-      </a:lnRef>
-      <a:fillRef idx="1">
-        <a:scrgbClr r="0" g="0" b="0"/>
-      </a:fillRef>
-      <a:effectRef idx="0">
-        <a:scrgbClr r="0" g="0" b="0"/>
-      </a:effectRef>
-      <a:fontRef idx="minor"/>
-    </dgm:style>
-  </dgm:styleLbl>
-  <dgm:styleLbl name="trBgShp">
-    <dgm:scene3d>
-      <a:camera prst="orthographicFront"/>
-      <a:lightRig rig="threePt" dir="t"/>
-    </dgm:scene3d>
-    <dgm:sp3d/>
-    <dgm:txPr/>
-    <dgm:style>
-      <a:lnRef idx="0">
-        <a:scrgbClr r="0" g="0" b="0"/>
-      </a:lnRef>
-      <a:fillRef idx="1">
-        <a:scrgbClr r="0" g="0" b="0"/>
-      </a:fillRef>
-      <a:effectRef idx="0">
-        <a:scrgbClr r="0" g="0" b="0"/>
-      </a:effectRef>
-      <a:fontRef idx="minor"/>
-    </dgm:style>
-  </dgm:styleLbl>
-  <dgm:styleLbl name="fgShp">
-    <dgm:scene3d>
-      <a:camera prst="orthographicFront"/>
-      <a:lightRig rig="threePt" dir="t"/>
-    </dgm:scene3d>
-    <dgm:sp3d/>
-    <dgm:txPr/>
-    <dgm:style>
-      <a:lnRef idx="2">
-        <a:scrgbClr r="0" g="0" b="0"/>
-      </a:lnRef>
-      <a:fillRef idx="1">
-        <a:scrgbClr r="0" g="0" b="0"/>
-      </a:fillRef>
-      <a:effectRef idx="0">
-        <a:scrgbClr r="0" g="0" b="0"/>
-      </a:effectRef>
-      <a:fontRef idx="minor"/>
-    </dgm:style>
-  </dgm:styleLbl>
-  <dgm:styleLbl name="revTx">
-    <dgm:scene3d>
-      <a:camera prst="orthographicFront"/>
-      <a:lightRig rig="threePt" dir="t"/>
-    </dgm:scene3d>
-    <dgm:sp3d/>
-    <dgm:txPr/>
-    <dgm:style>
-      <a:lnRef idx="0">
-        <a:scrgbClr r="0" g="0" b="0"/>
-      </a:lnRef>
-      <a:fillRef idx="0">
-        <a:scrgbClr r="0" g="0" b="0"/>
-      </a:fillRef>
-      <a:effectRef idx="0">
-        <a:scrgbClr r="0" g="0" b="0"/>
-      </a:effectRef>
-      <a:fontRef idx="minor"/>
-    </dgm:style>
-  </dgm:styleLbl>
-</dgm:styleDef>
-</file>
-
 <file path=ppt/slideLayouts/slideLayout1.xml><?xml version="1.0" encoding="utf-8"?>
 <p:sldLayout xmlns:a="http://schemas.openxmlformats.org/drawingml/2006/main" xmlns:r="http://schemas.openxmlformats.org/officeDocument/2006/relationships" xmlns:p="http://schemas.openxmlformats.org/presentationml/2006/main" type="title" preserve="1">
   <p:cSld name="Title Slide">
@@ -12239,7 +5766,7 @@
           <a:p>
             <a:fld id="{5BCAD085-E8A6-8845-BD4E-CB4CCA059FC4}" type="datetimeFigureOut">
               <a:rPr lang="en-US" smtClean="0"/>
-              <a:t>4/21/2025</a:t>
+              <a:t>4/22/2025</a:t>
             </a:fld>
             <a:endParaRPr lang="en-US"/>
           </a:p>
@@ -12407,7 +5934,7 @@
           <a:p>
             <a:fld id="{5BCAD085-E8A6-8845-BD4E-CB4CCA059FC4}" type="datetimeFigureOut">
               <a:rPr lang="en-US" smtClean="0"/>
-              <a:t>4/21/2025</a:t>
+              <a:t>4/22/2025</a:t>
             </a:fld>
             <a:endParaRPr lang="en-US"/>
           </a:p>
@@ -12585,7 +6112,7 @@
           <a:p>
             <a:fld id="{5BCAD085-E8A6-8845-BD4E-CB4CCA059FC4}" type="datetimeFigureOut">
               <a:rPr lang="en-US" smtClean="0"/>
-              <a:t>4/21/2025</a:t>
+              <a:t>4/22/2025</a:t>
             </a:fld>
             <a:endParaRPr lang="en-US"/>
           </a:p>
@@ -12753,7 +6280,7 @@
           <a:p>
             <a:fld id="{5BCAD085-E8A6-8845-BD4E-CB4CCA059FC4}" type="datetimeFigureOut">
               <a:rPr lang="en-US" smtClean="0"/>
-              <a:t>4/21/2025</a:t>
+              <a:t>4/22/2025</a:t>
             </a:fld>
             <a:endParaRPr lang="en-US"/>
           </a:p>
@@ -12998,7 +6525,7 @@
           <a:p>
             <a:fld id="{5BCAD085-E8A6-8845-BD4E-CB4CCA059FC4}" type="datetimeFigureOut">
               <a:rPr lang="en-US" smtClean="0"/>
-              <a:t>4/21/2025</a:t>
+              <a:t>4/22/2025</a:t>
             </a:fld>
             <a:endParaRPr lang="en-US"/>
           </a:p>
@@ -13283,7 +6810,7 @@
           <a:p>
             <a:fld id="{5BCAD085-E8A6-8845-BD4E-CB4CCA059FC4}" type="datetimeFigureOut">
               <a:rPr lang="en-US" smtClean="0"/>
-              <a:t>4/21/2025</a:t>
+              <a:t>4/22/2025</a:t>
             </a:fld>
             <a:endParaRPr lang="en-US"/>
           </a:p>
@@ -13702,7 +7229,7 @@
           <a:p>
             <a:fld id="{5BCAD085-E8A6-8845-BD4E-CB4CCA059FC4}" type="datetimeFigureOut">
               <a:rPr lang="en-US" smtClean="0"/>
-              <a:t>4/21/2025</a:t>
+              <a:t>4/22/2025</a:t>
             </a:fld>
             <a:endParaRPr lang="en-US"/>
           </a:p>
@@ -13819,7 +7346,7 @@
           <a:p>
             <a:fld id="{5BCAD085-E8A6-8845-BD4E-CB4CCA059FC4}" type="datetimeFigureOut">
               <a:rPr lang="en-US" smtClean="0"/>
-              <a:t>4/21/2025</a:t>
+              <a:t>4/22/2025</a:t>
             </a:fld>
             <a:endParaRPr lang="en-US"/>
           </a:p>
@@ -13914,7 +7441,7 @@
           <a:p>
             <a:fld id="{5BCAD085-E8A6-8845-BD4E-CB4CCA059FC4}" type="datetimeFigureOut">
               <a:rPr lang="en-US" smtClean="0"/>
-              <a:t>4/21/2025</a:t>
+              <a:t>4/22/2025</a:t>
             </a:fld>
             <a:endParaRPr lang="en-US"/>
           </a:p>
@@ -14189,7 +7716,7 @@
           <a:p>
             <a:fld id="{5BCAD085-E8A6-8845-BD4E-CB4CCA059FC4}" type="datetimeFigureOut">
               <a:rPr lang="en-US" smtClean="0"/>
-              <a:t>4/21/2025</a:t>
+              <a:t>4/22/2025</a:t>
             </a:fld>
             <a:endParaRPr lang="en-US"/>
           </a:p>
@@ -14441,7 +7968,7 @@
           <a:p>
             <a:fld id="{5BCAD085-E8A6-8845-BD4E-CB4CCA059FC4}" type="datetimeFigureOut">
               <a:rPr lang="en-US" smtClean="0"/>
-              <a:t>4/21/2025</a:t>
+              <a:t>4/22/2025</a:t>
             </a:fld>
             <a:endParaRPr lang="en-US"/>
           </a:p>
@@ -14652,7 +8179,7 @@
           <a:p>
             <a:fld id="{5BCAD085-E8A6-8845-BD4E-CB4CCA059FC4}" type="datetimeFigureOut">
               <a:rPr lang="en-US" smtClean="0"/>
-              <a:t>4/21/2025</a:t>
+              <a:t>4/22/2025</a:t>
             </a:fld>
             <a:endParaRPr lang="en-US"/>
           </a:p>
@@ -15243,550 +8770,24 @@
           <a:lstStyle/>
           <a:p>
             <a:r>
-              <a:rPr lang="en-US" sz="1700"/>
+              <a:rPr lang="en-US" sz="1700" dirty="0"/>
               <a:t>Technical Stock Analysis &amp; Strategy Simulation Desktop App</a:t>
             </a:r>
           </a:p>
           <a:p>
             <a:r>
-              <a:rPr lang="en-US" sz="1700"/>
-              <a:t>Built with Python &amp; PyQt5</a:t>
+              <a:rPr lang="en-US" sz="1700" dirty="0"/>
+              <a:t>Built with Python, PyQt5, and more.</a:t>
             </a:r>
           </a:p>
           <a:p>
             <a:r>
-              <a:rPr lang="en-US" sz="1700"/>
-              <a:t>By Abdulmajeed Almaweri, Sami, and Almo</a:t>
+              <a:rPr lang="en-US" sz="1700" dirty="0"/>
+              <a:t>By Abdulmajeed Almaweri, Sami, and Almoatasam Alkatabi</a:t>
             </a:r>
           </a:p>
         </p:txBody>
       </p:sp>
-    </p:spTree>
-  </p:cSld>
-  <p:clrMapOvr>
-    <a:masterClrMapping/>
-  </p:clrMapOvr>
-</p:sld>
-</file>
-
-<file path=ppt/slides/slide10.xml><?xml version="1.0" encoding="utf-8"?>
-<p:sld xmlns:a="http://schemas.openxmlformats.org/drawingml/2006/main" xmlns:r="http://schemas.openxmlformats.org/officeDocument/2006/relationships" xmlns:p="http://schemas.openxmlformats.org/presentationml/2006/main">
-  <p:cSld>
-    <p:bg>
-      <p:bgPr>
-        <a:solidFill>
-          <a:schemeClr val="bg1"/>
-        </a:solidFill>
-        <a:effectLst/>
-      </p:bgPr>
-    </p:bg>
-    <p:spTree>
-      <p:nvGrpSpPr>
-        <p:cNvPr id="1" name=""/>
-        <p:cNvGrpSpPr/>
-        <p:nvPr/>
-      </p:nvGrpSpPr>
-      <p:grpSpPr>
-        <a:xfrm>
-          <a:off x="0" y="0"/>
-          <a:ext cx="0" cy="0"/>
-          <a:chOff x="0" y="0"/>
-          <a:chExt cx="0" cy="0"/>
-        </a:xfrm>
-      </p:grpSpPr>
-      <p:sp useBgFill="1">
-        <p:nvSpPr>
-          <p:cNvPr id="9" name="Rectangle 8">
-            <a:extLst>
-              <a:ext uri="{FF2B5EF4-FFF2-40B4-BE49-F238E27FC236}">
-                <a16:creationId xmlns:a16="http://schemas.microsoft.com/office/drawing/2014/main" id="{2E442304-DDBD-4F7B-8017-36BCC863FB40}"/>
-              </a:ext>
-              <a:ext uri="{C183D7F6-B498-43B3-948B-1728B52AA6E4}">
-                <adec:decorative xmlns:adec="http://schemas.microsoft.com/office/drawing/2017/decorative" val="1"/>
-              </a:ext>
-            </a:extLst>
-          </p:cNvPr>
-          <p:cNvSpPr>
-            <a:spLocks noGrp="1" noRot="1" noChangeAspect="1" noMove="1" noResize="1" noEditPoints="1" noAdjustHandles="1" noChangeArrowheads="1" noChangeShapeType="1" noTextEdit="1"/>
-          </p:cNvSpPr>
-          <p:nvPr>
-            <p:extLst>
-              <p:ext uri="{386F3935-93C4-4BCD-93E2-E3B085C9AB24}">
-                <p16:designElem xmlns:p16="http://schemas.microsoft.com/office/powerpoint/2015/main" val="1"/>
-              </p:ext>
-            </p:extLst>
-          </p:nvPr>
-        </p:nvSpPr>
-        <p:spPr>
-          <a:xfrm>
-            <a:off x="0" y="0"/>
-            <a:ext cx="9141714" cy="6858000"/>
-          </a:xfrm>
-          <a:prstGeom prst="rect">
-            <a:avLst/>
-          </a:prstGeom>
-          <a:ln>
-            <a:noFill/>
-          </a:ln>
-        </p:spPr>
-        <p:style>
-          <a:lnRef idx="2">
-            <a:schemeClr val="accent1">
-              <a:shade val="50000"/>
-            </a:schemeClr>
-          </a:lnRef>
-          <a:fillRef idx="1">
-            <a:schemeClr val="accent1"/>
-          </a:fillRef>
-          <a:effectRef idx="0">
-            <a:schemeClr val="accent1"/>
-          </a:effectRef>
-          <a:fontRef idx="minor">
-            <a:schemeClr val="lt1"/>
-          </a:fontRef>
-        </p:style>
-        <p:txBody>
-          <a:bodyPr rtlCol="0" anchor="ctr"/>
-          <a:lstStyle/>
-          <a:p>
-            <a:pPr algn="ctr"/>
-            <a:endParaRPr lang="en-US"/>
-          </a:p>
-        </p:txBody>
-      </p:sp>
-      <p:sp>
-        <p:nvSpPr>
-          <p:cNvPr id="2" name="Title 1"/>
-          <p:cNvSpPr>
-            <a:spLocks noGrp="1"/>
-          </p:cNvSpPr>
-          <p:nvPr>
-            <p:ph type="title"/>
-          </p:nvPr>
-        </p:nvSpPr>
-        <p:spPr>
-          <a:xfrm>
-            <a:off x="476250" y="640823"/>
-            <a:ext cx="2563994" cy="5583148"/>
-          </a:xfrm>
-        </p:spPr>
-        <p:txBody>
-          <a:bodyPr anchor="ctr">
-            <a:normAutofit/>
-          </a:bodyPr>
-          <a:lstStyle/>
-          <a:p>
-            <a:r>
-              <a:rPr lang="en-US" sz="4700"/>
-              <a:t>Team &amp; Credits</a:t>
-            </a:r>
-          </a:p>
-        </p:txBody>
-      </p:sp>
-      <p:sp>
-        <p:nvSpPr>
-          <p:cNvPr id="11" name="sketch line">
-            <a:extLst>
-              <a:ext uri="{FF2B5EF4-FFF2-40B4-BE49-F238E27FC236}">
-                <a16:creationId xmlns:a16="http://schemas.microsoft.com/office/drawing/2014/main" id="{5E107275-3853-46FD-A241-DE4355A42675}"/>
-              </a:ext>
-              <a:ext uri="{C183D7F6-B498-43B3-948B-1728B52AA6E4}">
-                <adec:decorative xmlns:adec="http://schemas.microsoft.com/office/drawing/2017/decorative" val="1"/>
-              </a:ext>
-            </a:extLst>
-          </p:cNvPr>
-          <p:cNvSpPr>
-            <a:spLocks noGrp="1" noRot="1" noChangeAspect="1" noMove="1" noResize="1" noEditPoints="1" noAdjustHandles="1" noChangeArrowheads="1" noChangeShapeType="1" noTextEdit="1"/>
-          </p:cNvSpPr>
-          <p:nvPr>
-            <p:extLst>
-              <p:ext uri="{386F3935-93C4-4BCD-93E2-E3B085C9AB24}">
-                <p16:designElem xmlns:p16="http://schemas.microsoft.com/office/powerpoint/2015/main" val="1"/>
-              </p:ext>
-            </p:extLst>
-          </p:nvPr>
-        </p:nvSpPr>
-        <p:spPr>
-          <a:xfrm rot="5400000">
-            <a:off x="544313" y="3465005"/>
-            <a:ext cx="5410200" cy="13716"/>
-          </a:xfrm>
-          <a:custGeom>
-            <a:avLst/>
-            <a:gdLst>
-              <a:gd name="connsiteX0" fmla="*/ 0 w 5410200"/>
-              <a:gd name="connsiteY0" fmla="*/ 0 h 13716"/>
-              <a:gd name="connsiteX1" fmla="*/ 568071 w 5410200"/>
-              <a:gd name="connsiteY1" fmla="*/ 0 h 13716"/>
-              <a:gd name="connsiteX2" fmla="*/ 1298448 w 5410200"/>
-              <a:gd name="connsiteY2" fmla="*/ 0 h 13716"/>
-              <a:gd name="connsiteX3" fmla="*/ 1920621 w 5410200"/>
-              <a:gd name="connsiteY3" fmla="*/ 0 h 13716"/>
-              <a:gd name="connsiteX4" fmla="*/ 2488692 w 5410200"/>
-              <a:gd name="connsiteY4" fmla="*/ 0 h 13716"/>
-              <a:gd name="connsiteX5" fmla="*/ 3219069 w 5410200"/>
-              <a:gd name="connsiteY5" fmla="*/ 0 h 13716"/>
-              <a:gd name="connsiteX6" fmla="*/ 3895344 w 5410200"/>
-              <a:gd name="connsiteY6" fmla="*/ 0 h 13716"/>
-              <a:gd name="connsiteX7" fmla="*/ 4571619 w 5410200"/>
-              <a:gd name="connsiteY7" fmla="*/ 0 h 13716"/>
-              <a:gd name="connsiteX8" fmla="*/ 5410200 w 5410200"/>
-              <a:gd name="connsiteY8" fmla="*/ 0 h 13716"/>
-              <a:gd name="connsiteX9" fmla="*/ 5410200 w 5410200"/>
-              <a:gd name="connsiteY9" fmla="*/ 13716 h 13716"/>
-              <a:gd name="connsiteX10" fmla="*/ 4842129 w 5410200"/>
-              <a:gd name="connsiteY10" fmla="*/ 13716 h 13716"/>
-              <a:gd name="connsiteX11" fmla="*/ 4328160 w 5410200"/>
-              <a:gd name="connsiteY11" fmla="*/ 13716 h 13716"/>
-              <a:gd name="connsiteX12" fmla="*/ 3597783 w 5410200"/>
-              <a:gd name="connsiteY12" fmla="*/ 13716 h 13716"/>
-              <a:gd name="connsiteX13" fmla="*/ 3029712 w 5410200"/>
-              <a:gd name="connsiteY13" fmla="*/ 13716 h 13716"/>
-              <a:gd name="connsiteX14" fmla="*/ 2299335 w 5410200"/>
-              <a:gd name="connsiteY14" fmla="*/ 13716 h 13716"/>
-              <a:gd name="connsiteX15" fmla="*/ 1514856 w 5410200"/>
-              <a:gd name="connsiteY15" fmla="*/ 13716 h 13716"/>
-              <a:gd name="connsiteX16" fmla="*/ 892683 w 5410200"/>
-              <a:gd name="connsiteY16" fmla="*/ 13716 h 13716"/>
-              <a:gd name="connsiteX17" fmla="*/ 0 w 5410200"/>
-              <a:gd name="connsiteY17" fmla="*/ 13716 h 13716"/>
-              <a:gd name="connsiteX18" fmla="*/ 0 w 5410200"/>
-              <a:gd name="connsiteY18" fmla="*/ 0 h 13716"/>
-            </a:gdLst>
-            <a:ahLst/>
-            <a:cxnLst>
-              <a:cxn ang="0">
-                <a:pos x="connsiteX0" y="connsiteY0"/>
-              </a:cxn>
-              <a:cxn ang="0">
-                <a:pos x="connsiteX1" y="connsiteY1"/>
-              </a:cxn>
-              <a:cxn ang="0">
-                <a:pos x="connsiteX2" y="connsiteY2"/>
-              </a:cxn>
-              <a:cxn ang="0">
-                <a:pos x="connsiteX3" y="connsiteY3"/>
-              </a:cxn>
-              <a:cxn ang="0">
-                <a:pos x="connsiteX4" y="connsiteY4"/>
-              </a:cxn>
-              <a:cxn ang="0">
-                <a:pos x="connsiteX5" y="connsiteY5"/>
-              </a:cxn>
-              <a:cxn ang="0">
-                <a:pos x="connsiteX6" y="connsiteY6"/>
-              </a:cxn>
-              <a:cxn ang="0">
-                <a:pos x="connsiteX7" y="connsiteY7"/>
-              </a:cxn>
-              <a:cxn ang="0">
-                <a:pos x="connsiteX8" y="connsiteY8"/>
-              </a:cxn>
-              <a:cxn ang="0">
-                <a:pos x="connsiteX9" y="connsiteY9"/>
-              </a:cxn>
-              <a:cxn ang="0">
-                <a:pos x="connsiteX10" y="connsiteY10"/>
-              </a:cxn>
-              <a:cxn ang="0">
-                <a:pos x="connsiteX11" y="connsiteY11"/>
-              </a:cxn>
-              <a:cxn ang="0">
-                <a:pos x="connsiteX12" y="connsiteY12"/>
-              </a:cxn>
-              <a:cxn ang="0">
-                <a:pos x="connsiteX13" y="connsiteY13"/>
-              </a:cxn>
-              <a:cxn ang="0">
-                <a:pos x="connsiteX14" y="connsiteY14"/>
-              </a:cxn>
-              <a:cxn ang="0">
-                <a:pos x="connsiteX15" y="connsiteY15"/>
-              </a:cxn>
-              <a:cxn ang="0">
-                <a:pos x="connsiteX16" y="connsiteY16"/>
-              </a:cxn>
-              <a:cxn ang="0">
-                <a:pos x="connsiteX17" y="connsiteY17"/>
-              </a:cxn>
-              <a:cxn ang="0">
-                <a:pos x="connsiteX18" y="connsiteY18"/>
-              </a:cxn>
-            </a:cxnLst>
-            <a:rect l="l" t="t" r="r" b="b"/>
-            <a:pathLst>
-              <a:path w="5410200" h="13716" fill="none" extrusionOk="0">
-                <a:moveTo>
-                  <a:pt x="0" y="0"/>
-                </a:moveTo>
-                <a:cubicBezTo>
-                  <a:pt x="163050" y="-18707"/>
-                  <a:pt x="319321" y="-16364"/>
-                  <a:pt x="568071" y="0"/>
-                </a:cubicBezTo>
-                <a:cubicBezTo>
-                  <a:pt x="816821" y="16364"/>
-                  <a:pt x="1013224" y="-7268"/>
-                  <a:pt x="1298448" y="0"/>
-                </a:cubicBezTo>
-                <a:cubicBezTo>
-                  <a:pt x="1583672" y="7268"/>
-                  <a:pt x="1631711" y="-3367"/>
-                  <a:pt x="1920621" y="0"/>
-                </a:cubicBezTo>
-                <a:cubicBezTo>
-                  <a:pt x="2209531" y="3367"/>
-                  <a:pt x="2364420" y="-19184"/>
-                  <a:pt x="2488692" y="0"/>
-                </a:cubicBezTo>
-                <a:cubicBezTo>
-                  <a:pt x="2612964" y="19184"/>
-                  <a:pt x="3023298" y="-34627"/>
-                  <a:pt x="3219069" y="0"/>
-                </a:cubicBezTo>
-                <a:cubicBezTo>
-                  <a:pt x="3414840" y="34627"/>
-                  <a:pt x="3656810" y="24043"/>
-                  <a:pt x="3895344" y="0"/>
-                </a:cubicBezTo>
-                <a:cubicBezTo>
-                  <a:pt x="4133879" y="-24043"/>
-                  <a:pt x="4393984" y="-19577"/>
-                  <a:pt x="4571619" y="0"/>
-                </a:cubicBezTo>
-                <a:cubicBezTo>
-                  <a:pt x="4749255" y="19577"/>
-                  <a:pt x="5179928" y="-6281"/>
-                  <a:pt x="5410200" y="0"/>
-                </a:cubicBezTo>
-                <a:cubicBezTo>
-                  <a:pt x="5409587" y="2854"/>
-                  <a:pt x="5409791" y="9451"/>
-                  <a:pt x="5410200" y="13716"/>
-                </a:cubicBezTo>
-                <a:cubicBezTo>
-                  <a:pt x="5139060" y="2179"/>
-                  <a:pt x="5121593" y="26463"/>
-                  <a:pt x="4842129" y="13716"/>
-                </a:cubicBezTo>
-                <a:cubicBezTo>
-                  <a:pt x="4562665" y="969"/>
-                  <a:pt x="4448273" y="4915"/>
-                  <a:pt x="4328160" y="13716"/>
-                </a:cubicBezTo>
-                <a:cubicBezTo>
-                  <a:pt x="4208047" y="22517"/>
-                  <a:pt x="3760936" y="17995"/>
-                  <a:pt x="3597783" y="13716"/>
-                </a:cubicBezTo>
-                <a:cubicBezTo>
-                  <a:pt x="3434630" y="9437"/>
-                  <a:pt x="3299718" y="28641"/>
-                  <a:pt x="3029712" y="13716"/>
-                </a:cubicBezTo>
-                <a:cubicBezTo>
-                  <a:pt x="2759706" y="-1209"/>
-                  <a:pt x="2640159" y="22822"/>
-                  <a:pt x="2299335" y="13716"/>
-                </a:cubicBezTo>
-                <a:cubicBezTo>
-                  <a:pt x="1958511" y="4610"/>
-                  <a:pt x="1801186" y="24413"/>
-                  <a:pt x="1514856" y="13716"/>
-                </a:cubicBezTo>
-                <a:cubicBezTo>
-                  <a:pt x="1228526" y="3019"/>
-                  <a:pt x="1063509" y="-9877"/>
-                  <a:pt x="892683" y="13716"/>
-                </a:cubicBezTo>
-                <a:cubicBezTo>
-                  <a:pt x="721857" y="37309"/>
-                  <a:pt x="186945" y="-25469"/>
-                  <a:pt x="0" y="13716"/>
-                </a:cubicBezTo>
-                <a:cubicBezTo>
-                  <a:pt x="-342" y="9537"/>
-                  <a:pt x="-97" y="6817"/>
-                  <a:pt x="0" y="0"/>
-                </a:cubicBezTo>
-                <a:close/>
-              </a:path>
-              <a:path w="5410200" h="13716" stroke="0" extrusionOk="0">
-                <a:moveTo>
-                  <a:pt x="0" y="0"/>
-                </a:moveTo>
-                <a:cubicBezTo>
-                  <a:pt x="285096" y="-4925"/>
-                  <a:pt x="376456" y="22268"/>
-                  <a:pt x="622173" y="0"/>
-                </a:cubicBezTo>
-                <a:cubicBezTo>
-                  <a:pt x="867890" y="-22268"/>
-                  <a:pt x="1031392" y="7228"/>
-                  <a:pt x="1136142" y="0"/>
-                </a:cubicBezTo>
-                <a:cubicBezTo>
-                  <a:pt x="1240892" y="-7228"/>
-                  <a:pt x="1561853" y="9877"/>
-                  <a:pt x="1920621" y="0"/>
-                </a:cubicBezTo>
-                <a:cubicBezTo>
-                  <a:pt x="2279389" y="-9877"/>
-                  <a:pt x="2367255" y="19546"/>
-                  <a:pt x="2542794" y="0"/>
-                </a:cubicBezTo>
-                <a:cubicBezTo>
-                  <a:pt x="2718333" y="-19546"/>
-                  <a:pt x="2866732" y="-22226"/>
-                  <a:pt x="3164967" y="0"/>
-                </a:cubicBezTo>
-                <a:cubicBezTo>
-                  <a:pt x="3463202" y="22226"/>
-                  <a:pt x="3568055" y="-2765"/>
-                  <a:pt x="3949446" y="0"/>
-                </a:cubicBezTo>
-                <a:cubicBezTo>
-                  <a:pt x="4330837" y="2765"/>
-                  <a:pt x="4287895" y="10557"/>
-                  <a:pt x="4517517" y="0"/>
-                </a:cubicBezTo>
-                <a:cubicBezTo>
-                  <a:pt x="4747139" y="-10557"/>
-                  <a:pt x="5149588" y="8716"/>
-                  <a:pt x="5410200" y="0"/>
-                </a:cubicBezTo>
-                <a:cubicBezTo>
-                  <a:pt x="5410660" y="2787"/>
-                  <a:pt x="5410166" y="9748"/>
-                  <a:pt x="5410200" y="13716"/>
-                </a:cubicBezTo>
-                <a:cubicBezTo>
-                  <a:pt x="5163327" y="36922"/>
-                  <a:pt x="5008749" y="6121"/>
-                  <a:pt x="4842129" y="13716"/>
-                </a:cubicBezTo>
-                <a:cubicBezTo>
-                  <a:pt x="4675509" y="21311"/>
-                  <a:pt x="4433401" y="-5187"/>
-                  <a:pt x="4165854" y="13716"/>
-                </a:cubicBezTo>
-                <a:cubicBezTo>
-                  <a:pt x="3898308" y="32619"/>
-                  <a:pt x="3809032" y="-13282"/>
-                  <a:pt x="3543681" y="13716"/>
-                </a:cubicBezTo>
-                <a:cubicBezTo>
-                  <a:pt x="3278330" y="40714"/>
-                  <a:pt x="3073876" y="-20489"/>
-                  <a:pt x="2759202" y="13716"/>
-                </a:cubicBezTo>
-                <a:cubicBezTo>
-                  <a:pt x="2444528" y="47921"/>
-                  <a:pt x="2204144" y="-1200"/>
-                  <a:pt x="1974723" y="13716"/>
-                </a:cubicBezTo>
-                <a:cubicBezTo>
-                  <a:pt x="1745302" y="28632"/>
-                  <a:pt x="1602335" y="26918"/>
-                  <a:pt x="1406652" y="13716"/>
-                </a:cubicBezTo>
-                <a:cubicBezTo>
-                  <a:pt x="1210969" y="514"/>
-                  <a:pt x="923948" y="-1411"/>
-                  <a:pt x="730377" y="13716"/>
-                </a:cubicBezTo>
-                <a:cubicBezTo>
-                  <a:pt x="536806" y="28843"/>
-                  <a:pt x="336496" y="-4713"/>
-                  <a:pt x="0" y="13716"/>
-                </a:cubicBezTo>
-                <a:cubicBezTo>
-                  <a:pt x="-535" y="9547"/>
-                  <a:pt x="488" y="4515"/>
-                  <a:pt x="0" y="0"/>
-                </a:cubicBezTo>
-                <a:close/>
-              </a:path>
-            </a:pathLst>
-          </a:custGeom>
-          <a:solidFill>
-            <a:schemeClr val="accent2"/>
-          </a:solidFill>
-          <a:ln w="41275" cap="rnd">
-            <a:solidFill>
-              <a:schemeClr val="accent2"/>
-            </a:solidFill>
-            <a:round/>
-            <a:extLst>
-              <a:ext uri="{C807C97D-BFC1-408E-A445-0C87EB9F89A2}">
-                <ask:lineSketchStyleProps xmlns:ask="http://schemas.microsoft.com/office/drawing/2018/sketchyshapes" sd="1219033472">
-                  <a:prstGeom prst="rect">
-                    <a:avLst/>
-                  </a:prstGeom>
-                  <ask:type>
-                    <ask:lineSketchFreehand/>
-                  </ask:type>
-                </ask:lineSketchStyleProps>
-              </a:ext>
-            </a:extLst>
-          </a:ln>
-        </p:spPr>
-        <p:style>
-          <a:lnRef idx="2">
-            <a:schemeClr val="accent1">
-              <a:shade val="50000"/>
-            </a:schemeClr>
-          </a:lnRef>
-          <a:fillRef idx="1">
-            <a:schemeClr val="accent1"/>
-          </a:fillRef>
-          <a:effectRef idx="0">
-            <a:schemeClr val="accent1"/>
-          </a:effectRef>
-          <a:fontRef idx="minor">
-            <a:schemeClr val="lt1"/>
-          </a:fontRef>
-        </p:style>
-        <p:txBody>
-          <a:bodyPr rtlCol="0" anchor="ctr"/>
-          <a:lstStyle/>
-          <a:p>
-            <a:pPr algn="ctr"/>
-            <a:endParaRPr lang="en-US"/>
-          </a:p>
-        </p:txBody>
-      </p:sp>
-      <p:graphicFrame>
-        <p:nvGraphicFramePr>
-          <p:cNvPr id="5" name="Content Placeholder 2">
-            <a:extLst>
-              <a:ext uri="{FF2B5EF4-FFF2-40B4-BE49-F238E27FC236}">
-                <a16:creationId xmlns:a16="http://schemas.microsoft.com/office/drawing/2014/main" id="{AC6AB5BC-D269-2C78-940C-267F1D694882}"/>
-              </a:ext>
-            </a:extLst>
-          </p:cNvPr>
-          <p:cNvGraphicFramePr>
-            <a:graphicFrameLocks noGrp="1"/>
-          </p:cNvGraphicFramePr>
-          <p:nvPr>
-            <p:ph idx="1"/>
-            <p:extLst>
-              <p:ext uri="{D42A27DB-BD31-4B8C-83A1-F6EECF244321}">
-                <p14:modId xmlns:p14="http://schemas.microsoft.com/office/powerpoint/2010/main" val="1637016482"/>
-              </p:ext>
-            </p:extLst>
-          </p:nvPr>
-        </p:nvGraphicFramePr>
-        <p:xfrm>
-          <a:off x="3486013" y="640822"/>
-          <a:ext cx="5175384" cy="5536141"/>
-        </p:xfrm>
-        <a:graphic>
-          <a:graphicData uri="http://schemas.openxmlformats.org/drawingml/2006/diagram">
-            <dgm:relIds xmlns:dgm="http://schemas.openxmlformats.org/drawingml/2006/diagram" xmlns:r="http://schemas.openxmlformats.org/officeDocument/2006/relationships" r:dm="rId2" r:lo="rId3" r:qs="rId4" r:cs="rId5"/>
-          </a:graphicData>
-        </a:graphic>
-      </p:graphicFrame>
     </p:spTree>
   </p:cSld>
   <p:clrMapOvr>
@@ -15999,8 +9000,8 @@
           <a:lstStyle/>
           <a:p>
             <a:r>
-              <a:rPr lang="en-US" sz="3500"/>
-              <a:t>Introduction</a:t>
+              <a:rPr lang="en-US" sz="3500" dirty="0"/>
+              <a:t>What it Does</a:t>
             </a:r>
           </a:p>
         </p:txBody>
@@ -16023,32 +9024,145 @@
         </p:spPr>
         <p:txBody>
           <a:bodyPr anchor="ctr">
-            <a:normAutofit/>
+            <a:normAutofit fontScale="70000" lnSpcReduction="20000"/>
           </a:bodyPr>
           <a:lstStyle/>
           <a:p>
+            <a:pPr algn="l">
+              <a:spcBef>
+                <a:spcPts val="900"/>
+              </a:spcBef>
+              <a:spcAft>
+                <a:spcPts val="900"/>
+              </a:spcAft>
+              <a:buFont typeface="Arial" panose="020B0604020202020204" pitchFamily="34" charset="0"/>
+              <a:buChar char="•"/>
+            </a:pPr>
             <a:r>
-              <a:rPr lang="en-US" sz="1700"/>
-              <a:t>Desktop app for real-time stock analysis</a:t>
+              <a:rPr lang="en-US" sz="2100" b="0" i="0" dirty="0">
+                <a:solidFill>
+                  <a:srgbClr val="2C2C36"/>
+                </a:solidFill>
+                <a:effectLst/>
+              </a:rPr>
+              <a:t>This app helps you analyze stocks using real-time and past data, with tools for things like </a:t>
             </a:r>
-          </a:p>
-          <a:p>
             <a:r>
-              <a:rPr lang="en-US" sz="1700"/>
-              <a:t>Offers investment recommendations &amp; strategy backtesting</a:t>
+              <a:rPr lang="en-US" sz="2100" b="0" i="0" dirty="0">
+                <a:solidFill>
+                  <a:srgbClr val="111827"/>
+                </a:solidFill>
+                <a:effectLst/>
+              </a:rPr>
+              <a:t>Moving Averages </a:t>
             </a:r>
-          </a:p>
-          <a:p>
             <a:r>
-              <a:rPr lang="en-US" sz="1700"/>
+              <a:rPr lang="en-US" sz="2100" dirty="0">
+                <a:solidFill>
+                  <a:srgbClr val="2C2C36"/>
+                </a:solidFill>
+              </a:rPr>
+              <a:t>and</a:t>
+            </a:r>
+            <a:r>
+              <a:rPr lang="en-US" sz="2100" b="0" i="0" dirty="0">
+                <a:solidFill>
+                  <a:srgbClr val="2C2C36"/>
+                </a:solidFill>
+                <a:effectLst/>
+              </a:rPr>
+              <a:t> </a:t>
+            </a:r>
+            <a:r>
+              <a:rPr lang="en-US" sz="2100" b="0" i="0" dirty="0">
+                <a:solidFill>
+                  <a:srgbClr val="111827"/>
+                </a:solidFill>
+                <a:effectLst/>
+              </a:rPr>
+              <a:t>RSI</a:t>
+            </a:r>
+          </a:p>
+          <a:p>
+            <a:pPr algn="l">
+              <a:spcBef>
+                <a:spcPts val="900"/>
+              </a:spcBef>
+              <a:spcAft>
+                <a:spcPts val="900"/>
+              </a:spcAft>
+              <a:buFont typeface="Arial" panose="020B0604020202020204" pitchFamily="34" charset="0"/>
+              <a:buChar char="•"/>
+            </a:pPr>
+            <a:r>
+              <a:rPr lang="en-US" sz="2100" b="0" i="0" dirty="0">
+                <a:solidFill>
+                  <a:srgbClr val="111827"/>
+                </a:solidFill>
+                <a:effectLst/>
+              </a:rPr>
+              <a:t> </a:t>
+            </a:r>
+            <a:r>
+              <a:rPr lang="en-US" sz="2100" b="0" i="0" dirty="0">
+                <a:solidFill>
+                  <a:srgbClr val="2C2C36"/>
+                </a:solidFill>
+                <a:effectLst/>
+              </a:rPr>
+              <a:t>It gives you investment advice based on what the stock data says</a:t>
+            </a:r>
+          </a:p>
+          <a:p>
+            <a:pPr algn="l">
+              <a:spcBef>
+                <a:spcPts val="900"/>
+              </a:spcBef>
+              <a:spcAft>
+                <a:spcPts val="900"/>
+              </a:spcAft>
+              <a:buFont typeface="Arial" panose="020B0604020202020204" pitchFamily="34" charset="0"/>
+              <a:buChar char="•"/>
+            </a:pPr>
+            <a:r>
+              <a:rPr lang="en-US" sz="2100" b="0" i="0" dirty="0">
+                <a:solidFill>
+                  <a:srgbClr val="2C2C36"/>
+                </a:solidFill>
+                <a:effectLst/>
+              </a:rPr>
+              <a:t>You can see cool charts like candlestick and line graphs to visualize the stock trends.</a:t>
+            </a:r>
+          </a:p>
+          <a:p>
+            <a:pPr algn="l">
+              <a:spcBef>
+                <a:spcPts val="900"/>
+              </a:spcBef>
+              <a:spcAft>
+                <a:spcPts val="900"/>
+              </a:spcAft>
+              <a:buFont typeface="Arial" panose="020B0604020202020204" pitchFamily="34" charset="0"/>
+              <a:buChar char="•"/>
+            </a:pPr>
+            <a:r>
+              <a:rPr lang="en-US" sz="2100" b="0" i="0" dirty="0">
+                <a:solidFill>
+                  <a:srgbClr val="2C2C36"/>
+                </a:solidFill>
+                <a:effectLst/>
+              </a:rPr>
+              <a:t>It lets you test out different investment strategies, like "Buy and Hold" or "Moving Average Crossover," to see how they might have worked in the past.</a:t>
+            </a:r>
+          </a:p>
+          <a:p>
+            <a:r>
+              <a:rPr lang="en-US" sz="2100" dirty="0"/>
               <a:t>Designed for educational and analytical use</a:t>
             </a:r>
           </a:p>
           <a:p>
-            <a:r>
-              <a:rPr lang="en-US" sz="1700"/>
-              <a:t>Combines finance, data visualization, and interactivity</a:t>
-            </a:r>
+            <a:endParaRPr lang="en-US" sz="1700" dirty="0"/>
           </a:p>
         </p:txBody>
       </p:sp>
@@ -16168,8 +9282,8 @@
           <a:lstStyle/>
           <a:p>
             <a:r>
-              <a:rPr lang="en-US" sz="3500"/>
-              <a:t>Key Features</a:t>
+              <a:rPr lang="en-US" sz="3500" dirty="0"/>
+              <a:t>Libraries used</a:t>
             </a:r>
           </a:p>
         </p:txBody>
@@ -16197,32 +9311,36 @@
           <a:lstStyle/>
           <a:p>
             <a:r>
-              <a:rPr lang="en-US" sz="1700"/>
-              <a:t>Technical Indicators: MA, RSI, MACD, Bollinger Bands</a:t>
+              <a:rPr lang="en-US" sz="1700" dirty="0"/>
+              <a:t>PyQt5 – Used for creating desktop applications</a:t>
             </a:r>
           </a:p>
           <a:p>
             <a:r>
-              <a:rPr lang="en-US" sz="1700"/>
-              <a:t>Interactive UI with multiple tabs</a:t>
+              <a:rPr lang="en-US" sz="1700" dirty="0"/>
+              <a:t>Matplotlib – create interactive visualizations</a:t>
             </a:r>
           </a:p>
           <a:p>
             <a:r>
-              <a:rPr lang="en-US" sz="1700"/>
-              <a:t>Investment strategy simulation (Buy &amp; Hold, RSI, MA Crossover)</a:t>
+              <a:rPr lang="en-US" sz="1700" dirty="0" err="1"/>
+              <a:t>yfinance</a:t>
             </a:r>
-          </a:p>
-          <a:p>
             <a:r>
-              <a:rPr lang="en-US" sz="1700"/>
-              <a:t>Custom date range selection</a:t>
+              <a:rPr lang="en-US" sz="1700" dirty="0"/>
+              <a:t> – access stock market data</a:t>
             </a:r>
           </a:p>
           <a:p>
             <a:r>
-              <a:rPr lang="en-US" sz="1700"/>
-              <a:t>Risk profiles: Low, Moderate, High</a:t>
+              <a:rPr lang="en-US" sz="1700" dirty="0"/>
+              <a:t>Pandas – data manipulation</a:t>
+            </a:r>
+          </a:p>
+          <a:p>
+            <a:r>
+              <a:rPr lang="en-US" sz="1700" dirty="0"/>
+              <a:t>Ta – technical analysis for stock market</a:t>
             </a:r>
           </a:p>
         </p:txBody>
@@ -16272,1137 +9390,6 @@
 </file>
 
 <file path=ppt/slides/slide4.xml><?xml version="1.0" encoding="utf-8"?>
-<p:sld xmlns:a="http://schemas.openxmlformats.org/drawingml/2006/main" xmlns:r="http://schemas.openxmlformats.org/officeDocument/2006/relationships" xmlns:p="http://schemas.openxmlformats.org/presentationml/2006/main">
-  <p:cSld>
-    <p:bg>
-      <p:bgPr>
-        <a:solidFill>
-          <a:schemeClr val="bg1"/>
-        </a:solidFill>
-        <a:effectLst/>
-      </p:bgPr>
-    </p:bg>
-    <p:spTree>
-      <p:nvGrpSpPr>
-        <p:cNvPr id="1" name=""/>
-        <p:cNvGrpSpPr/>
-        <p:nvPr/>
-      </p:nvGrpSpPr>
-      <p:grpSpPr>
-        <a:xfrm>
-          <a:off x="0" y="0"/>
-          <a:ext cx="0" cy="0"/>
-          <a:chOff x="0" y="0"/>
-          <a:chExt cx="0" cy="0"/>
-        </a:xfrm>
-      </p:grpSpPr>
-      <p:sp useBgFill="1">
-        <p:nvSpPr>
-          <p:cNvPr id="9" name="Slide Background">
-            <a:extLst>
-              <a:ext uri="{FF2B5EF4-FFF2-40B4-BE49-F238E27FC236}">
-                <a16:creationId xmlns:a16="http://schemas.microsoft.com/office/drawing/2014/main" id="{9F7D5CDA-D291-4307-BF55-1381FED29634}"/>
-              </a:ext>
-              <a:ext uri="{C183D7F6-B498-43B3-948B-1728B52AA6E4}">
-                <adec:decorative xmlns:adec="http://schemas.microsoft.com/office/drawing/2017/decorative" val="1"/>
-              </a:ext>
-            </a:extLst>
-          </p:cNvPr>
-          <p:cNvSpPr>
-            <a:spLocks noGrp="1" noRot="1" noChangeAspect="1" noMove="1" noResize="1" noEditPoints="1" noAdjustHandles="1" noChangeArrowheads="1" noChangeShapeType="1" noTextEdit="1"/>
-          </p:cNvSpPr>
-          <p:nvPr>
-            <p:extLst>
-              <p:ext uri="{386F3935-93C4-4BCD-93E2-E3B085C9AB24}">
-                <p16:designElem xmlns:p16="http://schemas.microsoft.com/office/powerpoint/2015/main" val="1"/>
-              </p:ext>
-            </p:extLst>
-          </p:nvPr>
-        </p:nvSpPr>
-        <p:spPr>
-          <a:xfrm>
-            <a:off x="0" y="0"/>
-            <a:ext cx="9144000" cy="6858000"/>
-          </a:xfrm>
-          <a:prstGeom prst="rect">
-            <a:avLst/>
-          </a:prstGeom>
-          <a:ln>
-            <a:noFill/>
-          </a:ln>
-        </p:spPr>
-        <p:style>
-          <a:lnRef idx="2">
-            <a:schemeClr val="accent1">
-              <a:shade val="50000"/>
-            </a:schemeClr>
-          </a:lnRef>
-          <a:fillRef idx="1">
-            <a:schemeClr val="accent1"/>
-          </a:fillRef>
-          <a:effectRef idx="0">
-            <a:schemeClr val="accent1"/>
-          </a:effectRef>
-          <a:fontRef idx="minor">
-            <a:schemeClr val="lt1"/>
-          </a:fontRef>
-        </p:style>
-        <p:txBody>
-          <a:bodyPr rtlCol="0" anchor="ctr"/>
-          <a:lstStyle/>
-          <a:p>
-            <a:pPr algn="ctr"/>
-            <a:endParaRPr lang="en-US"/>
-          </a:p>
-        </p:txBody>
-      </p:sp>
-      <p:sp>
-        <p:nvSpPr>
-          <p:cNvPr id="2" name="Title 1"/>
-          <p:cNvSpPr>
-            <a:spLocks noGrp="1"/>
-          </p:cNvSpPr>
-          <p:nvPr>
-            <p:ph type="title"/>
-          </p:nvPr>
-        </p:nvSpPr>
-        <p:spPr>
-          <a:xfrm>
-            <a:off x="571350" y="762001"/>
-            <a:ext cx="4000647" cy="1708242"/>
-          </a:xfrm>
-        </p:spPr>
-        <p:txBody>
-          <a:bodyPr anchor="ctr">
-            <a:normAutofit/>
-          </a:bodyPr>
-          <a:lstStyle/>
-          <a:p>
-            <a:r>
-              <a:rPr lang="en-US" sz="3500"/>
-              <a:t>Data &amp; Charts</a:t>
-            </a:r>
-          </a:p>
-        </p:txBody>
-      </p:sp>
-      <p:sp>
-        <p:nvSpPr>
-          <p:cNvPr id="3" name="Content Placeholder 2"/>
-          <p:cNvSpPr>
-            <a:spLocks noGrp="1"/>
-          </p:cNvSpPr>
-          <p:nvPr>
-            <p:ph idx="1"/>
-          </p:nvPr>
-        </p:nvSpPr>
-        <p:spPr>
-          <a:xfrm>
-            <a:off x="571350" y="2470244"/>
-            <a:ext cx="4000647" cy="3769835"/>
-          </a:xfrm>
-        </p:spPr>
-        <p:txBody>
-          <a:bodyPr anchor="ctr">
-            <a:normAutofit/>
-          </a:bodyPr>
-          <a:lstStyle/>
-          <a:p>
-            <a:r>
-              <a:rPr lang="en-US" sz="1700"/>
-              <a:t>Real-time stock data using yfinance</a:t>
-            </a:r>
-          </a:p>
-          <a:p>
-            <a:r>
-              <a:rPr lang="en-US" sz="1700"/>
-              <a:t>Candlestick and line charts via matplotlib and mplfinance</a:t>
-            </a:r>
-          </a:p>
-          <a:p>
-            <a:r>
-              <a:rPr lang="en-US" sz="1700"/>
-              <a:t>Interactive indicator visualizations</a:t>
-            </a:r>
-          </a:p>
-          <a:p>
-            <a:r>
-              <a:rPr lang="en-US" sz="1700"/>
-              <a:t>Multiple chart views: Summary, Technical, Simulations</a:t>
-            </a:r>
-          </a:p>
-        </p:txBody>
-      </p:sp>
-      <p:pic>
-        <p:nvPicPr>
-          <p:cNvPr id="5" name="Picture 4" descr="Digital business graph and charts">
-            <a:extLst>
-              <a:ext uri="{FF2B5EF4-FFF2-40B4-BE49-F238E27FC236}">
-                <a16:creationId xmlns:a16="http://schemas.microsoft.com/office/drawing/2014/main" id="{03D28991-C9A4-356A-635C-433D381CA93F}"/>
-              </a:ext>
-            </a:extLst>
-          </p:cNvPr>
-          <p:cNvPicPr>
-            <a:picLocks noChangeAspect="1"/>
-          </p:cNvPicPr>
-          <p:nvPr/>
-        </p:nvPicPr>
-        <p:blipFill>
-          <a:blip r:embed="rId2"/>
-          <a:srcRect l="42101" r="30088" b="1"/>
-          <a:stretch/>
-        </p:blipFill>
-        <p:spPr>
-          <a:xfrm>
-            <a:off x="5143347" y="-10886"/>
-            <a:ext cx="4000653" cy="6868886"/>
-          </a:xfrm>
-          <a:prstGeom prst="rect">
-            <a:avLst/>
-          </a:prstGeom>
-          <a:effectLst>
-            <a:outerShdw blurRad="127000" dist="50800" dir="10800000" sx="99000" sy="99000" algn="r" rotWithShape="0">
-              <a:prstClr val="black">
-                <a:alpha val="40000"/>
-              </a:prstClr>
-            </a:outerShdw>
-          </a:effectLst>
-        </p:spPr>
-      </p:pic>
-    </p:spTree>
-  </p:cSld>
-  <p:clrMapOvr>
-    <a:masterClrMapping/>
-  </p:clrMapOvr>
-</p:sld>
-</file>
-
-<file path=ppt/slides/slide5.xml><?xml version="1.0" encoding="utf-8"?>
-<p:sld xmlns:a="http://schemas.openxmlformats.org/drawingml/2006/main" xmlns:r="http://schemas.openxmlformats.org/officeDocument/2006/relationships" xmlns:p="http://schemas.openxmlformats.org/presentationml/2006/main">
-  <p:cSld>
-    <p:bg>
-      <p:bgPr>
-        <a:solidFill>
-          <a:schemeClr val="bg1"/>
-        </a:solidFill>
-        <a:effectLst/>
-      </p:bgPr>
-    </p:bg>
-    <p:spTree>
-      <p:nvGrpSpPr>
-        <p:cNvPr id="1" name=""/>
-        <p:cNvGrpSpPr/>
-        <p:nvPr/>
-      </p:nvGrpSpPr>
-      <p:grpSpPr>
-        <a:xfrm>
-          <a:off x="0" y="0"/>
-          <a:ext cx="0" cy="0"/>
-          <a:chOff x="0" y="0"/>
-          <a:chExt cx="0" cy="0"/>
-        </a:xfrm>
-      </p:grpSpPr>
-      <p:sp>
-        <p:nvSpPr>
-          <p:cNvPr id="2" name="Title 1"/>
-          <p:cNvSpPr>
-            <a:spLocks noGrp="1"/>
-          </p:cNvSpPr>
-          <p:nvPr>
-            <p:ph type="title"/>
-          </p:nvPr>
-        </p:nvSpPr>
-        <p:spPr>
-          <a:xfrm>
-            <a:off x="4813299" y="490537"/>
-            <a:ext cx="3968748" cy="1628775"/>
-          </a:xfrm>
-        </p:spPr>
-        <p:txBody>
-          <a:bodyPr anchor="b">
-            <a:normAutofit/>
-          </a:bodyPr>
-          <a:lstStyle/>
-          <a:p>
-            <a:r>
-              <a:rPr lang="en-US" sz="3500"/>
-              <a:t>Strategy Backtesting</a:t>
-            </a:r>
-          </a:p>
-        </p:txBody>
-      </p:sp>
-      <p:pic>
-        <p:nvPicPr>
-          <p:cNvPr id="6" name="Picture 5">
-            <a:extLst>
-              <a:ext uri="{FF2B5EF4-FFF2-40B4-BE49-F238E27FC236}">
-                <a16:creationId xmlns:a16="http://schemas.microsoft.com/office/drawing/2014/main" id="{86170F88-A108-E841-F22A-58682CDD09BD}"/>
-              </a:ext>
-            </a:extLst>
-          </p:cNvPr>
-          <p:cNvPicPr>
-            <a:picLocks noChangeAspect="1"/>
-          </p:cNvPicPr>
-          <p:nvPr/>
-        </p:nvPicPr>
-        <p:blipFill>
-          <a:blip r:embed="rId2"/>
-          <a:srcRect l="12995" r="46995" b="-1"/>
-          <a:stretch/>
-        </p:blipFill>
-        <p:spPr>
-          <a:xfrm>
-            <a:off x="1" y="1587"/>
-            <a:ext cx="4571999" cy="6856413"/>
-          </a:xfrm>
-          <a:custGeom>
-            <a:avLst/>
-            <a:gdLst/>
-            <a:ahLst/>
-            <a:cxnLst/>
-            <a:rect l="l" t="t" r="r" b="b"/>
-            <a:pathLst>
-              <a:path w="6649908" h="6856413">
-                <a:moveTo>
-                  <a:pt x="0" y="0"/>
-                </a:moveTo>
-                <a:lnTo>
-                  <a:pt x="6559859" y="0"/>
-                </a:lnTo>
-                <a:lnTo>
-                  <a:pt x="6572145" y="79394"/>
-                </a:lnTo>
-                <a:cubicBezTo>
-                  <a:pt x="6857782" y="2230562"/>
-                  <a:pt x="6243159" y="4473353"/>
-                  <a:pt x="6528796" y="6624522"/>
-                </a:cubicBezTo>
-                <a:lnTo>
-                  <a:pt x="6564680" y="6856413"/>
-                </a:lnTo>
-                <a:lnTo>
-                  <a:pt x="0" y="6856413"/>
-                </a:lnTo>
-                <a:close/>
-              </a:path>
-            </a:pathLst>
-          </a:custGeom>
-        </p:spPr>
-      </p:pic>
-      <p:graphicFrame>
-        <p:nvGraphicFramePr>
-          <p:cNvPr id="5" name="Content Placeholder 2">
-            <a:extLst>
-              <a:ext uri="{FF2B5EF4-FFF2-40B4-BE49-F238E27FC236}">
-                <a16:creationId xmlns:a16="http://schemas.microsoft.com/office/drawing/2014/main" id="{A8365FDA-7509-A15D-BF61-BFE313F8BE96}"/>
-              </a:ext>
-            </a:extLst>
-          </p:cNvPr>
-          <p:cNvGraphicFramePr>
-            <a:graphicFrameLocks noGrp="1"/>
-          </p:cNvGraphicFramePr>
-          <p:nvPr>
-            <p:ph idx="1"/>
-            <p:extLst>
-              <p:ext uri="{D42A27DB-BD31-4B8C-83A1-F6EECF244321}">
-                <p14:modId xmlns:p14="http://schemas.microsoft.com/office/powerpoint/2010/main" val="3168832755"/>
-              </p:ext>
-            </p:extLst>
-          </p:nvPr>
-        </p:nvGraphicFramePr>
-        <p:xfrm>
-          <a:off x="4813300" y="2614612"/>
-          <a:ext cx="3968747" cy="3752849"/>
-        </p:xfrm>
-        <a:graphic>
-          <a:graphicData uri="http://schemas.openxmlformats.org/drawingml/2006/diagram">
-            <dgm:relIds xmlns:dgm="http://schemas.openxmlformats.org/drawingml/2006/diagram" xmlns:r="http://schemas.openxmlformats.org/officeDocument/2006/relationships" r:dm="rId3" r:lo="rId4" r:qs="rId5" r:cs="rId6"/>
-          </a:graphicData>
-        </a:graphic>
-      </p:graphicFrame>
-    </p:spTree>
-  </p:cSld>
-  <p:clrMapOvr>
-    <a:masterClrMapping/>
-  </p:clrMapOvr>
-</p:sld>
-</file>
-
-<file path=ppt/slides/slide6.xml><?xml version="1.0" encoding="utf-8"?>
-<p:sld xmlns:a="http://schemas.openxmlformats.org/drawingml/2006/main" xmlns:r="http://schemas.openxmlformats.org/officeDocument/2006/relationships" xmlns:p="http://schemas.openxmlformats.org/presentationml/2006/main">
-  <p:cSld>
-    <p:bg>
-      <p:bgPr>
-        <a:solidFill>
-          <a:schemeClr val="bg1"/>
-        </a:solidFill>
-        <a:effectLst/>
-      </p:bgPr>
-    </p:bg>
-    <p:spTree>
-      <p:nvGrpSpPr>
-        <p:cNvPr id="1" name=""/>
-        <p:cNvGrpSpPr/>
-        <p:nvPr/>
-      </p:nvGrpSpPr>
-      <p:grpSpPr>
-        <a:xfrm>
-          <a:off x="0" y="0"/>
-          <a:ext cx="0" cy="0"/>
-          <a:chOff x="0" y="0"/>
-          <a:chExt cx="0" cy="0"/>
-        </a:xfrm>
-      </p:grpSpPr>
-      <p:sp useBgFill="1">
-        <p:nvSpPr>
-          <p:cNvPr id="9" name="Slide Background">
-            <a:extLst>
-              <a:ext uri="{FF2B5EF4-FFF2-40B4-BE49-F238E27FC236}">
-                <a16:creationId xmlns:a16="http://schemas.microsoft.com/office/drawing/2014/main" id="{C0763A76-9F1C-4FC5-82B7-DD475DA461B2}"/>
-              </a:ext>
-              <a:ext uri="{C183D7F6-B498-43B3-948B-1728B52AA6E4}">
-                <adec:decorative xmlns:adec="http://schemas.microsoft.com/office/drawing/2017/decorative" val="1"/>
-              </a:ext>
-            </a:extLst>
-          </p:cNvPr>
-          <p:cNvSpPr>
-            <a:spLocks noGrp="1" noRot="1" noChangeAspect="1" noMove="1" noResize="1" noEditPoints="1" noAdjustHandles="1" noChangeArrowheads="1" noChangeShapeType="1" noTextEdit="1"/>
-          </p:cNvSpPr>
-          <p:nvPr>
-            <p:extLst>
-              <p:ext uri="{386F3935-93C4-4BCD-93E2-E3B085C9AB24}">
-                <p16:designElem xmlns:p16="http://schemas.microsoft.com/office/powerpoint/2015/main" val="1"/>
-              </p:ext>
-            </p:extLst>
-          </p:nvPr>
-        </p:nvSpPr>
-        <p:spPr bwMode="white">
-          <a:xfrm>
-            <a:off x="0" y="0"/>
-            <a:ext cx="9143998" cy="6858000"/>
-          </a:xfrm>
-          <a:prstGeom prst="rect">
-            <a:avLst/>
-          </a:prstGeom>
-          <a:ln>
-            <a:noFill/>
-          </a:ln>
-        </p:spPr>
-        <p:style>
-          <a:lnRef idx="2">
-            <a:schemeClr val="accent1">
-              <a:shade val="50000"/>
-            </a:schemeClr>
-          </a:lnRef>
-          <a:fillRef idx="1">
-            <a:schemeClr val="accent1"/>
-          </a:fillRef>
-          <a:effectRef idx="0">
-            <a:schemeClr val="accent1"/>
-          </a:effectRef>
-          <a:fontRef idx="minor">
-            <a:schemeClr val="lt1"/>
-          </a:fontRef>
-        </p:style>
-        <p:txBody>
-          <a:bodyPr rtlCol="0" anchor="ctr"/>
-          <a:lstStyle>
-            <a:defPPr>
-              <a:defRPr lang="en-US"/>
-            </a:defPPr>
-            <a:lvl1pPr marL="0" algn="l" defTabSz="914400" rtl="0" eaLnBrk="1" latinLnBrk="0" hangingPunct="1">
-              <a:defRPr sz="1800" kern="1200">
-                <a:solidFill>
-                  <a:schemeClr val="lt1"/>
-                </a:solidFill>
-                <a:latin typeface="+mn-lt"/>
-                <a:ea typeface="+mn-ea"/>
-                <a:cs typeface="+mn-cs"/>
-              </a:defRPr>
-            </a:lvl1pPr>
-            <a:lvl2pPr marL="457200" algn="l" defTabSz="914400" rtl="0" eaLnBrk="1" latinLnBrk="0" hangingPunct="1">
-              <a:defRPr sz="1800" kern="1200">
-                <a:solidFill>
-                  <a:schemeClr val="lt1"/>
-                </a:solidFill>
-                <a:latin typeface="+mn-lt"/>
-                <a:ea typeface="+mn-ea"/>
-                <a:cs typeface="+mn-cs"/>
-              </a:defRPr>
-            </a:lvl2pPr>
-            <a:lvl3pPr marL="914400" algn="l" defTabSz="914400" rtl="0" eaLnBrk="1" latinLnBrk="0" hangingPunct="1">
-              <a:defRPr sz="1800" kern="1200">
-                <a:solidFill>
-                  <a:schemeClr val="lt1"/>
-                </a:solidFill>
-                <a:latin typeface="+mn-lt"/>
-                <a:ea typeface="+mn-ea"/>
-                <a:cs typeface="+mn-cs"/>
-              </a:defRPr>
-            </a:lvl3pPr>
-            <a:lvl4pPr marL="1371600" algn="l" defTabSz="914400" rtl="0" eaLnBrk="1" latinLnBrk="0" hangingPunct="1">
-              <a:defRPr sz="1800" kern="1200">
-                <a:solidFill>
-                  <a:schemeClr val="lt1"/>
-                </a:solidFill>
-                <a:latin typeface="+mn-lt"/>
-                <a:ea typeface="+mn-ea"/>
-                <a:cs typeface="+mn-cs"/>
-              </a:defRPr>
-            </a:lvl4pPr>
-            <a:lvl5pPr marL="1828800" algn="l" defTabSz="914400" rtl="0" eaLnBrk="1" latinLnBrk="0" hangingPunct="1">
-              <a:defRPr sz="1800" kern="1200">
-                <a:solidFill>
-                  <a:schemeClr val="lt1"/>
-                </a:solidFill>
-                <a:latin typeface="+mn-lt"/>
-                <a:ea typeface="+mn-ea"/>
-                <a:cs typeface="+mn-cs"/>
-              </a:defRPr>
-            </a:lvl5pPr>
-            <a:lvl6pPr marL="2286000" algn="l" defTabSz="914400" rtl="0" eaLnBrk="1" latinLnBrk="0" hangingPunct="1">
-              <a:defRPr sz="1800" kern="1200">
-                <a:solidFill>
-                  <a:schemeClr val="lt1"/>
-                </a:solidFill>
-                <a:latin typeface="+mn-lt"/>
-                <a:ea typeface="+mn-ea"/>
-                <a:cs typeface="+mn-cs"/>
-              </a:defRPr>
-            </a:lvl6pPr>
-            <a:lvl7pPr marL="2743200" algn="l" defTabSz="914400" rtl="0" eaLnBrk="1" latinLnBrk="0" hangingPunct="1">
-              <a:defRPr sz="1800" kern="1200">
-                <a:solidFill>
-                  <a:schemeClr val="lt1"/>
-                </a:solidFill>
-                <a:latin typeface="+mn-lt"/>
-                <a:ea typeface="+mn-ea"/>
-                <a:cs typeface="+mn-cs"/>
-              </a:defRPr>
-            </a:lvl7pPr>
-            <a:lvl8pPr marL="3200400" algn="l" defTabSz="914400" rtl="0" eaLnBrk="1" latinLnBrk="0" hangingPunct="1">
-              <a:defRPr sz="1800" kern="1200">
-                <a:solidFill>
-                  <a:schemeClr val="lt1"/>
-                </a:solidFill>
-                <a:latin typeface="+mn-lt"/>
-                <a:ea typeface="+mn-ea"/>
-                <a:cs typeface="+mn-cs"/>
-              </a:defRPr>
-            </a:lvl8pPr>
-            <a:lvl9pPr marL="3657600" algn="l" defTabSz="914400" rtl="0" eaLnBrk="1" latinLnBrk="0" hangingPunct="1">
-              <a:defRPr sz="1800" kern="1200">
-                <a:solidFill>
-                  <a:schemeClr val="lt1"/>
-                </a:solidFill>
-                <a:latin typeface="+mn-lt"/>
-                <a:ea typeface="+mn-ea"/>
-                <a:cs typeface="+mn-cs"/>
-              </a:defRPr>
-            </a:lvl9pPr>
-          </a:lstStyle>
-          <a:p>
-            <a:pPr algn="ctr"/>
-            <a:endParaRPr lang="en-US"/>
-          </a:p>
-        </p:txBody>
-      </p:sp>
-      <p:sp useBgFill="1">
-        <p:nvSpPr>
-          <p:cNvPr id="11" name="Rectangle 10">
-            <a:extLst>
-              <a:ext uri="{FF2B5EF4-FFF2-40B4-BE49-F238E27FC236}">
-                <a16:creationId xmlns:a16="http://schemas.microsoft.com/office/drawing/2014/main" id="{E81BF4F6-F2CF-4984-9D14-D6966D92F99F}"/>
-              </a:ext>
-              <a:ext uri="{C183D7F6-B498-43B3-948B-1728B52AA6E4}">
-                <adec:decorative xmlns:adec="http://schemas.microsoft.com/office/drawing/2017/decorative" val="1"/>
-              </a:ext>
-            </a:extLst>
-          </p:cNvPr>
-          <p:cNvSpPr>
-            <a:spLocks noGrp="1" noRot="1" noChangeAspect="1" noMove="1" noResize="1" noEditPoints="1" noAdjustHandles="1" noChangeArrowheads="1" noChangeShapeType="1" noTextEdit="1"/>
-          </p:cNvSpPr>
-          <p:nvPr>
-            <p:extLst>
-              <p:ext uri="{386F3935-93C4-4BCD-93E2-E3B085C9AB24}">
-                <p16:designElem xmlns:p16="http://schemas.microsoft.com/office/powerpoint/2015/main" val="1"/>
-              </p:ext>
-            </p:extLst>
-          </p:nvPr>
-        </p:nvSpPr>
-        <p:spPr>
-          <a:xfrm>
-            <a:off x="0" y="0"/>
-            <a:ext cx="6391835" cy="2285999"/>
-          </a:xfrm>
-          <a:prstGeom prst="rect">
-            <a:avLst/>
-          </a:prstGeom>
-          <a:ln>
-            <a:noFill/>
-          </a:ln>
-          <a:effectLst>
-            <a:outerShdw blurRad="596900" dist="304800" dir="7140000" sx="90000" sy="90000" algn="t" rotWithShape="0">
-              <a:srgbClr val="000000">
-                <a:alpha val="15000"/>
-              </a:srgbClr>
-            </a:outerShdw>
-          </a:effectLst>
-        </p:spPr>
-        <p:style>
-          <a:lnRef idx="2">
-            <a:schemeClr val="accent1">
-              <a:shade val="50000"/>
-            </a:schemeClr>
-          </a:lnRef>
-          <a:fillRef idx="1">
-            <a:schemeClr val="accent1"/>
-          </a:fillRef>
-          <a:effectRef idx="0">
-            <a:schemeClr val="accent1"/>
-          </a:effectRef>
-          <a:fontRef idx="minor">
-            <a:schemeClr val="lt1"/>
-          </a:fontRef>
-        </p:style>
-        <p:txBody>
-          <a:bodyPr rtlCol="0" anchor="ctr"/>
-          <a:lstStyle/>
-          <a:p>
-            <a:pPr algn="ctr"/>
-            <a:endParaRPr lang="en-US"/>
-          </a:p>
-        </p:txBody>
-      </p:sp>
-      <p:sp>
-        <p:nvSpPr>
-          <p:cNvPr id="2" name="Title 1"/>
-          <p:cNvSpPr>
-            <a:spLocks noGrp="1"/>
-          </p:cNvSpPr>
-          <p:nvPr>
-            <p:ph type="title"/>
-          </p:nvPr>
-        </p:nvSpPr>
-        <p:spPr>
-          <a:xfrm>
-            <a:off x="571352" y="350196"/>
-            <a:ext cx="3485178" cy="1624520"/>
-          </a:xfrm>
-        </p:spPr>
-        <p:txBody>
-          <a:bodyPr anchor="ctr">
-            <a:normAutofit/>
-          </a:bodyPr>
-          <a:lstStyle/>
-          <a:p>
-            <a:r>
-              <a:rPr lang="en-US" sz="3500"/>
-              <a:t>User Interface Design</a:t>
-            </a:r>
-          </a:p>
-        </p:txBody>
-      </p:sp>
-      <p:sp>
-        <p:nvSpPr>
-          <p:cNvPr id="3" name="Content Placeholder 2"/>
-          <p:cNvSpPr>
-            <a:spLocks noGrp="1"/>
-          </p:cNvSpPr>
-          <p:nvPr>
-            <p:ph idx="1"/>
-          </p:nvPr>
-        </p:nvSpPr>
-        <p:spPr>
-          <a:xfrm>
-            <a:off x="571351" y="2743200"/>
-            <a:ext cx="3485179" cy="3613149"/>
-          </a:xfrm>
-        </p:spPr>
-        <p:txBody>
-          <a:bodyPr anchor="ctr">
-            <a:normAutofit/>
-          </a:bodyPr>
-          <a:lstStyle/>
-          <a:p>
-            <a:r>
-              <a:rPr lang="en-US" sz="1700"/>
-              <a:t>Built using PyQt5</a:t>
-            </a:r>
-          </a:p>
-          <a:p>
-            <a:r>
-              <a:rPr lang="en-US" sz="1700"/>
-              <a:t>Organized into multiple tabs:</a:t>
-            </a:r>
-          </a:p>
-          <a:p>
-            <a:pPr marL="400050" lvl="1" indent="0">
-              <a:buNone/>
-            </a:pPr>
-            <a:r>
-              <a:rPr lang="en-US" sz="1700"/>
-              <a:t>- Main Window</a:t>
-            </a:r>
-          </a:p>
-          <a:p>
-            <a:pPr marL="400050" lvl="1" indent="0">
-              <a:buNone/>
-            </a:pPr>
-            <a:r>
-              <a:rPr lang="en-US" sz="1700"/>
-              <a:t>- Analysis Tab</a:t>
-            </a:r>
-          </a:p>
-          <a:p>
-            <a:pPr marL="400050" lvl="1" indent="0">
-              <a:buNone/>
-            </a:pPr>
-            <a:r>
-              <a:rPr lang="en-US" sz="1700"/>
-              <a:t>- Charts Tab</a:t>
-            </a:r>
-          </a:p>
-          <a:p>
-            <a:pPr marL="400050" lvl="1" indent="0">
-              <a:buNone/>
-            </a:pPr>
-            <a:r>
-              <a:rPr lang="en-US" sz="1700"/>
-              <a:t>- Indicators Tab</a:t>
-            </a:r>
-          </a:p>
-          <a:p>
-            <a:pPr marL="400050" lvl="1" indent="0">
-              <a:buNone/>
-            </a:pPr>
-            <a:r>
-              <a:rPr lang="en-US" sz="1700"/>
-              <a:t>- Simulation Tab</a:t>
-            </a:r>
-          </a:p>
-          <a:p>
-            <a:r>
-              <a:rPr lang="en-US" sz="1700"/>
-              <a:t>Custom styling support (dark mode available)</a:t>
-            </a:r>
-          </a:p>
-        </p:txBody>
-      </p:sp>
-      <p:pic>
-        <p:nvPicPr>
-          <p:cNvPr id="5" name="Picture 4" descr="Graph">
-            <a:extLst>
-              <a:ext uri="{FF2B5EF4-FFF2-40B4-BE49-F238E27FC236}">
-                <a16:creationId xmlns:a16="http://schemas.microsoft.com/office/drawing/2014/main" id="{9CEB7676-CF2D-A011-948B-9D981E96853C}"/>
-              </a:ext>
-            </a:extLst>
-          </p:cNvPr>
-          <p:cNvPicPr>
-            <a:picLocks noChangeAspect="1"/>
-          </p:cNvPicPr>
-          <p:nvPr/>
-        </p:nvPicPr>
-        <p:blipFill>
-          <a:blip r:embed="rId2"/>
-          <a:srcRect l="23510" r="34776"/>
-          <a:stretch/>
-        </p:blipFill>
-        <p:spPr>
-          <a:xfrm>
-            <a:off x="4572000" y="1"/>
-            <a:ext cx="4577118" cy="6858000"/>
-          </a:xfrm>
-          <a:prstGeom prst="rect">
-            <a:avLst/>
-          </a:prstGeom>
-        </p:spPr>
-      </p:pic>
-    </p:spTree>
-  </p:cSld>
-  <p:clrMapOvr>
-    <a:masterClrMapping/>
-  </p:clrMapOvr>
-</p:sld>
-</file>
-
-<file path=ppt/slides/slide7.xml><?xml version="1.0" encoding="utf-8"?>
-<p:sld xmlns:a="http://schemas.openxmlformats.org/drawingml/2006/main" xmlns:r="http://schemas.openxmlformats.org/officeDocument/2006/relationships" xmlns:p="http://schemas.openxmlformats.org/presentationml/2006/main">
-  <p:cSld>
-    <p:bg>
-      <p:bgPr>
-        <a:solidFill>
-          <a:schemeClr val="bg1"/>
-        </a:solidFill>
-        <a:effectLst/>
-      </p:bgPr>
-    </p:bg>
-    <p:spTree>
-      <p:nvGrpSpPr>
-        <p:cNvPr id="1" name=""/>
-        <p:cNvGrpSpPr/>
-        <p:nvPr/>
-      </p:nvGrpSpPr>
-      <p:grpSpPr>
-        <a:xfrm>
-          <a:off x="0" y="0"/>
-          <a:ext cx="0" cy="0"/>
-          <a:chOff x="0" y="0"/>
-          <a:chExt cx="0" cy="0"/>
-        </a:xfrm>
-      </p:grpSpPr>
-      <p:sp useBgFill="1">
-        <p:nvSpPr>
-          <p:cNvPr id="9" name="Slide Background">
-            <a:extLst>
-              <a:ext uri="{FF2B5EF4-FFF2-40B4-BE49-F238E27FC236}">
-                <a16:creationId xmlns:a16="http://schemas.microsoft.com/office/drawing/2014/main" id="{C0763A76-9F1C-4FC5-82B7-DD475DA461B2}"/>
-              </a:ext>
-              <a:ext uri="{C183D7F6-B498-43B3-948B-1728B52AA6E4}">
-                <adec:decorative xmlns:adec="http://schemas.microsoft.com/office/drawing/2017/decorative" val="1"/>
-              </a:ext>
-            </a:extLst>
-          </p:cNvPr>
-          <p:cNvSpPr>
-            <a:spLocks noGrp="1" noRot="1" noChangeAspect="1" noMove="1" noResize="1" noEditPoints="1" noAdjustHandles="1" noChangeArrowheads="1" noChangeShapeType="1" noTextEdit="1"/>
-          </p:cNvSpPr>
-          <p:nvPr>
-            <p:extLst>
-              <p:ext uri="{386F3935-93C4-4BCD-93E2-E3B085C9AB24}">
-                <p16:designElem xmlns:p16="http://schemas.microsoft.com/office/powerpoint/2015/main" val="1"/>
-              </p:ext>
-            </p:extLst>
-          </p:nvPr>
-        </p:nvSpPr>
-        <p:spPr bwMode="white">
-          <a:xfrm>
-            <a:off x="0" y="0"/>
-            <a:ext cx="9143998" cy="6858000"/>
-          </a:xfrm>
-          <a:prstGeom prst="rect">
-            <a:avLst/>
-          </a:prstGeom>
-          <a:ln>
-            <a:noFill/>
-          </a:ln>
-        </p:spPr>
-        <p:style>
-          <a:lnRef idx="2">
-            <a:schemeClr val="accent1">
-              <a:shade val="50000"/>
-            </a:schemeClr>
-          </a:lnRef>
-          <a:fillRef idx="1">
-            <a:schemeClr val="accent1"/>
-          </a:fillRef>
-          <a:effectRef idx="0">
-            <a:schemeClr val="accent1"/>
-          </a:effectRef>
-          <a:fontRef idx="minor">
-            <a:schemeClr val="lt1"/>
-          </a:fontRef>
-        </p:style>
-        <p:txBody>
-          <a:bodyPr rtlCol="0" anchor="ctr"/>
-          <a:lstStyle>
-            <a:defPPr>
-              <a:defRPr lang="en-US"/>
-            </a:defPPr>
-            <a:lvl1pPr marL="0" algn="l" defTabSz="914400" rtl="0" eaLnBrk="1" latinLnBrk="0" hangingPunct="1">
-              <a:defRPr sz="1800" kern="1200">
-                <a:solidFill>
-                  <a:schemeClr val="lt1"/>
-                </a:solidFill>
-                <a:latin typeface="+mn-lt"/>
-                <a:ea typeface="+mn-ea"/>
-                <a:cs typeface="+mn-cs"/>
-              </a:defRPr>
-            </a:lvl1pPr>
-            <a:lvl2pPr marL="457200" algn="l" defTabSz="914400" rtl="0" eaLnBrk="1" latinLnBrk="0" hangingPunct="1">
-              <a:defRPr sz="1800" kern="1200">
-                <a:solidFill>
-                  <a:schemeClr val="lt1"/>
-                </a:solidFill>
-                <a:latin typeface="+mn-lt"/>
-                <a:ea typeface="+mn-ea"/>
-                <a:cs typeface="+mn-cs"/>
-              </a:defRPr>
-            </a:lvl2pPr>
-            <a:lvl3pPr marL="914400" algn="l" defTabSz="914400" rtl="0" eaLnBrk="1" latinLnBrk="0" hangingPunct="1">
-              <a:defRPr sz="1800" kern="1200">
-                <a:solidFill>
-                  <a:schemeClr val="lt1"/>
-                </a:solidFill>
-                <a:latin typeface="+mn-lt"/>
-                <a:ea typeface="+mn-ea"/>
-                <a:cs typeface="+mn-cs"/>
-              </a:defRPr>
-            </a:lvl3pPr>
-            <a:lvl4pPr marL="1371600" algn="l" defTabSz="914400" rtl="0" eaLnBrk="1" latinLnBrk="0" hangingPunct="1">
-              <a:defRPr sz="1800" kern="1200">
-                <a:solidFill>
-                  <a:schemeClr val="lt1"/>
-                </a:solidFill>
-                <a:latin typeface="+mn-lt"/>
-                <a:ea typeface="+mn-ea"/>
-                <a:cs typeface="+mn-cs"/>
-              </a:defRPr>
-            </a:lvl4pPr>
-            <a:lvl5pPr marL="1828800" algn="l" defTabSz="914400" rtl="0" eaLnBrk="1" latinLnBrk="0" hangingPunct="1">
-              <a:defRPr sz="1800" kern="1200">
-                <a:solidFill>
-                  <a:schemeClr val="lt1"/>
-                </a:solidFill>
-                <a:latin typeface="+mn-lt"/>
-                <a:ea typeface="+mn-ea"/>
-                <a:cs typeface="+mn-cs"/>
-              </a:defRPr>
-            </a:lvl5pPr>
-            <a:lvl6pPr marL="2286000" algn="l" defTabSz="914400" rtl="0" eaLnBrk="1" latinLnBrk="0" hangingPunct="1">
-              <a:defRPr sz="1800" kern="1200">
-                <a:solidFill>
-                  <a:schemeClr val="lt1"/>
-                </a:solidFill>
-                <a:latin typeface="+mn-lt"/>
-                <a:ea typeface="+mn-ea"/>
-                <a:cs typeface="+mn-cs"/>
-              </a:defRPr>
-            </a:lvl6pPr>
-            <a:lvl7pPr marL="2743200" algn="l" defTabSz="914400" rtl="0" eaLnBrk="1" latinLnBrk="0" hangingPunct="1">
-              <a:defRPr sz="1800" kern="1200">
-                <a:solidFill>
-                  <a:schemeClr val="lt1"/>
-                </a:solidFill>
-                <a:latin typeface="+mn-lt"/>
-                <a:ea typeface="+mn-ea"/>
-                <a:cs typeface="+mn-cs"/>
-              </a:defRPr>
-            </a:lvl7pPr>
-            <a:lvl8pPr marL="3200400" algn="l" defTabSz="914400" rtl="0" eaLnBrk="1" latinLnBrk="0" hangingPunct="1">
-              <a:defRPr sz="1800" kern="1200">
-                <a:solidFill>
-                  <a:schemeClr val="lt1"/>
-                </a:solidFill>
-                <a:latin typeface="+mn-lt"/>
-                <a:ea typeface="+mn-ea"/>
-                <a:cs typeface="+mn-cs"/>
-              </a:defRPr>
-            </a:lvl8pPr>
-            <a:lvl9pPr marL="3657600" algn="l" defTabSz="914400" rtl="0" eaLnBrk="1" latinLnBrk="0" hangingPunct="1">
-              <a:defRPr sz="1800" kern="1200">
-                <a:solidFill>
-                  <a:schemeClr val="lt1"/>
-                </a:solidFill>
-                <a:latin typeface="+mn-lt"/>
-                <a:ea typeface="+mn-ea"/>
-                <a:cs typeface="+mn-cs"/>
-              </a:defRPr>
-            </a:lvl9pPr>
-          </a:lstStyle>
-          <a:p>
-            <a:pPr algn="ctr"/>
-            <a:endParaRPr lang="en-US"/>
-          </a:p>
-        </p:txBody>
-      </p:sp>
-      <p:sp useBgFill="1">
-        <p:nvSpPr>
-          <p:cNvPr id="11" name="Rectangle 10">
-            <a:extLst>
-              <a:ext uri="{FF2B5EF4-FFF2-40B4-BE49-F238E27FC236}">
-                <a16:creationId xmlns:a16="http://schemas.microsoft.com/office/drawing/2014/main" id="{E81BF4F6-F2CF-4984-9D14-D6966D92F99F}"/>
-              </a:ext>
-              <a:ext uri="{C183D7F6-B498-43B3-948B-1728B52AA6E4}">
-                <adec:decorative xmlns:adec="http://schemas.microsoft.com/office/drawing/2017/decorative" val="1"/>
-              </a:ext>
-            </a:extLst>
-          </p:cNvPr>
-          <p:cNvSpPr>
-            <a:spLocks noGrp="1" noRot="1" noChangeAspect="1" noMove="1" noResize="1" noEditPoints="1" noAdjustHandles="1" noChangeArrowheads="1" noChangeShapeType="1" noTextEdit="1"/>
-          </p:cNvSpPr>
-          <p:nvPr>
-            <p:extLst>
-              <p:ext uri="{386F3935-93C4-4BCD-93E2-E3B085C9AB24}">
-                <p16:designElem xmlns:p16="http://schemas.microsoft.com/office/powerpoint/2015/main" val="1"/>
-              </p:ext>
-            </p:extLst>
-          </p:nvPr>
-        </p:nvSpPr>
-        <p:spPr>
-          <a:xfrm>
-            <a:off x="0" y="0"/>
-            <a:ext cx="6391835" cy="2285999"/>
-          </a:xfrm>
-          <a:prstGeom prst="rect">
-            <a:avLst/>
-          </a:prstGeom>
-          <a:ln>
-            <a:noFill/>
-          </a:ln>
-          <a:effectLst>
-            <a:outerShdw blurRad="596900" dist="304800" dir="7140000" sx="90000" sy="90000" algn="t" rotWithShape="0">
-              <a:srgbClr val="000000">
-                <a:alpha val="15000"/>
-              </a:srgbClr>
-            </a:outerShdw>
-          </a:effectLst>
-        </p:spPr>
-        <p:style>
-          <a:lnRef idx="2">
-            <a:schemeClr val="accent1">
-              <a:shade val="50000"/>
-            </a:schemeClr>
-          </a:lnRef>
-          <a:fillRef idx="1">
-            <a:schemeClr val="accent1"/>
-          </a:fillRef>
-          <a:effectRef idx="0">
-            <a:schemeClr val="accent1"/>
-          </a:effectRef>
-          <a:fontRef idx="minor">
-            <a:schemeClr val="lt1"/>
-          </a:fontRef>
-        </p:style>
-        <p:txBody>
-          <a:bodyPr rtlCol="0" anchor="ctr"/>
-          <a:lstStyle/>
-          <a:p>
-            <a:pPr algn="ctr"/>
-            <a:endParaRPr lang="en-US"/>
-          </a:p>
-        </p:txBody>
-      </p:sp>
-      <p:sp>
-        <p:nvSpPr>
-          <p:cNvPr id="2" name="Title 1"/>
-          <p:cNvSpPr>
-            <a:spLocks noGrp="1"/>
-          </p:cNvSpPr>
-          <p:nvPr>
-            <p:ph type="title"/>
-          </p:nvPr>
-        </p:nvSpPr>
-        <p:spPr>
-          <a:xfrm>
-            <a:off x="571352" y="350196"/>
-            <a:ext cx="3485178" cy="1624520"/>
-          </a:xfrm>
-        </p:spPr>
-        <p:txBody>
-          <a:bodyPr anchor="ctr">
-            <a:normAutofit/>
-          </a:bodyPr>
-          <a:lstStyle/>
-          <a:p>
-            <a:r>
-              <a:rPr lang="en-US" sz="3500"/>
-              <a:t>Project Architecture</a:t>
-            </a:r>
-          </a:p>
-        </p:txBody>
-      </p:sp>
-      <p:sp>
-        <p:nvSpPr>
-          <p:cNvPr id="3" name="Content Placeholder 2"/>
-          <p:cNvSpPr>
-            <a:spLocks noGrp="1"/>
-          </p:cNvSpPr>
-          <p:nvPr>
-            <p:ph idx="1"/>
-          </p:nvPr>
-        </p:nvSpPr>
-        <p:spPr>
-          <a:xfrm>
-            <a:off x="571351" y="2743200"/>
-            <a:ext cx="3485179" cy="3613149"/>
-          </a:xfrm>
-        </p:spPr>
-        <p:txBody>
-          <a:bodyPr anchor="ctr">
-            <a:normAutofit/>
-          </a:bodyPr>
-          <a:lstStyle/>
-          <a:p>
-            <a:r>
-              <a:rPr lang="en-US" sz="1700"/>
-              <a:t>Main Layers:</a:t>
-            </a:r>
-          </a:p>
-          <a:p>
-            <a:pPr marL="400050" lvl="1" indent="0">
-              <a:buNone/>
-            </a:pPr>
-            <a:r>
-              <a:rPr lang="en-US" sz="1700"/>
-              <a:t>- Models – Handles stock data processing</a:t>
-            </a:r>
-          </a:p>
-          <a:p>
-            <a:pPr marL="400050" lvl="1" indent="0">
-              <a:buNone/>
-            </a:pPr>
-            <a:r>
-              <a:rPr lang="en-US" sz="1700"/>
-              <a:t>- Views – User interface components</a:t>
-            </a:r>
-          </a:p>
-          <a:p>
-            <a:pPr marL="400050" lvl="1" indent="0">
-              <a:buNone/>
-            </a:pPr>
-            <a:r>
-              <a:rPr lang="en-US" sz="1700"/>
-              <a:t>- Controllers – Manages logic and data flow</a:t>
-            </a:r>
-          </a:p>
-          <a:p>
-            <a:pPr marL="400050" lvl="1" indent="0">
-              <a:buNone/>
-            </a:pPr>
-            <a:r>
-              <a:rPr lang="en-US" sz="1700"/>
-              <a:t>- Utils – Charting tools &amp; theme settings</a:t>
-            </a:r>
-          </a:p>
-        </p:txBody>
-      </p:sp>
-      <p:pic>
-        <p:nvPicPr>
-          <p:cNvPr id="5" name="Picture 4" descr="Financial graphs on a dark display">
-            <a:extLst>
-              <a:ext uri="{FF2B5EF4-FFF2-40B4-BE49-F238E27FC236}">
-                <a16:creationId xmlns:a16="http://schemas.microsoft.com/office/drawing/2014/main" id="{14903236-7B02-5345-13DE-02E1035EC223}"/>
-              </a:ext>
-            </a:extLst>
-          </p:cNvPr>
-          <p:cNvPicPr>
-            <a:picLocks noChangeAspect="1"/>
-          </p:cNvPicPr>
-          <p:nvPr/>
-        </p:nvPicPr>
-        <p:blipFill>
-          <a:blip r:embed="rId2"/>
-          <a:srcRect l="26239" r="32048"/>
-          <a:stretch/>
-        </p:blipFill>
-        <p:spPr>
-          <a:xfrm>
-            <a:off x="4572000" y="1"/>
-            <a:ext cx="4577118" cy="6858000"/>
-          </a:xfrm>
-          <a:prstGeom prst="rect">
-            <a:avLst/>
-          </a:prstGeom>
-        </p:spPr>
-      </p:pic>
-    </p:spTree>
-  </p:cSld>
-  <p:clrMapOvr>
-    <a:masterClrMapping/>
-  </p:clrMapOvr>
-</p:sld>
-</file>
-
-<file path=ppt/slides/slide8.xml><?xml version="1.0" encoding="utf-8"?>
 <p:sld xmlns:a="http://schemas.openxmlformats.org/drawingml/2006/main" xmlns:r="http://schemas.openxmlformats.org/officeDocument/2006/relationships" xmlns:p="http://schemas.openxmlformats.org/presentationml/2006/main">
   <p:cSld>
     <p:bg>
@@ -17960,7 +9947,7 @@
 </p:sld>
 </file>
 
-<file path=ppt/slides/slide9.xml><?xml version="1.0" encoding="utf-8"?>
+<file path=ppt/slides/slide5.xml><?xml version="1.0" encoding="utf-8"?>
 <p:sld xmlns:a="http://schemas.openxmlformats.org/drawingml/2006/main" xmlns:r="http://schemas.openxmlformats.org/officeDocument/2006/relationships" xmlns:p="http://schemas.openxmlformats.org/presentationml/2006/main">
   <p:cSld>
     <p:bg>
@@ -17990,7 +9977,7 @@
           <p:cNvPr id="9" name="Rectangle 8">
             <a:extLst>
               <a:ext uri="{FF2B5EF4-FFF2-40B4-BE49-F238E27FC236}">
-                <a16:creationId xmlns:a16="http://schemas.microsoft.com/office/drawing/2014/main" id="{C05CBC3C-2E5A-4839-8B9B-2E5A6ADF0F58}"/>
+                <a16:creationId xmlns:a16="http://schemas.microsoft.com/office/drawing/2014/main" id="{2E442304-DDBD-4F7B-8017-36BCC863FB40}"/>
               </a:ext>
               <a:ext uri="{C183D7F6-B498-43B3-948B-1728B52AA6E4}">
                 <adec:decorative xmlns:adec="http://schemas.microsoft.com/office/drawing/2017/decorative" val="1"/>
@@ -18047,10 +10034,39 @@
       </p:sp>
       <p:sp>
         <p:nvSpPr>
-          <p:cNvPr id="11" name="Freeform: Shape 10">
+          <p:cNvPr id="2" name="Title 1"/>
+          <p:cNvSpPr>
+            <a:spLocks noGrp="1"/>
+          </p:cNvSpPr>
+          <p:nvPr>
+            <p:ph type="title"/>
+          </p:nvPr>
+        </p:nvSpPr>
+        <p:spPr>
+          <a:xfrm>
+            <a:off x="476250" y="640823"/>
+            <a:ext cx="2563994" cy="5583148"/>
+          </a:xfrm>
+        </p:spPr>
+        <p:txBody>
+          <a:bodyPr anchor="ctr">
+            <a:normAutofit/>
+          </a:bodyPr>
+          <a:lstStyle/>
+          <a:p>
+            <a:r>
+              <a:rPr lang="en-US" sz="4700"/>
+              <a:t>Team &amp; Credits</a:t>
+            </a:r>
+          </a:p>
+        </p:txBody>
+      </p:sp>
+      <p:sp>
+        <p:nvSpPr>
+          <p:cNvPr id="11" name="sketch line">
             <a:extLst>
               <a:ext uri="{FF2B5EF4-FFF2-40B4-BE49-F238E27FC236}">
-                <a16:creationId xmlns:a16="http://schemas.microsoft.com/office/drawing/2014/main" id="{DB5B423A-57CC-4C58-AA26-8E2E862B03A0}"/>
+                <a16:creationId xmlns:a16="http://schemas.microsoft.com/office/drawing/2014/main" id="{5E107275-3853-46FD-A241-DE4355A42675}"/>
               </a:ext>
               <a:ext uri="{C183D7F6-B498-43B3-948B-1728B52AA6E4}">
                 <adec:decorative xmlns:adec="http://schemas.microsoft.com/office/drawing/2017/decorative" val="1"/>
@@ -18069,83 +10085,51 @@
           </p:nvPr>
         </p:nvSpPr>
         <p:spPr>
-          <a:xfrm>
-            <a:off x="0" y="1"/>
-            <a:ext cx="3912768" cy="3994777"/>
+          <a:xfrm rot="5400000">
+            <a:off x="544313" y="3465005"/>
+            <a:ext cx="5410200" cy="13716"/>
           </a:xfrm>
           <a:custGeom>
             <a:avLst/>
             <a:gdLst>
-              <a:gd name="connsiteX0" fmla="*/ 1945461 w 5217023"/>
-              <a:gd name="connsiteY0" fmla="*/ 3787398 h 3994777"/>
-              <a:gd name="connsiteX1" fmla="*/ 1942113 w 5217023"/>
-              <a:gd name="connsiteY1" fmla="*/ 3790053 h 3994777"/>
-              <a:gd name="connsiteX2" fmla="*/ 1946982 w 5217023"/>
-              <a:gd name="connsiteY2" fmla="*/ 3787990 h 3994777"/>
-              <a:gd name="connsiteX3" fmla="*/ 1945461 w 5217023"/>
-              <a:gd name="connsiteY3" fmla="*/ 3787398 h 3994777"/>
-              <a:gd name="connsiteX4" fmla="*/ 0 w 5217023"/>
-              <a:gd name="connsiteY4" fmla="*/ 0 h 3994777"/>
-              <a:gd name="connsiteX5" fmla="*/ 5030958 w 5217023"/>
-              <a:gd name="connsiteY5" fmla="*/ 0 h 3994777"/>
-              <a:gd name="connsiteX6" fmla="*/ 5046198 w 5217023"/>
-              <a:gd name="connsiteY6" fmla="*/ 153449 h 3994777"/>
-              <a:gd name="connsiteX7" fmla="*/ 5055729 w 5217023"/>
-              <a:gd name="connsiteY7" fmla="*/ 415828 h 3994777"/>
-              <a:gd name="connsiteX8" fmla="*/ 4735242 w 5217023"/>
-              <a:gd name="connsiteY8" fmla="*/ 1867130 h 3994777"/>
-              <a:gd name="connsiteX9" fmla="*/ 3907395 w 5217023"/>
-              <a:gd name="connsiteY9" fmla="*/ 2938441 h 3994777"/>
-              <a:gd name="connsiteX10" fmla="*/ 3946497 w 5217023"/>
-              <a:gd name="connsiteY10" fmla="*/ 2908567 h 3994777"/>
-              <a:gd name="connsiteX11" fmla="*/ 4585421 w 5217023"/>
-              <a:gd name="connsiteY11" fmla="*/ 2188401 h 3994777"/>
-              <a:gd name="connsiteX12" fmla="*/ 5142585 w 5217023"/>
-              <a:gd name="connsiteY12" fmla="*/ 276891 h 3994777"/>
-              <a:gd name="connsiteX13" fmla="*/ 5121833 w 5217023"/>
-              <a:gd name="connsiteY13" fmla="*/ 30208 h 3994777"/>
-              <a:gd name="connsiteX14" fmla="*/ 5116229 w 5217023"/>
-              <a:gd name="connsiteY14" fmla="*/ 0 h 3994777"/>
-              <a:gd name="connsiteX15" fmla="*/ 5184724 w 5217023"/>
-              <a:gd name="connsiteY15" fmla="*/ 0 h 3994777"/>
-              <a:gd name="connsiteX16" fmla="*/ 5196265 w 5217023"/>
-              <a:gd name="connsiteY16" fmla="*/ 66113 h 3994777"/>
-              <a:gd name="connsiteX17" fmla="*/ 5058603 w 5217023"/>
-              <a:gd name="connsiteY17" fmla="*/ 1368242 h 3994777"/>
-              <a:gd name="connsiteX18" fmla="*/ 4096624 w 5217023"/>
-              <a:gd name="connsiteY18" fmla="*/ 2870829 h 3994777"/>
-              <a:gd name="connsiteX19" fmla="*/ 3833203 w 5217023"/>
-              <a:gd name="connsiteY19" fmla="*/ 3092190 h 3994777"/>
-              <a:gd name="connsiteX20" fmla="*/ 3536509 w 5217023"/>
-              <a:gd name="connsiteY20" fmla="*/ 3297128 h 3994777"/>
-              <a:gd name="connsiteX21" fmla="*/ 3148966 w 5217023"/>
-              <a:gd name="connsiteY21" fmla="*/ 3485478 h 3994777"/>
-              <a:gd name="connsiteX22" fmla="*/ 1860557 w 5217023"/>
-              <a:gd name="connsiteY22" fmla="*/ 3880910 h 3994777"/>
-              <a:gd name="connsiteX23" fmla="*/ 573715 w 5217023"/>
-              <a:gd name="connsiteY23" fmla="*/ 3983764 h 3994777"/>
-              <a:gd name="connsiteX24" fmla="*/ 108410 w 5217023"/>
-              <a:gd name="connsiteY24" fmla="*/ 3908816 h 3994777"/>
-              <a:gd name="connsiteX25" fmla="*/ 0 w 5217023"/>
-              <a:gd name="connsiteY25" fmla="*/ 3876793 h 3994777"/>
-              <a:gd name="connsiteX26" fmla="*/ 0 w 5217023"/>
-              <a:gd name="connsiteY26" fmla="*/ 3802912 h 3994777"/>
-              <a:gd name="connsiteX27" fmla="*/ 36975 w 5217023"/>
-              <a:gd name="connsiteY27" fmla="*/ 3815954 h 3994777"/>
-              <a:gd name="connsiteX28" fmla="*/ 561628 w 5217023"/>
-              <a:gd name="connsiteY28" fmla="*/ 3912655 h 3994777"/>
-              <a:gd name="connsiteX29" fmla="*/ 1683086 w 5217023"/>
-              <a:gd name="connsiteY29" fmla="*/ 3844334 h 3994777"/>
-              <a:gd name="connsiteX30" fmla="*/ 1806023 w 5217023"/>
-              <a:gd name="connsiteY30" fmla="*/ 3820992 h 3994777"/>
-              <a:gd name="connsiteX31" fmla="*/ 1921817 w 5217023"/>
-              <a:gd name="connsiteY31" fmla="*/ 3795747 h 3994777"/>
-              <a:gd name="connsiteX32" fmla="*/ 1243689 w 5217023"/>
-              <a:gd name="connsiteY32" fmla="*/ 3846539 h 3994777"/>
-              <a:gd name="connsiteX33" fmla="*/ 62875 w 5217023"/>
-              <a:gd name="connsiteY33" fmla="*/ 3668143 h 3994777"/>
-              <a:gd name="connsiteX34" fmla="*/ 0 w 5217023"/>
-              <a:gd name="connsiteY34" fmla="*/ 3644185 h 3994777"/>
+              <a:gd name="connsiteX0" fmla="*/ 0 w 5410200"/>
+              <a:gd name="connsiteY0" fmla="*/ 0 h 13716"/>
+              <a:gd name="connsiteX1" fmla="*/ 568071 w 5410200"/>
+              <a:gd name="connsiteY1" fmla="*/ 0 h 13716"/>
+              <a:gd name="connsiteX2" fmla="*/ 1298448 w 5410200"/>
+              <a:gd name="connsiteY2" fmla="*/ 0 h 13716"/>
+              <a:gd name="connsiteX3" fmla="*/ 1920621 w 5410200"/>
+              <a:gd name="connsiteY3" fmla="*/ 0 h 13716"/>
+              <a:gd name="connsiteX4" fmla="*/ 2488692 w 5410200"/>
+              <a:gd name="connsiteY4" fmla="*/ 0 h 13716"/>
+              <a:gd name="connsiteX5" fmla="*/ 3219069 w 5410200"/>
+              <a:gd name="connsiteY5" fmla="*/ 0 h 13716"/>
+              <a:gd name="connsiteX6" fmla="*/ 3895344 w 5410200"/>
+              <a:gd name="connsiteY6" fmla="*/ 0 h 13716"/>
+              <a:gd name="connsiteX7" fmla="*/ 4571619 w 5410200"/>
+              <a:gd name="connsiteY7" fmla="*/ 0 h 13716"/>
+              <a:gd name="connsiteX8" fmla="*/ 5410200 w 5410200"/>
+              <a:gd name="connsiteY8" fmla="*/ 0 h 13716"/>
+              <a:gd name="connsiteX9" fmla="*/ 5410200 w 5410200"/>
+              <a:gd name="connsiteY9" fmla="*/ 13716 h 13716"/>
+              <a:gd name="connsiteX10" fmla="*/ 4842129 w 5410200"/>
+              <a:gd name="connsiteY10" fmla="*/ 13716 h 13716"/>
+              <a:gd name="connsiteX11" fmla="*/ 4328160 w 5410200"/>
+              <a:gd name="connsiteY11" fmla="*/ 13716 h 13716"/>
+              <a:gd name="connsiteX12" fmla="*/ 3597783 w 5410200"/>
+              <a:gd name="connsiteY12" fmla="*/ 13716 h 13716"/>
+              <a:gd name="connsiteX13" fmla="*/ 3029712 w 5410200"/>
+              <a:gd name="connsiteY13" fmla="*/ 13716 h 13716"/>
+              <a:gd name="connsiteX14" fmla="*/ 2299335 w 5410200"/>
+              <a:gd name="connsiteY14" fmla="*/ 13716 h 13716"/>
+              <a:gd name="connsiteX15" fmla="*/ 1514856 w 5410200"/>
+              <a:gd name="connsiteY15" fmla="*/ 13716 h 13716"/>
+              <a:gd name="connsiteX16" fmla="*/ 892683 w 5410200"/>
+              <a:gd name="connsiteY16" fmla="*/ 13716 h 13716"/>
+              <a:gd name="connsiteX17" fmla="*/ 0 w 5410200"/>
+              <a:gd name="connsiteY17" fmla="*/ 13716 h 13716"/>
+              <a:gd name="connsiteX18" fmla="*/ 0 w 5410200"/>
+              <a:gd name="connsiteY18" fmla="*/ 0 h 13716"/>
             </a:gdLst>
             <a:ahLst/>
             <a:cxnLst>
@@ -18206,208 +10190,199 @@
               <a:cxn ang="0">
                 <a:pos x="connsiteX18" y="connsiteY18"/>
               </a:cxn>
-              <a:cxn ang="0">
-                <a:pos x="connsiteX19" y="connsiteY19"/>
-              </a:cxn>
-              <a:cxn ang="0">
-                <a:pos x="connsiteX20" y="connsiteY20"/>
-              </a:cxn>
-              <a:cxn ang="0">
-                <a:pos x="connsiteX21" y="connsiteY21"/>
-              </a:cxn>
-              <a:cxn ang="0">
-                <a:pos x="connsiteX22" y="connsiteY22"/>
-              </a:cxn>
-              <a:cxn ang="0">
-                <a:pos x="connsiteX23" y="connsiteY23"/>
-              </a:cxn>
-              <a:cxn ang="0">
-                <a:pos x="connsiteX24" y="connsiteY24"/>
-              </a:cxn>
-              <a:cxn ang="0">
-                <a:pos x="connsiteX25" y="connsiteY25"/>
-              </a:cxn>
-              <a:cxn ang="0">
-                <a:pos x="connsiteX26" y="connsiteY26"/>
-              </a:cxn>
-              <a:cxn ang="0">
-                <a:pos x="connsiteX27" y="connsiteY27"/>
-              </a:cxn>
-              <a:cxn ang="0">
-                <a:pos x="connsiteX28" y="connsiteY28"/>
-              </a:cxn>
-              <a:cxn ang="0">
-                <a:pos x="connsiteX29" y="connsiteY29"/>
-              </a:cxn>
-              <a:cxn ang="0">
-                <a:pos x="connsiteX30" y="connsiteY30"/>
-              </a:cxn>
-              <a:cxn ang="0">
-                <a:pos x="connsiteX31" y="connsiteY31"/>
-              </a:cxn>
-              <a:cxn ang="0">
-                <a:pos x="connsiteX32" y="connsiteY32"/>
-              </a:cxn>
-              <a:cxn ang="0">
-                <a:pos x="connsiteX33" y="connsiteY33"/>
-              </a:cxn>
-              <a:cxn ang="0">
-                <a:pos x="connsiteX34" y="connsiteY34"/>
-              </a:cxn>
             </a:cxnLst>
             <a:rect l="l" t="t" r="r" b="b"/>
             <a:pathLst>
-              <a:path w="5217023" h="3994777">
-                <a:moveTo>
-                  <a:pt x="1945461" y="3787398"/>
-                </a:moveTo>
-                <a:lnTo>
-                  <a:pt x="1942113" y="3790053"/>
-                </a:lnTo>
-                <a:lnTo>
-                  <a:pt x="1946982" y="3787990"/>
-                </a:lnTo>
-                <a:cubicBezTo>
-                  <a:pt x="1946982" y="3787990"/>
-                  <a:pt x="1946379" y="3787019"/>
-                  <a:pt x="1945461" y="3787398"/>
-                </a:cubicBezTo>
-                <a:close/>
+              <a:path w="5410200" h="13716" fill="none" extrusionOk="0">
                 <a:moveTo>
                   <a:pt x="0" y="0"/>
                 </a:moveTo>
-                <a:lnTo>
-                  <a:pt x="5030958" y="0"/>
-                </a:lnTo>
-                <a:lnTo>
-                  <a:pt x="5046198" y="153449"/>
-                </a:lnTo>
                 <a:cubicBezTo>
-                  <a:pt x="5052189" y="240558"/>
-                  <a:pt x="5055458" y="328007"/>
-                  <a:pt x="5055729" y="415828"/>
+                  <a:pt x="163050" y="-18707"/>
+                  <a:pt x="319321" y="-16364"/>
+                  <a:pt x="568071" y="0"/>
                 </a:cubicBezTo>
                 <a:cubicBezTo>
-                  <a:pt x="5057604" y="923672"/>
-                  <a:pt x="4959210" y="1409054"/>
-                  <a:pt x="4735242" y="1867130"/>
+                  <a:pt x="816821" y="16364"/>
+                  <a:pt x="1013224" y="-7268"/>
+                  <a:pt x="1298448" y="0"/>
                 </a:cubicBezTo>
                 <a:cubicBezTo>
-                  <a:pt x="4533284" y="2280198"/>
-                  <a:pt x="4248921" y="2629330"/>
-                  <a:pt x="3907395" y="2938441"/>
+                  <a:pt x="1583672" y="7268"/>
+                  <a:pt x="1631711" y="-3367"/>
+                  <a:pt x="1920621" y="0"/>
                 </a:cubicBezTo>
                 <a:cubicBezTo>
-                  <a:pt x="3922498" y="2931535"/>
-                  <a:pt x="3935859" y="2921330"/>
-                  <a:pt x="3946497" y="2908567"/>
+                  <a:pt x="2209531" y="3367"/>
+                  <a:pt x="2364420" y="-19184"/>
+                  <a:pt x="2488692" y="0"/>
                 </a:cubicBezTo>
                 <a:cubicBezTo>
-                  <a:pt x="4193494" y="2700987"/>
-                  <a:pt x="4408756" y="2458364"/>
-                  <a:pt x="4585421" y="2188401"/>
+                  <a:pt x="2612964" y="19184"/>
+                  <a:pt x="3023298" y="-34627"/>
+                  <a:pt x="3219069" y="0"/>
                 </a:cubicBezTo>
                 <a:cubicBezTo>
-                  <a:pt x="4967641" y="1608533"/>
-                  <a:pt x="5169304" y="975361"/>
-                  <a:pt x="5142585" y="276891"/>
+                  <a:pt x="3414840" y="34627"/>
+                  <a:pt x="3656810" y="24043"/>
+                  <a:pt x="3895344" y="0"/>
                 </a:cubicBezTo>
                 <a:cubicBezTo>
-                  <a:pt x="5139764" y="194215"/>
-                  <a:pt x="5132824" y="111888"/>
-                  <a:pt x="5121833" y="30208"/>
-                </a:cubicBezTo>
-                <a:lnTo>
-                  <a:pt x="5116229" y="0"/>
-                </a:lnTo>
-                <a:lnTo>
-                  <a:pt x="5184724" y="0"/>
-                </a:lnTo>
-                <a:lnTo>
-                  <a:pt x="5196265" y="66113"/>
-                </a:lnTo>
-                <a:cubicBezTo>
-                  <a:pt x="5249921" y="496647"/>
-                  <a:pt x="5197997" y="931171"/>
-                  <a:pt x="5058603" y="1368242"/>
+                  <a:pt x="4133879" y="-24043"/>
+                  <a:pt x="4393984" y="-19577"/>
+                  <a:pt x="4571619" y="0"/>
                 </a:cubicBezTo>
                 <a:cubicBezTo>
-                  <a:pt x="4872414" y="1953929"/>
-                  <a:pt x="4544298" y="2451351"/>
-                  <a:pt x="4096624" y="2870829"/>
+                  <a:pt x="4749255" y="19577"/>
+                  <a:pt x="5179928" y="-6281"/>
+                  <a:pt x="5410200" y="0"/>
                 </a:cubicBezTo>
                 <a:cubicBezTo>
-                  <a:pt x="4012832" y="2949426"/>
-                  <a:pt x="3924415" y="3022439"/>
-                  <a:pt x="3833203" y="3092190"/>
+                  <a:pt x="5409587" y="2854"/>
+                  <a:pt x="5409791" y="9451"/>
+                  <a:pt x="5410200" y="13716"/>
                 </a:cubicBezTo>
                 <a:cubicBezTo>
-                  <a:pt x="3741992" y="3161943"/>
-                  <a:pt x="3648667" y="3225510"/>
-                  <a:pt x="3536509" y="3297128"/>
+                  <a:pt x="5139060" y="2179"/>
+                  <a:pt x="5121593" y="26463"/>
+                  <a:pt x="4842129" y="13716"/>
                 </a:cubicBezTo>
                 <a:cubicBezTo>
-                  <a:pt x="3427215" y="3372735"/>
-                  <a:pt x="3288598" y="3430233"/>
-                  <a:pt x="3148966" y="3485478"/>
+                  <a:pt x="4562665" y="969"/>
+                  <a:pt x="4448273" y="4915"/>
+                  <a:pt x="4328160" y="13716"/>
                 </a:cubicBezTo>
                 <a:cubicBezTo>
-                  <a:pt x="2729930" y="3651299"/>
-                  <a:pt x="2302194" y="3788890"/>
-                  <a:pt x="1860557" y="3880910"/>
+                  <a:pt x="4208047" y="22517"/>
+                  <a:pt x="3760936" y="17995"/>
+                  <a:pt x="3597783" y="13716"/>
                 </a:cubicBezTo>
                 <a:cubicBezTo>
-                  <a:pt x="1435974" y="3969444"/>
-                  <a:pt x="1008052" y="4017957"/>
-                  <a:pt x="573715" y="3983764"/>
+                  <a:pt x="3434630" y="9437"/>
+                  <a:pt x="3299718" y="28641"/>
+                  <a:pt x="3029712" y="13716"/>
                 </a:cubicBezTo>
                 <a:cubicBezTo>
-                  <a:pt x="415134" y="3971300"/>
-                  <a:pt x="259585" y="3947743"/>
-                  <a:pt x="108410" y="3908816"/>
-                </a:cubicBezTo>
-                <a:lnTo>
-                  <a:pt x="0" y="3876793"/>
-                </a:lnTo>
-                <a:lnTo>
-                  <a:pt x="0" y="3802912"/>
-                </a:lnTo>
-                <a:lnTo>
-                  <a:pt x="36975" y="3815954"/>
-                </a:lnTo>
-                <a:cubicBezTo>
-                  <a:pt x="206404" y="3867475"/>
-                  <a:pt x="382020" y="3897326"/>
-                  <a:pt x="561628" y="3912655"/>
+                  <a:pt x="2759706" y="-1209"/>
+                  <a:pt x="2640159" y="22822"/>
+                  <a:pt x="2299335" y="13716"/>
                 </a:cubicBezTo>
                 <a:cubicBezTo>
-                  <a:pt x="938583" y="3944832"/>
-                  <a:pt x="1311814" y="3910697"/>
-                  <a:pt x="1683086" y="3844334"/>
+                  <a:pt x="1958511" y="4610"/>
+                  <a:pt x="1801186" y="24413"/>
+                  <a:pt x="1514856" y="13716"/>
                 </a:cubicBezTo>
                 <a:cubicBezTo>
-                  <a:pt x="1724123" y="3837151"/>
-                  <a:pt x="1765097" y="3829374"/>
-                  <a:pt x="1806023" y="3820992"/>
+                  <a:pt x="1228526" y="3019"/>
+                  <a:pt x="1063509" y="-9877"/>
+                  <a:pt x="892683" y="13716"/>
                 </a:cubicBezTo>
                 <a:cubicBezTo>
-                  <a:pt x="1844740" y="3813079"/>
-                  <a:pt x="1883218" y="3804161"/>
-                  <a:pt x="1921817" y="3795747"/>
+                  <a:pt x="721857" y="37309"/>
+                  <a:pt x="186945" y="-25469"/>
+                  <a:pt x="0" y="13716"/>
                 </a:cubicBezTo>
                 <a:cubicBezTo>
-                  <a:pt x="1697011" y="3826435"/>
-                  <a:pt x="1470551" y="3843387"/>
-                  <a:pt x="1243689" y="3846539"/>
+                  <a:pt x="-342" y="9537"/>
+                  <a:pt x="-97" y="6817"/>
+                  <a:pt x="0" y="0"/>
+                </a:cubicBezTo>
+                <a:close/>
+              </a:path>
+              <a:path w="5410200" h="13716" stroke="0" extrusionOk="0">
+                <a:moveTo>
+                  <a:pt x="0" y="0"/>
+                </a:moveTo>
+                <a:cubicBezTo>
+                  <a:pt x="285096" y="-4925"/>
+                  <a:pt x="376456" y="22268"/>
+                  <a:pt x="622173" y="0"/>
                 </a:cubicBezTo>
                 <a:cubicBezTo>
-                  <a:pt x="839058" y="3849054"/>
-                  <a:pt x="443424" y="3800206"/>
-                  <a:pt x="62875" y="3668143"/>
+                  <a:pt x="867890" y="-22268"/>
+                  <a:pt x="1031392" y="7228"/>
+                  <a:pt x="1136142" y="0"/>
                 </a:cubicBezTo>
-                <a:lnTo>
-                  <a:pt x="0" y="3644185"/>
-                </a:lnTo>
+                <a:cubicBezTo>
+                  <a:pt x="1240892" y="-7228"/>
+                  <a:pt x="1561853" y="9877"/>
+                  <a:pt x="1920621" y="0"/>
+                </a:cubicBezTo>
+                <a:cubicBezTo>
+                  <a:pt x="2279389" y="-9877"/>
+                  <a:pt x="2367255" y="19546"/>
+                  <a:pt x="2542794" y="0"/>
+                </a:cubicBezTo>
+                <a:cubicBezTo>
+                  <a:pt x="2718333" y="-19546"/>
+                  <a:pt x="2866732" y="-22226"/>
+                  <a:pt x="3164967" y="0"/>
+                </a:cubicBezTo>
+                <a:cubicBezTo>
+                  <a:pt x="3463202" y="22226"/>
+                  <a:pt x="3568055" y="-2765"/>
+                  <a:pt x="3949446" y="0"/>
+                </a:cubicBezTo>
+                <a:cubicBezTo>
+                  <a:pt x="4330837" y="2765"/>
+                  <a:pt x="4287895" y="10557"/>
+                  <a:pt x="4517517" y="0"/>
+                </a:cubicBezTo>
+                <a:cubicBezTo>
+                  <a:pt x="4747139" y="-10557"/>
+                  <a:pt x="5149588" y="8716"/>
+                  <a:pt x="5410200" y="0"/>
+                </a:cubicBezTo>
+                <a:cubicBezTo>
+                  <a:pt x="5410660" y="2787"/>
+                  <a:pt x="5410166" y="9748"/>
+                  <a:pt x="5410200" y="13716"/>
+                </a:cubicBezTo>
+                <a:cubicBezTo>
+                  <a:pt x="5163327" y="36922"/>
+                  <a:pt x="5008749" y="6121"/>
+                  <a:pt x="4842129" y="13716"/>
+                </a:cubicBezTo>
+                <a:cubicBezTo>
+                  <a:pt x="4675509" y="21311"/>
+                  <a:pt x="4433401" y="-5187"/>
+                  <a:pt x="4165854" y="13716"/>
+                </a:cubicBezTo>
+                <a:cubicBezTo>
+                  <a:pt x="3898308" y="32619"/>
+                  <a:pt x="3809032" y="-13282"/>
+                  <a:pt x="3543681" y="13716"/>
+                </a:cubicBezTo>
+                <a:cubicBezTo>
+                  <a:pt x="3278330" y="40714"/>
+                  <a:pt x="3073876" y="-20489"/>
+                  <a:pt x="2759202" y="13716"/>
+                </a:cubicBezTo>
+                <a:cubicBezTo>
+                  <a:pt x="2444528" y="47921"/>
+                  <a:pt x="2204144" y="-1200"/>
+                  <a:pt x="1974723" y="13716"/>
+                </a:cubicBezTo>
+                <a:cubicBezTo>
+                  <a:pt x="1745302" y="28632"/>
+                  <a:pt x="1602335" y="26918"/>
+                  <a:pt x="1406652" y="13716"/>
+                </a:cubicBezTo>
+                <a:cubicBezTo>
+                  <a:pt x="1210969" y="514"/>
+                  <a:pt x="923948" y="-1411"/>
+                  <a:pt x="730377" y="13716"/>
+                </a:cubicBezTo>
+                <a:cubicBezTo>
+                  <a:pt x="536806" y="28843"/>
+                  <a:pt x="336496" y="-4713"/>
+                  <a:pt x="0" y="13716"/>
+                </a:cubicBezTo>
+                <a:cubicBezTo>
+                  <a:pt x="-535" y="9547"/>
+                  <a:pt x="488" y="4515"/>
+                  <a:pt x="0" y="0"/>
+                </a:cubicBezTo>
                 <a:close/>
               </a:path>
             </a:pathLst>
@@ -18415,8 +10390,23 @@
           <a:solidFill>
             <a:schemeClr val="accent2"/>
           </a:solidFill>
-          <a:ln>
-            <a:noFill/>
+          <a:ln w="41275" cap="rnd">
+            <a:solidFill>
+              <a:schemeClr val="accent2"/>
+            </a:solidFill>
+            <a:round/>
+            <a:extLst>
+              <a:ext uri="{C807C97D-BFC1-408E-A445-0C87EB9F89A2}">
+                <ask:lineSketchStyleProps xmlns:ask="http://schemas.microsoft.com/office/drawing/2018/sketchyshapes" sd="1219033472">
+                  <a:prstGeom prst="rect">
+                    <a:avLst/>
+                  </a:prstGeom>
+                  <ask:type>
+                    <ask:lineSketchFreehand/>
+                  </ask:type>
+                </ask:lineSketchStyleProps>
+              </a:ext>
+            </a:extLst>
           </a:ln>
         </p:spPr>
         <p:style>
@@ -18436,51 +10426,11 @@
           </a:fontRef>
         </p:style>
         <p:txBody>
-          <a:bodyPr wrap="square" rtlCol="0" anchor="ctr">
-            <a:noAutofit/>
-          </a:bodyPr>
+          <a:bodyPr rtlCol="0" anchor="ctr"/>
           <a:lstStyle/>
           <a:p>
             <a:pPr algn="ctr"/>
             <a:endParaRPr lang="en-US"/>
-          </a:p>
-        </p:txBody>
-      </p:sp>
-      <p:sp>
-        <p:nvSpPr>
-          <p:cNvPr id="2" name="Title 1"/>
-          <p:cNvSpPr>
-            <a:spLocks noGrp="1"/>
-          </p:cNvSpPr>
-          <p:nvPr>
-            <p:ph type="title"/>
-          </p:nvPr>
-        </p:nvSpPr>
-        <p:spPr>
-          <a:xfrm>
-            <a:off x="628650" y="673770"/>
-            <a:ext cx="2415246" cy="2027227"/>
-          </a:xfrm>
-        </p:spPr>
-        <p:txBody>
-          <a:bodyPr anchor="t">
-            <a:normAutofit/>
-          </a:bodyPr>
-          <a:lstStyle/>
-          <a:p>
-            <a:pPr>
-              <a:lnSpc>
-                <a:spcPct val="90000"/>
-              </a:lnSpc>
-            </a:pPr>
-            <a:r>
-              <a:rPr lang="en-US" sz="3300">
-                <a:solidFill>
-                  <a:srgbClr val="FFFFFF"/>
-                </a:solidFill>
-              </a:rPr>
-              <a:t>Technologies Used</a:t>
-            </a:r>
           </a:p>
         </p:txBody>
       </p:sp>
@@ -18489,7 +10439,7 @@
           <p:cNvPr id="5" name="Content Placeholder 2">
             <a:extLst>
               <a:ext uri="{FF2B5EF4-FFF2-40B4-BE49-F238E27FC236}">
-                <a16:creationId xmlns:a16="http://schemas.microsoft.com/office/drawing/2014/main" id="{B516E161-8297-1C8B-CD04-169A7FE22AD2}"/>
+                <a16:creationId xmlns:a16="http://schemas.microsoft.com/office/drawing/2014/main" id="{AC6AB5BC-D269-2C78-940C-267F1D694882}"/>
               </a:ext>
             </a:extLst>
           </p:cNvPr>
@@ -18500,14 +10450,14 @@
             <p:ph idx="1"/>
             <p:extLst>
               <p:ext uri="{D42A27DB-BD31-4B8C-83A1-F6EECF244321}">
-                <p14:modId xmlns:p14="http://schemas.microsoft.com/office/powerpoint/2010/main" val="1002747009"/>
+                <p14:modId xmlns:p14="http://schemas.microsoft.com/office/powerpoint/2010/main" val="1637016482"/>
               </p:ext>
             </p:extLst>
           </p:nvPr>
         </p:nvGraphicFramePr>
         <p:xfrm>
-          <a:off x="4157004" y="541606"/>
-          <a:ext cx="4358346" cy="5678219"/>
+          <a:off x="3486013" y="640822"/>
+          <a:ext cx="5175384" cy="5536141"/>
         </p:xfrm>
         <a:graphic>
           <a:graphicData uri="http://schemas.openxmlformats.org/drawingml/2006/diagram">
